--- a/PP_INFOSKJERM_43_LYS.pptx
+++ b/PP_INFOSKJERM_43_LYS.pptx
@@ -2,22 +2,24 @@
 <file path=ppt/presentation.xml><?xml version="1.0" encoding="utf-8"?>
 <p:presentation xmlns:a="http://schemas.openxmlformats.org/drawingml/2006/main" xmlns:r="http://schemas.openxmlformats.org/officeDocument/2006/relationships" xmlns:p="http://schemas.openxmlformats.org/presentationml/2006/main" saveSubsetFonts="1">
   <p:sldMasterIdLst>
-    <p:sldMasterId id="2147483648" r:id="rId1"/>
-    <p:sldMasterId id="2147483661" r:id="rId2"/>
-    <p:sldMasterId id="2147483668" r:id="rId3"/>
-    <p:sldMasterId id="2147483672" r:id="rId4"/>
-    <p:sldMasterId id="2147483676" r:id="rId5"/>
+    <p:sldMasterId id="2147483648" r:id="rId4"/>
+    <p:sldMasterId id="2147483661" r:id="rId5"/>
+    <p:sldMasterId id="2147483668" r:id="rId6"/>
+    <p:sldMasterId id="2147483672" r:id="rId7"/>
+    <p:sldMasterId id="2147483676" r:id="rId8"/>
   </p:sldMasterIdLst>
   <p:notesMasterIdLst>
-    <p:notesMasterId r:id="rId12"/>
+    <p:notesMasterId r:id="rId17"/>
   </p:notesMasterIdLst>
   <p:sldIdLst>
-    <p:sldId id="256" r:id="rId6"/>
-    <p:sldId id="257" r:id="rId7"/>
-    <p:sldId id="258" r:id="rId8"/>
-    <p:sldId id="259" r:id="rId9"/>
-    <p:sldId id="260" r:id="rId10"/>
-    <p:sldId id="261" r:id="rId11"/>
+    <p:sldId id="256" r:id="rId9"/>
+    <p:sldId id="262" r:id="rId10"/>
+    <p:sldId id="263" r:id="rId11"/>
+    <p:sldId id="257" r:id="rId12"/>
+    <p:sldId id="258" r:id="rId13"/>
+    <p:sldId id="259" r:id="rId14"/>
+    <p:sldId id="260" r:id="rId15"/>
+    <p:sldId id="261" r:id="rId16"/>
   </p:sldIdLst>
   <p:sldSz cx="6859588" cy="5145088"/>
   <p:notesSz cx="6858000" cy="9144000"/>
@@ -135,6 +137,14 @@
 </p:presentation>
 </file>
 
+<file path=ppt/revisionInfo.xml><?xml version="1.0" encoding="utf-8"?>
+<p1510:revInfo xmlns:a="http://schemas.openxmlformats.org/drawingml/2006/main" xmlns:r="http://schemas.openxmlformats.org/officeDocument/2006/relationships" xmlns:p1510="http://schemas.microsoft.com/office/powerpoint/2015/10/main">
+  <p1510:revLst>
+    <p1510:client id="{6B35A3BD-249B-4218-B582-23157B90F883}" v="1" dt="2021-09-28T08:04:11.547"/>
+  </p1510:revLst>
+</p1510:revInfo>
+</file>
+
 <file path=ppt/notesMasters/notesMaster1.xml><?xml version="1.0" encoding="utf-8"?>
 <p:notesMaster xmlns:a="http://schemas.openxmlformats.org/drawingml/2006/main" xmlns:r="http://schemas.openxmlformats.org/officeDocument/2006/relationships" xmlns:p="http://schemas.openxmlformats.org/presentationml/2006/main">
   <p:cSld>
@@ -217,7 +227,7 @@
           <a:p>
             <a:fld id="{FE3CBABE-916E-4AAD-B057-5389DC7DF64C}" type="datetimeFigureOut">
               <a:rPr lang="nb-NO" smtClean="0"/>
-              <a:t>28.06.2021</a:t>
+              <a:t>05.01.2022</a:t>
             </a:fld>
             <a:endParaRPr lang="nb-NO"/>
           </a:p>
@@ -554,6 +564,440 @@
 </file>
 
 <file path=ppt/slideLayouts/slideLayout10.xml><?xml version="1.0" encoding="utf-8"?>
+<p:sldLayout xmlns:a="http://schemas.openxmlformats.org/drawingml/2006/main" xmlns:r="http://schemas.openxmlformats.org/officeDocument/2006/relationships" xmlns:p="http://schemas.openxmlformats.org/presentationml/2006/main" type="titleOnly" preserve="1">
+  <p:cSld name="Bare tittel">
+    <p:spTree>
+      <p:nvGrpSpPr>
+        <p:cNvPr id="1" name=""/>
+        <p:cNvGrpSpPr/>
+        <p:nvPr/>
+      </p:nvGrpSpPr>
+      <p:grpSpPr>
+        <a:xfrm>
+          <a:off x="0" y="0"/>
+          <a:ext cx="0" cy="0"/>
+          <a:chOff x="0" y="0"/>
+          <a:chExt cx="0" cy="0"/>
+        </a:xfrm>
+      </p:grpSpPr>
+      <p:sp>
+        <p:nvSpPr>
+          <p:cNvPr id="2" name="Tittel 1"/>
+          <p:cNvSpPr>
+            <a:spLocks noGrp="1"/>
+          </p:cNvSpPr>
+          <p:nvPr>
+            <p:ph type="title"/>
+          </p:nvPr>
+        </p:nvSpPr>
+        <p:spPr/>
+        <p:txBody>
+          <a:bodyPr/>
+          <a:lstStyle/>
+          <a:p>
+            <a:r>
+              <a:rPr lang="nb-NO"/>
+              <a:t>Klikk for å redigere tittelstil</a:t>
+            </a:r>
+          </a:p>
+        </p:txBody>
+      </p:sp>
+      <p:sp>
+        <p:nvSpPr>
+          <p:cNvPr id="8" name="Plassholder for bunntekst 3"/>
+          <p:cNvSpPr>
+            <a:spLocks noGrp="1"/>
+          </p:cNvSpPr>
+          <p:nvPr>
+            <p:ph type="ftr" sz="quarter" idx="3"/>
+          </p:nvPr>
+        </p:nvSpPr>
+        <p:spPr>
+          <a:xfrm>
+            <a:off x="-768257" y="4889255"/>
+            <a:ext cx="744607" cy="230832"/>
+          </a:xfrm>
+          <a:prstGeom prst="rect">
+            <a:avLst/>
+          </a:prstGeom>
+        </p:spPr>
+        <p:txBody>
+          <a:bodyPr vert="horz" wrap="none" lIns="0" tIns="0" rIns="0" bIns="0" rtlCol="0" anchor="ctr">
+            <a:noAutofit/>
+          </a:bodyPr>
+          <a:lstStyle>
+            <a:lvl1pPr algn="r">
+              <a:defRPr sz="1000">
+                <a:solidFill>
+                  <a:schemeClr val="tx1"/>
+                </a:solidFill>
+              </a:defRPr>
+            </a:lvl1pPr>
+          </a:lstStyle>
+          <a:p>
+            <a:r>
+              <a:rPr lang="nb-NO"/>
+              <a:t>Rullende tekst settes inn via "Sett inn -&gt; Topptekst og bunntekst"</a:t>
+            </a:r>
+            <a:endParaRPr lang="nb-NO" dirty="0"/>
+          </a:p>
+        </p:txBody>
+      </p:sp>
+    </p:spTree>
+    <p:extLst>
+      <p:ext uri="{BB962C8B-B14F-4D97-AF65-F5344CB8AC3E}">
+        <p14:creationId xmlns:p14="http://schemas.microsoft.com/office/powerpoint/2010/main" val="1314883090"/>
+      </p:ext>
+    </p:extLst>
+  </p:cSld>
+  <p:clrMapOvr>
+    <a:masterClrMapping/>
+  </p:clrMapOvr>
+  <p:transition spd="slow" advClick="0" advTm="10000">
+    <p:fade/>
+  </p:transition>
+  <p:timing>
+    <p:tnLst>
+      <p:par>
+        <p:cTn id="1" dur="indefinite" restart="never" nodeType="tmRoot">
+          <p:childTnLst>
+            <p:seq concurrent="1" nextAc="seek">
+              <p:cTn id="2" dur="indefinite" nodeType="mainSeq">
+                <p:childTnLst>
+                  <p:par>
+                    <p:cTn id="3" fill="hold">
+                      <p:stCondLst>
+                        <p:cond delay="indefinite"/>
+                        <p:cond evt="onBegin" delay="0">
+                          <p:tn val="2"/>
+                        </p:cond>
+                      </p:stCondLst>
+                      <p:childTnLst>
+                        <p:par>
+                          <p:cTn id="4" fill="hold">
+                            <p:stCondLst>
+                              <p:cond delay="0"/>
+                            </p:stCondLst>
+                            <p:childTnLst>
+                              <p:par>
+                                <p:cTn id="5" presetID="2" presetClass="entr" presetSubtype="2" repeatCount="indefinite" fill="hold" grpId="0" nodeType="afterEffect" nodePh="1">
+                                  <p:stCondLst>
+                                    <p:cond delay="0"/>
+                                  </p:stCondLst>
+                                  <p:endCondLst>
+                                    <p:cond evt="begin" delay="0">
+                                      <p:tn val="5"/>
+                                    </p:cond>
+                                  </p:endCondLst>
+                                  <p:childTnLst>
+                                    <p:set>
+                                      <p:cBhvr>
+                                        <p:cTn id="6" dur="1" fill="hold">
+                                          <p:stCondLst>
+                                            <p:cond delay="0"/>
+                                          </p:stCondLst>
+                                        </p:cTn>
+                                        <p:tgtEl>
+                                          <p:spTgt spid="8"/>
+                                        </p:tgtEl>
+                                        <p:attrNameLst>
+                                          <p:attrName>style.visibility</p:attrName>
+                                        </p:attrNameLst>
+                                      </p:cBhvr>
+                                      <p:to>
+                                        <p:strVal val="visible"/>
+                                      </p:to>
+                                    </p:set>
+                                    <p:anim calcmode="lin" valueType="num">
+                                      <p:cBhvr additive="base">
+                                        <p:cTn id="7" dur="10000" fill="hold"/>
+                                        <p:tgtEl>
+                                          <p:spTgt spid="8"/>
+                                        </p:tgtEl>
+                                        <p:attrNameLst>
+                                          <p:attrName>ppt_x</p:attrName>
+                                        </p:attrNameLst>
+                                      </p:cBhvr>
+                                      <p:tavLst>
+                                        <p:tav tm="0">
+                                          <p:val>
+                                            <p:strVal val="1+#ppt_w/2"/>
+                                          </p:val>
+                                        </p:tav>
+                                        <p:tav tm="100000">
+                                          <p:val>
+                                            <p:strVal val="#ppt_x"/>
+                                          </p:val>
+                                        </p:tav>
+                                      </p:tavLst>
+                                    </p:anim>
+                                    <p:anim calcmode="lin" valueType="num">
+                                      <p:cBhvr additive="base">
+                                        <p:cTn id="8" dur="10000" fill="hold"/>
+                                        <p:tgtEl>
+                                          <p:spTgt spid="8"/>
+                                        </p:tgtEl>
+                                        <p:attrNameLst>
+                                          <p:attrName>ppt_y</p:attrName>
+                                        </p:attrNameLst>
+                                      </p:cBhvr>
+                                      <p:tavLst>
+                                        <p:tav tm="0">
+                                          <p:val>
+                                            <p:strVal val="#ppt_y"/>
+                                          </p:val>
+                                        </p:tav>
+                                        <p:tav tm="100000">
+                                          <p:val>
+                                            <p:strVal val="#ppt_y"/>
+                                          </p:val>
+                                        </p:tav>
+                                      </p:tavLst>
+                                    </p:anim>
+                                  </p:childTnLst>
+                                </p:cTn>
+                              </p:par>
+                            </p:childTnLst>
+                          </p:cTn>
+                        </p:par>
+                      </p:childTnLst>
+                    </p:cTn>
+                  </p:par>
+                </p:childTnLst>
+              </p:cTn>
+              <p:prevCondLst>
+                <p:cond evt="onPrev" delay="0">
+                  <p:tgtEl>
+                    <p:sldTgt/>
+                  </p:tgtEl>
+                </p:cond>
+              </p:prevCondLst>
+              <p:nextCondLst>
+                <p:cond evt="onNext" delay="0">
+                  <p:tgtEl>
+                    <p:sldTgt/>
+                  </p:tgtEl>
+                </p:cond>
+              </p:nextCondLst>
+            </p:seq>
+          </p:childTnLst>
+        </p:cTn>
+      </p:par>
+    </p:tnLst>
+    <p:bldLst>
+      <p:bldP spid="8" grpId="0"/>
+    </p:bldLst>
+  </p:timing>
+</p:sldLayout>
+</file>
+
+<file path=ppt/slideLayouts/slideLayout11.xml><?xml version="1.0" encoding="utf-8"?>
+<p:sldLayout xmlns:a="http://schemas.openxmlformats.org/drawingml/2006/main" xmlns:r="http://schemas.openxmlformats.org/officeDocument/2006/relationships" xmlns:p="http://schemas.openxmlformats.org/presentationml/2006/main" type="blank" preserve="1">
+  <p:cSld name="Tomt">
+    <p:spTree>
+      <p:nvGrpSpPr>
+        <p:cNvPr id="1" name=""/>
+        <p:cNvGrpSpPr/>
+        <p:nvPr/>
+      </p:nvGrpSpPr>
+      <p:grpSpPr>
+        <a:xfrm>
+          <a:off x="0" y="0"/>
+          <a:ext cx="0" cy="0"/>
+          <a:chOff x="0" y="0"/>
+          <a:chExt cx="0" cy="0"/>
+        </a:xfrm>
+      </p:grpSpPr>
+      <p:sp>
+        <p:nvSpPr>
+          <p:cNvPr id="7" name="Plassholder for bunntekst 3"/>
+          <p:cNvSpPr>
+            <a:spLocks noGrp="1"/>
+          </p:cNvSpPr>
+          <p:nvPr>
+            <p:ph type="ftr" sz="quarter" idx="3"/>
+          </p:nvPr>
+        </p:nvSpPr>
+        <p:spPr>
+          <a:xfrm>
+            <a:off x="-768257" y="4889255"/>
+            <a:ext cx="744607" cy="230832"/>
+          </a:xfrm>
+          <a:prstGeom prst="rect">
+            <a:avLst/>
+          </a:prstGeom>
+        </p:spPr>
+        <p:txBody>
+          <a:bodyPr vert="horz" wrap="none" lIns="0" tIns="0" rIns="0" bIns="0" rtlCol="0" anchor="ctr">
+            <a:noAutofit/>
+          </a:bodyPr>
+          <a:lstStyle>
+            <a:lvl1pPr algn="r">
+              <a:defRPr sz="1000">
+                <a:solidFill>
+                  <a:schemeClr val="tx1"/>
+                </a:solidFill>
+              </a:defRPr>
+            </a:lvl1pPr>
+          </a:lstStyle>
+          <a:p>
+            <a:r>
+              <a:rPr lang="nb-NO"/>
+              <a:t>Rullende tekst settes inn via "Sett inn -&gt; Topptekst og bunntekst"</a:t>
+            </a:r>
+            <a:endParaRPr lang="nb-NO" dirty="0"/>
+          </a:p>
+        </p:txBody>
+      </p:sp>
+    </p:spTree>
+    <p:extLst>
+      <p:ext uri="{BB962C8B-B14F-4D97-AF65-F5344CB8AC3E}">
+        <p14:creationId xmlns:p14="http://schemas.microsoft.com/office/powerpoint/2010/main" val="967790940"/>
+      </p:ext>
+    </p:extLst>
+  </p:cSld>
+  <p:clrMapOvr>
+    <a:masterClrMapping/>
+  </p:clrMapOvr>
+  <p:transition spd="slow" advClick="0" advTm="10000">
+    <p:fade/>
+  </p:transition>
+  <p:timing>
+    <p:tnLst>
+      <p:par>
+        <p:cTn id="1" dur="indefinite" restart="never" nodeType="tmRoot">
+          <p:childTnLst>
+            <p:seq concurrent="1" nextAc="seek">
+              <p:cTn id="2" dur="indefinite" nodeType="mainSeq">
+                <p:childTnLst>
+                  <p:par>
+                    <p:cTn id="3" fill="hold">
+                      <p:stCondLst>
+                        <p:cond delay="indefinite"/>
+                        <p:cond evt="onBegin" delay="0">
+                          <p:tn val="2"/>
+                        </p:cond>
+                      </p:stCondLst>
+                      <p:childTnLst>
+                        <p:par>
+                          <p:cTn id="4" fill="hold">
+                            <p:stCondLst>
+                              <p:cond delay="0"/>
+                            </p:stCondLst>
+                            <p:childTnLst>
+                              <p:par>
+                                <p:cTn id="5" presetID="2" presetClass="entr" presetSubtype="2" repeatCount="indefinite" fill="hold" grpId="0" nodeType="afterEffect" nodePh="1">
+                                  <p:stCondLst>
+                                    <p:cond delay="0"/>
+                                  </p:stCondLst>
+                                  <p:endCondLst>
+                                    <p:cond evt="begin" delay="0">
+                                      <p:tn val="5"/>
+                                    </p:cond>
+                                  </p:endCondLst>
+                                  <p:childTnLst>
+                                    <p:set>
+                                      <p:cBhvr>
+                                        <p:cTn id="6" dur="1" fill="hold">
+                                          <p:stCondLst>
+                                            <p:cond delay="0"/>
+                                          </p:stCondLst>
+                                        </p:cTn>
+                                        <p:tgtEl>
+                                          <p:spTgt spid="7"/>
+                                        </p:tgtEl>
+                                        <p:attrNameLst>
+                                          <p:attrName>style.visibility</p:attrName>
+                                        </p:attrNameLst>
+                                      </p:cBhvr>
+                                      <p:to>
+                                        <p:strVal val="visible"/>
+                                      </p:to>
+                                    </p:set>
+                                    <p:anim calcmode="lin" valueType="num">
+                                      <p:cBhvr additive="base">
+                                        <p:cTn id="7" dur="10000" fill="hold"/>
+                                        <p:tgtEl>
+                                          <p:spTgt spid="7"/>
+                                        </p:tgtEl>
+                                        <p:attrNameLst>
+                                          <p:attrName>ppt_x</p:attrName>
+                                        </p:attrNameLst>
+                                      </p:cBhvr>
+                                      <p:tavLst>
+                                        <p:tav tm="0">
+                                          <p:val>
+                                            <p:strVal val="1+#ppt_w/2"/>
+                                          </p:val>
+                                        </p:tav>
+                                        <p:tav tm="100000">
+                                          <p:val>
+                                            <p:strVal val="#ppt_x"/>
+                                          </p:val>
+                                        </p:tav>
+                                      </p:tavLst>
+                                    </p:anim>
+                                    <p:anim calcmode="lin" valueType="num">
+                                      <p:cBhvr additive="base">
+                                        <p:cTn id="8" dur="10000" fill="hold"/>
+                                        <p:tgtEl>
+                                          <p:spTgt spid="7"/>
+                                        </p:tgtEl>
+                                        <p:attrNameLst>
+                                          <p:attrName>ppt_y</p:attrName>
+                                        </p:attrNameLst>
+                                      </p:cBhvr>
+                                      <p:tavLst>
+                                        <p:tav tm="0">
+                                          <p:val>
+                                            <p:strVal val="#ppt_y"/>
+                                          </p:val>
+                                        </p:tav>
+                                        <p:tav tm="100000">
+                                          <p:val>
+                                            <p:strVal val="#ppt_y"/>
+                                          </p:val>
+                                        </p:tav>
+                                      </p:tavLst>
+                                    </p:anim>
+                                  </p:childTnLst>
+                                </p:cTn>
+                              </p:par>
+                            </p:childTnLst>
+                          </p:cTn>
+                        </p:par>
+                      </p:childTnLst>
+                    </p:cTn>
+                  </p:par>
+                </p:childTnLst>
+              </p:cTn>
+              <p:prevCondLst>
+                <p:cond evt="onPrev" delay="0">
+                  <p:tgtEl>
+                    <p:sldTgt/>
+                  </p:tgtEl>
+                </p:cond>
+              </p:prevCondLst>
+              <p:nextCondLst>
+                <p:cond evt="onNext" delay="0">
+                  <p:tgtEl>
+                    <p:sldTgt/>
+                  </p:tgtEl>
+                </p:cond>
+              </p:nextCondLst>
+            </p:seq>
+          </p:childTnLst>
+        </p:cTn>
+      </p:par>
+    </p:tnLst>
+    <p:bldLst>
+      <p:bldP spid="7" grpId="0"/>
+    </p:bldLst>
+  </p:timing>
+</p:sldLayout>
+</file>
+
+<file path=ppt/slideLayouts/slideLayout12.xml><?xml version="1.0" encoding="utf-8"?>
 <p:sldLayout xmlns:a="http://schemas.openxmlformats.org/drawingml/2006/main" xmlns:r="http://schemas.openxmlformats.org/officeDocument/2006/relationships" xmlns:p="http://schemas.openxmlformats.org/presentationml/2006/main" preserve="1" userDrawn="1">
   <p:cSld name="Tittellysbilde">
     <p:bg>
@@ -865,7 +1309,7 @@
 </p:sldLayout>
 </file>
 
-<file path=ppt/slideLayouts/slideLayout11.xml><?xml version="1.0" encoding="utf-8"?>
+<file path=ppt/slideLayouts/slideLayout13.xml><?xml version="1.0" encoding="utf-8"?>
 <p:sldLayout xmlns:a="http://schemas.openxmlformats.org/drawingml/2006/main" xmlns:r="http://schemas.openxmlformats.org/officeDocument/2006/relationships" xmlns:p="http://schemas.openxmlformats.org/presentationml/2006/main" type="titleOnly" preserve="1">
   <p:cSld name="Bare tittel">
     <p:bg>
@@ -1101,7 +1545,7 @@
 </p:sldLayout>
 </file>
 
-<file path=ppt/slideLayouts/slideLayout12.xml><?xml version="1.0" encoding="utf-8"?>
+<file path=ppt/slideLayouts/slideLayout14.xml><?xml version="1.0" encoding="utf-8"?>
 <p:sldLayout xmlns:a="http://schemas.openxmlformats.org/drawingml/2006/main" xmlns:r="http://schemas.openxmlformats.org/officeDocument/2006/relationships" xmlns:p="http://schemas.openxmlformats.org/presentationml/2006/main" type="blank" preserve="1">
   <p:cSld name="Tomt">
     <p:bg>
@@ -1315,7 +1759,7 @@
 </p:sldLayout>
 </file>
 
-<file path=ppt/slideLayouts/slideLayout13.xml><?xml version="1.0" encoding="utf-8"?>
+<file path=ppt/slideLayouts/slideLayout15.xml><?xml version="1.0" encoding="utf-8"?>
 <p:sldLayout xmlns:a="http://schemas.openxmlformats.org/drawingml/2006/main" xmlns:r="http://schemas.openxmlformats.org/officeDocument/2006/relationships" xmlns:p="http://schemas.openxmlformats.org/presentationml/2006/main" preserve="1" userDrawn="1">
   <p:cSld name="Tittellysbilde">
     <p:bg>
@@ -1627,7 +2071,7 @@
 </p:sldLayout>
 </file>
 
-<file path=ppt/slideLayouts/slideLayout14.xml><?xml version="1.0" encoding="utf-8"?>
+<file path=ppt/slideLayouts/slideLayout16.xml><?xml version="1.0" encoding="utf-8"?>
 <p:sldLayout xmlns:a="http://schemas.openxmlformats.org/drawingml/2006/main" xmlns:r="http://schemas.openxmlformats.org/officeDocument/2006/relationships" xmlns:p="http://schemas.openxmlformats.org/presentationml/2006/main" type="titleOnly" preserve="1">
   <p:cSld name="Bare tittel">
     <p:bg>
@@ -1863,7 +2307,7 @@
 </p:sldLayout>
 </file>
 
-<file path=ppt/slideLayouts/slideLayout15.xml><?xml version="1.0" encoding="utf-8"?>
+<file path=ppt/slideLayouts/slideLayout17.xml><?xml version="1.0" encoding="utf-8"?>
 <p:sldLayout xmlns:a="http://schemas.openxmlformats.org/drawingml/2006/main" xmlns:r="http://schemas.openxmlformats.org/officeDocument/2006/relationships" xmlns:p="http://schemas.openxmlformats.org/presentationml/2006/main" type="blank" preserve="1">
   <p:cSld name="Tomt">
     <p:bg>
@@ -2077,13 +2521,13 @@
 </p:sldLayout>
 </file>
 
-<file path=ppt/slideLayouts/slideLayout16.xml><?xml version="1.0" encoding="utf-8"?>
+<file path=ppt/slideLayouts/slideLayout18.xml><?xml version="1.0" encoding="utf-8"?>
 <p:sldLayout xmlns:a="http://schemas.openxmlformats.org/drawingml/2006/main" xmlns:r="http://schemas.openxmlformats.org/officeDocument/2006/relationships" xmlns:p="http://schemas.openxmlformats.org/presentationml/2006/main" preserve="1" userDrawn="1">
   <p:cSld name="Tittellysbilde">
     <p:bg>
       <p:bgPr>
         <a:solidFill>
-          <a:srgbClr val="428527"/>
+          <a:schemeClr val="accent5"/>
         </a:solidFill>
         <a:effectLst/>
       </p:bgPr>
@@ -2389,13 +2833,13 @@
 </p:sldLayout>
 </file>
 
-<file path=ppt/slideLayouts/slideLayout17.xml><?xml version="1.0" encoding="utf-8"?>
+<file path=ppt/slideLayouts/slideLayout19.xml><?xml version="1.0" encoding="utf-8"?>
 <p:sldLayout xmlns:a="http://schemas.openxmlformats.org/drawingml/2006/main" xmlns:r="http://schemas.openxmlformats.org/officeDocument/2006/relationships" xmlns:p="http://schemas.openxmlformats.org/presentationml/2006/main" type="titleOnly" preserve="1">
   <p:cSld name="Bare tittel">
     <p:bg>
       <p:bgPr>
         <a:solidFill>
-          <a:srgbClr val="428527"/>
+          <a:schemeClr val="accent5"/>
         </a:solidFill>
         <a:effectLst/>
       </p:bgPr>
@@ -2625,13 +3069,169 @@
 </p:sldLayout>
 </file>
 
-<file path=ppt/slideLayouts/slideLayout18.xml><?xml version="1.0" encoding="utf-8"?>
+<file path=ppt/slideLayouts/slideLayout2.xml><?xml version="1.0" encoding="utf-8"?>
+<p:sldLayout xmlns:a="http://schemas.openxmlformats.org/drawingml/2006/main" xmlns:r="http://schemas.openxmlformats.org/officeDocument/2006/relationships" xmlns:p="http://schemas.openxmlformats.org/presentationml/2006/main" preserve="1" userDrawn="1">
+  <p:cSld name="Bilde, tittel og rød strek">
+    <p:spTree>
+      <p:nvGrpSpPr>
+        <p:cNvPr id="1" name=""/>
+        <p:cNvGrpSpPr/>
+        <p:nvPr/>
+      </p:nvGrpSpPr>
+      <p:grpSpPr>
+        <a:xfrm>
+          <a:off x="0" y="0"/>
+          <a:ext cx="0" cy="0"/>
+          <a:chOff x="0" y="0"/>
+          <a:chExt cx="0" cy="0"/>
+        </a:xfrm>
+      </p:grpSpPr>
+      <p:sp>
+        <p:nvSpPr>
+          <p:cNvPr id="10" name="Picture Placeholder 9">
+            <a:extLst>
+              <a:ext uri="{FF2B5EF4-FFF2-40B4-BE49-F238E27FC236}">
+                <a16:creationId xmlns:a16="http://schemas.microsoft.com/office/drawing/2014/main" id="{EBB785D6-56F2-421B-9C6E-0CE161F6B873}"/>
+              </a:ext>
+            </a:extLst>
+          </p:cNvPr>
+          <p:cNvSpPr>
+            <a:spLocks noGrp="1"/>
+          </p:cNvSpPr>
+          <p:nvPr>
+            <p:ph type="pic" sz="quarter" idx="10"/>
+          </p:nvPr>
+        </p:nvSpPr>
+        <p:spPr>
+          <a:xfrm>
+            <a:off x="0" y="0"/>
+            <a:ext cx="6859588" cy="5145088"/>
+          </a:xfrm>
+          <a:solidFill>
+            <a:srgbClr val="F6F6F6"/>
+          </a:solidFill>
+        </p:spPr>
+        <p:txBody>
+          <a:bodyPr>
+            <a:normAutofit/>
+          </a:bodyPr>
+          <a:lstStyle>
+            <a:lvl1pPr marL="0" indent="0">
+              <a:buNone/>
+              <a:defRPr sz="900"/>
+            </a:lvl1pPr>
+          </a:lstStyle>
+          <a:p>
+            <a:endParaRPr lang="en-GB" dirty="0"/>
+          </a:p>
+        </p:txBody>
+      </p:sp>
+      <p:sp>
+        <p:nvSpPr>
+          <p:cNvPr id="2" name="Title 1">
+            <a:extLst>
+              <a:ext uri="{FF2B5EF4-FFF2-40B4-BE49-F238E27FC236}">
+                <a16:creationId xmlns:a16="http://schemas.microsoft.com/office/drawing/2014/main" id="{8FB34EC5-FCD0-4DB5-B3AE-6EB23C75DF43}"/>
+              </a:ext>
+            </a:extLst>
+          </p:cNvPr>
+          <p:cNvSpPr>
+            <a:spLocks noGrp="1"/>
+          </p:cNvSpPr>
+          <p:nvPr>
+            <p:ph type="title"/>
+          </p:nvPr>
+        </p:nvSpPr>
+        <p:spPr>
+          <a:xfrm>
+            <a:off x="406952" y="315913"/>
+            <a:ext cx="5943048" cy="828104"/>
+          </a:xfrm>
+        </p:spPr>
+        <p:txBody>
+          <a:bodyPr/>
+          <a:lstStyle/>
+          <a:p>
+            <a:r>
+              <a:rPr lang="en-US" dirty="0"/>
+              <a:t>Click to edit Master title style</a:t>
+            </a:r>
+            <a:endParaRPr lang="en-GB" dirty="0"/>
+          </a:p>
+        </p:txBody>
+      </p:sp>
+      <p:sp>
+        <p:nvSpPr>
+          <p:cNvPr id="17" name="Text Placeholder 16">
+            <a:extLst>
+              <a:ext uri="{FF2B5EF4-FFF2-40B4-BE49-F238E27FC236}">
+                <a16:creationId xmlns:a16="http://schemas.microsoft.com/office/drawing/2014/main" id="{E7A3D93F-B7C3-4F5A-B7D9-2F41E5150842}"/>
+              </a:ext>
+            </a:extLst>
+          </p:cNvPr>
+          <p:cNvSpPr>
+            <a:spLocks noGrp="1"/>
+          </p:cNvSpPr>
+          <p:nvPr>
+            <p:ph type="body" sz="quarter" idx="12"/>
+          </p:nvPr>
+        </p:nvSpPr>
+        <p:spPr>
+          <a:xfrm>
+            <a:off x="0" y="4419599"/>
+            <a:ext cx="4676667" cy="409576"/>
+          </a:xfrm>
+          <a:blipFill>
+            <a:blip r:embed="rId2">
+              <a:extLst>
+                <a:ext uri="{96DAC541-7B7A-43D3-8B79-37D633B846F1}">
+                  <asvg:svgBlip xmlns:asvg="http://schemas.microsoft.com/office/drawing/2016/SVG/main" r:embed="rId3"/>
+                </a:ext>
+              </a:extLst>
+            </a:blip>
+            <a:stretch>
+              <a:fillRect/>
+            </a:stretch>
+          </a:blipFill>
+        </p:spPr>
+        <p:txBody>
+          <a:bodyPr anchor="ctr"/>
+          <a:lstStyle>
+            <a:lvl1pPr marL="0" indent="0" algn="ctr">
+              <a:buNone/>
+              <a:defRPr>
+                <a:solidFill>
+                  <a:schemeClr val="bg1"/>
+                </a:solidFill>
+              </a:defRPr>
+            </a:lvl1pPr>
+          </a:lstStyle>
+          <a:p>
+            <a:pPr lvl="0"/>
+            <a:endParaRPr lang="en-GB" dirty="0"/>
+          </a:p>
+        </p:txBody>
+      </p:sp>
+    </p:spTree>
+    <p:extLst>
+      <p:ext uri="{BB962C8B-B14F-4D97-AF65-F5344CB8AC3E}">
+        <p14:creationId xmlns:p14="http://schemas.microsoft.com/office/powerpoint/2010/main" val="1281595016"/>
+      </p:ext>
+    </p:extLst>
+  </p:cSld>
+  <p:clrMapOvr>
+    <a:masterClrMapping/>
+  </p:clrMapOvr>
+</p:sldLayout>
+</file>
+
+<file path=ppt/slideLayouts/slideLayout20.xml><?xml version="1.0" encoding="utf-8"?>
 <p:sldLayout xmlns:a="http://schemas.openxmlformats.org/drawingml/2006/main" xmlns:r="http://schemas.openxmlformats.org/officeDocument/2006/relationships" xmlns:p="http://schemas.openxmlformats.org/presentationml/2006/main" type="blank" preserve="1">
   <p:cSld name="Tomt">
     <p:bg>
       <p:bgPr>
         <a:solidFill>
-          <a:srgbClr val="428527"/>
+          <a:schemeClr val="accent5"/>
         </a:solidFill>
         <a:effectLst/>
       </p:bgPr>
@@ -2839,7 +3439,167 @@
 </p:sldLayout>
 </file>
 
-<file path=ppt/slideLayouts/slideLayout2.xml><?xml version="1.0" encoding="utf-8"?>
+<file path=ppt/slideLayouts/slideLayout3.xml><?xml version="1.0" encoding="utf-8"?>
+<p:sldLayout xmlns:a="http://schemas.openxmlformats.org/drawingml/2006/main" xmlns:r="http://schemas.openxmlformats.org/officeDocument/2006/relationships" xmlns:p="http://schemas.openxmlformats.org/presentationml/2006/main" preserve="1" userDrawn="1">
+  <p:cSld name="Bilde og tekst">
+    <p:spTree>
+      <p:nvGrpSpPr>
+        <p:cNvPr id="1" name=""/>
+        <p:cNvGrpSpPr/>
+        <p:nvPr/>
+      </p:nvGrpSpPr>
+      <p:grpSpPr>
+        <a:xfrm>
+          <a:off x="0" y="0"/>
+          <a:ext cx="0" cy="0"/>
+          <a:chOff x="0" y="0"/>
+          <a:chExt cx="0" cy="0"/>
+        </a:xfrm>
+      </p:grpSpPr>
+      <p:sp>
+        <p:nvSpPr>
+          <p:cNvPr id="8" name="Picture Placeholder 9">
+            <a:extLst>
+              <a:ext uri="{FF2B5EF4-FFF2-40B4-BE49-F238E27FC236}">
+                <a16:creationId xmlns:a16="http://schemas.microsoft.com/office/drawing/2014/main" id="{CBBDFCF7-F532-477F-8A1A-E900E1DC9286}"/>
+              </a:ext>
+            </a:extLst>
+          </p:cNvPr>
+          <p:cNvSpPr>
+            <a:spLocks noGrp="1"/>
+          </p:cNvSpPr>
+          <p:nvPr>
+            <p:ph type="pic" sz="quarter" idx="10" hasCustomPrompt="1"/>
+          </p:nvPr>
+        </p:nvSpPr>
+        <p:spPr>
+          <a:xfrm>
+            <a:off x="0" y="0"/>
+            <a:ext cx="6859588" cy="5145088"/>
+          </a:xfrm>
+          <a:solidFill>
+            <a:srgbClr val="F6F6F6"/>
+          </a:solidFill>
+        </p:spPr>
+        <p:txBody>
+          <a:bodyPr anchor="b">
+            <a:normAutofit/>
+          </a:bodyPr>
+          <a:lstStyle>
+            <a:lvl1pPr marL="0" indent="0" algn="r">
+              <a:buNone/>
+              <a:defRPr sz="900"/>
+            </a:lvl1pPr>
+          </a:lstStyle>
+          <a:p>
+            <a:r>
+              <a:rPr lang="nb-NO" dirty="0"/>
+              <a:t>Klikk Sett inn – Bilder – for å endre eller sette inn bilde</a:t>
+            </a:r>
+            <a:endParaRPr lang="en-GB" dirty="0"/>
+          </a:p>
+        </p:txBody>
+      </p:sp>
+      <p:pic>
+        <p:nvPicPr>
+          <p:cNvPr id="7" name="Picture 6" descr="A picture containing text, water, outdoor, shore&#10;&#10;Description automatically generated" hidden="1">
+            <a:extLst>
+              <a:ext uri="{FF2B5EF4-FFF2-40B4-BE49-F238E27FC236}">
+                <a16:creationId xmlns:a16="http://schemas.microsoft.com/office/drawing/2014/main" id="{5926DC9E-0DDA-48BD-AF72-57784B22A7CF}"/>
+              </a:ext>
+            </a:extLst>
+          </p:cNvPr>
+          <p:cNvPicPr>
+            <a:picLocks noChangeAspect="1"/>
+          </p:cNvPicPr>
+          <p:nvPr userDrawn="1"/>
+        </p:nvPicPr>
+        <p:blipFill>
+          <a:blip r:embed="rId2">
+            <a:extLst>
+              <a:ext uri="{28A0092B-C50C-407E-A947-70E740481C1C}">
+                <a14:useLocalDpi xmlns:a14="http://schemas.microsoft.com/office/drawing/2010/main" val="0"/>
+              </a:ext>
+            </a:extLst>
+          </a:blip>
+          <a:stretch>
+            <a:fillRect/>
+          </a:stretch>
+        </p:blipFill>
+        <p:spPr>
+          <a:xfrm>
+            <a:off x="3680" y="0"/>
+            <a:ext cx="6852228" cy="5145088"/>
+          </a:xfrm>
+          <a:prstGeom prst="rect">
+            <a:avLst/>
+          </a:prstGeom>
+        </p:spPr>
+      </p:pic>
+      <p:sp>
+        <p:nvSpPr>
+          <p:cNvPr id="12" name="Text Placeholder 11">
+            <a:extLst>
+              <a:ext uri="{FF2B5EF4-FFF2-40B4-BE49-F238E27FC236}">
+                <a16:creationId xmlns:a16="http://schemas.microsoft.com/office/drawing/2014/main" id="{2FA06A6E-EF01-4423-B229-C83BB34ADB95}"/>
+              </a:ext>
+            </a:extLst>
+          </p:cNvPr>
+          <p:cNvSpPr>
+            <a:spLocks noGrp="1"/>
+          </p:cNvSpPr>
+          <p:nvPr>
+            <p:ph type="body" sz="quarter" idx="11"/>
+          </p:nvPr>
+        </p:nvSpPr>
+        <p:spPr>
+          <a:xfrm>
+            <a:off x="1086608" y="0"/>
+            <a:ext cx="2395068" cy="5145088"/>
+          </a:xfrm>
+          <a:blipFill>
+            <a:blip r:embed="rId3">
+              <a:extLst>
+                <a:ext uri="{96DAC541-7B7A-43D3-8B79-37D633B846F1}">
+                  <asvg:svgBlip xmlns:asvg="http://schemas.microsoft.com/office/drawing/2016/SVG/main" r:embed="rId4"/>
+                </a:ext>
+              </a:extLst>
+            </a:blip>
+            <a:stretch>
+              <a:fillRect/>
+            </a:stretch>
+          </a:blipFill>
+        </p:spPr>
+        <p:txBody>
+          <a:bodyPr lIns="612000" rIns="468000" anchor="ctr">
+            <a:normAutofit/>
+          </a:bodyPr>
+          <a:lstStyle>
+            <a:lvl1pPr marL="0" indent="0" algn="l">
+              <a:buNone/>
+              <a:defRPr sz="1800"/>
+            </a:lvl1pPr>
+          </a:lstStyle>
+          <a:p>
+            <a:pPr lvl="0"/>
+            <a:endParaRPr lang="nb-NO" noProof="0" dirty="0"/>
+          </a:p>
+        </p:txBody>
+      </p:sp>
+    </p:spTree>
+    <p:extLst>
+      <p:ext uri="{BB962C8B-B14F-4D97-AF65-F5344CB8AC3E}">
+        <p14:creationId xmlns:p14="http://schemas.microsoft.com/office/powerpoint/2010/main" val="218992756"/>
+      </p:ext>
+    </p:extLst>
+  </p:cSld>
+  <p:clrMapOvr>
+    <a:masterClrMapping/>
+  </p:clrMapOvr>
+</p:sldLayout>
+</file>
+
+<file path=ppt/slideLayouts/slideLayout4.xml><?xml version="1.0" encoding="utf-8"?>
 <p:sldLayout xmlns:a="http://schemas.openxmlformats.org/drawingml/2006/main" xmlns:r="http://schemas.openxmlformats.org/officeDocument/2006/relationships" xmlns:p="http://schemas.openxmlformats.org/presentationml/2006/main" preserve="1" userDrawn="1">
   <p:cSld name="Tittellysbilde">
     <p:spTree>
@@ -3143,7 +3903,7 @@
 </p:sldLayout>
 </file>
 
-<file path=ppt/slideLayouts/slideLayout3.xml><?xml version="1.0" encoding="utf-8"?>
+<file path=ppt/slideLayouts/slideLayout5.xml><?xml version="1.0" encoding="utf-8"?>
 <p:sldLayout xmlns:a="http://schemas.openxmlformats.org/drawingml/2006/main" xmlns:r="http://schemas.openxmlformats.org/officeDocument/2006/relationships" xmlns:p="http://schemas.openxmlformats.org/presentationml/2006/main" type="obj" preserve="1">
   <p:cSld name="Tittel og innhold">
     <p:spTree>
@@ -3423,7 +4183,7 @@
 </p:sldLayout>
 </file>
 
-<file path=ppt/slideLayouts/slideLayout4.xml><?xml version="1.0" encoding="utf-8"?>
+<file path=ppt/slideLayouts/slideLayout6.xml><?xml version="1.0" encoding="utf-8"?>
 <p:sldLayout xmlns:a="http://schemas.openxmlformats.org/drawingml/2006/main" xmlns:r="http://schemas.openxmlformats.org/officeDocument/2006/relationships" xmlns:p="http://schemas.openxmlformats.org/presentationml/2006/main" preserve="1" userDrawn="1">
   <p:cSld name="To innholdsdeler">
     <p:spTree>
@@ -3765,7 +4525,7 @@
 </p:sldLayout>
 </file>
 
-<file path=ppt/slideLayouts/slideLayout5.xml><?xml version="1.0" encoding="utf-8"?>
+<file path=ppt/slideLayouts/slideLayout7.xml><?xml version="1.0" encoding="utf-8"?>
 <p:sldLayout xmlns:a="http://schemas.openxmlformats.org/drawingml/2006/main" xmlns:r="http://schemas.openxmlformats.org/officeDocument/2006/relationships" xmlns:p="http://schemas.openxmlformats.org/presentationml/2006/main" type="titleOnly" preserve="1">
   <p:cSld name="Bare tittel">
     <p:spTree>
@@ -3993,7 +4753,7 @@
 </p:sldLayout>
 </file>
 
-<file path=ppt/slideLayouts/slideLayout6.xml><?xml version="1.0" encoding="utf-8"?>
+<file path=ppt/slideLayouts/slideLayout8.xml><?xml version="1.0" encoding="utf-8"?>
 <p:sldLayout xmlns:a="http://schemas.openxmlformats.org/drawingml/2006/main" xmlns:r="http://schemas.openxmlformats.org/officeDocument/2006/relationships" xmlns:p="http://schemas.openxmlformats.org/presentationml/2006/main" type="blank" preserve="1">
   <p:cSld name="Tomt">
     <p:spTree>
@@ -4199,7 +4959,7 @@
 </p:sldLayout>
 </file>
 
-<file path=ppt/slideLayouts/slideLayout7.xml><?xml version="1.0" encoding="utf-8"?>
+<file path=ppt/slideLayouts/slideLayout9.xml><?xml version="1.0" encoding="utf-8"?>
 <p:sldLayout xmlns:a="http://schemas.openxmlformats.org/drawingml/2006/main" xmlns:r="http://schemas.openxmlformats.org/officeDocument/2006/relationships" xmlns:p="http://schemas.openxmlformats.org/presentationml/2006/main" preserve="1" userDrawn="1">
   <p:cSld name="Tittellysbilde">
     <p:spTree>
@@ -4359,440 +5119,6 @@
     <p:extLst>
       <p:ext uri="{BB962C8B-B14F-4D97-AF65-F5344CB8AC3E}">
         <p14:creationId xmlns:p14="http://schemas.microsoft.com/office/powerpoint/2010/main" val="2550092002"/>
-      </p:ext>
-    </p:extLst>
-  </p:cSld>
-  <p:clrMapOvr>
-    <a:masterClrMapping/>
-  </p:clrMapOvr>
-  <p:transition spd="slow" advClick="0" advTm="10000">
-    <p:fade/>
-  </p:transition>
-  <p:timing>
-    <p:tnLst>
-      <p:par>
-        <p:cTn id="1" dur="indefinite" restart="never" nodeType="tmRoot">
-          <p:childTnLst>
-            <p:seq concurrent="1" nextAc="seek">
-              <p:cTn id="2" dur="indefinite" nodeType="mainSeq">
-                <p:childTnLst>
-                  <p:par>
-                    <p:cTn id="3" fill="hold">
-                      <p:stCondLst>
-                        <p:cond delay="indefinite"/>
-                        <p:cond evt="onBegin" delay="0">
-                          <p:tn val="2"/>
-                        </p:cond>
-                      </p:stCondLst>
-                      <p:childTnLst>
-                        <p:par>
-                          <p:cTn id="4" fill="hold">
-                            <p:stCondLst>
-                              <p:cond delay="0"/>
-                            </p:stCondLst>
-                            <p:childTnLst>
-                              <p:par>
-                                <p:cTn id="5" presetID="2" presetClass="entr" presetSubtype="2" repeatCount="indefinite" fill="hold" grpId="0" nodeType="afterEffect" nodePh="1">
-                                  <p:stCondLst>
-                                    <p:cond delay="0"/>
-                                  </p:stCondLst>
-                                  <p:endCondLst>
-                                    <p:cond evt="begin" delay="0">
-                                      <p:tn val="5"/>
-                                    </p:cond>
-                                  </p:endCondLst>
-                                  <p:childTnLst>
-                                    <p:set>
-                                      <p:cBhvr>
-                                        <p:cTn id="6" dur="1" fill="hold">
-                                          <p:stCondLst>
-                                            <p:cond delay="0"/>
-                                          </p:stCondLst>
-                                        </p:cTn>
-                                        <p:tgtEl>
-                                          <p:spTgt spid="7"/>
-                                        </p:tgtEl>
-                                        <p:attrNameLst>
-                                          <p:attrName>style.visibility</p:attrName>
-                                        </p:attrNameLst>
-                                      </p:cBhvr>
-                                      <p:to>
-                                        <p:strVal val="visible"/>
-                                      </p:to>
-                                    </p:set>
-                                    <p:anim calcmode="lin" valueType="num">
-                                      <p:cBhvr additive="base">
-                                        <p:cTn id="7" dur="10000" fill="hold"/>
-                                        <p:tgtEl>
-                                          <p:spTgt spid="7"/>
-                                        </p:tgtEl>
-                                        <p:attrNameLst>
-                                          <p:attrName>ppt_x</p:attrName>
-                                        </p:attrNameLst>
-                                      </p:cBhvr>
-                                      <p:tavLst>
-                                        <p:tav tm="0">
-                                          <p:val>
-                                            <p:strVal val="1+#ppt_w/2"/>
-                                          </p:val>
-                                        </p:tav>
-                                        <p:tav tm="100000">
-                                          <p:val>
-                                            <p:strVal val="#ppt_x"/>
-                                          </p:val>
-                                        </p:tav>
-                                      </p:tavLst>
-                                    </p:anim>
-                                    <p:anim calcmode="lin" valueType="num">
-                                      <p:cBhvr additive="base">
-                                        <p:cTn id="8" dur="10000" fill="hold"/>
-                                        <p:tgtEl>
-                                          <p:spTgt spid="7"/>
-                                        </p:tgtEl>
-                                        <p:attrNameLst>
-                                          <p:attrName>ppt_y</p:attrName>
-                                        </p:attrNameLst>
-                                      </p:cBhvr>
-                                      <p:tavLst>
-                                        <p:tav tm="0">
-                                          <p:val>
-                                            <p:strVal val="#ppt_y"/>
-                                          </p:val>
-                                        </p:tav>
-                                        <p:tav tm="100000">
-                                          <p:val>
-                                            <p:strVal val="#ppt_y"/>
-                                          </p:val>
-                                        </p:tav>
-                                      </p:tavLst>
-                                    </p:anim>
-                                  </p:childTnLst>
-                                </p:cTn>
-                              </p:par>
-                            </p:childTnLst>
-                          </p:cTn>
-                        </p:par>
-                      </p:childTnLst>
-                    </p:cTn>
-                  </p:par>
-                </p:childTnLst>
-              </p:cTn>
-              <p:prevCondLst>
-                <p:cond evt="onPrev" delay="0">
-                  <p:tgtEl>
-                    <p:sldTgt/>
-                  </p:tgtEl>
-                </p:cond>
-              </p:prevCondLst>
-              <p:nextCondLst>
-                <p:cond evt="onNext" delay="0">
-                  <p:tgtEl>
-                    <p:sldTgt/>
-                  </p:tgtEl>
-                </p:cond>
-              </p:nextCondLst>
-            </p:seq>
-          </p:childTnLst>
-        </p:cTn>
-      </p:par>
-    </p:tnLst>
-    <p:bldLst>
-      <p:bldP spid="7" grpId="0"/>
-    </p:bldLst>
-  </p:timing>
-</p:sldLayout>
-</file>
-
-<file path=ppt/slideLayouts/slideLayout8.xml><?xml version="1.0" encoding="utf-8"?>
-<p:sldLayout xmlns:a="http://schemas.openxmlformats.org/drawingml/2006/main" xmlns:r="http://schemas.openxmlformats.org/officeDocument/2006/relationships" xmlns:p="http://schemas.openxmlformats.org/presentationml/2006/main" type="titleOnly" preserve="1">
-  <p:cSld name="Bare tittel">
-    <p:spTree>
-      <p:nvGrpSpPr>
-        <p:cNvPr id="1" name=""/>
-        <p:cNvGrpSpPr/>
-        <p:nvPr/>
-      </p:nvGrpSpPr>
-      <p:grpSpPr>
-        <a:xfrm>
-          <a:off x="0" y="0"/>
-          <a:ext cx="0" cy="0"/>
-          <a:chOff x="0" y="0"/>
-          <a:chExt cx="0" cy="0"/>
-        </a:xfrm>
-      </p:grpSpPr>
-      <p:sp>
-        <p:nvSpPr>
-          <p:cNvPr id="2" name="Tittel 1"/>
-          <p:cNvSpPr>
-            <a:spLocks noGrp="1"/>
-          </p:cNvSpPr>
-          <p:nvPr>
-            <p:ph type="title"/>
-          </p:nvPr>
-        </p:nvSpPr>
-        <p:spPr/>
-        <p:txBody>
-          <a:bodyPr/>
-          <a:lstStyle/>
-          <a:p>
-            <a:r>
-              <a:rPr lang="nb-NO"/>
-              <a:t>Klikk for å redigere tittelstil</a:t>
-            </a:r>
-          </a:p>
-        </p:txBody>
-      </p:sp>
-      <p:sp>
-        <p:nvSpPr>
-          <p:cNvPr id="8" name="Plassholder for bunntekst 3"/>
-          <p:cNvSpPr>
-            <a:spLocks noGrp="1"/>
-          </p:cNvSpPr>
-          <p:nvPr>
-            <p:ph type="ftr" sz="quarter" idx="3"/>
-          </p:nvPr>
-        </p:nvSpPr>
-        <p:spPr>
-          <a:xfrm>
-            <a:off x="-768257" y="4889255"/>
-            <a:ext cx="744607" cy="230832"/>
-          </a:xfrm>
-          <a:prstGeom prst="rect">
-            <a:avLst/>
-          </a:prstGeom>
-        </p:spPr>
-        <p:txBody>
-          <a:bodyPr vert="horz" wrap="none" lIns="0" tIns="0" rIns="0" bIns="0" rtlCol="0" anchor="ctr">
-            <a:noAutofit/>
-          </a:bodyPr>
-          <a:lstStyle>
-            <a:lvl1pPr algn="r">
-              <a:defRPr sz="1000">
-                <a:solidFill>
-                  <a:schemeClr val="tx1"/>
-                </a:solidFill>
-              </a:defRPr>
-            </a:lvl1pPr>
-          </a:lstStyle>
-          <a:p>
-            <a:r>
-              <a:rPr lang="nb-NO"/>
-              <a:t>Rullende tekst settes inn via "Sett inn -&gt; Topptekst og bunntekst"</a:t>
-            </a:r>
-            <a:endParaRPr lang="nb-NO" dirty="0"/>
-          </a:p>
-        </p:txBody>
-      </p:sp>
-    </p:spTree>
-    <p:extLst>
-      <p:ext uri="{BB962C8B-B14F-4D97-AF65-F5344CB8AC3E}">
-        <p14:creationId xmlns:p14="http://schemas.microsoft.com/office/powerpoint/2010/main" val="1314883090"/>
-      </p:ext>
-    </p:extLst>
-  </p:cSld>
-  <p:clrMapOvr>
-    <a:masterClrMapping/>
-  </p:clrMapOvr>
-  <p:transition spd="slow" advClick="0" advTm="10000">
-    <p:fade/>
-  </p:transition>
-  <p:timing>
-    <p:tnLst>
-      <p:par>
-        <p:cTn id="1" dur="indefinite" restart="never" nodeType="tmRoot">
-          <p:childTnLst>
-            <p:seq concurrent="1" nextAc="seek">
-              <p:cTn id="2" dur="indefinite" nodeType="mainSeq">
-                <p:childTnLst>
-                  <p:par>
-                    <p:cTn id="3" fill="hold">
-                      <p:stCondLst>
-                        <p:cond delay="indefinite"/>
-                        <p:cond evt="onBegin" delay="0">
-                          <p:tn val="2"/>
-                        </p:cond>
-                      </p:stCondLst>
-                      <p:childTnLst>
-                        <p:par>
-                          <p:cTn id="4" fill="hold">
-                            <p:stCondLst>
-                              <p:cond delay="0"/>
-                            </p:stCondLst>
-                            <p:childTnLst>
-                              <p:par>
-                                <p:cTn id="5" presetID="2" presetClass="entr" presetSubtype="2" repeatCount="indefinite" fill="hold" grpId="0" nodeType="afterEffect" nodePh="1">
-                                  <p:stCondLst>
-                                    <p:cond delay="0"/>
-                                  </p:stCondLst>
-                                  <p:endCondLst>
-                                    <p:cond evt="begin" delay="0">
-                                      <p:tn val="5"/>
-                                    </p:cond>
-                                  </p:endCondLst>
-                                  <p:childTnLst>
-                                    <p:set>
-                                      <p:cBhvr>
-                                        <p:cTn id="6" dur="1" fill="hold">
-                                          <p:stCondLst>
-                                            <p:cond delay="0"/>
-                                          </p:stCondLst>
-                                        </p:cTn>
-                                        <p:tgtEl>
-                                          <p:spTgt spid="8"/>
-                                        </p:tgtEl>
-                                        <p:attrNameLst>
-                                          <p:attrName>style.visibility</p:attrName>
-                                        </p:attrNameLst>
-                                      </p:cBhvr>
-                                      <p:to>
-                                        <p:strVal val="visible"/>
-                                      </p:to>
-                                    </p:set>
-                                    <p:anim calcmode="lin" valueType="num">
-                                      <p:cBhvr additive="base">
-                                        <p:cTn id="7" dur="10000" fill="hold"/>
-                                        <p:tgtEl>
-                                          <p:spTgt spid="8"/>
-                                        </p:tgtEl>
-                                        <p:attrNameLst>
-                                          <p:attrName>ppt_x</p:attrName>
-                                        </p:attrNameLst>
-                                      </p:cBhvr>
-                                      <p:tavLst>
-                                        <p:tav tm="0">
-                                          <p:val>
-                                            <p:strVal val="1+#ppt_w/2"/>
-                                          </p:val>
-                                        </p:tav>
-                                        <p:tav tm="100000">
-                                          <p:val>
-                                            <p:strVal val="#ppt_x"/>
-                                          </p:val>
-                                        </p:tav>
-                                      </p:tavLst>
-                                    </p:anim>
-                                    <p:anim calcmode="lin" valueType="num">
-                                      <p:cBhvr additive="base">
-                                        <p:cTn id="8" dur="10000" fill="hold"/>
-                                        <p:tgtEl>
-                                          <p:spTgt spid="8"/>
-                                        </p:tgtEl>
-                                        <p:attrNameLst>
-                                          <p:attrName>ppt_y</p:attrName>
-                                        </p:attrNameLst>
-                                      </p:cBhvr>
-                                      <p:tavLst>
-                                        <p:tav tm="0">
-                                          <p:val>
-                                            <p:strVal val="#ppt_y"/>
-                                          </p:val>
-                                        </p:tav>
-                                        <p:tav tm="100000">
-                                          <p:val>
-                                            <p:strVal val="#ppt_y"/>
-                                          </p:val>
-                                        </p:tav>
-                                      </p:tavLst>
-                                    </p:anim>
-                                  </p:childTnLst>
-                                </p:cTn>
-                              </p:par>
-                            </p:childTnLst>
-                          </p:cTn>
-                        </p:par>
-                      </p:childTnLst>
-                    </p:cTn>
-                  </p:par>
-                </p:childTnLst>
-              </p:cTn>
-              <p:prevCondLst>
-                <p:cond evt="onPrev" delay="0">
-                  <p:tgtEl>
-                    <p:sldTgt/>
-                  </p:tgtEl>
-                </p:cond>
-              </p:prevCondLst>
-              <p:nextCondLst>
-                <p:cond evt="onNext" delay="0">
-                  <p:tgtEl>
-                    <p:sldTgt/>
-                  </p:tgtEl>
-                </p:cond>
-              </p:nextCondLst>
-            </p:seq>
-          </p:childTnLst>
-        </p:cTn>
-      </p:par>
-    </p:tnLst>
-    <p:bldLst>
-      <p:bldP spid="8" grpId="0"/>
-    </p:bldLst>
-  </p:timing>
-</p:sldLayout>
-</file>
-
-<file path=ppt/slideLayouts/slideLayout9.xml><?xml version="1.0" encoding="utf-8"?>
-<p:sldLayout xmlns:a="http://schemas.openxmlformats.org/drawingml/2006/main" xmlns:r="http://schemas.openxmlformats.org/officeDocument/2006/relationships" xmlns:p="http://schemas.openxmlformats.org/presentationml/2006/main" type="blank" preserve="1">
-  <p:cSld name="Tomt">
-    <p:spTree>
-      <p:nvGrpSpPr>
-        <p:cNvPr id="1" name=""/>
-        <p:cNvGrpSpPr/>
-        <p:nvPr/>
-      </p:nvGrpSpPr>
-      <p:grpSpPr>
-        <a:xfrm>
-          <a:off x="0" y="0"/>
-          <a:ext cx="0" cy="0"/>
-          <a:chOff x="0" y="0"/>
-          <a:chExt cx="0" cy="0"/>
-        </a:xfrm>
-      </p:grpSpPr>
-      <p:sp>
-        <p:nvSpPr>
-          <p:cNvPr id="7" name="Plassholder for bunntekst 3"/>
-          <p:cNvSpPr>
-            <a:spLocks noGrp="1"/>
-          </p:cNvSpPr>
-          <p:nvPr>
-            <p:ph type="ftr" sz="quarter" idx="3"/>
-          </p:nvPr>
-        </p:nvSpPr>
-        <p:spPr>
-          <a:xfrm>
-            <a:off x="-768257" y="4889255"/>
-            <a:ext cx="744607" cy="230832"/>
-          </a:xfrm>
-          <a:prstGeom prst="rect">
-            <a:avLst/>
-          </a:prstGeom>
-        </p:spPr>
-        <p:txBody>
-          <a:bodyPr vert="horz" wrap="none" lIns="0" tIns="0" rIns="0" bIns="0" rtlCol="0" anchor="ctr">
-            <a:noAutofit/>
-          </a:bodyPr>
-          <a:lstStyle>
-            <a:lvl1pPr algn="r">
-              <a:defRPr sz="1000">
-                <a:solidFill>
-                  <a:schemeClr val="tx1"/>
-                </a:solidFill>
-              </a:defRPr>
-            </a:lvl1pPr>
-          </a:lstStyle>
-          <a:p>
-            <a:r>
-              <a:rPr lang="nb-NO"/>
-              <a:t>Rullende tekst settes inn via "Sett inn -&gt; Topptekst og bunntekst"</a:t>
-            </a:r>
-            <a:endParaRPr lang="nb-NO" dirty="0"/>
-          </a:p>
-        </p:txBody>
-      </p:sp>
-    </p:spTree>
-    <p:extLst>
-      <p:ext uri="{BB962C8B-B14F-4D97-AF65-F5344CB8AC3E}">
-        <p14:creationId xmlns:p14="http://schemas.microsoft.com/office/powerpoint/2010/main" val="967790940"/>
       </p:ext>
     </p:extLst>
   </p:cSld>
@@ -5117,7 +5443,7 @@
           <p:nvPr userDrawn="1"/>
         </p:nvPicPr>
         <p:blipFill>
-          <a:blip r:embed="rId8" cstate="print">
+          <a:blip r:embed="rId10" cstate="print">
             <a:extLst>
               <a:ext uri="{28A0092B-C50C-407E-A947-70E740481C1C}">
                 <a14:useLocalDpi xmlns:a14="http://schemas.microsoft.com/office/drawing/2010/main" val="0"/>
@@ -5148,11 +5474,13 @@
   <p:clrMap bg1="lt1" tx1="dk1" bg2="lt2" tx2="dk2" accent1="accent1" accent2="accent2" accent3="accent3" accent4="accent4" accent5="accent5" accent6="accent6" hlink="hlink" folHlink="folHlink"/>
   <p:sldLayoutIdLst>
     <p:sldLayoutId id="2147483660" r:id="rId1"/>
-    <p:sldLayoutId id="2147483649" r:id="rId2"/>
-    <p:sldLayoutId id="2147483650" r:id="rId3"/>
-    <p:sldLayoutId id="2147483652" r:id="rId4"/>
-    <p:sldLayoutId id="2147483654" r:id="rId5"/>
-    <p:sldLayoutId id="2147483655" r:id="rId6"/>
+    <p:sldLayoutId id="2147483680" r:id="rId2"/>
+    <p:sldLayoutId id="2147483681" r:id="rId3"/>
+    <p:sldLayoutId id="2147483649" r:id="rId4"/>
+    <p:sldLayoutId id="2147483650" r:id="rId5"/>
+    <p:sldLayoutId id="2147483652" r:id="rId6"/>
+    <p:sldLayoutId id="2147483654" r:id="rId7"/>
+    <p:sldLayoutId id="2147483655" r:id="rId8"/>
   </p:sldLayoutIdLst>
   <p:hf sldNum="0" hdr="0" dt="0"/>
   <p:txStyles>
@@ -6689,7 +7017,7 @@
     <p:bg>
       <p:bgPr>
         <a:solidFill>
-          <a:srgbClr val="428527"/>
+          <a:schemeClr val="accent5"/>
         </a:solidFill>
         <a:effectLst/>
       </p:bgPr>
@@ -7150,6 +7478,177 @@
       </p:grpSpPr>
       <p:sp>
         <p:nvSpPr>
+          <p:cNvPr id="2" name="Picture Placeholder 1">
+            <a:extLst>
+              <a:ext uri="{FF2B5EF4-FFF2-40B4-BE49-F238E27FC236}">
+                <a16:creationId xmlns:a16="http://schemas.microsoft.com/office/drawing/2014/main" id="{7B96D19E-C442-4D3A-98F1-3B6DE9644D84}"/>
+              </a:ext>
+            </a:extLst>
+          </p:cNvPr>
+          <p:cNvSpPr>
+            <a:spLocks noGrp="1"/>
+          </p:cNvSpPr>
+          <p:nvPr>
+            <p:ph type="pic" sz="quarter" idx="10"/>
+          </p:nvPr>
+        </p:nvSpPr>
+        <p:spPr/>
+      </p:sp>
+      <p:sp>
+        <p:nvSpPr>
+          <p:cNvPr id="3" name="Title 2">
+            <a:extLst>
+              <a:ext uri="{FF2B5EF4-FFF2-40B4-BE49-F238E27FC236}">
+                <a16:creationId xmlns:a16="http://schemas.microsoft.com/office/drawing/2014/main" id="{49C6642C-720E-4E5C-B866-5BE6542C0A47}"/>
+              </a:ext>
+            </a:extLst>
+          </p:cNvPr>
+          <p:cNvSpPr>
+            <a:spLocks noGrp="1"/>
+          </p:cNvSpPr>
+          <p:nvPr>
+            <p:ph type="title"/>
+          </p:nvPr>
+        </p:nvSpPr>
+        <p:spPr/>
+        <p:txBody>
+          <a:bodyPr/>
+          <a:lstStyle/>
+          <a:p>
+            <a:endParaRPr lang="en-US"/>
+          </a:p>
+        </p:txBody>
+      </p:sp>
+      <p:sp>
+        <p:nvSpPr>
+          <p:cNvPr id="4" name="Text Placeholder 3">
+            <a:extLst>
+              <a:ext uri="{FF2B5EF4-FFF2-40B4-BE49-F238E27FC236}">
+                <a16:creationId xmlns:a16="http://schemas.microsoft.com/office/drawing/2014/main" id="{4121CCF9-540F-4E96-9082-750DF530107A}"/>
+              </a:ext>
+            </a:extLst>
+          </p:cNvPr>
+          <p:cNvSpPr>
+            <a:spLocks noGrp="1"/>
+          </p:cNvSpPr>
+          <p:nvPr>
+            <p:ph type="body" sz="quarter" idx="12"/>
+          </p:nvPr>
+        </p:nvSpPr>
+        <p:spPr/>
+        <p:txBody>
+          <a:bodyPr/>
+          <a:lstStyle/>
+          <a:p>
+            <a:endParaRPr lang="en-US"/>
+          </a:p>
+        </p:txBody>
+      </p:sp>
+    </p:spTree>
+    <p:extLst>
+      <p:ext uri="{BB962C8B-B14F-4D97-AF65-F5344CB8AC3E}">
+        <p14:creationId xmlns:p14="http://schemas.microsoft.com/office/powerpoint/2010/main" val="1983510257"/>
+      </p:ext>
+    </p:extLst>
+  </p:cSld>
+  <p:clrMapOvr>
+    <a:masterClrMapping/>
+  </p:clrMapOvr>
+</p:sld>
+</file>
+
+<file path=ppt/slides/slide3.xml><?xml version="1.0" encoding="utf-8"?>
+<p:sld xmlns:a="http://schemas.openxmlformats.org/drawingml/2006/main" xmlns:r="http://schemas.openxmlformats.org/officeDocument/2006/relationships" xmlns:p="http://schemas.openxmlformats.org/presentationml/2006/main">
+  <p:cSld>
+    <p:spTree>
+      <p:nvGrpSpPr>
+        <p:cNvPr id="1" name=""/>
+        <p:cNvGrpSpPr/>
+        <p:nvPr/>
+      </p:nvGrpSpPr>
+      <p:grpSpPr>
+        <a:xfrm>
+          <a:off x="0" y="0"/>
+          <a:ext cx="0" cy="0"/>
+          <a:chOff x="0" y="0"/>
+          <a:chExt cx="0" cy="0"/>
+        </a:xfrm>
+      </p:grpSpPr>
+      <p:sp>
+        <p:nvSpPr>
+          <p:cNvPr id="2" name="Picture Placeholder 1">
+            <a:extLst>
+              <a:ext uri="{FF2B5EF4-FFF2-40B4-BE49-F238E27FC236}">
+                <a16:creationId xmlns:a16="http://schemas.microsoft.com/office/drawing/2014/main" id="{5EAF6D57-AC1B-4EB1-90CA-4924E9163EBB}"/>
+              </a:ext>
+            </a:extLst>
+          </p:cNvPr>
+          <p:cNvSpPr>
+            <a:spLocks noGrp="1"/>
+          </p:cNvSpPr>
+          <p:nvPr>
+            <p:ph type="pic" sz="quarter" idx="10"/>
+          </p:nvPr>
+        </p:nvSpPr>
+        <p:spPr/>
+      </p:sp>
+      <p:sp>
+        <p:nvSpPr>
+          <p:cNvPr id="3" name="Text Placeholder 2">
+            <a:extLst>
+              <a:ext uri="{FF2B5EF4-FFF2-40B4-BE49-F238E27FC236}">
+                <a16:creationId xmlns:a16="http://schemas.microsoft.com/office/drawing/2014/main" id="{FB3DA418-21E9-409C-B2DB-AAD42F696639}"/>
+              </a:ext>
+            </a:extLst>
+          </p:cNvPr>
+          <p:cNvSpPr>
+            <a:spLocks noGrp="1"/>
+          </p:cNvSpPr>
+          <p:nvPr>
+            <p:ph type="body" sz="quarter" idx="11"/>
+          </p:nvPr>
+        </p:nvSpPr>
+        <p:spPr/>
+        <p:txBody>
+          <a:bodyPr/>
+          <a:lstStyle/>
+          <a:p>
+            <a:endParaRPr lang="en-US"/>
+          </a:p>
+        </p:txBody>
+      </p:sp>
+    </p:spTree>
+    <p:extLst>
+      <p:ext uri="{BB962C8B-B14F-4D97-AF65-F5344CB8AC3E}">
+        <p14:creationId xmlns:p14="http://schemas.microsoft.com/office/powerpoint/2010/main" val="33116934"/>
+      </p:ext>
+    </p:extLst>
+  </p:cSld>
+  <p:clrMapOvr>
+    <a:masterClrMapping/>
+  </p:clrMapOvr>
+</p:sld>
+</file>
+
+<file path=ppt/slides/slide4.xml><?xml version="1.0" encoding="utf-8"?>
+<p:sld xmlns:a="http://schemas.openxmlformats.org/drawingml/2006/main" xmlns:r="http://schemas.openxmlformats.org/officeDocument/2006/relationships" xmlns:p="http://schemas.openxmlformats.org/presentationml/2006/main">
+  <p:cSld>
+    <p:spTree>
+      <p:nvGrpSpPr>
+        <p:cNvPr id="1" name=""/>
+        <p:cNvGrpSpPr/>
+        <p:nvPr/>
+      </p:nvGrpSpPr>
+      <p:grpSpPr>
+        <a:xfrm>
+          <a:off x="0" y="0"/>
+          <a:ext cx="0" cy="0"/>
+          <a:chOff x="0" y="0"/>
+          <a:chExt cx="0" cy="0"/>
+        </a:xfrm>
+      </p:grpSpPr>
+      <p:sp>
+        <p:nvSpPr>
           <p:cNvPr id="6" name="Tittel 5"/>
           <p:cNvSpPr>
             <a:spLocks noGrp="1"/>
@@ -7225,7 +7724,7 @@
 </p:sld>
 </file>
 
-<file path=ppt/slides/slide3.xml><?xml version="1.0" encoding="utf-8"?>
+<file path=ppt/slides/slide5.xml><?xml version="1.0" encoding="utf-8"?>
 <p:sld xmlns:a="http://schemas.openxmlformats.org/drawingml/2006/main" xmlns:r="http://schemas.openxmlformats.org/officeDocument/2006/relationships" xmlns:p="http://schemas.openxmlformats.org/presentationml/2006/main">
   <p:cSld>
     <p:spTree>
@@ -7337,7 +7836,7 @@
 </p:sld>
 </file>
 
-<file path=ppt/slides/slide4.xml><?xml version="1.0" encoding="utf-8"?>
+<file path=ppt/slides/slide6.xml><?xml version="1.0" encoding="utf-8"?>
 <p:sld xmlns:a="http://schemas.openxmlformats.org/drawingml/2006/main" xmlns:r="http://schemas.openxmlformats.org/officeDocument/2006/relationships" xmlns:p="http://schemas.openxmlformats.org/presentationml/2006/main">
   <p:cSld>
     <p:spTree>
@@ -7449,7 +7948,7 @@
 </p:sld>
 </file>
 
-<file path=ppt/slides/slide5.xml><?xml version="1.0" encoding="utf-8"?>
+<file path=ppt/slides/slide7.xml><?xml version="1.0" encoding="utf-8"?>
 <p:sld xmlns:a="http://schemas.openxmlformats.org/drawingml/2006/main" xmlns:r="http://schemas.openxmlformats.org/officeDocument/2006/relationships" xmlns:p="http://schemas.openxmlformats.org/presentationml/2006/main">
   <p:cSld>
     <p:spTree>
@@ -7561,7 +8060,7 @@
 </p:sld>
 </file>
 
-<file path=ppt/slides/slide6.xml><?xml version="1.0" encoding="utf-8"?>
+<file path=ppt/slides/slide8.xml><?xml version="1.0" encoding="utf-8"?>
 <p:sld xmlns:a="http://schemas.openxmlformats.org/drawingml/2006/main" xmlns:r="http://schemas.openxmlformats.org/officeDocument/2006/relationships" xmlns:p="http://schemas.openxmlformats.org/presentationml/2006/main">
   <p:cSld>
     <p:spTree>
@@ -7676,7 +8175,208 @@
 <file path=ppt/theme/theme1.xml><?xml version="1.0" encoding="utf-8"?>
 <a:theme xmlns:a="http://schemas.openxmlformats.org/drawingml/2006/main" name="Office-tema">
   <a:themeElements>
-    <a:clrScheme name="Egendefinert 12">
+    <a:clrScheme name="Bergen kommune">
+      <a:dk1>
+        <a:sysClr val="windowText" lastClr="000000"/>
+      </a:dk1>
+      <a:lt1>
+        <a:sysClr val="window" lastClr="FFFFFF"/>
+      </a:lt1>
+      <a:dk2>
+        <a:srgbClr val="DC1E23"/>
+      </a:dk2>
+      <a:lt2>
+        <a:srgbClr val="F2F2F2"/>
+      </a:lt2>
+      <a:accent1>
+        <a:srgbClr val="DC1E23"/>
+      </a:accent1>
+      <a:accent2>
+        <a:srgbClr val="164B81"/>
+      </a:accent2>
+      <a:accent3>
+        <a:srgbClr val="702C80"/>
+      </a:accent3>
+      <a:accent4>
+        <a:srgbClr val="BF9D23"/>
+      </a:accent4>
+      <a:accent5>
+        <a:srgbClr val="F6EDCE"/>
+      </a:accent5>
+      <a:accent6>
+        <a:srgbClr val="117845"/>
+      </a:accent6>
+      <a:hlink>
+        <a:srgbClr val="164B81"/>
+      </a:hlink>
+      <a:folHlink>
+        <a:srgbClr val="702C80"/>
+      </a:folHlink>
+    </a:clrScheme>
+    <a:fontScheme name="Custom 2">
+      <a:majorFont>
+        <a:latin typeface="Arial"/>
+        <a:ea typeface=""/>
+        <a:cs typeface=""/>
+      </a:majorFont>
+      <a:minorFont>
+        <a:latin typeface="Arial"/>
+        <a:ea typeface=""/>
+        <a:cs typeface=""/>
+      </a:minorFont>
+    </a:fontScheme>
+    <a:fmtScheme name="Office">
+      <a:fillStyleLst>
+        <a:solidFill>
+          <a:schemeClr val="phClr"/>
+        </a:solidFill>
+        <a:gradFill rotWithShape="1">
+          <a:gsLst>
+            <a:gs pos="0">
+              <a:schemeClr val="phClr">
+                <a:lumMod val="110000"/>
+                <a:satMod val="105000"/>
+                <a:tint val="67000"/>
+              </a:schemeClr>
+            </a:gs>
+            <a:gs pos="50000">
+              <a:schemeClr val="phClr">
+                <a:lumMod val="105000"/>
+                <a:satMod val="103000"/>
+                <a:tint val="73000"/>
+              </a:schemeClr>
+            </a:gs>
+            <a:gs pos="100000">
+              <a:schemeClr val="phClr">
+                <a:lumMod val="105000"/>
+                <a:satMod val="109000"/>
+                <a:tint val="81000"/>
+              </a:schemeClr>
+            </a:gs>
+          </a:gsLst>
+          <a:lin ang="5400000" scaled="0"/>
+        </a:gradFill>
+        <a:gradFill rotWithShape="1">
+          <a:gsLst>
+            <a:gs pos="0">
+              <a:schemeClr val="phClr">
+                <a:satMod val="103000"/>
+                <a:lumMod val="102000"/>
+                <a:tint val="94000"/>
+              </a:schemeClr>
+            </a:gs>
+            <a:gs pos="50000">
+              <a:schemeClr val="phClr">
+                <a:satMod val="110000"/>
+                <a:lumMod val="100000"/>
+                <a:shade val="100000"/>
+              </a:schemeClr>
+            </a:gs>
+            <a:gs pos="100000">
+              <a:schemeClr val="phClr">
+                <a:lumMod val="99000"/>
+                <a:satMod val="120000"/>
+                <a:shade val="78000"/>
+              </a:schemeClr>
+            </a:gs>
+          </a:gsLst>
+          <a:lin ang="5400000" scaled="0"/>
+        </a:gradFill>
+      </a:fillStyleLst>
+      <a:lnStyleLst>
+        <a:ln w="6350" cap="flat" cmpd="sng" algn="ctr">
+          <a:solidFill>
+            <a:schemeClr val="phClr"/>
+          </a:solidFill>
+          <a:prstDash val="solid"/>
+          <a:miter lim="800000"/>
+        </a:ln>
+        <a:ln w="12700" cap="flat" cmpd="sng" algn="ctr">
+          <a:solidFill>
+            <a:schemeClr val="phClr"/>
+          </a:solidFill>
+          <a:prstDash val="solid"/>
+          <a:miter lim="800000"/>
+        </a:ln>
+        <a:ln w="19050" cap="flat" cmpd="sng" algn="ctr">
+          <a:solidFill>
+            <a:schemeClr val="phClr"/>
+          </a:solidFill>
+          <a:prstDash val="solid"/>
+          <a:miter lim="800000"/>
+        </a:ln>
+      </a:lnStyleLst>
+      <a:effectStyleLst>
+        <a:effectStyle>
+          <a:effectLst/>
+        </a:effectStyle>
+        <a:effectStyle>
+          <a:effectLst/>
+        </a:effectStyle>
+        <a:effectStyle>
+          <a:effectLst>
+            <a:outerShdw blurRad="57150" dist="19050" dir="5400000" algn="ctr" rotWithShape="0">
+              <a:srgbClr val="000000">
+                <a:alpha val="63000"/>
+              </a:srgbClr>
+            </a:outerShdw>
+          </a:effectLst>
+        </a:effectStyle>
+      </a:effectStyleLst>
+      <a:bgFillStyleLst>
+        <a:solidFill>
+          <a:schemeClr val="phClr"/>
+        </a:solidFill>
+        <a:solidFill>
+          <a:schemeClr val="phClr">
+            <a:tint val="95000"/>
+            <a:satMod val="170000"/>
+          </a:schemeClr>
+        </a:solidFill>
+        <a:gradFill rotWithShape="1">
+          <a:gsLst>
+            <a:gs pos="0">
+              <a:schemeClr val="phClr">
+                <a:tint val="93000"/>
+                <a:satMod val="150000"/>
+                <a:shade val="98000"/>
+                <a:lumMod val="102000"/>
+              </a:schemeClr>
+            </a:gs>
+            <a:gs pos="50000">
+              <a:schemeClr val="phClr">
+                <a:tint val="98000"/>
+                <a:satMod val="130000"/>
+                <a:shade val="90000"/>
+                <a:lumMod val="103000"/>
+              </a:schemeClr>
+            </a:gs>
+            <a:gs pos="100000">
+              <a:schemeClr val="phClr">
+                <a:shade val="63000"/>
+                <a:satMod val="120000"/>
+              </a:schemeClr>
+            </a:gs>
+          </a:gsLst>
+          <a:lin ang="5400000" scaled="0"/>
+        </a:gradFill>
+      </a:bgFillStyleLst>
+    </a:fmtScheme>
+  </a:themeElements>
+  <a:objectDefaults/>
+  <a:extraClrSchemeLst/>
+  <a:extLst>
+    <a:ext uri="{05A4C25C-085E-4340-85A3-A5531E510DB2}">
+      <thm15:themeFamily xmlns:thm15="http://schemas.microsoft.com/office/thememl/2012/main" name="PP_INFOSKJERM_43_LYS.potx" id="{388E24BA-306F-4423-B939-7FD844A4430F}" vid="{579AFFFD-CA7B-4E46-8901-B86D4F107EA9}"/>
+    </a:ext>
+  </a:extLst>
+</a:theme>
+</file>
+
+<file path=ppt/theme/theme2.xml><?xml version="1.0" encoding="utf-8"?>
+<a:theme xmlns:a="http://schemas.openxmlformats.org/drawingml/2006/main" name="1_Office-tema">
+  <a:themeElements>
+    <a:clrScheme name="Custom 5">
       <a:dk1>
         <a:sysClr val="windowText" lastClr="000000"/>
       </a:dk1>
@@ -7702,7 +8402,7 @@
         <a:srgbClr val="164B81"/>
       </a:accent4>
       <a:accent5>
-        <a:srgbClr val="428527"/>
+        <a:srgbClr val="117845"/>
       </a:accent5>
       <a:accent6>
         <a:srgbClr val="EDDC9E"/>
@@ -7868,16 +8568,16 @@
   <a:extraClrSchemeLst/>
   <a:extLst>
     <a:ext uri="{05A4C25C-085E-4340-85A3-A5531E510DB2}">
-      <thm15:themeFamily xmlns:thm15="http://schemas.microsoft.com/office/thememl/2012/main" name="PPT_infoskjerm_43_lys.potx" id="{945C6FD2-072B-450E-A768-40E40D1BC281}" vid="{A316C97D-88B2-41CE-8584-8A92EECBEE9A}"/>
+      <thm15:themeFamily xmlns:thm15="http://schemas.microsoft.com/office/thememl/2012/main" name="PP_INFOSKJERM_43_LYS.potx" id="{388E24BA-306F-4423-B939-7FD844A4430F}" vid="{BFCBC23E-1390-4A0F-9020-B9409B8BAC1A}"/>
     </a:ext>
   </a:extLst>
 </a:theme>
 </file>
 
-<file path=ppt/theme/theme2.xml><?xml version="1.0" encoding="utf-8"?>
-<a:theme xmlns:a="http://schemas.openxmlformats.org/drawingml/2006/main" name="1_Office-tema">
+<file path=ppt/theme/theme3.xml><?xml version="1.0" encoding="utf-8"?>
+<a:theme xmlns:a="http://schemas.openxmlformats.org/drawingml/2006/main" name="2_Office-tema">
   <a:themeElements>
-    <a:clrScheme name="Egendefinert 12">
+    <a:clrScheme name="Custom 6">
       <a:dk1>
         <a:sysClr val="windowText" lastClr="000000"/>
       </a:dk1>
@@ -7903,7 +8603,7 @@
         <a:srgbClr val="164B81"/>
       </a:accent4>
       <a:accent5>
-        <a:srgbClr val="428527"/>
+        <a:srgbClr val="117845"/>
       </a:accent5>
       <a:accent6>
         <a:srgbClr val="EDDC9E"/>
@@ -8069,16 +8769,16 @@
   <a:extraClrSchemeLst/>
   <a:extLst>
     <a:ext uri="{05A4C25C-085E-4340-85A3-A5531E510DB2}">
-      <thm15:themeFamily xmlns:thm15="http://schemas.microsoft.com/office/thememl/2012/main" name="PPT_infoskjerm_43_lys.potx" id="{945C6FD2-072B-450E-A768-40E40D1BC281}" vid="{A316C97D-88B2-41CE-8584-8A92EECBEE9A}"/>
+      <thm15:themeFamily xmlns:thm15="http://schemas.microsoft.com/office/thememl/2012/main" name="PP_INFOSKJERM_43_LYS.potx" id="{388E24BA-306F-4423-B939-7FD844A4430F}" vid="{1D6C87CE-90B0-4810-8D37-392A5E3238D1}"/>
     </a:ext>
   </a:extLst>
 </a:theme>
 </file>
 
-<file path=ppt/theme/theme3.xml><?xml version="1.0" encoding="utf-8"?>
-<a:theme xmlns:a="http://schemas.openxmlformats.org/drawingml/2006/main" name="2_Office-tema">
+<file path=ppt/theme/theme4.xml><?xml version="1.0" encoding="utf-8"?>
+<a:theme xmlns:a="http://schemas.openxmlformats.org/drawingml/2006/main" name="3_Office-tema">
   <a:themeElements>
-    <a:clrScheme name="Egendefinert 12">
+    <a:clrScheme name="Custom 7">
       <a:dk1>
         <a:sysClr val="windowText" lastClr="000000"/>
       </a:dk1>
@@ -8104,7 +8804,7 @@
         <a:srgbClr val="164B81"/>
       </a:accent4>
       <a:accent5>
-        <a:srgbClr val="428527"/>
+        <a:srgbClr val="117845"/>
       </a:accent5>
       <a:accent6>
         <a:srgbClr val="EDDC9E"/>
@@ -8270,16 +8970,16 @@
   <a:extraClrSchemeLst/>
   <a:extLst>
     <a:ext uri="{05A4C25C-085E-4340-85A3-A5531E510DB2}">
-      <thm15:themeFamily xmlns:thm15="http://schemas.microsoft.com/office/thememl/2012/main" name="PPT_infoskjerm_43_lys.potx" id="{945C6FD2-072B-450E-A768-40E40D1BC281}" vid="{A316C97D-88B2-41CE-8584-8A92EECBEE9A}"/>
+      <thm15:themeFamily xmlns:thm15="http://schemas.microsoft.com/office/thememl/2012/main" name="PP_INFOSKJERM_43_LYS.potx" id="{388E24BA-306F-4423-B939-7FD844A4430F}" vid="{8E77B241-D374-4A1A-87EE-2ED33DF8926C}"/>
     </a:ext>
   </a:extLst>
 </a:theme>
 </file>
 
-<file path=ppt/theme/theme4.xml><?xml version="1.0" encoding="utf-8"?>
-<a:theme xmlns:a="http://schemas.openxmlformats.org/drawingml/2006/main" name="3_Office-tema">
+<file path=ppt/theme/theme5.xml><?xml version="1.0" encoding="utf-8"?>
+<a:theme xmlns:a="http://schemas.openxmlformats.org/drawingml/2006/main" name="4_Office-tema">
   <a:themeElements>
-    <a:clrScheme name="Egendefinert 12">
+    <a:clrScheme name="Custom 8">
       <a:dk1>
         <a:sysClr val="windowText" lastClr="000000"/>
       </a:dk1>
@@ -8305,7 +9005,7 @@
         <a:srgbClr val="164B81"/>
       </a:accent4>
       <a:accent5>
-        <a:srgbClr val="428527"/>
+        <a:srgbClr val="117845"/>
       </a:accent5>
       <a:accent6>
         <a:srgbClr val="EDDC9E"/>
@@ -8471,208 +9171,7 @@
   <a:extraClrSchemeLst/>
   <a:extLst>
     <a:ext uri="{05A4C25C-085E-4340-85A3-A5531E510DB2}">
-      <thm15:themeFamily xmlns:thm15="http://schemas.microsoft.com/office/thememl/2012/main" name="PPT_infoskjerm_43_lys.potx" id="{945C6FD2-072B-450E-A768-40E40D1BC281}" vid="{A316C97D-88B2-41CE-8584-8A92EECBEE9A}"/>
-    </a:ext>
-  </a:extLst>
-</a:theme>
-</file>
-
-<file path=ppt/theme/theme5.xml><?xml version="1.0" encoding="utf-8"?>
-<a:theme xmlns:a="http://schemas.openxmlformats.org/drawingml/2006/main" name="4_Office-tema">
-  <a:themeElements>
-    <a:clrScheme name="Egendefinert 12">
-      <a:dk1>
-        <a:sysClr val="windowText" lastClr="000000"/>
-      </a:dk1>
-      <a:lt1>
-        <a:sysClr val="window" lastClr="FFFFFF"/>
-      </a:lt1>
-      <a:dk2>
-        <a:srgbClr val="DC1E23"/>
-      </a:dk2>
-      <a:lt2>
-        <a:srgbClr val="BF9D23"/>
-      </a:lt2>
-      <a:accent1>
-        <a:srgbClr val="DC1E23"/>
-      </a:accent1>
-      <a:accent2>
-        <a:srgbClr val="BF9D23"/>
-      </a:accent2>
-      <a:accent3>
-        <a:srgbClr val="702C80"/>
-      </a:accent3>
-      <a:accent4>
-        <a:srgbClr val="164B81"/>
-      </a:accent4>
-      <a:accent5>
-        <a:srgbClr val="428527"/>
-      </a:accent5>
-      <a:accent6>
-        <a:srgbClr val="EDDC9E"/>
-      </a:accent6>
-      <a:hlink>
-        <a:srgbClr val="0563C1"/>
-      </a:hlink>
-      <a:folHlink>
-        <a:srgbClr val="954F72"/>
-      </a:folHlink>
-    </a:clrScheme>
-    <a:fontScheme name="Custom 2">
-      <a:majorFont>
-        <a:latin typeface="Arial"/>
-        <a:ea typeface=""/>
-        <a:cs typeface=""/>
-      </a:majorFont>
-      <a:minorFont>
-        <a:latin typeface="Arial"/>
-        <a:ea typeface=""/>
-        <a:cs typeface=""/>
-      </a:minorFont>
-    </a:fontScheme>
-    <a:fmtScheme name="Office">
-      <a:fillStyleLst>
-        <a:solidFill>
-          <a:schemeClr val="phClr"/>
-        </a:solidFill>
-        <a:gradFill rotWithShape="1">
-          <a:gsLst>
-            <a:gs pos="0">
-              <a:schemeClr val="phClr">
-                <a:lumMod val="110000"/>
-                <a:satMod val="105000"/>
-                <a:tint val="67000"/>
-              </a:schemeClr>
-            </a:gs>
-            <a:gs pos="50000">
-              <a:schemeClr val="phClr">
-                <a:lumMod val="105000"/>
-                <a:satMod val="103000"/>
-                <a:tint val="73000"/>
-              </a:schemeClr>
-            </a:gs>
-            <a:gs pos="100000">
-              <a:schemeClr val="phClr">
-                <a:lumMod val="105000"/>
-                <a:satMod val="109000"/>
-                <a:tint val="81000"/>
-              </a:schemeClr>
-            </a:gs>
-          </a:gsLst>
-          <a:lin ang="5400000" scaled="0"/>
-        </a:gradFill>
-        <a:gradFill rotWithShape="1">
-          <a:gsLst>
-            <a:gs pos="0">
-              <a:schemeClr val="phClr">
-                <a:satMod val="103000"/>
-                <a:lumMod val="102000"/>
-                <a:tint val="94000"/>
-              </a:schemeClr>
-            </a:gs>
-            <a:gs pos="50000">
-              <a:schemeClr val="phClr">
-                <a:satMod val="110000"/>
-                <a:lumMod val="100000"/>
-                <a:shade val="100000"/>
-              </a:schemeClr>
-            </a:gs>
-            <a:gs pos="100000">
-              <a:schemeClr val="phClr">
-                <a:lumMod val="99000"/>
-                <a:satMod val="120000"/>
-                <a:shade val="78000"/>
-              </a:schemeClr>
-            </a:gs>
-          </a:gsLst>
-          <a:lin ang="5400000" scaled="0"/>
-        </a:gradFill>
-      </a:fillStyleLst>
-      <a:lnStyleLst>
-        <a:ln w="6350" cap="flat" cmpd="sng" algn="ctr">
-          <a:solidFill>
-            <a:schemeClr val="phClr"/>
-          </a:solidFill>
-          <a:prstDash val="solid"/>
-          <a:miter lim="800000"/>
-        </a:ln>
-        <a:ln w="12700" cap="flat" cmpd="sng" algn="ctr">
-          <a:solidFill>
-            <a:schemeClr val="phClr"/>
-          </a:solidFill>
-          <a:prstDash val="solid"/>
-          <a:miter lim="800000"/>
-        </a:ln>
-        <a:ln w="19050" cap="flat" cmpd="sng" algn="ctr">
-          <a:solidFill>
-            <a:schemeClr val="phClr"/>
-          </a:solidFill>
-          <a:prstDash val="solid"/>
-          <a:miter lim="800000"/>
-        </a:ln>
-      </a:lnStyleLst>
-      <a:effectStyleLst>
-        <a:effectStyle>
-          <a:effectLst/>
-        </a:effectStyle>
-        <a:effectStyle>
-          <a:effectLst/>
-        </a:effectStyle>
-        <a:effectStyle>
-          <a:effectLst>
-            <a:outerShdw blurRad="57150" dist="19050" dir="5400000" algn="ctr" rotWithShape="0">
-              <a:srgbClr val="000000">
-                <a:alpha val="63000"/>
-              </a:srgbClr>
-            </a:outerShdw>
-          </a:effectLst>
-        </a:effectStyle>
-      </a:effectStyleLst>
-      <a:bgFillStyleLst>
-        <a:solidFill>
-          <a:schemeClr val="phClr"/>
-        </a:solidFill>
-        <a:solidFill>
-          <a:schemeClr val="phClr">
-            <a:tint val="95000"/>
-            <a:satMod val="170000"/>
-          </a:schemeClr>
-        </a:solidFill>
-        <a:gradFill rotWithShape="1">
-          <a:gsLst>
-            <a:gs pos="0">
-              <a:schemeClr val="phClr">
-                <a:tint val="93000"/>
-                <a:satMod val="150000"/>
-                <a:shade val="98000"/>
-                <a:lumMod val="102000"/>
-              </a:schemeClr>
-            </a:gs>
-            <a:gs pos="50000">
-              <a:schemeClr val="phClr">
-                <a:tint val="98000"/>
-                <a:satMod val="130000"/>
-                <a:shade val="90000"/>
-                <a:lumMod val="103000"/>
-              </a:schemeClr>
-            </a:gs>
-            <a:gs pos="100000">
-              <a:schemeClr val="phClr">
-                <a:shade val="63000"/>
-                <a:satMod val="120000"/>
-              </a:schemeClr>
-            </a:gs>
-          </a:gsLst>
-          <a:lin ang="5400000" scaled="0"/>
-        </a:gradFill>
-      </a:bgFillStyleLst>
-    </a:fmtScheme>
-  </a:themeElements>
-  <a:objectDefaults/>
-  <a:extraClrSchemeLst/>
-  <a:extLst>
-    <a:ext uri="{05A4C25C-085E-4340-85A3-A5531E510DB2}">
-      <thm15:themeFamily xmlns:thm15="http://schemas.microsoft.com/office/thememl/2012/main" name="PPT_infoskjerm_43_lys.potx" id="{945C6FD2-072B-450E-A768-40E40D1BC281}" vid="{A316C97D-88B2-41CE-8584-8A92EECBEE9A}"/>
+      <thm15:themeFamily xmlns:thm15="http://schemas.microsoft.com/office/thememl/2012/main" name="PP_INFOSKJERM_43_LYS.potx" id="{388E24BA-306F-4423-B939-7FD844A4430F}" vid="{21286B33-B286-4219-8FD0-DF598CBEBC6F}"/>
     </a:ext>
   </a:extLst>
 </a:theme>
@@ -8937,4 +9436,244 @@
     </a:ext>
   </a:extLst>
 </a:theme>
+</file>
+
+<file path=customXml/item1.xml><?xml version="1.0" encoding="utf-8"?>
+<ct:contentTypeSchema xmlns:ct="http://schemas.microsoft.com/office/2006/metadata/contentType" xmlns:ma="http://schemas.microsoft.com/office/2006/metadata/properties/metaAttributes" ct:_="" ma:_="" ma:contentTypeName="Dokument" ma:contentTypeID="0x010100D982FC97A4EB864EBF6B6ADD443A67CC" ma:contentTypeVersion="11" ma:contentTypeDescription="Opprett et nytt dokument." ma:contentTypeScope="" ma:versionID="1243dad0bdc800c2168160044757ccfa">
+  <xsd:schema xmlns:xsd="http://www.w3.org/2001/XMLSchema" xmlns:xs="http://www.w3.org/2001/XMLSchema" xmlns:p="http://schemas.microsoft.com/office/2006/metadata/properties" xmlns:ns2="3b00a67f-9791-437e-b702-303a706ea042" targetNamespace="http://schemas.microsoft.com/office/2006/metadata/properties" ma:root="true" ma:fieldsID="9f2b7ce840c78a2065a44a5a957cc1d0" ns2:_="">
+    <xsd:import namespace="3b00a67f-9791-437e-b702-303a706ea042"/>
+    <xsd:element name="properties">
+      <xsd:complexType>
+        <xsd:sequence>
+          <xsd:element name="documentManagement">
+            <xsd:complexType>
+              <xsd:all>
+                <xsd:element ref="ns2:MediaServiceMetadata" minOccurs="0"/>
+                <xsd:element ref="ns2:MediaServiceFastMetadata" minOccurs="0"/>
+                <xsd:element ref="ns2:MediaServiceAutoTags" minOccurs="0"/>
+                <xsd:element ref="ns2:MediaServiceGenerationTime" minOccurs="0"/>
+                <xsd:element ref="ns2:MediaServiceEventHashCode" minOccurs="0"/>
+                <xsd:element ref="ns2:MediaServiceDateTaken" minOccurs="0"/>
+                <xsd:element ref="ns2:MediaServiceOCR" minOccurs="0"/>
+                <xsd:element ref="ns2:MediaServiceAutoKeyPoints" minOccurs="0"/>
+                <xsd:element ref="ns2:MediaServiceKeyPoints" minOccurs="0"/>
+                <xsd:element ref="ns2:MediaServiceLocation" minOccurs="0"/>
+                <xsd:element ref="ns2:MediaLengthInSeconds" minOccurs="0"/>
+              </xsd:all>
+            </xsd:complexType>
+          </xsd:element>
+        </xsd:sequence>
+      </xsd:complexType>
+    </xsd:element>
+  </xsd:schema>
+  <xsd:schema xmlns:xsd="http://www.w3.org/2001/XMLSchema" xmlns:xs="http://www.w3.org/2001/XMLSchema" xmlns:dms="http://schemas.microsoft.com/office/2006/documentManagement/types" xmlns:pc="http://schemas.microsoft.com/office/infopath/2007/PartnerControls" targetNamespace="3b00a67f-9791-437e-b702-303a706ea042" elementFormDefault="qualified">
+    <xsd:import namespace="http://schemas.microsoft.com/office/2006/documentManagement/types"/>
+    <xsd:import namespace="http://schemas.microsoft.com/office/infopath/2007/PartnerControls"/>
+    <xsd:element name="MediaServiceMetadata" ma:index="8" nillable="true" ma:displayName="MediaServiceMetadata" ma:hidden="true" ma:internalName="MediaServiceMetadata" ma:readOnly="true">
+      <xsd:simpleType>
+        <xsd:restriction base="dms:Note"/>
+      </xsd:simpleType>
+    </xsd:element>
+    <xsd:element name="MediaServiceFastMetadata" ma:index="9" nillable="true" ma:displayName="MediaServiceFastMetadata" ma:hidden="true" ma:internalName="MediaServiceFastMetadata" ma:readOnly="true">
+      <xsd:simpleType>
+        <xsd:restriction base="dms:Note"/>
+      </xsd:simpleType>
+    </xsd:element>
+    <xsd:element name="MediaServiceAutoTags" ma:index="10" nillable="true" ma:displayName="Tags" ma:internalName="MediaServiceAutoTags" ma:readOnly="true">
+      <xsd:simpleType>
+        <xsd:restriction base="dms:Text"/>
+      </xsd:simpleType>
+    </xsd:element>
+    <xsd:element name="MediaServiceGenerationTime" ma:index="11" nillable="true" ma:displayName="MediaServiceGenerationTime" ma:hidden="true" ma:internalName="MediaServiceGenerationTime" ma:readOnly="true">
+      <xsd:simpleType>
+        <xsd:restriction base="dms:Text"/>
+      </xsd:simpleType>
+    </xsd:element>
+    <xsd:element name="MediaServiceEventHashCode" ma:index="12" nillable="true" ma:displayName="MediaServiceEventHashCode" ma:hidden="true" ma:internalName="MediaServiceEventHashCode" ma:readOnly="true">
+      <xsd:simpleType>
+        <xsd:restriction base="dms:Text"/>
+      </xsd:simpleType>
+    </xsd:element>
+    <xsd:element name="MediaServiceDateTaken" ma:index="13" nillable="true" ma:displayName="MediaServiceDateTaken" ma:hidden="true" ma:internalName="MediaServiceDateTaken" ma:readOnly="true">
+      <xsd:simpleType>
+        <xsd:restriction base="dms:Text"/>
+      </xsd:simpleType>
+    </xsd:element>
+    <xsd:element name="MediaServiceOCR" ma:index="14" nillable="true" ma:displayName="Extracted Text" ma:internalName="MediaServiceOCR" ma:readOnly="true">
+      <xsd:simpleType>
+        <xsd:restriction base="dms:Note">
+          <xsd:maxLength value="255"/>
+        </xsd:restriction>
+      </xsd:simpleType>
+    </xsd:element>
+    <xsd:element name="MediaServiceAutoKeyPoints" ma:index="15" nillable="true" ma:displayName="MediaServiceAutoKeyPoints" ma:hidden="true" ma:internalName="MediaServiceAutoKeyPoints" ma:readOnly="true">
+      <xsd:simpleType>
+        <xsd:restriction base="dms:Note"/>
+      </xsd:simpleType>
+    </xsd:element>
+    <xsd:element name="MediaServiceKeyPoints" ma:index="16" nillable="true" ma:displayName="KeyPoints" ma:internalName="MediaServiceKeyPoints" ma:readOnly="true">
+      <xsd:simpleType>
+        <xsd:restriction base="dms:Note">
+          <xsd:maxLength value="255"/>
+        </xsd:restriction>
+      </xsd:simpleType>
+    </xsd:element>
+    <xsd:element name="MediaServiceLocation" ma:index="17" nillable="true" ma:displayName="Location" ma:internalName="MediaServiceLocation" ma:readOnly="true">
+      <xsd:simpleType>
+        <xsd:restriction base="dms:Text"/>
+      </xsd:simpleType>
+    </xsd:element>
+    <xsd:element name="MediaLengthInSeconds" ma:index="18" nillable="true" ma:displayName="Length (seconds)" ma:internalName="MediaLengthInSeconds" ma:readOnly="true">
+      <xsd:simpleType>
+        <xsd:restriction base="dms:Unknown"/>
+      </xsd:simpleType>
+    </xsd:element>
+  </xsd:schema>
+  <xsd:schema xmlns="http://schemas.openxmlformats.org/package/2006/metadata/core-properties" xmlns:xsd="http://www.w3.org/2001/XMLSchema" xmlns:xsi="http://www.w3.org/2001/XMLSchema-instance" xmlns:dc="http://purl.org/dc/elements/1.1/" xmlns:dcterms="http://purl.org/dc/terms/" xmlns:odoc="http://schemas.microsoft.com/internal/obd" targetNamespace="http://schemas.openxmlformats.org/package/2006/metadata/core-properties" elementFormDefault="qualified" attributeFormDefault="unqualified" blockDefault="#all">
+    <xsd:import namespace="http://purl.org/dc/elements/1.1/" schemaLocation="http://dublincore.org/schemas/xmls/qdc/2003/04/02/dc.xsd"/>
+    <xsd:import namespace="http://purl.org/dc/terms/" schemaLocation="http://dublincore.org/schemas/xmls/qdc/2003/04/02/dcterms.xsd"/>
+    <xsd:element name="coreProperties" type="CT_coreProperties"/>
+    <xsd:complexType name="CT_coreProperties">
+      <xsd:all>
+        <xsd:element ref="dc:creator" minOccurs="0" maxOccurs="1"/>
+        <xsd:element ref="dcterms:created" minOccurs="0" maxOccurs="1"/>
+        <xsd:element ref="dc:identifier" minOccurs="0" maxOccurs="1"/>
+        <xsd:element name="contentType" minOccurs="0" maxOccurs="1" type="xsd:string" ma:index="0" ma:displayName="Innholdstype"/>
+        <xsd:element ref="dc:title" minOccurs="0" maxOccurs="1" ma:index="4" ma:displayName="Tittel"/>
+        <xsd:element ref="dc:subject" minOccurs="0" maxOccurs="1"/>
+        <xsd:element ref="dc:description" minOccurs="0" maxOccurs="1"/>
+        <xsd:element name="keywords" minOccurs="0" maxOccurs="1" type="xsd:string"/>
+        <xsd:element ref="dc:language" minOccurs="0" maxOccurs="1"/>
+        <xsd:element name="category" minOccurs="0" maxOccurs="1" type="xsd:string"/>
+        <xsd:element name="version" minOccurs="0" maxOccurs="1" type="xsd:string"/>
+        <xsd:element name="revision" minOccurs="0" maxOccurs="1" type="xsd:string">
+          <xsd:annotation>
+            <xsd:documentation>
+                        This value indicates the number of saves or revisions. The application is responsible for updating this value after each revision.
+                    </xsd:documentation>
+          </xsd:annotation>
+        </xsd:element>
+        <xsd:element name="lastModifiedBy" minOccurs="0" maxOccurs="1" type="xsd:string"/>
+        <xsd:element ref="dcterms:modified" minOccurs="0" maxOccurs="1"/>
+        <xsd:element name="contentStatus" minOccurs="0" maxOccurs="1" type="xsd:string"/>
+      </xsd:all>
+    </xsd:complexType>
+  </xsd:schema>
+  <xs:schema xmlns:pc="http://schemas.microsoft.com/office/infopath/2007/PartnerControls" xmlns:xs="http://www.w3.org/2001/XMLSchema" targetNamespace="http://schemas.microsoft.com/office/infopath/2007/PartnerControls" elementFormDefault="qualified" attributeFormDefault="unqualified">
+    <xs:element name="Person">
+      <xs:complexType>
+        <xs:sequence>
+          <xs:element ref="pc:DisplayName" minOccurs="0"/>
+          <xs:element ref="pc:AccountId" minOccurs="0"/>
+          <xs:element ref="pc:AccountType" minOccurs="0"/>
+        </xs:sequence>
+      </xs:complexType>
+    </xs:element>
+    <xs:element name="DisplayName" type="xs:string"/>
+    <xs:element name="AccountId" type="xs:string"/>
+    <xs:element name="AccountType" type="xs:string"/>
+    <xs:element name="BDCAssociatedEntity">
+      <xs:complexType>
+        <xs:sequence>
+          <xs:element ref="pc:BDCEntity" minOccurs="0" maxOccurs="unbounded"/>
+        </xs:sequence>
+        <xs:attribute ref="pc:EntityNamespace"/>
+        <xs:attribute ref="pc:EntityName"/>
+        <xs:attribute ref="pc:SystemInstanceName"/>
+        <xs:attribute ref="pc:AssociationName"/>
+      </xs:complexType>
+    </xs:element>
+    <xs:attribute name="EntityNamespace" type="xs:string"/>
+    <xs:attribute name="EntityName" type="xs:string"/>
+    <xs:attribute name="SystemInstanceName" type="xs:string"/>
+    <xs:attribute name="AssociationName" type="xs:string"/>
+    <xs:element name="BDCEntity">
+      <xs:complexType>
+        <xs:sequence>
+          <xs:element ref="pc:EntityDisplayName" minOccurs="0"/>
+          <xs:element ref="pc:EntityInstanceReference" minOccurs="0"/>
+          <xs:element ref="pc:EntityId1" minOccurs="0"/>
+          <xs:element ref="pc:EntityId2" minOccurs="0"/>
+          <xs:element ref="pc:EntityId3" minOccurs="0"/>
+          <xs:element ref="pc:EntityId4" minOccurs="0"/>
+          <xs:element ref="pc:EntityId5" minOccurs="0"/>
+        </xs:sequence>
+      </xs:complexType>
+    </xs:element>
+    <xs:element name="EntityDisplayName" type="xs:string"/>
+    <xs:element name="EntityInstanceReference" type="xs:string"/>
+    <xs:element name="EntityId1" type="xs:string"/>
+    <xs:element name="EntityId2" type="xs:string"/>
+    <xs:element name="EntityId3" type="xs:string"/>
+    <xs:element name="EntityId4" type="xs:string"/>
+    <xs:element name="EntityId5" type="xs:string"/>
+    <xs:element name="Terms">
+      <xs:complexType>
+        <xs:sequence>
+          <xs:element ref="pc:TermInfo" minOccurs="0" maxOccurs="unbounded"/>
+        </xs:sequence>
+      </xs:complexType>
+    </xs:element>
+    <xs:element name="TermInfo">
+      <xs:complexType>
+        <xs:sequence>
+          <xs:element ref="pc:TermName" minOccurs="0"/>
+          <xs:element ref="pc:TermId" minOccurs="0"/>
+        </xs:sequence>
+      </xs:complexType>
+    </xs:element>
+    <xs:element name="TermName" type="xs:string"/>
+    <xs:element name="TermId" type="xs:string"/>
+  </xs:schema>
+</ct:contentTypeSchema>
+</file>
+
+<file path=customXml/item2.xml><?xml version="1.0" encoding="utf-8"?>
+<?mso-contentType ?>
+<FormTemplates xmlns="http://schemas.microsoft.com/sharepoint/v3/contenttype/forms">
+  <Display>DocumentLibraryForm</Display>
+  <Edit>DocumentLibraryForm</Edit>
+  <New>DocumentLibraryForm</New>
+</FormTemplates>
+</file>
+
+<file path=customXml/item3.xml><?xml version="1.0" encoding="utf-8"?>
+<p:properties xmlns:p="http://schemas.microsoft.com/office/2006/metadata/properties" xmlns:xsi="http://www.w3.org/2001/XMLSchema-instance" xmlns:pc="http://schemas.microsoft.com/office/infopath/2007/PartnerControls">
+  <documentManagement/>
+</p:properties>
+</file>
+
+<file path=customXml/itemProps1.xml><?xml version="1.0" encoding="utf-8"?>
+<ds:datastoreItem xmlns:ds="http://schemas.openxmlformats.org/officeDocument/2006/customXml" ds:itemID="{E0F03A38-3823-4992-8579-9FD4AB0CEEC1}">
+  <ds:schemaRefs>
+    <ds:schemaRef ds:uri="http://schemas.microsoft.com/office/2006/metadata/contentType"/>
+    <ds:schemaRef ds:uri="http://schemas.microsoft.com/office/2006/metadata/properties/metaAttributes"/>
+    <ds:schemaRef ds:uri="http://www.w3.org/2001/XMLSchema"/>
+    <ds:schemaRef ds:uri="http://schemas.microsoft.com/office/2006/metadata/properties"/>
+    <ds:schemaRef ds:uri="3b00a67f-9791-437e-b702-303a706ea042"/>
+    <ds:schemaRef ds:uri="http://schemas.microsoft.com/office/2006/documentManagement/types"/>
+    <ds:schemaRef ds:uri="http://schemas.microsoft.com/office/infopath/2007/PartnerControls"/>
+    <ds:schemaRef ds:uri="http://schemas.openxmlformats.org/package/2006/metadata/core-properties"/>
+    <ds:schemaRef ds:uri="http://purl.org/dc/elements/1.1/"/>
+    <ds:schemaRef ds:uri="http://purl.org/dc/terms/"/>
+    <ds:schemaRef ds:uri="http://schemas.microsoft.com/internal/obd"/>
+  </ds:schemaRefs>
+</ds:datastoreItem>
+</file>
+
+<file path=customXml/itemProps2.xml><?xml version="1.0" encoding="utf-8"?>
+<ds:datastoreItem xmlns:ds="http://schemas.openxmlformats.org/officeDocument/2006/customXml" ds:itemID="{A4DDC473-5CE2-4084-829A-8BB3644474E6}">
+  <ds:schemaRefs>
+    <ds:schemaRef ds:uri="http://schemas.microsoft.com/sharepoint/v3/contenttype/forms"/>
+  </ds:schemaRefs>
+</ds:datastoreItem>
+</file>
+
+<file path=customXml/itemProps3.xml><?xml version="1.0" encoding="utf-8"?>
+<ds:datastoreItem xmlns:ds="http://schemas.openxmlformats.org/officeDocument/2006/customXml" ds:itemID="{D9DB3519-7B74-42B9-AFAF-E1B5A2C23163}">
+  <ds:schemaRefs>
+    <ds:schemaRef ds:uri="http://schemas.microsoft.com/office/2006/metadata/properties"/>
+    <ds:schemaRef ds:uri="http://schemas.microsoft.com/office/infopath/2007/PartnerControls"/>
+  </ds:schemaRefs>
+</ds:datastoreItem>
 </file>
--- a/PP_INFOSKJERM_43_LYS.pptx
+++ b/PP_INFOSKJERM_43_LYS.pptx
@@ -7,19 +7,21 @@
     <p:sldMasterId id="2147483668" r:id="rId6"/>
     <p:sldMasterId id="2147483672" r:id="rId7"/>
     <p:sldMasterId id="2147483676" r:id="rId8"/>
+    <p:sldMasterId id="2147483684" r:id="rId9"/>
+    <p:sldMasterId id="2147483692" r:id="rId10"/>
+    <p:sldMasterId id="2147483696" r:id="rId11"/>
   </p:sldMasterIdLst>
   <p:notesMasterIdLst>
-    <p:notesMasterId r:id="rId17"/>
+    <p:notesMasterId r:id="rId19"/>
   </p:notesMasterIdLst>
   <p:sldIdLst>
-    <p:sldId id="256" r:id="rId9"/>
-    <p:sldId id="262" r:id="rId10"/>
-    <p:sldId id="263" r:id="rId11"/>
-    <p:sldId id="257" r:id="rId12"/>
-    <p:sldId id="258" r:id="rId13"/>
-    <p:sldId id="259" r:id="rId14"/>
-    <p:sldId id="260" r:id="rId15"/>
-    <p:sldId id="261" r:id="rId16"/>
+    <p:sldId id="256" r:id="rId12"/>
+    <p:sldId id="262" r:id="rId13"/>
+    <p:sldId id="263" r:id="rId14"/>
+    <p:sldId id="257" r:id="rId15"/>
+    <p:sldId id="258" r:id="rId16"/>
+    <p:sldId id="259" r:id="rId17"/>
+    <p:sldId id="264" r:id="rId18"/>
   </p:sldIdLst>
   <p:sldSz cx="6859588" cy="5145088"/>
   <p:notesSz cx="6858000" cy="9144000"/>
@@ -137,14 +139,6 @@
 </p:presentation>
 </file>
 
-<file path=ppt/revisionInfo.xml><?xml version="1.0" encoding="utf-8"?>
-<p1510:revInfo xmlns:a="http://schemas.openxmlformats.org/drawingml/2006/main" xmlns:r="http://schemas.openxmlformats.org/officeDocument/2006/relationships" xmlns:p1510="http://schemas.microsoft.com/office/powerpoint/2015/10/main">
-  <p1510:revLst>
-    <p1510:client id="{6B35A3BD-249B-4218-B582-23157B90F883}" v="1" dt="2021-09-28T08:04:11.547"/>
-  </p1510:revLst>
-</p1510:revInfo>
-</file>
-
 <file path=ppt/notesMasters/notesMaster1.xml><?xml version="1.0" encoding="utf-8"?>
 <p:notesMaster xmlns:a="http://schemas.openxmlformats.org/drawingml/2006/main" xmlns:r="http://schemas.openxmlformats.org/officeDocument/2006/relationships" xmlns:p="http://schemas.openxmlformats.org/presentationml/2006/main">
   <p:cSld>
@@ -227,7 +221,7 @@
           <a:p>
             <a:fld id="{FE3CBABE-916E-4AAD-B057-5389DC7DF64C}" type="datetimeFigureOut">
               <a:rPr lang="nb-NO" smtClean="0"/>
-              <a:t>05.01.2022</a:t>
+              <a:t>13.07.2022</a:t>
             </a:fld>
             <a:endParaRPr lang="nb-NO"/>
           </a:p>
@@ -564,6 +558,1330 @@
 </file>
 
 <file path=ppt/slideLayouts/slideLayout10.xml><?xml version="1.0" encoding="utf-8"?>
+<p:sldLayout xmlns:a="http://schemas.openxmlformats.org/drawingml/2006/main" xmlns:r="http://schemas.openxmlformats.org/officeDocument/2006/relationships" xmlns:p="http://schemas.openxmlformats.org/presentationml/2006/main" type="blank" preserve="1">
+  <p:cSld name="Tomt">
+    <p:spTree>
+      <p:nvGrpSpPr>
+        <p:cNvPr id="1" name=""/>
+        <p:cNvGrpSpPr/>
+        <p:nvPr/>
+      </p:nvGrpSpPr>
+      <p:grpSpPr>
+        <a:xfrm>
+          <a:off x="0" y="0"/>
+          <a:ext cx="0" cy="0"/>
+          <a:chOff x="0" y="0"/>
+          <a:chExt cx="0" cy="0"/>
+        </a:xfrm>
+      </p:grpSpPr>
+      <p:sp>
+        <p:nvSpPr>
+          <p:cNvPr id="7" name="Plassholder for bunntekst 3"/>
+          <p:cNvSpPr>
+            <a:spLocks noGrp="1"/>
+          </p:cNvSpPr>
+          <p:nvPr>
+            <p:ph type="ftr" sz="quarter" idx="3"/>
+          </p:nvPr>
+        </p:nvSpPr>
+        <p:spPr>
+          <a:xfrm>
+            <a:off x="-768257" y="4889255"/>
+            <a:ext cx="744607" cy="230832"/>
+          </a:xfrm>
+          <a:prstGeom prst="rect">
+            <a:avLst/>
+          </a:prstGeom>
+        </p:spPr>
+        <p:txBody>
+          <a:bodyPr vert="horz" wrap="none" lIns="0" tIns="0" rIns="0" bIns="0" rtlCol="0" anchor="ctr">
+            <a:noAutofit/>
+          </a:bodyPr>
+          <a:lstStyle>
+            <a:lvl1pPr algn="r">
+              <a:defRPr sz="1000">
+                <a:solidFill>
+                  <a:schemeClr val="tx1"/>
+                </a:solidFill>
+              </a:defRPr>
+            </a:lvl1pPr>
+          </a:lstStyle>
+          <a:p>
+            <a:r>
+              <a:rPr lang="nb-NO"/>
+              <a:t>Rullende tekst settes inn via "Sett inn -&gt; Topptekst og bunntekst"</a:t>
+            </a:r>
+            <a:endParaRPr lang="nb-NO" dirty="0"/>
+          </a:p>
+        </p:txBody>
+      </p:sp>
+    </p:spTree>
+    <p:extLst>
+      <p:ext uri="{BB962C8B-B14F-4D97-AF65-F5344CB8AC3E}">
+        <p14:creationId xmlns:p14="http://schemas.microsoft.com/office/powerpoint/2010/main" val="6859923"/>
+      </p:ext>
+    </p:extLst>
+  </p:cSld>
+  <p:clrMapOvr>
+    <a:masterClrMapping/>
+  </p:clrMapOvr>
+  <p:transition spd="slow" advClick="0" advTm="10000">
+    <p:fade/>
+  </p:transition>
+  <p:timing>
+    <p:tnLst>
+      <p:par>
+        <p:cTn id="1" dur="indefinite" restart="never" nodeType="tmRoot">
+          <p:childTnLst>
+            <p:seq concurrent="1" nextAc="seek">
+              <p:cTn id="2" dur="indefinite" nodeType="mainSeq">
+                <p:childTnLst>
+                  <p:par>
+                    <p:cTn id="3" fill="hold">
+                      <p:stCondLst>
+                        <p:cond delay="indefinite"/>
+                        <p:cond evt="onBegin" delay="0">
+                          <p:tn val="2"/>
+                        </p:cond>
+                      </p:stCondLst>
+                      <p:childTnLst>
+                        <p:par>
+                          <p:cTn id="4" fill="hold">
+                            <p:stCondLst>
+                              <p:cond delay="0"/>
+                            </p:stCondLst>
+                            <p:childTnLst>
+                              <p:par>
+                                <p:cTn id="5" presetID="2" presetClass="entr" presetSubtype="2" repeatCount="indefinite" fill="hold" grpId="0" nodeType="afterEffect" nodePh="1">
+                                  <p:stCondLst>
+                                    <p:cond delay="0"/>
+                                  </p:stCondLst>
+                                  <p:endCondLst>
+                                    <p:cond evt="begin" delay="0">
+                                      <p:tn val="5"/>
+                                    </p:cond>
+                                  </p:endCondLst>
+                                  <p:childTnLst>
+                                    <p:set>
+                                      <p:cBhvr>
+                                        <p:cTn id="6" dur="1" fill="hold">
+                                          <p:stCondLst>
+                                            <p:cond delay="0"/>
+                                          </p:stCondLst>
+                                        </p:cTn>
+                                        <p:tgtEl>
+                                          <p:spTgt spid="7"/>
+                                        </p:tgtEl>
+                                        <p:attrNameLst>
+                                          <p:attrName>style.visibility</p:attrName>
+                                        </p:attrNameLst>
+                                      </p:cBhvr>
+                                      <p:to>
+                                        <p:strVal val="visible"/>
+                                      </p:to>
+                                    </p:set>
+                                    <p:anim calcmode="lin" valueType="num">
+                                      <p:cBhvr additive="base">
+                                        <p:cTn id="7" dur="10000" fill="hold"/>
+                                        <p:tgtEl>
+                                          <p:spTgt spid="7"/>
+                                        </p:tgtEl>
+                                        <p:attrNameLst>
+                                          <p:attrName>ppt_x</p:attrName>
+                                        </p:attrNameLst>
+                                      </p:cBhvr>
+                                      <p:tavLst>
+                                        <p:tav tm="0">
+                                          <p:val>
+                                            <p:strVal val="1+#ppt_w/2"/>
+                                          </p:val>
+                                        </p:tav>
+                                        <p:tav tm="100000">
+                                          <p:val>
+                                            <p:strVal val="#ppt_x"/>
+                                          </p:val>
+                                        </p:tav>
+                                      </p:tavLst>
+                                    </p:anim>
+                                    <p:anim calcmode="lin" valueType="num">
+                                      <p:cBhvr additive="base">
+                                        <p:cTn id="8" dur="10000" fill="hold"/>
+                                        <p:tgtEl>
+                                          <p:spTgt spid="7"/>
+                                        </p:tgtEl>
+                                        <p:attrNameLst>
+                                          <p:attrName>ppt_y</p:attrName>
+                                        </p:attrNameLst>
+                                      </p:cBhvr>
+                                      <p:tavLst>
+                                        <p:tav tm="0">
+                                          <p:val>
+                                            <p:strVal val="#ppt_y"/>
+                                          </p:val>
+                                        </p:tav>
+                                        <p:tav tm="100000">
+                                          <p:val>
+                                            <p:strVal val="#ppt_y"/>
+                                          </p:val>
+                                        </p:tav>
+                                      </p:tavLst>
+                                    </p:anim>
+                                  </p:childTnLst>
+                                </p:cTn>
+                              </p:par>
+                            </p:childTnLst>
+                          </p:cTn>
+                        </p:par>
+                      </p:childTnLst>
+                    </p:cTn>
+                  </p:par>
+                </p:childTnLst>
+              </p:cTn>
+              <p:prevCondLst>
+                <p:cond evt="onPrev" delay="0">
+                  <p:tgtEl>
+                    <p:sldTgt/>
+                  </p:tgtEl>
+                </p:cond>
+              </p:prevCondLst>
+              <p:nextCondLst>
+                <p:cond evt="onNext" delay="0">
+                  <p:tgtEl>
+                    <p:sldTgt/>
+                  </p:tgtEl>
+                </p:cond>
+              </p:nextCondLst>
+            </p:seq>
+          </p:childTnLst>
+        </p:cTn>
+      </p:par>
+    </p:tnLst>
+    <p:bldLst>
+      <p:bldP spid="7" grpId="0"/>
+    </p:bldLst>
+  </p:timing>
+</p:sldLayout>
+</file>
+
+<file path=ppt/slideLayouts/slideLayout11.xml><?xml version="1.0" encoding="utf-8"?>
+<p:sldLayout xmlns:a="http://schemas.openxmlformats.org/drawingml/2006/main" xmlns:r="http://schemas.openxmlformats.org/officeDocument/2006/relationships" xmlns:p="http://schemas.openxmlformats.org/presentationml/2006/main" showMasterSp="0" preserve="1" userDrawn="1">
+  <p:cSld name="Tittel og innhold (2)">
+    <p:spTree>
+      <p:nvGrpSpPr>
+        <p:cNvPr id="1" name=""/>
+        <p:cNvGrpSpPr/>
+        <p:nvPr/>
+      </p:nvGrpSpPr>
+      <p:grpSpPr>
+        <a:xfrm>
+          <a:off x="0" y="0"/>
+          <a:ext cx="0" cy="0"/>
+          <a:chOff x="0" y="0"/>
+          <a:chExt cx="0" cy="0"/>
+        </a:xfrm>
+      </p:grpSpPr>
+      <p:sp>
+        <p:nvSpPr>
+          <p:cNvPr id="4" name="Rectangle 3">
+            <a:extLst>
+              <a:ext uri="{FF2B5EF4-FFF2-40B4-BE49-F238E27FC236}">
+                <a16:creationId xmlns:a16="http://schemas.microsoft.com/office/drawing/2014/main" id="{F1E1C32F-6395-4279-A4F6-2DFACFC18416}"/>
+              </a:ext>
+            </a:extLst>
+          </p:cNvPr>
+          <p:cNvSpPr/>
+          <p:nvPr userDrawn="1"/>
+        </p:nvSpPr>
+        <p:spPr>
+          <a:xfrm>
+            <a:off x="1" y="0"/>
+            <a:ext cx="3429794" cy="5145088"/>
+          </a:xfrm>
+          <a:prstGeom prst="rect">
+            <a:avLst/>
+          </a:prstGeom>
+          <a:solidFill>
+            <a:schemeClr val="bg1">
+              <a:lumMod val="95000"/>
+            </a:schemeClr>
+          </a:solidFill>
+          <a:ln>
+            <a:noFill/>
+          </a:ln>
+        </p:spPr>
+        <p:style>
+          <a:lnRef idx="2">
+            <a:schemeClr val="accent1">
+              <a:shade val="50000"/>
+            </a:schemeClr>
+          </a:lnRef>
+          <a:fillRef idx="1">
+            <a:schemeClr val="accent1"/>
+          </a:fillRef>
+          <a:effectRef idx="0">
+            <a:schemeClr val="accent1"/>
+          </a:effectRef>
+          <a:fontRef idx="minor">
+            <a:schemeClr val="lt1"/>
+          </a:fontRef>
+        </p:style>
+        <p:txBody>
+          <a:bodyPr rtlCol="0" anchor="ctr"/>
+          <a:lstStyle/>
+          <a:p>
+            <a:pPr algn="ctr"/>
+            <a:endParaRPr lang="nb-NO" sz="1013" dirty="0"/>
+          </a:p>
+        </p:txBody>
+      </p:sp>
+      <p:sp>
+        <p:nvSpPr>
+          <p:cNvPr id="2" name="Tittel 1"/>
+          <p:cNvSpPr>
+            <a:spLocks noGrp="1"/>
+          </p:cNvSpPr>
+          <p:nvPr>
+            <p:ph type="title" hasCustomPrompt="1"/>
+          </p:nvPr>
+        </p:nvSpPr>
+        <p:spPr>
+          <a:xfrm>
+            <a:off x="471597" y="351954"/>
+            <a:ext cx="2487617" cy="828104"/>
+          </a:xfrm>
+        </p:spPr>
+        <p:txBody>
+          <a:bodyPr/>
+          <a:lstStyle>
+            <a:lvl1pPr>
+              <a:defRPr/>
+            </a:lvl1pPr>
+          </a:lstStyle>
+          <a:p>
+            <a:r>
+              <a:rPr lang="nb-NO" dirty="0"/>
+              <a:t>Tittel</a:t>
+            </a:r>
+          </a:p>
+        </p:txBody>
+      </p:sp>
+      <p:sp>
+        <p:nvSpPr>
+          <p:cNvPr id="10" name="Text Placeholder 9">
+            <a:extLst>
+              <a:ext uri="{FF2B5EF4-FFF2-40B4-BE49-F238E27FC236}">
+                <a16:creationId xmlns:a16="http://schemas.microsoft.com/office/drawing/2014/main" id="{6D5337E2-4B06-4343-A7EC-B372A6E84A7B}"/>
+              </a:ext>
+            </a:extLst>
+          </p:cNvPr>
+          <p:cNvSpPr>
+            <a:spLocks noGrp="1"/>
+          </p:cNvSpPr>
+          <p:nvPr>
+            <p:ph type="body" sz="quarter" idx="14" hasCustomPrompt="1"/>
+          </p:nvPr>
+        </p:nvSpPr>
+        <p:spPr>
+          <a:xfrm>
+            <a:off x="3901390" y="351954"/>
+            <a:ext cx="2486598" cy="828104"/>
+          </a:xfrm>
+        </p:spPr>
+        <p:txBody>
+          <a:bodyPr anchor="ctr">
+            <a:normAutofit/>
+          </a:bodyPr>
+          <a:lstStyle>
+            <a:lvl1pPr marL="0" indent="0">
+              <a:spcBef>
+                <a:spcPts val="0"/>
+              </a:spcBef>
+              <a:buNone/>
+              <a:defRPr sz="1951"/>
+            </a:lvl1pPr>
+          </a:lstStyle>
+          <a:p>
+            <a:pPr lvl="0"/>
+            <a:r>
+              <a:rPr lang="nb-NO" dirty="0"/>
+              <a:t>Tittel</a:t>
+            </a:r>
+          </a:p>
+        </p:txBody>
+      </p:sp>
+      <p:sp>
+        <p:nvSpPr>
+          <p:cNvPr id="7" name="Content Placeholder 6">
+            <a:extLst>
+              <a:ext uri="{FF2B5EF4-FFF2-40B4-BE49-F238E27FC236}">
+                <a16:creationId xmlns:a16="http://schemas.microsoft.com/office/drawing/2014/main" id="{3A74192B-9ADD-4790-9339-0C70E66B2819}"/>
+              </a:ext>
+            </a:extLst>
+          </p:cNvPr>
+          <p:cNvSpPr>
+            <a:spLocks noGrp="1"/>
+          </p:cNvSpPr>
+          <p:nvPr>
+            <p:ph sz="quarter" idx="15" hasCustomPrompt="1"/>
+          </p:nvPr>
+        </p:nvSpPr>
+        <p:spPr>
+          <a:xfrm>
+            <a:off x="471597" y="1369643"/>
+            <a:ext cx="2487618" cy="3042700"/>
+          </a:xfrm>
+          <a:prstGeom prst="rect">
+            <a:avLst/>
+          </a:prstGeom>
+        </p:spPr>
+        <p:txBody>
+          <a:bodyPr lIns="0" tIns="0" rIns="0" bIns="0"/>
+          <a:lstStyle>
+            <a:lvl1pPr>
+              <a:defRPr/>
+            </a:lvl1pPr>
+          </a:lstStyle>
+          <a:p>
+            <a:pPr lvl="0"/>
+            <a:r>
+              <a:rPr lang="en-US" dirty="0" err="1"/>
+              <a:t>Klikk</a:t>
+            </a:r>
+            <a:r>
+              <a:rPr lang="en-US" dirty="0"/>
+              <a:t> for å </a:t>
+            </a:r>
+            <a:r>
+              <a:rPr lang="en-US" dirty="0" err="1"/>
+              <a:t>legge</a:t>
+            </a:r>
+            <a:r>
+              <a:rPr lang="en-US" dirty="0"/>
+              <a:t> </a:t>
+            </a:r>
+            <a:r>
+              <a:rPr lang="en-US" dirty="0" err="1"/>
+              <a:t>til</a:t>
+            </a:r>
+            <a:r>
+              <a:rPr lang="en-US" dirty="0"/>
+              <a:t> </a:t>
+            </a:r>
+            <a:r>
+              <a:rPr lang="en-US" dirty="0" err="1"/>
+              <a:t>tekst</a:t>
+            </a:r>
+            <a:endParaRPr lang="en-US" dirty="0"/>
+          </a:p>
+          <a:p>
+            <a:pPr lvl="1"/>
+            <a:r>
+              <a:rPr lang="en-US" dirty="0"/>
+              <a:t>Second level</a:t>
+            </a:r>
+          </a:p>
+          <a:p>
+            <a:pPr lvl="2"/>
+            <a:r>
+              <a:rPr lang="en-US" dirty="0"/>
+              <a:t>Third level</a:t>
+            </a:r>
+          </a:p>
+          <a:p>
+            <a:pPr lvl="3"/>
+            <a:r>
+              <a:rPr lang="en-US" dirty="0"/>
+              <a:t>Fourth level</a:t>
+            </a:r>
+          </a:p>
+          <a:p>
+            <a:pPr lvl="4"/>
+            <a:r>
+              <a:rPr lang="en-US" dirty="0"/>
+              <a:t>Fifth level</a:t>
+            </a:r>
+            <a:endParaRPr lang="en-GB" dirty="0"/>
+          </a:p>
+        </p:txBody>
+      </p:sp>
+      <p:sp>
+        <p:nvSpPr>
+          <p:cNvPr id="9" name="Content Placeholder 8">
+            <a:extLst>
+              <a:ext uri="{FF2B5EF4-FFF2-40B4-BE49-F238E27FC236}">
+                <a16:creationId xmlns:a16="http://schemas.microsoft.com/office/drawing/2014/main" id="{58A1958C-541C-458F-9C86-5AE3035B69A4}"/>
+              </a:ext>
+            </a:extLst>
+          </p:cNvPr>
+          <p:cNvSpPr>
+            <a:spLocks noGrp="1"/>
+          </p:cNvSpPr>
+          <p:nvPr>
+            <p:ph sz="quarter" idx="16" hasCustomPrompt="1"/>
+          </p:nvPr>
+        </p:nvSpPr>
+        <p:spPr>
+          <a:xfrm>
+            <a:off x="3901390" y="1369643"/>
+            <a:ext cx="2486598" cy="3042700"/>
+          </a:xfrm>
+          <a:prstGeom prst="rect">
+            <a:avLst/>
+          </a:prstGeom>
+        </p:spPr>
+        <p:txBody>
+          <a:bodyPr lIns="0" tIns="0" rIns="0" bIns="0"/>
+          <a:lstStyle>
+            <a:lvl1pPr>
+              <a:defRPr/>
+            </a:lvl1pPr>
+          </a:lstStyle>
+          <a:p>
+            <a:pPr lvl="0"/>
+            <a:r>
+              <a:rPr lang="en-US" dirty="0" err="1"/>
+              <a:t>Klikk</a:t>
+            </a:r>
+            <a:r>
+              <a:rPr lang="en-US" dirty="0"/>
+              <a:t> for å </a:t>
+            </a:r>
+            <a:r>
+              <a:rPr lang="en-US" dirty="0" err="1"/>
+              <a:t>legge</a:t>
+            </a:r>
+            <a:r>
+              <a:rPr lang="en-US" dirty="0"/>
+              <a:t> </a:t>
+            </a:r>
+            <a:r>
+              <a:rPr lang="en-US" dirty="0" err="1"/>
+              <a:t>til</a:t>
+            </a:r>
+            <a:r>
+              <a:rPr lang="en-US" dirty="0"/>
+              <a:t> </a:t>
+            </a:r>
+            <a:r>
+              <a:rPr lang="en-US" dirty="0" err="1"/>
+              <a:t>tekst</a:t>
+            </a:r>
+            <a:endParaRPr lang="en-US" dirty="0"/>
+          </a:p>
+          <a:p>
+            <a:pPr lvl="1"/>
+            <a:r>
+              <a:rPr lang="en-US" dirty="0"/>
+              <a:t>Second level</a:t>
+            </a:r>
+          </a:p>
+          <a:p>
+            <a:pPr lvl="2"/>
+            <a:r>
+              <a:rPr lang="en-US" dirty="0"/>
+              <a:t>Third level</a:t>
+            </a:r>
+          </a:p>
+          <a:p>
+            <a:pPr lvl="3"/>
+            <a:r>
+              <a:rPr lang="en-US" dirty="0"/>
+              <a:t>Fourth level</a:t>
+            </a:r>
+          </a:p>
+          <a:p>
+            <a:pPr lvl="4"/>
+            <a:r>
+              <a:rPr lang="en-US" dirty="0"/>
+              <a:t>Fifth level</a:t>
+            </a:r>
+            <a:endParaRPr lang="en-GB" dirty="0"/>
+          </a:p>
+        </p:txBody>
+      </p:sp>
+    </p:spTree>
+    <p:extLst>
+      <p:ext uri="{BB962C8B-B14F-4D97-AF65-F5344CB8AC3E}">
+        <p14:creationId xmlns:p14="http://schemas.microsoft.com/office/powerpoint/2010/main" val="1658572732"/>
+      </p:ext>
+    </p:extLst>
+  </p:cSld>
+  <p:clrMapOvr>
+    <a:masterClrMapping/>
+  </p:clrMapOvr>
+</p:sldLayout>
+</file>
+
+<file path=ppt/slideLayouts/slideLayout12.xml><?xml version="1.0" encoding="utf-8"?>
+<p:sldLayout xmlns:a="http://schemas.openxmlformats.org/drawingml/2006/main" xmlns:r="http://schemas.openxmlformats.org/officeDocument/2006/relationships" xmlns:p="http://schemas.openxmlformats.org/presentationml/2006/main" showMasterSp="0" preserve="1" userDrawn="1">
+  <p:cSld name="Tittel, innhold og bilde (H)">
+    <p:spTree>
+      <p:nvGrpSpPr>
+        <p:cNvPr id="1" name=""/>
+        <p:cNvGrpSpPr/>
+        <p:nvPr/>
+      </p:nvGrpSpPr>
+      <p:grpSpPr>
+        <a:xfrm>
+          <a:off x="0" y="0"/>
+          <a:ext cx="0" cy="0"/>
+          <a:chOff x="0" y="0"/>
+          <a:chExt cx="0" cy="0"/>
+        </a:xfrm>
+      </p:grpSpPr>
+      <p:sp>
+        <p:nvSpPr>
+          <p:cNvPr id="4" name="Rectangle 3">
+            <a:extLst>
+              <a:ext uri="{FF2B5EF4-FFF2-40B4-BE49-F238E27FC236}">
+                <a16:creationId xmlns:a16="http://schemas.microsoft.com/office/drawing/2014/main" id="{F1E1C32F-6395-4279-A4F6-2DFACFC18416}"/>
+              </a:ext>
+            </a:extLst>
+          </p:cNvPr>
+          <p:cNvSpPr/>
+          <p:nvPr userDrawn="1"/>
+        </p:nvSpPr>
+        <p:spPr>
+          <a:xfrm>
+            <a:off x="1" y="0"/>
+            <a:ext cx="3429794" cy="5145088"/>
+          </a:xfrm>
+          <a:prstGeom prst="rect">
+            <a:avLst/>
+          </a:prstGeom>
+          <a:solidFill>
+            <a:schemeClr val="bg1">
+              <a:lumMod val="95000"/>
+            </a:schemeClr>
+          </a:solidFill>
+          <a:ln>
+            <a:noFill/>
+          </a:ln>
+        </p:spPr>
+        <p:style>
+          <a:lnRef idx="2">
+            <a:schemeClr val="accent1">
+              <a:shade val="50000"/>
+            </a:schemeClr>
+          </a:lnRef>
+          <a:fillRef idx="1">
+            <a:schemeClr val="accent1"/>
+          </a:fillRef>
+          <a:effectRef idx="0">
+            <a:schemeClr val="accent1"/>
+          </a:effectRef>
+          <a:fontRef idx="minor">
+            <a:schemeClr val="lt1"/>
+          </a:fontRef>
+        </p:style>
+        <p:txBody>
+          <a:bodyPr rtlCol="0" anchor="ctr"/>
+          <a:lstStyle/>
+          <a:p>
+            <a:pPr algn="ctr"/>
+            <a:endParaRPr lang="nb-NO" sz="1013" dirty="0"/>
+          </a:p>
+        </p:txBody>
+      </p:sp>
+      <p:sp>
+        <p:nvSpPr>
+          <p:cNvPr id="2" name="Tittel 1"/>
+          <p:cNvSpPr>
+            <a:spLocks noGrp="1"/>
+          </p:cNvSpPr>
+          <p:nvPr>
+            <p:ph type="title" hasCustomPrompt="1"/>
+          </p:nvPr>
+        </p:nvSpPr>
+        <p:spPr>
+          <a:xfrm>
+            <a:off x="471597" y="351954"/>
+            <a:ext cx="2487617" cy="828104"/>
+          </a:xfrm>
+        </p:spPr>
+        <p:txBody>
+          <a:bodyPr/>
+          <a:lstStyle>
+            <a:lvl1pPr>
+              <a:defRPr/>
+            </a:lvl1pPr>
+          </a:lstStyle>
+          <a:p>
+            <a:r>
+              <a:rPr lang="nb-NO" dirty="0"/>
+              <a:t>Tittel</a:t>
+            </a:r>
+          </a:p>
+        </p:txBody>
+      </p:sp>
+      <p:sp>
+        <p:nvSpPr>
+          <p:cNvPr id="3" name="Plassholder for innhold 2"/>
+          <p:cNvSpPr>
+            <a:spLocks noGrp="1"/>
+          </p:cNvSpPr>
+          <p:nvPr>
+            <p:ph idx="1" hasCustomPrompt="1"/>
+          </p:nvPr>
+        </p:nvSpPr>
+        <p:spPr>
+          <a:xfrm>
+            <a:off x="471597" y="1369643"/>
+            <a:ext cx="2487618" cy="3042700"/>
+          </a:xfrm>
+        </p:spPr>
+        <p:txBody>
+          <a:bodyPr/>
+          <a:lstStyle/>
+          <a:p>
+            <a:pPr lvl="0"/>
+            <a:r>
+              <a:rPr lang="nb-NO" dirty="0"/>
+              <a:t>Klikk for å legge til tekst</a:t>
+            </a:r>
+          </a:p>
+          <a:p>
+            <a:pPr lvl="1"/>
+            <a:r>
+              <a:rPr lang="nb-NO" dirty="0"/>
+              <a:t>Andre nivå</a:t>
+            </a:r>
+          </a:p>
+          <a:p>
+            <a:pPr lvl="2"/>
+            <a:r>
+              <a:rPr lang="nb-NO" dirty="0"/>
+              <a:t>Tredje nivå</a:t>
+            </a:r>
+          </a:p>
+          <a:p>
+            <a:pPr lvl="3"/>
+            <a:r>
+              <a:rPr lang="nb-NO" dirty="0"/>
+              <a:t>Fjerde nivå</a:t>
+            </a:r>
+          </a:p>
+          <a:p>
+            <a:pPr lvl="4"/>
+            <a:r>
+              <a:rPr lang="nb-NO" dirty="0"/>
+              <a:t>Femte nivå</a:t>
+            </a:r>
+          </a:p>
+        </p:txBody>
+      </p:sp>
+      <p:sp>
+        <p:nvSpPr>
+          <p:cNvPr id="7" name="Picture Placeholder 6">
+            <a:extLst>
+              <a:ext uri="{FF2B5EF4-FFF2-40B4-BE49-F238E27FC236}">
+                <a16:creationId xmlns:a16="http://schemas.microsoft.com/office/drawing/2014/main" id="{48218045-9B70-4777-A444-3E4233FF4C41}"/>
+              </a:ext>
+            </a:extLst>
+          </p:cNvPr>
+          <p:cNvSpPr>
+            <a:spLocks noGrp="1"/>
+          </p:cNvSpPr>
+          <p:nvPr>
+            <p:ph type="pic" sz="quarter" idx="15"/>
+          </p:nvPr>
+        </p:nvSpPr>
+        <p:spPr>
+          <a:xfrm>
+            <a:off x="3429794" y="1"/>
+            <a:ext cx="3429794" cy="5145087"/>
+          </a:xfrm>
+          <a:prstGeom prst="rect">
+            <a:avLst/>
+          </a:prstGeom>
+        </p:spPr>
+        <p:txBody>
+          <a:bodyPr lIns="0" tIns="0" rIns="0" bIns="0"/>
+          <a:lstStyle/>
+          <a:p>
+            <a:r>
+              <a:rPr lang="nb-NO"/>
+              <a:t>Klikk på ikonet for å legge til et bilde</a:t>
+            </a:r>
+            <a:endParaRPr lang="en-GB"/>
+          </a:p>
+        </p:txBody>
+      </p:sp>
+    </p:spTree>
+    <p:extLst>
+      <p:ext uri="{BB962C8B-B14F-4D97-AF65-F5344CB8AC3E}">
+        <p14:creationId xmlns:p14="http://schemas.microsoft.com/office/powerpoint/2010/main" val="1019487655"/>
+      </p:ext>
+    </p:extLst>
+  </p:cSld>
+  <p:clrMapOvr>
+    <a:masterClrMapping/>
+  </p:clrMapOvr>
+</p:sldLayout>
+</file>
+
+<file path=ppt/slideLayouts/slideLayout13.xml><?xml version="1.0" encoding="utf-8"?>
+<p:sldLayout xmlns:a="http://schemas.openxmlformats.org/drawingml/2006/main" xmlns:r="http://schemas.openxmlformats.org/officeDocument/2006/relationships" xmlns:p="http://schemas.openxmlformats.org/presentationml/2006/main" showMasterSp="0" preserve="1" userDrawn="1">
+  <p:cSld name="Tittel, innhold og bilde (V)">
+    <p:spTree>
+      <p:nvGrpSpPr>
+        <p:cNvPr id="1" name=""/>
+        <p:cNvGrpSpPr/>
+        <p:nvPr/>
+      </p:nvGrpSpPr>
+      <p:grpSpPr>
+        <a:xfrm>
+          <a:off x="0" y="0"/>
+          <a:ext cx="0" cy="0"/>
+          <a:chOff x="0" y="0"/>
+          <a:chExt cx="0" cy="0"/>
+        </a:xfrm>
+      </p:grpSpPr>
+      <p:sp>
+        <p:nvSpPr>
+          <p:cNvPr id="4" name="Rectangle 3">
+            <a:extLst>
+              <a:ext uri="{FF2B5EF4-FFF2-40B4-BE49-F238E27FC236}">
+                <a16:creationId xmlns:a16="http://schemas.microsoft.com/office/drawing/2014/main" id="{F1E1C32F-6395-4279-A4F6-2DFACFC18416}"/>
+              </a:ext>
+            </a:extLst>
+          </p:cNvPr>
+          <p:cNvSpPr/>
+          <p:nvPr userDrawn="1"/>
+        </p:nvSpPr>
+        <p:spPr>
+          <a:xfrm>
+            <a:off x="1" y="0"/>
+            <a:ext cx="3429794" cy="5145088"/>
+          </a:xfrm>
+          <a:prstGeom prst="rect">
+            <a:avLst/>
+          </a:prstGeom>
+          <a:solidFill>
+            <a:schemeClr val="bg1">
+              <a:lumMod val="95000"/>
+            </a:schemeClr>
+          </a:solidFill>
+          <a:ln>
+            <a:noFill/>
+          </a:ln>
+        </p:spPr>
+        <p:style>
+          <a:lnRef idx="2">
+            <a:schemeClr val="accent1">
+              <a:shade val="50000"/>
+            </a:schemeClr>
+          </a:lnRef>
+          <a:fillRef idx="1">
+            <a:schemeClr val="accent1"/>
+          </a:fillRef>
+          <a:effectRef idx="0">
+            <a:schemeClr val="accent1"/>
+          </a:effectRef>
+          <a:fontRef idx="minor">
+            <a:schemeClr val="lt1"/>
+          </a:fontRef>
+        </p:style>
+        <p:txBody>
+          <a:bodyPr rtlCol="0" anchor="ctr"/>
+          <a:lstStyle/>
+          <a:p>
+            <a:pPr algn="ctr"/>
+            <a:endParaRPr lang="nb-NO" sz="1013" dirty="0"/>
+          </a:p>
+        </p:txBody>
+      </p:sp>
+      <p:sp>
+        <p:nvSpPr>
+          <p:cNvPr id="8" name="Plassholder for innhold 2">
+            <a:extLst>
+              <a:ext uri="{FF2B5EF4-FFF2-40B4-BE49-F238E27FC236}">
+                <a16:creationId xmlns:a16="http://schemas.microsoft.com/office/drawing/2014/main" id="{3DDC1A92-163C-4D9F-982D-CDC6A6CB0788}"/>
+              </a:ext>
+            </a:extLst>
+          </p:cNvPr>
+          <p:cNvSpPr>
+            <a:spLocks noGrp="1"/>
+          </p:cNvSpPr>
+          <p:nvPr>
+            <p:ph idx="13" hasCustomPrompt="1"/>
+          </p:nvPr>
+        </p:nvSpPr>
+        <p:spPr>
+          <a:xfrm>
+            <a:off x="3901390" y="1369643"/>
+            <a:ext cx="2486598" cy="3042700"/>
+          </a:xfrm>
+        </p:spPr>
+        <p:txBody>
+          <a:bodyPr/>
+          <a:lstStyle/>
+          <a:p>
+            <a:pPr lvl="0"/>
+            <a:r>
+              <a:rPr lang="nb-NO" dirty="0"/>
+              <a:t>Klikk for å legge til tekst</a:t>
+            </a:r>
+          </a:p>
+          <a:p>
+            <a:pPr lvl="1"/>
+            <a:r>
+              <a:rPr lang="nb-NO" dirty="0"/>
+              <a:t>Andre nivå</a:t>
+            </a:r>
+          </a:p>
+          <a:p>
+            <a:pPr lvl="2"/>
+            <a:r>
+              <a:rPr lang="nb-NO" dirty="0"/>
+              <a:t>Tredje nivå</a:t>
+            </a:r>
+          </a:p>
+          <a:p>
+            <a:pPr lvl="3"/>
+            <a:r>
+              <a:rPr lang="nb-NO" dirty="0"/>
+              <a:t>Fjerde nivå</a:t>
+            </a:r>
+          </a:p>
+          <a:p>
+            <a:pPr lvl="4"/>
+            <a:r>
+              <a:rPr lang="nb-NO" dirty="0"/>
+              <a:t>Femte nivå</a:t>
+            </a:r>
+          </a:p>
+        </p:txBody>
+      </p:sp>
+      <p:sp>
+        <p:nvSpPr>
+          <p:cNvPr id="10" name="Text Placeholder 9">
+            <a:extLst>
+              <a:ext uri="{FF2B5EF4-FFF2-40B4-BE49-F238E27FC236}">
+                <a16:creationId xmlns:a16="http://schemas.microsoft.com/office/drawing/2014/main" id="{6D5337E2-4B06-4343-A7EC-B372A6E84A7B}"/>
+              </a:ext>
+            </a:extLst>
+          </p:cNvPr>
+          <p:cNvSpPr>
+            <a:spLocks noGrp="1"/>
+          </p:cNvSpPr>
+          <p:nvPr>
+            <p:ph type="body" sz="quarter" idx="14" hasCustomPrompt="1"/>
+          </p:nvPr>
+        </p:nvSpPr>
+        <p:spPr>
+          <a:xfrm>
+            <a:off x="3901390" y="351954"/>
+            <a:ext cx="2486598" cy="828104"/>
+          </a:xfrm>
+        </p:spPr>
+        <p:txBody>
+          <a:bodyPr anchor="ctr">
+            <a:normAutofit/>
+          </a:bodyPr>
+          <a:lstStyle>
+            <a:lvl1pPr marL="0" indent="0">
+              <a:spcBef>
+                <a:spcPts val="0"/>
+              </a:spcBef>
+              <a:buNone/>
+              <a:defRPr sz="1951"/>
+            </a:lvl1pPr>
+          </a:lstStyle>
+          <a:p>
+            <a:pPr lvl="0"/>
+            <a:r>
+              <a:rPr lang="nb-NO" dirty="0"/>
+              <a:t>Tittel</a:t>
+            </a:r>
+          </a:p>
+        </p:txBody>
+      </p:sp>
+      <p:sp>
+        <p:nvSpPr>
+          <p:cNvPr id="7" name="Picture Placeholder 6">
+            <a:extLst>
+              <a:ext uri="{FF2B5EF4-FFF2-40B4-BE49-F238E27FC236}">
+                <a16:creationId xmlns:a16="http://schemas.microsoft.com/office/drawing/2014/main" id="{DB52D3BE-B2BB-4638-9CFB-C9E00968464D}"/>
+              </a:ext>
+            </a:extLst>
+          </p:cNvPr>
+          <p:cNvSpPr>
+            <a:spLocks noGrp="1"/>
+          </p:cNvSpPr>
+          <p:nvPr>
+            <p:ph type="pic" sz="quarter" idx="15"/>
+          </p:nvPr>
+        </p:nvSpPr>
+        <p:spPr>
+          <a:xfrm>
+            <a:off x="0" y="1"/>
+            <a:ext cx="3429794" cy="5145087"/>
+          </a:xfrm>
+          <a:prstGeom prst="rect">
+            <a:avLst/>
+          </a:prstGeom>
+        </p:spPr>
+        <p:txBody>
+          <a:bodyPr lIns="0" tIns="0" rIns="0" bIns="0"/>
+          <a:lstStyle/>
+          <a:p>
+            <a:r>
+              <a:rPr lang="nb-NO"/>
+              <a:t>Klikk på ikonet for å legge til et bilde</a:t>
+            </a:r>
+            <a:endParaRPr lang="en-GB"/>
+          </a:p>
+        </p:txBody>
+      </p:sp>
+    </p:spTree>
+    <p:extLst>
+      <p:ext uri="{BB962C8B-B14F-4D97-AF65-F5344CB8AC3E}">
+        <p14:creationId xmlns:p14="http://schemas.microsoft.com/office/powerpoint/2010/main" val="1518052472"/>
+      </p:ext>
+    </p:extLst>
+  </p:cSld>
+  <p:clrMapOvr>
+    <a:masterClrMapping/>
+  </p:clrMapOvr>
+</p:sldLayout>
+</file>
+
+<file path=ppt/slideLayouts/slideLayout14.xml><?xml version="1.0" encoding="utf-8"?>
+<p:sldLayout xmlns:a="http://schemas.openxmlformats.org/drawingml/2006/main" xmlns:r="http://schemas.openxmlformats.org/officeDocument/2006/relationships" xmlns:p="http://schemas.openxmlformats.org/presentationml/2006/main" showMasterSp="0" preserve="1" userDrawn="1">
+  <p:cSld name="Tom uten logo">
+    <p:spTree>
+      <p:nvGrpSpPr>
+        <p:cNvPr id="1" name=""/>
+        <p:cNvGrpSpPr/>
+        <p:nvPr/>
+      </p:nvGrpSpPr>
+      <p:grpSpPr>
+        <a:xfrm>
+          <a:off x="0" y="0"/>
+          <a:ext cx="0" cy="0"/>
+          <a:chOff x="0" y="0"/>
+          <a:chExt cx="0" cy="0"/>
+        </a:xfrm>
+      </p:grpSpPr>
+    </p:spTree>
+    <p:extLst>
+      <p:ext uri="{BB962C8B-B14F-4D97-AF65-F5344CB8AC3E}">
+        <p14:creationId xmlns:p14="http://schemas.microsoft.com/office/powerpoint/2010/main" val="2925608206"/>
+      </p:ext>
+    </p:extLst>
+  </p:cSld>
+  <p:clrMapOvr>
+    <a:masterClrMapping/>
+  </p:clrMapOvr>
+</p:sldLayout>
+</file>
+
+<file path=ppt/slideLayouts/slideLayout15.xml><?xml version="1.0" encoding="utf-8"?>
+<p:sldLayout xmlns:a="http://schemas.openxmlformats.org/drawingml/2006/main" xmlns:r="http://schemas.openxmlformats.org/officeDocument/2006/relationships" xmlns:p="http://schemas.openxmlformats.org/presentationml/2006/main" preserve="1" userDrawn="1">
+  <p:cSld name="Tittellysbilde">
+    <p:spTree>
+      <p:nvGrpSpPr>
+        <p:cNvPr id="1" name=""/>
+        <p:cNvGrpSpPr/>
+        <p:nvPr/>
+      </p:nvGrpSpPr>
+      <p:grpSpPr>
+        <a:xfrm>
+          <a:off x="0" y="0"/>
+          <a:ext cx="0" cy="0"/>
+          <a:chOff x="0" y="0"/>
+          <a:chExt cx="0" cy="0"/>
+        </a:xfrm>
+      </p:grpSpPr>
+      <p:sp>
+        <p:nvSpPr>
+          <p:cNvPr id="2" name="Tittel 1"/>
+          <p:cNvSpPr>
+            <a:spLocks noGrp="1"/>
+          </p:cNvSpPr>
+          <p:nvPr>
+            <p:ph type="ctrTitle"/>
+          </p:nvPr>
+        </p:nvSpPr>
+        <p:spPr>
+          <a:xfrm>
+            <a:off x="998928" y="1503493"/>
+            <a:ext cx="4861733" cy="828104"/>
+          </a:xfrm>
+        </p:spPr>
+        <p:txBody>
+          <a:bodyPr anchor="ctr"/>
+          <a:lstStyle>
+            <a:lvl1pPr algn="ctr">
+              <a:defRPr sz="2600"/>
+            </a:lvl1pPr>
+          </a:lstStyle>
+          <a:p>
+            <a:r>
+              <a:rPr lang="nb-NO"/>
+              <a:t>Klikk for å redigere tittelstil</a:t>
+            </a:r>
+            <a:endParaRPr lang="nb-NO" dirty="0"/>
+          </a:p>
+        </p:txBody>
+      </p:sp>
+      <p:sp>
+        <p:nvSpPr>
+          <p:cNvPr id="3" name="Undertittel 2"/>
+          <p:cNvSpPr>
+            <a:spLocks noGrp="1"/>
+          </p:cNvSpPr>
+          <p:nvPr>
+            <p:ph type="subTitle" idx="1"/>
+          </p:nvPr>
+        </p:nvSpPr>
+        <p:spPr>
+          <a:xfrm>
+            <a:off x="998928" y="2513299"/>
+            <a:ext cx="4861733" cy="828104"/>
+          </a:xfrm>
+        </p:spPr>
+        <p:txBody>
+          <a:bodyPr anchor="ctr">
+            <a:noAutofit/>
+          </a:bodyPr>
+          <a:lstStyle>
+            <a:lvl1pPr marL="0" indent="0" algn="ctr">
+              <a:buNone/>
+              <a:defRPr sz="1700"/>
+            </a:lvl1pPr>
+            <a:lvl2pPr marL="342900" indent="0" algn="ctr">
+              <a:buNone/>
+              <a:defRPr sz="1500"/>
+            </a:lvl2pPr>
+            <a:lvl3pPr marL="685800" indent="0" algn="ctr">
+              <a:buNone/>
+              <a:defRPr sz="1350"/>
+            </a:lvl3pPr>
+            <a:lvl4pPr marL="1028700" indent="0" algn="ctr">
+              <a:buNone/>
+              <a:defRPr sz="1200"/>
+            </a:lvl4pPr>
+            <a:lvl5pPr marL="1371600" indent="0" algn="ctr">
+              <a:buNone/>
+              <a:defRPr sz="1200"/>
+            </a:lvl5pPr>
+            <a:lvl6pPr marL="1714500" indent="0" algn="ctr">
+              <a:buNone/>
+              <a:defRPr sz="1200"/>
+            </a:lvl6pPr>
+            <a:lvl7pPr marL="2057400" indent="0" algn="ctr">
+              <a:buNone/>
+              <a:defRPr sz="1200"/>
+            </a:lvl7pPr>
+            <a:lvl8pPr marL="2400300" indent="0" algn="ctr">
+              <a:buNone/>
+              <a:defRPr sz="1200"/>
+            </a:lvl8pPr>
+            <a:lvl9pPr marL="2743200" indent="0" algn="ctr">
+              <a:buNone/>
+              <a:defRPr sz="1200"/>
+            </a:lvl9pPr>
+          </a:lstStyle>
+          <a:p>
+            <a:r>
+              <a:rPr lang="nb-NO"/>
+              <a:t>Klikk for å redigere undertittelstil i malen</a:t>
+            </a:r>
+          </a:p>
+        </p:txBody>
+      </p:sp>
+      <p:sp>
+        <p:nvSpPr>
+          <p:cNvPr id="7" name="Plassholder for bunntekst 3"/>
+          <p:cNvSpPr>
+            <a:spLocks noGrp="1"/>
+          </p:cNvSpPr>
+          <p:nvPr>
+            <p:ph type="ftr" sz="quarter" idx="3"/>
+          </p:nvPr>
+        </p:nvSpPr>
+        <p:spPr>
+          <a:xfrm>
+            <a:off x="-768257" y="4889255"/>
+            <a:ext cx="744607" cy="230832"/>
+          </a:xfrm>
+          <a:prstGeom prst="rect">
+            <a:avLst/>
+          </a:prstGeom>
+        </p:spPr>
+        <p:txBody>
+          <a:bodyPr vert="horz" wrap="none" lIns="0" tIns="0" rIns="0" bIns="0" rtlCol="0" anchor="ctr">
+            <a:noAutofit/>
+          </a:bodyPr>
+          <a:lstStyle>
+            <a:lvl1pPr algn="r">
+              <a:defRPr sz="1000">
+                <a:solidFill>
+                  <a:schemeClr val="tx1"/>
+                </a:solidFill>
+              </a:defRPr>
+            </a:lvl1pPr>
+          </a:lstStyle>
+          <a:p>
+            <a:r>
+              <a:rPr lang="nb-NO"/>
+              <a:t>Rullende tekst settes inn via "Sett inn -&gt; Topptekst og bunntekst"</a:t>
+            </a:r>
+            <a:endParaRPr lang="nb-NO" dirty="0"/>
+          </a:p>
+        </p:txBody>
+      </p:sp>
+    </p:spTree>
+    <p:extLst>
+      <p:ext uri="{BB962C8B-B14F-4D97-AF65-F5344CB8AC3E}">
+        <p14:creationId xmlns:p14="http://schemas.microsoft.com/office/powerpoint/2010/main" val="2550092002"/>
+      </p:ext>
+    </p:extLst>
+  </p:cSld>
+  <p:clrMapOvr>
+    <a:masterClrMapping/>
+  </p:clrMapOvr>
+  <p:transition spd="slow" advClick="0" advTm="10000">
+    <p:fade/>
+  </p:transition>
+  <p:timing>
+    <p:tnLst>
+      <p:par>
+        <p:cTn id="1" dur="indefinite" restart="never" nodeType="tmRoot">
+          <p:childTnLst>
+            <p:seq concurrent="1" nextAc="seek">
+              <p:cTn id="2" dur="indefinite" nodeType="mainSeq">
+                <p:childTnLst>
+                  <p:par>
+                    <p:cTn id="3" fill="hold">
+                      <p:stCondLst>
+                        <p:cond delay="indefinite"/>
+                        <p:cond evt="onBegin" delay="0">
+                          <p:tn val="2"/>
+                        </p:cond>
+                      </p:stCondLst>
+                      <p:childTnLst>
+                        <p:par>
+                          <p:cTn id="4" fill="hold">
+                            <p:stCondLst>
+                              <p:cond delay="0"/>
+                            </p:stCondLst>
+                            <p:childTnLst>
+                              <p:par>
+                                <p:cTn id="5" presetID="2" presetClass="entr" presetSubtype="2" repeatCount="indefinite" fill="hold" grpId="0" nodeType="afterEffect" nodePh="1">
+                                  <p:stCondLst>
+                                    <p:cond delay="0"/>
+                                  </p:stCondLst>
+                                  <p:endCondLst>
+                                    <p:cond evt="begin" delay="0">
+                                      <p:tn val="5"/>
+                                    </p:cond>
+                                  </p:endCondLst>
+                                  <p:childTnLst>
+                                    <p:set>
+                                      <p:cBhvr>
+                                        <p:cTn id="6" dur="1" fill="hold">
+                                          <p:stCondLst>
+                                            <p:cond delay="0"/>
+                                          </p:stCondLst>
+                                        </p:cTn>
+                                        <p:tgtEl>
+                                          <p:spTgt spid="7"/>
+                                        </p:tgtEl>
+                                        <p:attrNameLst>
+                                          <p:attrName>style.visibility</p:attrName>
+                                        </p:attrNameLst>
+                                      </p:cBhvr>
+                                      <p:to>
+                                        <p:strVal val="visible"/>
+                                      </p:to>
+                                    </p:set>
+                                    <p:anim calcmode="lin" valueType="num">
+                                      <p:cBhvr additive="base">
+                                        <p:cTn id="7" dur="10000" fill="hold"/>
+                                        <p:tgtEl>
+                                          <p:spTgt spid="7"/>
+                                        </p:tgtEl>
+                                        <p:attrNameLst>
+                                          <p:attrName>ppt_x</p:attrName>
+                                        </p:attrNameLst>
+                                      </p:cBhvr>
+                                      <p:tavLst>
+                                        <p:tav tm="0">
+                                          <p:val>
+                                            <p:strVal val="1+#ppt_w/2"/>
+                                          </p:val>
+                                        </p:tav>
+                                        <p:tav tm="100000">
+                                          <p:val>
+                                            <p:strVal val="#ppt_x"/>
+                                          </p:val>
+                                        </p:tav>
+                                      </p:tavLst>
+                                    </p:anim>
+                                    <p:anim calcmode="lin" valueType="num">
+                                      <p:cBhvr additive="base">
+                                        <p:cTn id="8" dur="10000" fill="hold"/>
+                                        <p:tgtEl>
+                                          <p:spTgt spid="7"/>
+                                        </p:tgtEl>
+                                        <p:attrNameLst>
+                                          <p:attrName>ppt_y</p:attrName>
+                                        </p:attrNameLst>
+                                      </p:cBhvr>
+                                      <p:tavLst>
+                                        <p:tav tm="0">
+                                          <p:val>
+                                            <p:strVal val="#ppt_y"/>
+                                          </p:val>
+                                        </p:tav>
+                                        <p:tav tm="100000">
+                                          <p:val>
+                                            <p:strVal val="#ppt_y"/>
+                                          </p:val>
+                                        </p:tav>
+                                      </p:tavLst>
+                                    </p:anim>
+                                  </p:childTnLst>
+                                </p:cTn>
+                              </p:par>
+                            </p:childTnLst>
+                          </p:cTn>
+                        </p:par>
+                      </p:childTnLst>
+                    </p:cTn>
+                  </p:par>
+                </p:childTnLst>
+              </p:cTn>
+              <p:prevCondLst>
+                <p:cond evt="onPrev" delay="0">
+                  <p:tgtEl>
+                    <p:sldTgt/>
+                  </p:tgtEl>
+                </p:cond>
+              </p:prevCondLst>
+              <p:nextCondLst>
+                <p:cond evt="onNext" delay="0">
+                  <p:tgtEl>
+                    <p:sldTgt/>
+                  </p:tgtEl>
+                </p:cond>
+              </p:nextCondLst>
+            </p:seq>
+          </p:childTnLst>
+        </p:cTn>
+      </p:par>
+    </p:tnLst>
+    <p:bldLst>
+      <p:bldP spid="7" grpId="0"/>
+    </p:bldLst>
+  </p:timing>
+</p:sldLayout>
+</file>
+
+<file path=ppt/slideLayouts/slideLayout16.xml><?xml version="1.0" encoding="utf-8"?>
 <p:sldLayout xmlns:a="http://schemas.openxmlformats.org/drawingml/2006/main" xmlns:r="http://schemas.openxmlformats.org/officeDocument/2006/relationships" xmlns:p="http://schemas.openxmlformats.org/presentationml/2006/main" type="titleOnly" preserve="1">
   <p:cSld name="Bare tittel">
     <p:spTree>
@@ -791,7 +2109,7 @@
 </p:sldLayout>
 </file>
 
-<file path=ppt/slideLayouts/slideLayout11.xml><?xml version="1.0" encoding="utf-8"?>
+<file path=ppt/slideLayouts/slideLayout17.xml><?xml version="1.0" encoding="utf-8"?>
 <p:sldLayout xmlns:a="http://schemas.openxmlformats.org/drawingml/2006/main" xmlns:r="http://schemas.openxmlformats.org/officeDocument/2006/relationships" xmlns:p="http://schemas.openxmlformats.org/presentationml/2006/main" type="blank" preserve="1">
   <p:cSld name="Tomt">
     <p:spTree>
@@ -997,7 +2315,7 @@
 </p:sldLayout>
 </file>
 
-<file path=ppt/slideLayouts/slideLayout12.xml><?xml version="1.0" encoding="utf-8"?>
+<file path=ppt/slideLayouts/slideLayout18.xml><?xml version="1.0" encoding="utf-8"?>
 <p:sldLayout xmlns:a="http://schemas.openxmlformats.org/drawingml/2006/main" xmlns:r="http://schemas.openxmlformats.org/officeDocument/2006/relationships" xmlns:p="http://schemas.openxmlformats.org/presentationml/2006/main" preserve="1" userDrawn="1">
   <p:cSld name="Tittellysbilde">
     <p:bg>
@@ -1309,7 +2627,7 @@
 </p:sldLayout>
 </file>
 
-<file path=ppt/slideLayouts/slideLayout13.xml><?xml version="1.0" encoding="utf-8"?>
+<file path=ppt/slideLayouts/slideLayout19.xml><?xml version="1.0" encoding="utf-8"?>
 <p:sldLayout xmlns:a="http://schemas.openxmlformats.org/drawingml/2006/main" xmlns:r="http://schemas.openxmlformats.org/officeDocument/2006/relationships" xmlns:p="http://schemas.openxmlformats.org/presentationml/2006/main" type="titleOnly" preserve="1">
   <p:cSld name="Bare tittel">
     <p:bg>
@@ -1401,1530 +2719,6 @@
     <p:extLst>
       <p:ext uri="{BB962C8B-B14F-4D97-AF65-F5344CB8AC3E}">
         <p14:creationId xmlns:p14="http://schemas.microsoft.com/office/powerpoint/2010/main" val="2844390455"/>
-      </p:ext>
-    </p:extLst>
-  </p:cSld>
-  <p:clrMapOvr>
-    <a:masterClrMapping/>
-  </p:clrMapOvr>
-  <p:transition spd="slow" advClick="0" advTm="10000">
-    <p:fade/>
-  </p:transition>
-  <p:timing>
-    <p:tnLst>
-      <p:par>
-        <p:cTn id="1" dur="indefinite" restart="never" nodeType="tmRoot">
-          <p:childTnLst>
-            <p:seq concurrent="1" nextAc="seek">
-              <p:cTn id="2" dur="indefinite" nodeType="mainSeq">
-                <p:childTnLst>
-                  <p:par>
-                    <p:cTn id="3" fill="hold">
-                      <p:stCondLst>
-                        <p:cond delay="indefinite"/>
-                        <p:cond evt="onBegin" delay="0">
-                          <p:tn val="2"/>
-                        </p:cond>
-                      </p:stCondLst>
-                      <p:childTnLst>
-                        <p:par>
-                          <p:cTn id="4" fill="hold">
-                            <p:stCondLst>
-                              <p:cond delay="0"/>
-                            </p:stCondLst>
-                            <p:childTnLst>
-                              <p:par>
-                                <p:cTn id="5" presetID="2" presetClass="entr" presetSubtype="2" repeatCount="indefinite" fill="hold" grpId="0" nodeType="afterEffect" nodePh="1">
-                                  <p:stCondLst>
-                                    <p:cond delay="0"/>
-                                  </p:stCondLst>
-                                  <p:endCondLst>
-                                    <p:cond evt="begin" delay="0">
-                                      <p:tn val="5"/>
-                                    </p:cond>
-                                  </p:endCondLst>
-                                  <p:childTnLst>
-                                    <p:set>
-                                      <p:cBhvr>
-                                        <p:cTn id="6" dur="1" fill="hold">
-                                          <p:stCondLst>
-                                            <p:cond delay="0"/>
-                                          </p:stCondLst>
-                                        </p:cTn>
-                                        <p:tgtEl>
-                                          <p:spTgt spid="8"/>
-                                        </p:tgtEl>
-                                        <p:attrNameLst>
-                                          <p:attrName>style.visibility</p:attrName>
-                                        </p:attrNameLst>
-                                      </p:cBhvr>
-                                      <p:to>
-                                        <p:strVal val="visible"/>
-                                      </p:to>
-                                    </p:set>
-                                    <p:anim calcmode="lin" valueType="num">
-                                      <p:cBhvr additive="base">
-                                        <p:cTn id="7" dur="10000" fill="hold"/>
-                                        <p:tgtEl>
-                                          <p:spTgt spid="8"/>
-                                        </p:tgtEl>
-                                        <p:attrNameLst>
-                                          <p:attrName>ppt_x</p:attrName>
-                                        </p:attrNameLst>
-                                      </p:cBhvr>
-                                      <p:tavLst>
-                                        <p:tav tm="0">
-                                          <p:val>
-                                            <p:strVal val="1+#ppt_w/2"/>
-                                          </p:val>
-                                        </p:tav>
-                                        <p:tav tm="100000">
-                                          <p:val>
-                                            <p:strVal val="#ppt_x"/>
-                                          </p:val>
-                                        </p:tav>
-                                      </p:tavLst>
-                                    </p:anim>
-                                    <p:anim calcmode="lin" valueType="num">
-                                      <p:cBhvr additive="base">
-                                        <p:cTn id="8" dur="10000" fill="hold"/>
-                                        <p:tgtEl>
-                                          <p:spTgt spid="8"/>
-                                        </p:tgtEl>
-                                        <p:attrNameLst>
-                                          <p:attrName>ppt_y</p:attrName>
-                                        </p:attrNameLst>
-                                      </p:cBhvr>
-                                      <p:tavLst>
-                                        <p:tav tm="0">
-                                          <p:val>
-                                            <p:strVal val="#ppt_y"/>
-                                          </p:val>
-                                        </p:tav>
-                                        <p:tav tm="100000">
-                                          <p:val>
-                                            <p:strVal val="#ppt_y"/>
-                                          </p:val>
-                                        </p:tav>
-                                      </p:tavLst>
-                                    </p:anim>
-                                  </p:childTnLst>
-                                </p:cTn>
-                              </p:par>
-                            </p:childTnLst>
-                          </p:cTn>
-                        </p:par>
-                      </p:childTnLst>
-                    </p:cTn>
-                  </p:par>
-                </p:childTnLst>
-              </p:cTn>
-              <p:prevCondLst>
-                <p:cond evt="onPrev" delay="0">
-                  <p:tgtEl>
-                    <p:sldTgt/>
-                  </p:tgtEl>
-                </p:cond>
-              </p:prevCondLst>
-              <p:nextCondLst>
-                <p:cond evt="onNext" delay="0">
-                  <p:tgtEl>
-                    <p:sldTgt/>
-                  </p:tgtEl>
-                </p:cond>
-              </p:nextCondLst>
-            </p:seq>
-          </p:childTnLst>
-        </p:cTn>
-      </p:par>
-    </p:tnLst>
-    <p:bldLst>
-      <p:bldP spid="8" grpId="0"/>
-    </p:bldLst>
-  </p:timing>
-</p:sldLayout>
-</file>
-
-<file path=ppt/slideLayouts/slideLayout14.xml><?xml version="1.0" encoding="utf-8"?>
-<p:sldLayout xmlns:a="http://schemas.openxmlformats.org/drawingml/2006/main" xmlns:r="http://schemas.openxmlformats.org/officeDocument/2006/relationships" xmlns:p="http://schemas.openxmlformats.org/presentationml/2006/main" type="blank" preserve="1">
-  <p:cSld name="Tomt">
-    <p:bg>
-      <p:bgPr>
-        <a:solidFill>
-          <a:srgbClr val="702C80"/>
-        </a:solidFill>
-        <a:effectLst/>
-      </p:bgPr>
-    </p:bg>
-    <p:spTree>
-      <p:nvGrpSpPr>
-        <p:cNvPr id="1" name=""/>
-        <p:cNvGrpSpPr/>
-        <p:nvPr/>
-      </p:nvGrpSpPr>
-      <p:grpSpPr>
-        <a:xfrm>
-          <a:off x="0" y="0"/>
-          <a:ext cx="0" cy="0"/>
-          <a:chOff x="0" y="0"/>
-          <a:chExt cx="0" cy="0"/>
-        </a:xfrm>
-      </p:grpSpPr>
-      <p:sp>
-        <p:nvSpPr>
-          <p:cNvPr id="7" name="Plassholder for bunntekst 3"/>
-          <p:cNvSpPr>
-            <a:spLocks noGrp="1"/>
-          </p:cNvSpPr>
-          <p:nvPr>
-            <p:ph type="ftr" sz="quarter" idx="3"/>
-          </p:nvPr>
-        </p:nvSpPr>
-        <p:spPr>
-          <a:xfrm>
-            <a:off x="-768257" y="4889255"/>
-            <a:ext cx="744607" cy="230832"/>
-          </a:xfrm>
-          <a:prstGeom prst="rect">
-            <a:avLst/>
-          </a:prstGeom>
-        </p:spPr>
-        <p:txBody>
-          <a:bodyPr vert="horz" wrap="none" lIns="0" tIns="0" rIns="0" bIns="0" rtlCol="0" anchor="ctr">
-            <a:noAutofit/>
-          </a:bodyPr>
-          <a:lstStyle>
-            <a:lvl1pPr algn="r">
-              <a:defRPr sz="1000">
-                <a:solidFill>
-                  <a:schemeClr val="tx1"/>
-                </a:solidFill>
-              </a:defRPr>
-            </a:lvl1pPr>
-          </a:lstStyle>
-          <a:p>
-            <a:r>
-              <a:rPr lang="nb-NO"/>
-              <a:t>Rullende tekst settes inn via "Sett inn -&gt; Topptekst og bunntekst"</a:t>
-            </a:r>
-            <a:endParaRPr lang="nb-NO" dirty="0"/>
-          </a:p>
-        </p:txBody>
-      </p:sp>
-    </p:spTree>
-    <p:extLst>
-      <p:ext uri="{BB962C8B-B14F-4D97-AF65-F5344CB8AC3E}">
-        <p14:creationId xmlns:p14="http://schemas.microsoft.com/office/powerpoint/2010/main" val="35053145"/>
-      </p:ext>
-    </p:extLst>
-  </p:cSld>
-  <p:clrMapOvr>
-    <a:masterClrMapping/>
-  </p:clrMapOvr>
-  <p:transition spd="slow" advClick="0" advTm="10000">
-    <p:fade/>
-  </p:transition>
-  <p:timing>
-    <p:tnLst>
-      <p:par>
-        <p:cTn id="1" dur="indefinite" restart="never" nodeType="tmRoot">
-          <p:childTnLst>
-            <p:seq concurrent="1" nextAc="seek">
-              <p:cTn id="2" dur="indefinite" nodeType="mainSeq">
-                <p:childTnLst>
-                  <p:par>
-                    <p:cTn id="3" fill="hold">
-                      <p:stCondLst>
-                        <p:cond delay="indefinite"/>
-                        <p:cond evt="onBegin" delay="0">
-                          <p:tn val="2"/>
-                        </p:cond>
-                      </p:stCondLst>
-                      <p:childTnLst>
-                        <p:par>
-                          <p:cTn id="4" fill="hold">
-                            <p:stCondLst>
-                              <p:cond delay="0"/>
-                            </p:stCondLst>
-                            <p:childTnLst>
-                              <p:par>
-                                <p:cTn id="5" presetID="2" presetClass="entr" presetSubtype="2" repeatCount="indefinite" fill="hold" grpId="0" nodeType="afterEffect" nodePh="1">
-                                  <p:stCondLst>
-                                    <p:cond delay="0"/>
-                                  </p:stCondLst>
-                                  <p:endCondLst>
-                                    <p:cond evt="begin" delay="0">
-                                      <p:tn val="5"/>
-                                    </p:cond>
-                                  </p:endCondLst>
-                                  <p:childTnLst>
-                                    <p:set>
-                                      <p:cBhvr>
-                                        <p:cTn id="6" dur="1" fill="hold">
-                                          <p:stCondLst>
-                                            <p:cond delay="0"/>
-                                          </p:stCondLst>
-                                        </p:cTn>
-                                        <p:tgtEl>
-                                          <p:spTgt spid="7"/>
-                                        </p:tgtEl>
-                                        <p:attrNameLst>
-                                          <p:attrName>style.visibility</p:attrName>
-                                        </p:attrNameLst>
-                                      </p:cBhvr>
-                                      <p:to>
-                                        <p:strVal val="visible"/>
-                                      </p:to>
-                                    </p:set>
-                                    <p:anim calcmode="lin" valueType="num">
-                                      <p:cBhvr additive="base">
-                                        <p:cTn id="7" dur="10000" fill="hold"/>
-                                        <p:tgtEl>
-                                          <p:spTgt spid="7"/>
-                                        </p:tgtEl>
-                                        <p:attrNameLst>
-                                          <p:attrName>ppt_x</p:attrName>
-                                        </p:attrNameLst>
-                                      </p:cBhvr>
-                                      <p:tavLst>
-                                        <p:tav tm="0">
-                                          <p:val>
-                                            <p:strVal val="1+#ppt_w/2"/>
-                                          </p:val>
-                                        </p:tav>
-                                        <p:tav tm="100000">
-                                          <p:val>
-                                            <p:strVal val="#ppt_x"/>
-                                          </p:val>
-                                        </p:tav>
-                                      </p:tavLst>
-                                    </p:anim>
-                                    <p:anim calcmode="lin" valueType="num">
-                                      <p:cBhvr additive="base">
-                                        <p:cTn id="8" dur="10000" fill="hold"/>
-                                        <p:tgtEl>
-                                          <p:spTgt spid="7"/>
-                                        </p:tgtEl>
-                                        <p:attrNameLst>
-                                          <p:attrName>ppt_y</p:attrName>
-                                        </p:attrNameLst>
-                                      </p:cBhvr>
-                                      <p:tavLst>
-                                        <p:tav tm="0">
-                                          <p:val>
-                                            <p:strVal val="#ppt_y"/>
-                                          </p:val>
-                                        </p:tav>
-                                        <p:tav tm="100000">
-                                          <p:val>
-                                            <p:strVal val="#ppt_y"/>
-                                          </p:val>
-                                        </p:tav>
-                                      </p:tavLst>
-                                    </p:anim>
-                                  </p:childTnLst>
-                                </p:cTn>
-                              </p:par>
-                            </p:childTnLst>
-                          </p:cTn>
-                        </p:par>
-                      </p:childTnLst>
-                    </p:cTn>
-                  </p:par>
-                </p:childTnLst>
-              </p:cTn>
-              <p:prevCondLst>
-                <p:cond evt="onPrev" delay="0">
-                  <p:tgtEl>
-                    <p:sldTgt/>
-                  </p:tgtEl>
-                </p:cond>
-              </p:prevCondLst>
-              <p:nextCondLst>
-                <p:cond evt="onNext" delay="0">
-                  <p:tgtEl>
-                    <p:sldTgt/>
-                  </p:tgtEl>
-                </p:cond>
-              </p:nextCondLst>
-            </p:seq>
-          </p:childTnLst>
-        </p:cTn>
-      </p:par>
-    </p:tnLst>
-    <p:bldLst>
-      <p:bldP spid="7" grpId="0"/>
-    </p:bldLst>
-  </p:timing>
-</p:sldLayout>
-</file>
-
-<file path=ppt/slideLayouts/slideLayout15.xml><?xml version="1.0" encoding="utf-8"?>
-<p:sldLayout xmlns:a="http://schemas.openxmlformats.org/drawingml/2006/main" xmlns:r="http://schemas.openxmlformats.org/officeDocument/2006/relationships" xmlns:p="http://schemas.openxmlformats.org/presentationml/2006/main" preserve="1" userDrawn="1">
-  <p:cSld name="Tittellysbilde">
-    <p:bg>
-      <p:bgPr>
-        <a:solidFill>
-          <a:srgbClr val="164B81"/>
-        </a:solidFill>
-        <a:effectLst/>
-      </p:bgPr>
-    </p:bg>
-    <p:spTree>
-      <p:nvGrpSpPr>
-        <p:cNvPr id="1" name=""/>
-        <p:cNvGrpSpPr/>
-        <p:nvPr/>
-      </p:nvGrpSpPr>
-      <p:grpSpPr>
-        <a:xfrm>
-          <a:off x="0" y="0"/>
-          <a:ext cx="0" cy="0"/>
-          <a:chOff x="0" y="0"/>
-          <a:chExt cx="0" cy="0"/>
-        </a:xfrm>
-      </p:grpSpPr>
-      <p:sp>
-        <p:nvSpPr>
-          <p:cNvPr id="2" name="Tittel 1"/>
-          <p:cNvSpPr>
-            <a:spLocks noGrp="1"/>
-          </p:cNvSpPr>
-          <p:nvPr>
-            <p:ph type="ctrTitle"/>
-          </p:nvPr>
-        </p:nvSpPr>
-        <p:spPr>
-          <a:xfrm>
-            <a:off x="998928" y="1503493"/>
-            <a:ext cx="4861733" cy="828104"/>
-          </a:xfrm>
-        </p:spPr>
-        <p:txBody>
-          <a:bodyPr anchor="ctr"/>
-          <a:lstStyle>
-            <a:lvl1pPr algn="ctr">
-              <a:defRPr sz="2600"/>
-            </a:lvl1pPr>
-          </a:lstStyle>
-          <a:p>
-            <a:r>
-              <a:rPr lang="nb-NO"/>
-              <a:t>Klikk for å redigere tittelstil</a:t>
-            </a:r>
-            <a:endParaRPr lang="nb-NO" dirty="0"/>
-          </a:p>
-        </p:txBody>
-      </p:sp>
-      <p:sp>
-        <p:nvSpPr>
-          <p:cNvPr id="3" name="Undertittel 2"/>
-          <p:cNvSpPr>
-            <a:spLocks noGrp="1"/>
-          </p:cNvSpPr>
-          <p:nvPr>
-            <p:ph type="subTitle" idx="1"/>
-          </p:nvPr>
-        </p:nvSpPr>
-        <p:spPr>
-          <a:xfrm>
-            <a:off x="998928" y="2513299"/>
-            <a:ext cx="4861733" cy="828104"/>
-          </a:xfrm>
-        </p:spPr>
-        <p:txBody>
-          <a:bodyPr anchor="ctr">
-            <a:noAutofit/>
-          </a:bodyPr>
-          <a:lstStyle>
-            <a:lvl1pPr marL="0" indent="0" algn="ctr">
-              <a:buNone/>
-              <a:defRPr sz="1700"/>
-            </a:lvl1pPr>
-            <a:lvl2pPr marL="342900" indent="0" algn="ctr">
-              <a:buNone/>
-              <a:defRPr sz="1500"/>
-            </a:lvl2pPr>
-            <a:lvl3pPr marL="685800" indent="0" algn="ctr">
-              <a:buNone/>
-              <a:defRPr sz="1350"/>
-            </a:lvl3pPr>
-            <a:lvl4pPr marL="1028700" indent="0" algn="ctr">
-              <a:buNone/>
-              <a:defRPr sz="1200"/>
-            </a:lvl4pPr>
-            <a:lvl5pPr marL="1371600" indent="0" algn="ctr">
-              <a:buNone/>
-              <a:defRPr sz="1200"/>
-            </a:lvl5pPr>
-            <a:lvl6pPr marL="1714500" indent="0" algn="ctr">
-              <a:buNone/>
-              <a:defRPr sz="1200"/>
-            </a:lvl6pPr>
-            <a:lvl7pPr marL="2057400" indent="0" algn="ctr">
-              <a:buNone/>
-              <a:defRPr sz="1200"/>
-            </a:lvl7pPr>
-            <a:lvl8pPr marL="2400300" indent="0" algn="ctr">
-              <a:buNone/>
-              <a:defRPr sz="1200"/>
-            </a:lvl8pPr>
-            <a:lvl9pPr marL="2743200" indent="0" algn="ctr">
-              <a:buNone/>
-              <a:defRPr sz="1200"/>
-            </a:lvl9pPr>
-          </a:lstStyle>
-          <a:p>
-            <a:r>
-              <a:rPr lang="nb-NO"/>
-              <a:t>Klikk for å redigere undertittelstil i malen</a:t>
-            </a:r>
-          </a:p>
-        </p:txBody>
-      </p:sp>
-      <p:sp>
-        <p:nvSpPr>
-          <p:cNvPr id="7" name="Plassholder for bunntekst 3"/>
-          <p:cNvSpPr>
-            <a:spLocks noGrp="1"/>
-          </p:cNvSpPr>
-          <p:nvPr>
-            <p:ph type="ftr" sz="quarter" idx="3"/>
-          </p:nvPr>
-        </p:nvSpPr>
-        <p:spPr>
-          <a:xfrm>
-            <a:off x="-768257" y="4889255"/>
-            <a:ext cx="744607" cy="230832"/>
-          </a:xfrm>
-          <a:prstGeom prst="rect">
-            <a:avLst/>
-          </a:prstGeom>
-        </p:spPr>
-        <p:txBody>
-          <a:bodyPr vert="horz" wrap="none" lIns="0" tIns="0" rIns="0" bIns="0" rtlCol="0" anchor="ctr">
-            <a:noAutofit/>
-          </a:bodyPr>
-          <a:lstStyle>
-            <a:lvl1pPr algn="r">
-              <a:defRPr sz="1000">
-                <a:solidFill>
-                  <a:schemeClr val="tx1"/>
-                </a:solidFill>
-              </a:defRPr>
-            </a:lvl1pPr>
-          </a:lstStyle>
-          <a:p>
-            <a:r>
-              <a:rPr lang="nb-NO"/>
-              <a:t>Rullende tekst settes inn via "Sett inn -&gt; Topptekst og bunntekst"</a:t>
-            </a:r>
-            <a:endParaRPr lang="nb-NO" dirty="0"/>
-          </a:p>
-        </p:txBody>
-      </p:sp>
-    </p:spTree>
-    <p:extLst>
-      <p:ext uri="{BB962C8B-B14F-4D97-AF65-F5344CB8AC3E}">
-        <p14:creationId xmlns:p14="http://schemas.microsoft.com/office/powerpoint/2010/main" val="359223836"/>
-      </p:ext>
-    </p:extLst>
-  </p:cSld>
-  <p:clrMapOvr>
-    <a:masterClrMapping/>
-  </p:clrMapOvr>
-  <p:transition spd="slow" advClick="0" advTm="10000">
-    <p:fade/>
-  </p:transition>
-  <p:timing>
-    <p:tnLst>
-      <p:par>
-        <p:cTn id="1" dur="indefinite" restart="never" nodeType="tmRoot">
-          <p:childTnLst>
-            <p:seq concurrent="1" nextAc="seek">
-              <p:cTn id="2" dur="indefinite" nodeType="mainSeq">
-                <p:childTnLst>
-                  <p:par>
-                    <p:cTn id="3" fill="hold">
-                      <p:stCondLst>
-                        <p:cond delay="indefinite"/>
-                        <p:cond evt="onBegin" delay="0">
-                          <p:tn val="2"/>
-                        </p:cond>
-                      </p:stCondLst>
-                      <p:childTnLst>
-                        <p:par>
-                          <p:cTn id="4" fill="hold">
-                            <p:stCondLst>
-                              <p:cond delay="0"/>
-                            </p:stCondLst>
-                            <p:childTnLst>
-                              <p:par>
-                                <p:cTn id="5" presetID="2" presetClass="entr" presetSubtype="2" repeatCount="indefinite" fill="hold" grpId="0" nodeType="afterEffect" nodePh="1">
-                                  <p:stCondLst>
-                                    <p:cond delay="0"/>
-                                  </p:stCondLst>
-                                  <p:endCondLst>
-                                    <p:cond evt="begin" delay="0">
-                                      <p:tn val="5"/>
-                                    </p:cond>
-                                  </p:endCondLst>
-                                  <p:childTnLst>
-                                    <p:set>
-                                      <p:cBhvr>
-                                        <p:cTn id="6" dur="1" fill="hold">
-                                          <p:stCondLst>
-                                            <p:cond delay="0"/>
-                                          </p:stCondLst>
-                                        </p:cTn>
-                                        <p:tgtEl>
-                                          <p:spTgt spid="7"/>
-                                        </p:tgtEl>
-                                        <p:attrNameLst>
-                                          <p:attrName>style.visibility</p:attrName>
-                                        </p:attrNameLst>
-                                      </p:cBhvr>
-                                      <p:to>
-                                        <p:strVal val="visible"/>
-                                      </p:to>
-                                    </p:set>
-                                    <p:anim calcmode="lin" valueType="num">
-                                      <p:cBhvr additive="base">
-                                        <p:cTn id="7" dur="10000" fill="hold"/>
-                                        <p:tgtEl>
-                                          <p:spTgt spid="7"/>
-                                        </p:tgtEl>
-                                        <p:attrNameLst>
-                                          <p:attrName>ppt_x</p:attrName>
-                                        </p:attrNameLst>
-                                      </p:cBhvr>
-                                      <p:tavLst>
-                                        <p:tav tm="0">
-                                          <p:val>
-                                            <p:strVal val="1+#ppt_w/2"/>
-                                          </p:val>
-                                        </p:tav>
-                                        <p:tav tm="100000">
-                                          <p:val>
-                                            <p:strVal val="#ppt_x"/>
-                                          </p:val>
-                                        </p:tav>
-                                      </p:tavLst>
-                                    </p:anim>
-                                    <p:anim calcmode="lin" valueType="num">
-                                      <p:cBhvr additive="base">
-                                        <p:cTn id="8" dur="10000" fill="hold"/>
-                                        <p:tgtEl>
-                                          <p:spTgt spid="7"/>
-                                        </p:tgtEl>
-                                        <p:attrNameLst>
-                                          <p:attrName>ppt_y</p:attrName>
-                                        </p:attrNameLst>
-                                      </p:cBhvr>
-                                      <p:tavLst>
-                                        <p:tav tm="0">
-                                          <p:val>
-                                            <p:strVal val="#ppt_y"/>
-                                          </p:val>
-                                        </p:tav>
-                                        <p:tav tm="100000">
-                                          <p:val>
-                                            <p:strVal val="#ppt_y"/>
-                                          </p:val>
-                                        </p:tav>
-                                      </p:tavLst>
-                                    </p:anim>
-                                  </p:childTnLst>
-                                </p:cTn>
-                              </p:par>
-                            </p:childTnLst>
-                          </p:cTn>
-                        </p:par>
-                      </p:childTnLst>
-                    </p:cTn>
-                  </p:par>
-                </p:childTnLst>
-              </p:cTn>
-              <p:prevCondLst>
-                <p:cond evt="onPrev" delay="0">
-                  <p:tgtEl>
-                    <p:sldTgt/>
-                  </p:tgtEl>
-                </p:cond>
-              </p:prevCondLst>
-              <p:nextCondLst>
-                <p:cond evt="onNext" delay="0">
-                  <p:tgtEl>
-                    <p:sldTgt/>
-                  </p:tgtEl>
-                </p:cond>
-              </p:nextCondLst>
-            </p:seq>
-          </p:childTnLst>
-        </p:cTn>
-      </p:par>
-    </p:tnLst>
-    <p:bldLst>
-      <p:bldP spid="7" grpId="0"/>
-    </p:bldLst>
-  </p:timing>
-</p:sldLayout>
-</file>
-
-<file path=ppt/slideLayouts/slideLayout16.xml><?xml version="1.0" encoding="utf-8"?>
-<p:sldLayout xmlns:a="http://schemas.openxmlformats.org/drawingml/2006/main" xmlns:r="http://schemas.openxmlformats.org/officeDocument/2006/relationships" xmlns:p="http://schemas.openxmlformats.org/presentationml/2006/main" type="titleOnly" preserve="1">
-  <p:cSld name="Bare tittel">
-    <p:bg>
-      <p:bgPr>
-        <a:solidFill>
-          <a:srgbClr val="164B81"/>
-        </a:solidFill>
-        <a:effectLst/>
-      </p:bgPr>
-    </p:bg>
-    <p:spTree>
-      <p:nvGrpSpPr>
-        <p:cNvPr id="1" name=""/>
-        <p:cNvGrpSpPr/>
-        <p:nvPr/>
-      </p:nvGrpSpPr>
-      <p:grpSpPr>
-        <a:xfrm>
-          <a:off x="0" y="0"/>
-          <a:ext cx="0" cy="0"/>
-          <a:chOff x="0" y="0"/>
-          <a:chExt cx="0" cy="0"/>
-        </a:xfrm>
-      </p:grpSpPr>
-      <p:sp>
-        <p:nvSpPr>
-          <p:cNvPr id="2" name="Tittel 1"/>
-          <p:cNvSpPr>
-            <a:spLocks noGrp="1"/>
-          </p:cNvSpPr>
-          <p:nvPr>
-            <p:ph type="title"/>
-          </p:nvPr>
-        </p:nvSpPr>
-        <p:spPr/>
-        <p:txBody>
-          <a:bodyPr/>
-          <a:lstStyle/>
-          <a:p>
-            <a:r>
-              <a:rPr lang="nb-NO"/>
-              <a:t>Klikk for å redigere tittelstil</a:t>
-            </a:r>
-          </a:p>
-        </p:txBody>
-      </p:sp>
-      <p:sp>
-        <p:nvSpPr>
-          <p:cNvPr id="8" name="Plassholder for bunntekst 3"/>
-          <p:cNvSpPr>
-            <a:spLocks noGrp="1"/>
-          </p:cNvSpPr>
-          <p:nvPr>
-            <p:ph type="ftr" sz="quarter" idx="3"/>
-          </p:nvPr>
-        </p:nvSpPr>
-        <p:spPr>
-          <a:xfrm>
-            <a:off x="-768257" y="4889255"/>
-            <a:ext cx="744607" cy="230832"/>
-          </a:xfrm>
-          <a:prstGeom prst="rect">
-            <a:avLst/>
-          </a:prstGeom>
-        </p:spPr>
-        <p:txBody>
-          <a:bodyPr vert="horz" wrap="none" lIns="0" tIns="0" rIns="0" bIns="0" rtlCol="0" anchor="ctr">
-            <a:noAutofit/>
-          </a:bodyPr>
-          <a:lstStyle>
-            <a:lvl1pPr algn="r">
-              <a:defRPr sz="1000">
-                <a:solidFill>
-                  <a:schemeClr val="tx1"/>
-                </a:solidFill>
-              </a:defRPr>
-            </a:lvl1pPr>
-          </a:lstStyle>
-          <a:p>
-            <a:r>
-              <a:rPr lang="nb-NO"/>
-              <a:t>Rullende tekst settes inn via "Sett inn -&gt; Topptekst og bunntekst"</a:t>
-            </a:r>
-            <a:endParaRPr lang="nb-NO" dirty="0"/>
-          </a:p>
-        </p:txBody>
-      </p:sp>
-    </p:spTree>
-    <p:extLst>
-      <p:ext uri="{BB962C8B-B14F-4D97-AF65-F5344CB8AC3E}">
-        <p14:creationId xmlns:p14="http://schemas.microsoft.com/office/powerpoint/2010/main" val="2153331955"/>
-      </p:ext>
-    </p:extLst>
-  </p:cSld>
-  <p:clrMapOvr>
-    <a:masterClrMapping/>
-  </p:clrMapOvr>
-  <p:transition spd="slow" advClick="0" advTm="10000">
-    <p:fade/>
-  </p:transition>
-  <p:timing>
-    <p:tnLst>
-      <p:par>
-        <p:cTn id="1" dur="indefinite" restart="never" nodeType="tmRoot">
-          <p:childTnLst>
-            <p:seq concurrent="1" nextAc="seek">
-              <p:cTn id="2" dur="indefinite" nodeType="mainSeq">
-                <p:childTnLst>
-                  <p:par>
-                    <p:cTn id="3" fill="hold">
-                      <p:stCondLst>
-                        <p:cond delay="indefinite"/>
-                        <p:cond evt="onBegin" delay="0">
-                          <p:tn val="2"/>
-                        </p:cond>
-                      </p:stCondLst>
-                      <p:childTnLst>
-                        <p:par>
-                          <p:cTn id="4" fill="hold">
-                            <p:stCondLst>
-                              <p:cond delay="0"/>
-                            </p:stCondLst>
-                            <p:childTnLst>
-                              <p:par>
-                                <p:cTn id="5" presetID="2" presetClass="entr" presetSubtype="2" repeatCount="indefinite" fill="hold" grpId="0" nodeType="afterEffect" nodePh="1">
-                                  <p:stCondLst>
-                                    <p:cond delay="0"/>
-                                  </p:stCondLst>
-                                  <p:endCondLst>
-                                    <p:cond evt="begin" delay="0">
-                                      <p:tn val="5"/>
-                                    </p:cond>
-                                  </p:endCondLst>
-                                  <p:childTnLst>
-                                    <p:set>
-                                      <p:cBhvr>
-                                        <p:cTn id="6" dur="1" fill="hold">
-                                          <p:stCondLst>
-                                            <p:cond delay="0"/>
-                                          </p:stCondLst>
-                                        </p:cTn>
-                                        <p:tgtEl>
-                                          <p:spTgt spid="8"/>
-                                        </p:tgtEl>
-                                        <p:attrNameLst>
-                                          <p:attrName>style.visibility</p:attrName>
-                                        </p:attrNameLst>
-                                      </p:cBhvr>
-                                      <p:to>
-                                        <p:strVal val="visible"/>
-                                      </p:to>
-                                    </p:set>
-                                    <p:anim calcmode="lin" valueType="num">
-                                      <p:cBhvr additive="base">
-                                        <p:cTn id="7" dur="10000" fill="hold"/>
-                                        <p:tgtEl>
-                                          <p:spTgt spid="8"/>
-                                        </p:tgtEl>
-                                        <p:attrNameLst>
-                                          <p:attrName>ppt_x</p:attrName>
-                                        </p:attrNameLst>
-                                      </p:cBhvr>
-                                      <p:tavLst>
-                                        <p:tav tm="0">
-                                          <p:val>
-                                            <p:strVal val="1+#ppt_w/2"/>
-                                          </p:val>
-                                        </p:tav>
-                                        <p:tav tm="100000">
-                                          <p:val>
-                                            <p:strVal val="#ppt_x"/>
-                                          </p:val>
-                                        </p:tav>
-                                      </p:tavLst>
-                                    </p:anim>
-                                    <p:anim calcmode="lin" valueType="num">
-                                      <p:cBhvr additive="base">
-                                        <p:cTn id="8" dur="10000" fill="hold"/>
-                                        <p:tgtEl>
-                                          <p:spTgt spid="8"/>
-                                        </p:tgtEl>
-                                        <p:attrNameLst>
-                                          <p:attrName>ppt_y</p:attrName>
-                                        </p:attrNameLst>
-                                      </p:cBhvr>
-                                      <p:tavLst>
-                                        <p:tav tm="0">
-                                          <p:val>
-                                            <p:strVal val="#ppt_y"/>
-                                          </p:val>
-                                        </p:tav>
-                                        <p:tav tm="100000">
-                                          <p:val>
-                                            <p:strVal val="#ppt_y"/>
-                                          </p:val>
-                                        </p:tav>
-                                      </p:tavLst>
-                                    </p:anim>
-                                  </p:childTnLst>
-                                </p:cTn>
-                              </p:par>
-                            </p:childTnLst>
-                          </p:cTn>
-                        </p:par>
-                      </p:childTnLst>
-                    </p:cTn>
-                  </p:par>
-                </p:childTnLst>
-              </p:cTn>
-              <p:prevCondLst>
-                <p:cond evt="onPrev" delay="0">
-                  <p:tgtEl>
-                    <p:sldTgt/>
-                  </p:tgtEl>
-                </p:cond>
-              </p:prevCondLst>
-              <p:nextCondLst>
-                <p:cond evt="onNext" delay="0">
-                  <p:tgtEl>
-                    <p:sldTgt/>
-                  </p:tgtEl>
-                </p:cond>
-              </p:nextCondLst>
-            </p:seq>
-          </p:childTnLst>
-        </p:cTn>
-      </p:par>
-    </p:tnLst>
-    <p:bldLst>
-      <p:bldP spid="8" grpId="0"/>
-    </p:bldLst>
-  </p:timing>
-</p:sldLayout>
-</file>
-
-<file path=ppt/slideLayouts/slideLayout17.xml><?xml version="1.0" encoding="utf-8"?>
-<p:sldLayout xmlns:a="http://schemas.openxmlformats.org/drawingml/2006/main" xmlns:r="http://schemas.openxmlformats.org/officeDocument/2006/relationships" xmlns:p="http://schemas.openxmlformats.org/presentationml/2006/main" type="blank" preserve="1">
-  <p:cSld name="Tomt">
-    <p:bg>
-      <p:bgPr>
-        <a:solidFill>
-          <a:srgbClr val="164B81"/>
-        </a:solidFill>
-        <a:effectLst/>
-      </p:bgPr>
-    </p:bg>
-    <p:spTree>
-      <p:nvGrpSpPr>
-        <p:cNvPr id="1" name=""/>
-        <p:cNvGrpSpPr/>
-        <p:nvPr/>
-      </p:nvGrpSpPr>
-      <p:grpSpPr>
-        <a:xfrm>
-          <a:off x="0" y="0"/>
-          <a:ext cx="0" cy="0"/>
-          <a:chOff x="0" y="0"/>
-          <a:chExt cx="0" cy="0"/>
-        </a:xfrm>
-      </p:grpSpPr>
-      <p:sp>
-        <p:nvSpPr>
-          <p:cNvPr id="7" name="Plassholder for bunntekst 3"/>
-          <p:cNvSpPr>
-            <a:spLocks noGrp="1"/>
-          </p:cNvSpPr>
-          <p:nvPr>
-            <p:ph type="ftr" sz="quarter" idx="3"/>
-          </p:nvPr>
-        </p:nvSpPr>
-        <p:spPr>
-          <a:xfrm>
-            <a:off x="-768257" y="4889255"/>
-            <a:ext cx="744607" cy="230832"/>
-          </a:xfrm>
-          <a:prstGeom prst="rect">
-            <a:avLst/>
-          </a:prstGeom>
-        </p:spPr>
-        <p:txBody>
-          <a:bodyPr vert="horz" wrap="none" lIns="0" tIns="0" rIns="0" bIns="0" rtlCol="0" anchor="ctr">
-            <a:noAutofit/>
-          </a:bodyPr>
-          <a:lstStyle>
-            <a:lvl1pPr algn="r">
-              <a:defRPr sz="1000">
-                <a:solidFill>
-                  <a:schemeClr val="tx1"/>
-                </a:solidFill>
-              </a:defRPr>
-            </a:lvl1pPr>
-          </a:lstStyle>
-          <a:p>
-            <a:r>
-              <a:rPr lang="nb-NO"/>
-              <a:t>Rullende tekst settes inn via "Sett inn -&gt; Topptekst og bunntekst"</a:t>
-            </a:r>
-            <a:endParaRPr lang="nb-NO" dirty="0"/>
-          </a:p>
-        </p:txBody>
-      </p:sp>
-    </p:spTree>
-    <p:extLst>
-      <p:ext uri="{BB962C8B-B14F-4D97-AF65-F5344CB8AC3E}">
-        <p14:creationId xmlns:p14="http://schemas.microsoft.com/office/powerpoint/2010/main" val="2749028748"/>
-      </p:ext>
-    </p:extLst>
-  </p:cSld>
-  <p:clrMapOvr>
-    <a:masterClrMapping/>
-  </p:clrMapOvr>
-  <p:transition spd="slow" advClick="0" advTm="10000">
-    <p:fade/>
-  </p:transition>
-  <p:timing>
-    <p:tnLst>
-      <p:par>
-        <p:cTn id="1" dur="indefinite" restart="never" nodeType="tmRoot">
-          <p:childTnLst>
-            <p:seq concurrent="1" nextAc="seek">
-              <p:cTn id="2" dur="indefinite" nodeType="mainSeq">
-                <p:childTnLst>
-                  <p:par>
-                    <p:cTn id="3" fill="hold">
-                      <p:stCondLst>
-                        <p:cond delay="indefinite"/>
-                        <p:cond evt="onBegin" delay="0">
-                          <p:tn val="2"/>
-                        </p:cond>
-                      </p:stCondLst>
-                      <p:childTnLst>
-                        <p:par>
-                          <p:cTn id="4" fill="hold">
-                            <p:stCondLst>
-                              <p:cond delay="0"/>
-                            </p:stCondLst>
-                            <p:childTnLst>
-                              <p:par>
-                                <p:cTn id="5" presetID="2" presetClass="entr" presetSubtype="2" repeatCount="indefinite" fill="hold" grpId="0" nodeType="afterEffect" nodePh="1">
-                                  <p:stCondLst>
-                                    <p:cond delay="0"/>
-                                  </p:stCondLst>
-                                  <p:endCondLst>
-                                    <p:cond evt="begin" delay="0">
-                                      <p:tn val="5"/>
-                                    </p:cond>
-                                  </p:endCondLst>
-                                  <p:childTnLst>
-                                    <p:set>
-                                      <p:cBhvr>
-                                        <p:cTn id="6" dur="1" fill="hold">
-                                          <p:stCondLst>
-                                            <p:cond delay="0"/>
-                                          </p:stCondLst>
-                                        </p:cTn>
-                                        <p:tgtEl>
-                                          <p:spTgt spid="7"/>
-                                        </p:tgtEl>
-                                        <p:attrNameLst>
-                                          <p:attrName>style.visibility</p:attrName>
-                                        </p:attrNameLst>
-                                      </p:cBhvr>
-                                      <p:to>
-                                        <p:strVal val="visible"/>
-                                      </p:to>
-                                    </p:set>
-                                    <p:anim calcmode="lin" valueType="num">
-                                      <p:cBhvr additive="base">
-                                        <p:cTn id="7" dur="10000" fill="hold"/>
-                                        <p:tgtEl>
-                                          <p:spTgt spid="7"/>
-                                        </p:tgtEl>
-                                        <p:attrNameLst>
-                                          <p:attrName>ppt_x</p:attrName>
-                                        </p:attrNameLst>
-                                      </p:cBhvr>
-                                      <p:tavLst>
-                                        <p:tav tm="0">
-                                          <p:val>
-                                            <p:strVal val="1+#ppt_w/2"/>
-                                          </p:val>
-                                        </p:tav>
-                                        <p:tav tm="100000">
-                                          <p:val>
-                                            <p:strVal val="#ppt_x"/>
-                                          </p:val>
-                                        </p:tav>
-                                      </p:tavLst>
-                                    </p:anim>
-                                    <p:anim calcmode="lin" valueType="num">
-                                      <p:cBhvr additive="base">
-                                        <p:cTn id="8" dur="10000" fill="hold"/>
-                                        <p:tgtEl>
-                                          <p:spTgt spid="7"/>
-                                        </p:tgtEl>
-                                        <p:attrNameLst>
-                                          <p:attrName>ppt_y</p:attrName>
-                                        </p:attrNameLst>
-                                      </p:cBhvr>
-                                      <p:tavLst>
-                                        <p:tav tm="0">
-                                          <p:val>
-                                            <p:strVal val="#ppt_y"/>
-                                          </p:val>
-                                        </p:tav>
-                                        <p:tav tm="100000">
-                                          <p:val>
-                                            <p:strVal val="#ppt_y"/>
-                                          </p:val>
-                                        </p:tav>
-                                      </p:tavLst>
-                                    </p:anim>
-                                  </p:childTnLst>
-                                </p:cTn>
-                              </p:par>
-                            </p:childTnLst>
-                          </p:cTn>
-                        </p:par>
-                      </p:childTnLst>
-                    </p:cTn>
-                  </p:par>
-                </p:childTnLst>
-              </p:cTn>
-              <p:prevCondLst>
-                <p:cond evt="onPrev" delay="0">
-                  <p:tgtEl>
-                    <p:sldTgt/>
-                  </p:tgtEl>
-                </p:cond>
-              </p:prevCondLst>
-              <p:nextCondLst>
-                <p:cond evt="onNext" delay="0">
-                  <p:tgtEl>
-                    <p:sldTgt/>
-                  </p:tgtEl>
-                </p:cond>
-              </p:nextCondLst>
-            </p:seq>
-          </p:childTnLst>
-        </p:cTn>
-      </p:par>
-    </p:tnLst>
-    <p:bldLst>
-      <p:bldP spid="7" grpId="0"/>
-    </p:bldLst>
-  </p:timing>
-</p:sldLayout>
-</file>
-
-<file path=ppt/slideLayouts/slideLayout18.xml><?xml version="1.0" encoding="utf-8"?>
-<p:sldLayout xmlns:a="http://schemas.openxmlformats.org/drawingml/2006/main" xmlns:r="http://schemas.openxmlformats.org/officeDocument/2006/relationships" xmlns:p="http://schemas.openxmlformats.org/presentationml/2006/main" preserve="1" userDrawn="1">
-  <p:cSld name="Tittellysbilde">
-    <p:bg>
-      <p:bgPr>
-        <a:solidFill>
-          <a:schemeClr val="accent5"/>
-        </a:solidFill>
-        <a:effectLst/>
-      </p:bgPr>
-    </p:bg>
-    <p:spTree>
-      <p:nvGrpSpPr>
-        <p:cNvPr id="1" name=""/>
-        <p:cNvGrpSpPr/>
-        <p:nvPr/>
-      </p:nvGrpSpPr>
-      <p:grpSpPr>
-        <a:xfrm>
-          <a:off x="0" y="0"/>
-          <a:ext cx="0" cy="0"/>
-          <a:chOff x="0" y="0"/>
-          <a:chExt cx="0" cy="0"/>
-        </a:xfrm>
-      </p:grpSpPr>
-      <p:sp>
-        <p:nvSpPr>
-          <p:cNvPr id="2" name="Tittel 1"/>
-          <p:cNvSpPr>
-            <a:spLocks noGrp="1"/>
-          </p:cNvSpPr>
-          <p:nvPr>
-            <p:ph type="ctrTitle"/>
-          </p:nvPr>
-        </p:nvSpPr>
-        <p:spPr>
-          <a:xfrm>
-            <a:off x="998928" y="1503493"/>
-            <a:ext cx="4861733" cy="828104"/>
-          </a:xfrm>
-        </p:spPr>
-        <p:txBody>
-          <a:bodyPr anchor="ctr"/>
-          <a:lstStyle>
-            <a:lvl1pPr algn="ctr">
-              <a:defRPr sz="2600"/>
-            </a:lvl1pPr>
-          </a:lstStyle>
-          <a:p>
-            <a:r>
-              <a:rPr lang="nb-NO"/>
-              <a:t>Klikk for å redigere tittelstil</a:t>
-            </a:r>
-            <a:endParaRPr lang="nb-NO" dirty="0"/>
-          </a:p>
-        </p:txBody>
-      </p:sp>
-      <p:sp>
-        <p:nvSpPr>
-          <p:cNvPr id="3" name="Undertittel 2"/>
-          <p:cNvSpPr>
-            <a:spLocks noGrp="1"/>
-          </p:cNvSpPr>
-          <p:nvPr>
-            <p:ph type="subTitle" idx="1"/>
-          </p:nvPr>
-        </p:nvSpPr>
-        <p:spPr>
-          <a:xfrm>
-            <a:off x="998928" y="2513299"/>
-            <a:ext cx="4861733" cy="828104"/>
-          </a:xfrm>
-        </p:spPr>
-        <p:txBody>
-          <a:bodyPr anchor="ctr">
-            <a:noAutofit/>
-          </a:bodyPr>
-          <a:lstStyle>
-            <a:lvl1pPr marL="0" indent="0" algn="ctr">
-              <a:buNone/>
-              <a:defRPr sz="1700"/>
-            </a:lvl1pPr>
-            <a:lvl2pPr marL="342900" indent="0" algn="ctr">
-              <a:buNone/>
-              <a:defRPr sz="1500"/>
-            </a:lvl2pPr>
-            <a:lvl3pPr marL="685800" indent="0" algn="ctr">
-              <a:buNone/>
-              <a:defRPr sz="1350"/>
-            </a:lvl3pPr>
-            <a:lvl4pPr marL="1028700" indent="0" algn="ctr">
-              <a:buNone/>
-              <a:defRPr sz="1200"/>
-            </a:lvl4pPr>
-            <a:lvl5pPr marL="1371600" indent="0" algn="ctr">
-              <a:buNone/>
-              <a:defRPr sz="1200"/>
-            </a:lvl5pPr>
-            <a:lvl6pPr marL="1714500" indent="0" algn="ctr">
-              <a:buNone/>
-              <a:defRPr sz="1200"/>
-            </a:lvl6pPr>
-            <a:lvl7pPr marL="2057400" indent="0" algn="ctr">
-              <a:buNone/>
-              <a:defRPr sz="1200"/>
-            </a:lvl7pPr>
-            <a:lvl8pPr marL="2400300" indent="0" algn="ctr">
-              <a:buNone/>
-              <a:defRPr sz="1200"/>
-            </a:lvl8pPr>
-            <a:lvl9pPr marL="2743200" indent="0" algn="ctr">
-              <a:buNone/>
-              <a:defRPr sz="1200"/>
-            </a:lvl9pPr>
-          </a:lstStyle>
-          <a:p>
-            <a:r>
-              <a:rPr lang="nb-NO"/>
-              <a:t>Klikk for å redigere undertittelstil i malen</a:t>
-            </a:r>
-          </a:p>
-        </p:txBody>
-      </p:sp>
-      <p:sp>
-        <p:nvSpPr>
-          <p:cNvPr id="7" name="Plassholder for bunntekst 3"/>
-          <p:cNvSpPr>
-            <a:spLocks noGrp="1"/>
-          </p:cNvSpPr>
-          <p:nvPr>
-            <p:ph type="ftr" sz="quarter" idx="3"/>
-          </p:nvPr>
-        </p:nvSpPr>
-        <p:spPr>
-          <a:xfrm>
-            <a:off x="-768257" y="4889255"/>
-            <a:ext cx="744607" cy="230832"/>
-          </a:xfrm>
-          <a:prstGeom prst="rect">
-            <a:avLst/>
-          </a:prstGeom>
-        </p:spPr>
-        <p:txBody>
-          <a:bodyPr vert="horz" wrap="none" lIns="0" tIns="0" rIns="0" bIns="0" rtlCol="0" anchor="ctr">
-            <a:noAutofit/>
-          </a:bodyPr>
-          <a:lstStyle>
-            <a:lvl1pPr algn="r">
-              <a:defRPr sz="1000">
-                <a:solidFill>
-                  <a:schemeClr val="tx1"/>
-                </a:solidFill>
-              </a:defRPr>
-            </a:lvl1pPr>
-          </a:lstStyle>
-          <a:p>
-            <a:r>
-              <a:rPr lang="nb-NO"/>
-              <a:t>Rullende tekst settes inn via "Sett inn -&gt; Topptekst og bunntekst"</a:t>
-            </a:r>
-            <a:endParaRPr lang="nb-NO" dirty="0"/>
-          </a:p>
-        </p:txBody>
-      </p:sp>
-    </p:spTree>
-    <p:extLst>
-      <p:ext uri="{BB962C8B-B14F-4D97-AF65-F5344CB8AC3E}">
-        <p14:creationId xmlns:p14="http://schemas.microsoft.com/office/powerpoint/2010/main" val="2071513461"/>
-      </p:ext>
-    </p:extLst>
-  </p:cSld>
-  <p:clrMapOvr>
-    <a:masterClrMapping/>
-  </p:clrMapOvr>
-  <p:transition spd="slow" advClick="0" advTm="10000">
-    <p:fade/>
-  </p:transition>
-  <p:timing>
-    <p:tnLst>
-      <p:par>
-        <p:cTn id="1" dur="indefinite" restart="never" nodeType="tmRoot">
-          <p:childTnLst>
-            <p:seq concurrent="1" nextAc="seek">
-              <p:cTn id="2" dur="indefinite" nodeType="mainSeq">
-                <p:childTnLst>
-                  <p:par>
-                    <p:cTn id="3" fill="hold">
-                      <p:stCondLst>
-                        <p:cond delay="indefinite"/>
-                        <p:cond evt="onBegin" delay="0">
-                          <p:tn val="2"/>
-                        </p:cond>
-                      </p:stCondLst>
-                      <p:childTnLst>
-                        <p:par>
-                          <p:cTn id="4" fill="hold">
-                            <p:stCondLst>
-                              <p:cond delay="0"/>
-                            </p:stCondLst>
-                            <p:childTnLst>
-                              <p:par>
-                                <p:cTn id="5" presetID="2" presetClass="entr" presetSubtype="2" repeatCount="indefinite" fill="hold" grpId="0" nodeType="afterEffect" nodePh="1">
-                                  <p:stCondLst>
-                                    <p:cond delay="0"/>
-                                  </p:stCondLst>
-                                  <p:endCondLst>
-                                    <p:cond evt="begin" delay="0">
-                                      <p:tn val="5"/>
-                                    </p:cond>
-                                  </p:endCondLst>
-                                  <p:childTnLst>
-                                    <p:set>
-                                      <p:cBhvr>
-                                        <p:cTn id="6" dur="1" fill="hold">
-                                          <p:stCondLst>
-                                            <p:cond delay="0"/>
-                                          </p:stCondLst>
-                                        </p:cTn>
-                                        <p:tgtEl>
-                                          <p:spTgt spid="7"/>
-                                        </p:tgtEl>
-                                        <p:attrNameLst>
-                                          <p:attrName>style.visibility</p:attrName>
-                                        </p:attrNameLst>
-                                      </p:cBhvr>
-                                      <p:to>
-                                        <p:strVal val="visible"/>
-                                      </p:to>
-                                    </p:set>
-                                    <p:anim calcmode="lin" valueType="num">
-                                      <p:cBhvr additive="base">
-                                        <p:cTn id="7" dur="10000" fill="hold"/>
-                                        <p:tgtEl>
-                                          <p:spTgt spid="7"/>
-                                        </p:tgtEl>
-                                        <p:attrNameLst>
-                                          <p:attrName>ppt_x</p:attrName>
-                                        </p:attrNameLst>
-                                      </p:cBhvr>
-                                      <p:tavLst>
-                                        <p:tav tm="0">
-                                          <p:val>
-                                            <p:strVal val="1+#ppt_w/2"/>
-                                          </p:val>
-                                        </p:tav>
-                                        <p:tav tm="100000">
-                                          <p:val>
-                                            <p:strVal val="#ppt_x"/>
-                                          </p:val>
-                                        </p:tav>
-                                      </p:tavLst>
-                                    </p:anim>
-                                    <p:anim calcmode="lin" valueType="num">
-                                      <p:cBhvr additive="base">
-                                        <p:cTn id="8" dur="10000" fill="hold"/>
-                                        <p:tgtEl>
-                                          <p:spTgt spid="7"/>
-                                        </p:tgtEl>
-                                        <p:attrNameLst>
-                                          <p:attrName>ppt_y</p:attrName>
-                                        </p:attrNameLst>
-                                      </p:cBhvr>
-                                      <p:tavLst>
-                                        <p:tav tm="0">
-                                          <p:val>
-                                            <p:strVal val="#ppt_y"/>
-                                          </p:val>
-                                        </p:tav>
-                                        <p:tav tm="100000">
-                                          <p:val>
-                                            <p:strVal val="#ppt_y"/>
-                                          </p:val>
-                                        </p:tav>
-                                      </p:tavLst>
-                                    </p:anim>
-                                  </p:childTnLst>
-                                </p:cTn>
-                              </p:par>
-                            </p:childTnLst>
-                          </p:cTn>
-                        </p:par>
-                      </p:childTnLst>
-                    </p:cTn>
-                  </p:par>
-                </p:childTnLst>
-              </p:cTn>
-              <p:prevCondLst>
-                <p:cond evt="onPrev" delay="0">
-                  <p:tgtEl>
-                    <p:sldTgt/>
-                  </p:tgtEl>
-                </p:cond>
-              </p:prevCondLst>
-              <p:nextCondLst>
-                <p:cond evt="onNext" delay="0">
-                  <p:tgtEl>
-                    <p:sldTgt/>
-                  </p:tgtEl>
-                </p:cond>
-              </p:nextCondLst>
-            </p:seq>
-          </p:childTnLst>
-        </p:cTn>
-      </p:par>
-    </p:tnLst>
-    <p:bldLst>
-      <p:bldP spid="7" grpId="0"/>
-    </p:bldLst>
-  </p:timing>
-</p:sldLayout>
-</file>
-
-<file path=ppt/slideLayouts/slideLayout19.xml><?xml version="1.0" encoding="utf-8"?>
-<p:sldLayout xmlns:a="http://schemas.openxmlformats.org/drawingml/2006/main" xmlns:r="http://schemas.openxmlformats.org/officeDocument/2006/relationships" xmlns:p="http://schemas.openxmlformats.org/presentationml/2006/main" type="titleOnly" preserve="1">
-  <p:cSld name="Bare tittel">
-    <p:bg>
-      <p:bgPr>
-        <a:solidFill>
-          <a:schemeClr val="accent5"/>
-        </a:solidFill>
-        <a:effectLst/>
-      </p:bgPr>
-    </p:bg>
-    <p:spTree>
-      <p:nvGrpSpPr>
-        <p:cNvPr id="1" name=""/>
-        <p:cNvGrpSpPr/>
-        <p:nvPr/>
-      </p:nvGrpSpPr>
-      <p:grpSpPr>
-        <a:xfrm>
-          <a:off x="0" y="0"/>
-          <a:ext cx="0" cy="0"/>
-          <a:chOff x="0" y="0"/>
-          <a:chExt cx="0" cy="0"/>
-        </a:xfrm>
-      </p:grpSpPr>
-      <p:sp>
-        <p:nvSpPr>
-          <p:cNvPr id="2" name="Tittel 1"/>
-          <p:cNvSpPr>
-            <a:spLocks noGrp="1"/>
-          </p:cNvSpPr>
-          <p:nvPr>
-            <p:ph type="title"/>
-          </p:nvPr>
-        </p:nvSpPr>
-        <p:spPr/>
-        <p:txBody>
-          <a:bodyPr/>
-          <a:lstStyle/>
-          <a:p>
-            <a:r>
-              <a:rPr lang="nb-NO"/>
-              <a:t>Klikk for å redigere tittelstil</a:t>
-            </a:r>
-          </a:p>
-        </p:txBody>
-      </p:sp>
-      <p:sp>
-        <p:nvSpPr>
-          <p:cNvPr id="8" name="Plassholder for bunntekst 3"/>
-          <p:cNvSpPr>
-            <a:spLocks noGrp="1"/>
-          </p:cNvSpPr>
-          <p:nvPr>
-            <p:ph type="ftr" sz="quarter" idx="3"/>
-          </p:nvPr>
-        </p:nvSpPr>
-        <p:spPr>
-          <a:xfrm>
-            <a:off x="-768257" y="4889255"/>
-            <a:ext cx="744607" cy="230832"/>
-          </a:xfrm>
-          <a:prstGeom prst="rect">
-            <a:avLst/>
-          </a:prstGeom>
-        </p:spPr>
-        <p:txBody>
-          <a:bodyPr vert="horz" wrap="none" lIns="0" tIns="0" rIns="0" bIns="0" rtlCol="0" anchor="ctr">
-            <a:noAutofit/>
-          </a:bodyPr>
-          <a:lstStyle>
-            <a:lvl1pPr algn="r">
-              <a:defRPr sz="1000">
-                <a:solidFill>
-                  <a:schemeClr val="tx1"/>
-                </a:solidFill>
-              </a:defRPr>
-            </a:lvl1pPr>
-          </a:lstStyle>
-          <a:p>
-            <a:r>
-              <a:rPr lang="nb-NO"/>
-              <a:t>Rullende tekst settes inn via "Sett inn -&gt; Topptekst og bunntekst"</a:t>
-            </a:r>
-            <a:endParaRPr lang="nb-NO" dirty="0"/>
-          </a:p>
-        </p:txBody>
-      </p:sp>
-    </p:spTree>
-    <p:extLst>
-      <p:ext uri="{BB962C8B-B14F-4D97-AF65-F5344CB8AC3E}">
-        <p14:creationId xmlns:p14="http://schemas.microsoft.com/office/powerpoint/2010/main" val="1943814223"/>
       </p:ext>
     </p:extLst>
   </p:cSld>
@@ -3122,6 +2916,10 @@
             </a:lvl1pPr>
           </a:lstStyle>
           <a:p>
+            <a:r>
+              <a:rPr lang="nb-NO"/>
+              <a:t>Klikk på ikonet for å legge til et bilde</a:t>
+            </a:r>
             <a:endParaRPr lang="en-GB" dirty="0"/>
           </a:p>
         </p:txBody>
@@ -3153,8 +2951,8 @@
           <a:lstStyle/>
           <a:p>
             <a:r>
-              <a:rPr lang="en-US" dirty="0"/>
-              <a:t>Click to edit Master title style</a:t>
+              <a:rPr lang="nb-NO"/>
+              <a:t>Klikk for å redigere tittelstil</a:t>
             </a:r>
             <a:endParaRPr lang="en-GB" dirty="0"/>
           </a:p>
@@ -3208,7 +3006,10 @@
           </a:lstStyle>
           <a:p>
             <a:pPr lvl="0"/>
-            <a:endParaRPr lang="en-GB" dirty="0"/>
+            <a:r>
+              <a:rPr lang="nb-NO"/>
+              <a:t>Klikk for å redigere tekststiler i malen</a:t>
+            </a:r>
           </a:p>
         </p:txBody>
       </p:sp>
@@ -3231,7 +3032,7 @@
     <p:bg>
       <p:bgPr>
         <a:solidFill>
-          <a:schemeClr val="accent5"/>
+          <a:srgbClr val="702C80"/>
         </a:solidFill>
         <a:effectLst/>
       </p:bgPr>
@@ -3294,7 +3095,2269 @@
     </p:spTree>
     <p:extLst>
       <p:ext uri="{BB962C8B-B14F-4D97-AF65-F5344CB8AC3E}">
+        <p14:creationId xmlns:p14="http://schemas.microsoft.com/office/powerpoint/2010/main" val="35053145"/>
+      </p:ext>
+    </p:extLst>
+  </p:cSld>
+  <p:clrMapOvr>
+    <a:masterClrMapping/>
+  </p:clrMapOvr>
+  <p:transition spd="slow" advClick="0" advTm="10000">
+    <p:fade/>
+  </p:transition>
+  <p:timing>
+    <p:tnLst>
+      <p:par>
+        <p:cTn id="1" dur="indefinite" restart="never" nodeType="tmRoot">
+          <p:childTnLst>
+            <p:seq concurrent="1" nextAc="seek">
+              <p:cTn id="2" dur="indefinite" nodeType="mainSeq">
+                <p:childTnLst>
+                  <p:par>
+                    <p:cTn id="3" fill="hold">
+                      <p:stCondLst>
+                        <p:cond delay="indefinite"/>
+                        <p:cond evt="onBegin" delay="0">
+                          <p:tn val="2"/>
+                        </p:cond>
+                      </p:stCondLst>
+                      <p:childTnLst>
+                        <p:par>
+                          <p:cTn id="4" fill="hold">
+                            <p:stCondLst>
+                              <p:cond delay="0"/>
+                            </p:stCondLst>
+                            <p:childTnLst>
+                              <p:par>
+                                <p:cTn id="5" presetID="2" presetClass="entr" presetSubtype="2" repeatCount="indefinite" fill="hold" grpId="0" nodeType="afterEffect" nodePh="1">
+                                  <p:stCondLst>
+                                    <p:cond delay="0"/>
+                                  </p:stCondLst>
+                                  <p:endCondLst>
+                                    <p:cond evt="begin" delay="0">
+                                      <p:tn val="5"/>
+                                    </p:cond>
+                                  </p:endCondLst>
+                                  <p:childTnLst>
+                                    <p:set>
+                                      <p:cBhvr>
+                                        <p:cTn id="6" dur="1" fill="hold">
+                                          <p:stCondLst>
+                                            <p:cond delay="0"/>
+                                          </p:stCondLst>
+                                        </p:cTn>
+                                        <p:tgtEl>
+                                          <p:spTgt spid="7"/>
+                                        </p:tgtEl>
+                                        <p:attrNameLst>
+                                          <p:attrName>style.visibility</p:attrName>
+                                        </p:attrNameLst>
+                                      </p:cBhvr>
+                                      <p:to>
+                                        <p:strVal val="visible"/>
+                                      </p:to>
+                                    </p:set>
+                                    <p:anim calcmode="lin" valueType="num">
+                                      <p:cBhvr additive="base">
+                                        <p:cTn id="7" dur="10000" fill="hold"/>
+                                        <p:tgtEl>
+                                          <p:spTgt spid="7"/>
+                                        </p:tgtEl>
+                                        <p:attrNameLst>
+                                          <p:attrName>ppt_x</p:attrName>
+                                        </p:attrNameLst>
+                                      </p:cBhvr>
+                                      <p:tavLst>
+                                        <p:tav tm="0">
+                                          <p:val>
+                                            <p:strVal val="1+#ppt_w/2"/>
+                                          </p:val>
+                                        </p:tav>
+                                        <p:tav tm="100000">
+                                          <p:val>
+                                            <p:strVal val="#ppt_x"/>
+                                          </p:val>
+                                        </p:tav>
+                                      </p:tavLst>
+                                    </p:anim>
+                                    <p:anim calcmode="lin" valueType="num">
+                                      <p:cBhvr additive="base">
+                                        <p:cTn id="8" dur="10000" fill="hold"/>
+                                        <p:tgtEl>
+                                          <p:spTgt spid="7"/>
+                                        </p:tgtEl>
+                                        <p:attrNameLst>
+                                          <p:attrName>ppt_y</p:attrName>
+                                        </p:attrNameLst>
+                                      </p:cBhvr>
+                                      <p:tavLst>
+                                        <p:tav tm="0">
+                                          <p:val>
+                                            <p:strVal val="#ppt_y"/>
+                                          </p:val>
+                                        </p:tav>
+                                        <p:tav tm="100000">
+                                          <p:val>
+                                            <p:strVal val="#ppt_y"/>
+                                          </p:val>
+                                        </p:tav>
+                                      </p:tavLst>
+                                    </p:anim>
+                                  </p:childTnLst>
+                                </p:cTn>
+                              </p:par>
+                            </p:childTnLst>
+                          </p:cTn>
+                        </p:par>
+                      </p:childTnLst>
+                    </p:cTn>
+                  </p:par>
+                </p:childTnLst>
+              </p:cTn>
+              <p:prevCondLst>
+                <p:cond evt="onPrev" delay="0">
+                  <p:tgtEl>
+                    <p:sldTgt/>
+                  </p:tgtEl>
+                </p:cond>
+              </p:prevCondLst>
+              <p:nextCondLst>
+                <p:cond evt="onNext" delay="0">
+                  <p:tgtEl>
+                    <p:sldTgt/>
+                  </p:tgtEl>
+                </p:cond>
+              </p:nextCondLst>
+            </p:seq>
+          </p:childTnLst>
+        </p:cTn>
+      </p:par>
+    </p:tnLst>
+    <p:bldLst>
+      <p:bldP spid="7" grpId="0"/>
+    </p:bldLst>
+  </p:timing>
+</p:sldLayout>
+</file>
+
+<file path=ppt/slideLayouts/slideLayout21.xml><?xml version="1.0" encoding="utf-8"?>
+<p:sldLayout xmlns:a="http://schemas.openxmlformats.org/drawingml/2006/main" xmlns:r="http://schemas.openxmlformats.org/officeDocument/2006/relationships" xmlns:p="http://schemas.openxmlformats.org/presentationml/2006/main" preserve="1" userDrawn="1">
+  <p:cSld name="Tittellysbilde">
+    <p:bg>
+      <p:bgPr>
+        <a:solidFill>
+          <a:srgbClr val="164B81"/>
+        </a:solidFill>
+        <a:effectLst/>
+      </p:bgPr>
+    </p:bg>
+    <p:spTree>
+      <p:nvGrpSpPr>
+        <p:cNvPr id="1" name=""/>
+        <p:cNvGrpSpPr/>
+        <p:nvPr/>
+      </p:nvGrpSpPr>
+      <p:grpSpPr>
+        <a:xfrm>
+          <a:off x="0" y="0"/>
+          <a:ext cx="0" cy="0"/>
+          <a:chOff x="0" y="0"/>
+          <a:chExt cx="0" cy="0"/>
+        </a:xfrm>
+      </p:grpSpPr>
+      <p:sp>
+        <p:nvSpPr>
+          <p:cNvPr id="2" name="Tittel 1"/>
+          <p:cNvSpPr>
+            <a:spLocks noGrp="1"/>
+          </p:cNvSpPr>
+          <p:nvPr>
+            <p:ph type="ctrTitle"/>
+          </p:nvPr>
+        </p:nvSpPr>
+        <p:spPr>
+          <a:xfrm>
+            <a:off x="998928" y="1503493"/>
+            <a:ext cx="4861733" cy="828104"/>
+          </a:xfrm>
+        </p:spPr>
+        <p:txBody>
+          <a:bodyPr anchor="ctr"/>
+          <a:lstStyle>
+            <a:lvl1pPr algn="ctr">
+              <a:defRPr sz="2600"/>
+            </a:lvl1pPr>
+          </a:lstStyle>
+          <a:p>
+            <a:r>
+              <a:rPr lang="nb-NO"/>
+              <a:t>Klikk for å redigere tittelstil</a:t>
+            </a:r>
+            <a:endParaRPr lang="nb-NO" dirty="0"/>
+          </a:p>
+        </p:txBody>
+      </p:sp>
+      <p:sp>
+        <p:nvSpPr>
+          <p:cNvPr id="3" name="Undertittel 2"/>
+          <p:cNvSpPr>
+            <a:spLocks noGrp="1"/>
+          </p:cNvSpPr>
+          <p:nvPr>
+            <p:ph type="subTitle" idx="1"/>
+          </p:nvPr>
+        </p:nvSpPr>
+        <p:spPr>
+          <a:xfrm>
+            <a:off x="998928" y="2513299"/>
+            <a:ext cx="4861733" cy="828104"/>
+          </a:xfrm>
+        </p:spPr>
+        <p:txBody>
+          <a:bodyPr anchor="ctr">
+            <a:noAutofit/>
+          </a:bodyPr>
+          <a:lstStyle>
+            <a:lvl1pPr marL="0" indent="0" algn="ctr">
+              <a:buNone/>
+              <a:defRPr sz="1700"/>
+            </a:lvl1pPr>
+            <a:lvl2pPr marL="342900" indent="0" algn="ctr">
+              <a:buNone/>
+              <a:defRPr sz="1500"/>
+            </a:lvl2pPr>
+            <a:lvl3pPr marL="685800" indent="0" algn="ctr">
+              <a:buNone/>
+              <a:defRPr sz="1350"/>
+            </a:lvl3pPr>
+            <a:lvl4pPr marL="1028700" indent="0" algn="ctr">
+              <a:buNone/>
+              <a:defRPr sz="1200"/>
+            </a:lvl4pPr>
+            <a:lvl5pPr marL="1371600" indent="0" algn="ctr">
+              <a:buNone/>
+              <a:defRPr sz="1200"/>
+            </a:lvl5pPr>
+            <a:lvl6pPr marL="1714500" indent="0" algn="ctr">
+              <a:buNone/>
+              <a:defRPr sz="1200"/>
+            </a:lvl6pPr>
+            <a:lvl7pPr marL="2057400" indent="0" algn="ctr">
+              <a:buNone/>
+              <a:defRPr sz="1200"/>
+            </a:lvl7pPr>
+            <a:lvl8pPr marL="2400300" indent="0" algn="ctr">
+              <a:buNone/>
+              <a:defRPr sz="1200"/>
+            </a:lvl8pPr>
+            <a:lvl9pPr marL="2743200" indent="0" algn="ctr">
+              <a:buNone/>
+              <a:defRPr sz="1200"/>
+            </a:lvl9pPr>
+          </a:lstStyle>
+          <a:p>
+            <a:r>
+              <a:rPr lang="nb-NO"/>
+              <a:t>Klikk for å redigere undertittelstil i malen</a:t>
+            </a:r>
+          </a:p>
+        </p:txBody>
+      </p:sp>
+      <p:sp>
+        <p:nvSpPr>
+          <p:cNvPr id="7" name="Plassholder for bunntekst 3"/>
+          <p:cNvSpPr>
+            <a:spLocks noGrp="1"/>
+          </p:cNvSpPr>
+          <p:nvPr>
+            <p:ph type="ftr" sz="quarter" idx="3"/>
+          </p:nvPr>
+        </p:nvSpPr>
+        <p:spPr>
+          <a:xfrm>
+            <a:off x="-768257" y="4889255"/>
+            <a:ext cx="744607" cy="230832"/>
+          </a:xfrm>
+          <a:prstGeom prst="rect">
+            <a:avLst/>
+          </a:prstGeom>
+        </p:spPr>
+        <p:txBody>
+          <a:bodyPr vert="horz" wrap="none" lIns="0" tIns="0" rIns="0" bIns="0" rtlCol="0" anchor="ctr">
+            <a:noAutofit/>
+          </a:bodyPr>
+          <a:lstStyle>
+            <a:lvl1pPr algn="r">
+              <a:defRPr sz="1000">
+                <a:solidFill>
+                  <a:schemeClr val="tx1"/>
+                </a:solidFill>
+              </a:defRPr>
+            </a:lvl1pPr>
+          </a:lstStyle>
+          <a:p>
+            <a:r>
+              <a:rPr lang="nb-NO"/>
+              <a:t>Rullende tekst settes inn via "Sett inn -&gt; Topptekst og bunntekst"</a:t>
+            </a:r>
+            <a:endParaRPr lang="nb-NO" dirty="0"/>
+          </a:p>
+        </p:txBody>
+      </p:sp>
+    </p:spTree>
+    <p:extLst>
+      <p:ext uri="{BB962C8B-B14F-4D97-AF65-F5344CB8AC3E}">
+        <p14:creationId xmlns:p14="http://schemas.microsoft.com/office/powerpoint/2010/main" val="359223836"/>
+      </p:ext>
+    </p:extLst>
+  </p:cSld>
+  <p:clrMapOvr>
+    <a:masterClrMapping/>
+  </p:clrMapOvr>
+  <p:transition spd="slow" advClick="0" advTm="10000">
+    <p:fade/>
+  </p:transition>
+  <p:timing>
+    <p:tnLst>
+      <p:par>
+        <p:cTn id="1" dur="indefinite" restart="never" nodeType="tmRoot">
+          <p:childTnLst>
+            <p:seq concurrent="1" nextAc="seek">
+              <p:cTn id="2" dur="indefinite" nodeType="mainSeq">
+                <p:childTnLst>
+                  <p:par>
+                    <p:cTn id="3" fill="hold">
+                      <p:stCondLst>
+                        <p:cond delay="indefinite"/>
+                        <p:cond evt="onBegin" delay="0">
+                          <p:tn val="2"/>
+                        </p:cond>
+                      </p:stCondLst>
+                      <p:childTnLst>
+                        <p:par>
+                          <p:cTn id="4" fill="hold">
+                            <p:stCondLst>
+                              <p:cond delay="0"/>
+                            </p:stCondLst>
+                            <p:childTnLst>
+                              <p:par>
+                                <p:cTn id="5" presetID="2" presetClass="entr" presetSubtype="2" repeatCount="indefinite" fill="hold" grpId="0" nodeType="afterEffect" nodePh="1">
+                                  <p:stCondLst>
+                                    <p:cond delay="0"/>
+                                  </p:stCondLst>
+                                  <p:endCondLst>
+                                    <p:cond evt="begin" delay="0">
+                                      <p:tn val="5"/>
+                                    </p:cond>
+                                  </p:endCondLst>
+                                  <p:childTnLst>
+                                    <p:set>
+                                      <p:cBhvr>
+                                        <p:cTn id="6" dur="1" fill="hold">
+                                          <p:stCondLst>
+                                            <p:cond delay="0"/>
+                                          </p:stCondLst>
+                                        </p:cTn>
+                                        <p:tgtEl>
+                                          <p:spTgt spid="7"/>
+                                        </p:tgtEl>
+                                        <p:attrNameLst>
+                                          <p:attrName>style.visibility</p:attrName>
+                                        </p:attrNameLst>
+                                      </p:cBhvr>
+                                      <p:to>
+                                        <p:strVal val="visible"/>
+                                      </p:to>
+                                    </p:set>
+                                    <p:anim calcmode="lin" valueType="num">
+                                      <p:cBhvr additive="base">
+                                        <p:cTn id="7" dur="10000" fill="hold"/>
+                                        <p:tgtEl>
+                                          <p:spTgt spid="7"/>
+                                        </p:tgtEl>
+                                        <p:attrNameLst>
+                                          <p:attrName>ppt_x</p:attrName>
+                                        </p:attrNameLst>
+                                      </p:cBhvr>
+                                      <p:tavLst>
+                                        <p:tav tm="0">
+                                          <p:val>
+                                            <p:strVal val="1+#ppt_w/2"/>
+                                          </p:val>
+                                        </p:tav>
+                                        <p:tav tm="100000">
+                                          <p:val>
+                                            <p:strVal val="#ppt_x"/>
+                                          </p:val>
+                                        </p:tav>
+                                      </p:tavLst>
+                                    </p:anim>
+                                    <p:anim calcmode="lin" valueType="num">
+                                      <p:cBhvr additive="base">
+                                        <p:cTn id="8" dur="10000" fill="hold"/>
+                                        <p:tgtEl>
+                                          <p:spTgt spid="7"/>
+                                        </p:tgtEl>
+                                        <p:attrNameLst>
+                                          <p:attrName>ppt_y</p:attrName>
+                                        </p:attrNameLst>
+                                      </p:cBhvr>
+                                      <p:tavLst>
+                                        <p:tav tm="0">
+                                          <p:val>
+                                            <p:strVal val="#ppt_y"/>
+                                          </p:val>
+                                        </p:tav>
+                                        <p:tav tm="100000">
+                                          <p:val>
+                                            <p:strVal val="#ppt_y"/>
+                                          </p:val>
+                                        </p:tav>
+                                      </p:tavLst>
+                                    </p:anim>
+                                  </p:childTnLst>
+                                </p:cTn>
+                              </p:par>
+                            </p:childTnLst>
+                          </p:cTn>
+                        </p:par>
+                      </p:childTnLst>
+                    </p:cTn>
+                  </p:par>
+                </p:childTnLst>
+              </p:cTn>
+              <p:prevCondLst>
+                <p:cond evt="onPrev" delay="0">
+                  <p:tgtEl>
+                    <p:sldTgt/>
+                  </p:tgtEl>
+                </p:cond>
+              </p:prevCondLst>
+              <p:nextCondLst>
+                <p:cond evt="onNext" delay="0">
+                  <p:tgtEl>
+                    <p:sldTgt/>
+                  </p:tgtEl>
+                </p:cond>
+              </p:nextCondLst>
+            </p:seq>
+          </p:childTnLst>
+        </p:cTn>
+      </p:par>
+    </p:tnLst>
+    <p:bldLst>
+      <p:bldP spid="7" grpId="0"/>
+    </p:bldLst>
+  </p:timing>
+</p:sldLayout>
+</file>
+
+<file path=ppt/slideLayouts/slideLayout22.xml><?xml version="1.0" encoding="utf-8"?>
+<p:sldLayout xmlns:a="http://schemas.openxmlformats.org/drawingml/2006/main" xmlns:r="http://schemas.openxmlformats.org/officeDocument/2006/relationships" xmlns:p="http://schemas.openxmlformats.org/presentationml/2006/main" type="titleOnly" preserve="1">
+  <p:cSld name="Bare tittel">
+    <p:bg>
+      <p:bgPr>
+        <a:solidFill>
+          <a:srgbClr val="164B81"/>
+        </a:solidFill>
+        <a:effectLst/>
+      </p:bgPr>
+    </p:bg>
+    <p:spTree>
+      <p:nvGrpSpPr>
+        <p:cNvPr id="1" name=""/>
+        <p:cNvGrpSpPr/>
+        <p:nvPr/>
+      </p:nvGrpSpPr>
+      <p:grpSpPr>
+        <a:xfrm>
+          <a:off x="0" y="0"/>
+          <a:ext cx="0" cy="0"/>
+          <a:chOff x="0" y="0"/>
+          <a:chExt cx="0" cy="0"/>
+        </a:xfrm>
+      </p:grpSpPr>
+      <p:sp>
+        <p:nvSpPr>
+          <p:cNvPr id="2" name="Tittel 1"/>
+          <p:cNvSpPr>
+            <a:spLocks noGrp="1"/>
+          </p:cNvSpPr>
+          <p:nvPr>
+            <p:ph type="title"/>
+          </p:nvPr>
+        </p:nvSpPr>
+        <p:spPr/>
+        <p:txBody>
+          <a:bodyPr/>
+          <a:lstStyle/>
+          <a:p>
+            <a:r>
+              <a:rPr lang="nb-NO"/>
+              <a:t>Klikk for å redigere tittelstil</a:t>
+            </a:r>
+          </a:p>
+        </p:txBody>
+      </p:sp>
+      <p:sp>
+        <p:nvSpPr>
+          <p:cNvPr id="8" name="Plassholder for bunntekst 3"/>
+          <p:cNvSpPr>
+            <a:spLocks noGrp="1"/>
+          </p:cNvSpPr>
+          <p:nvPr>
+            <p:ph type="ftr" sz="quarter" idx="3"/>
+          </p:nvPr>
+        </p:nvSpPr>
+        <p:spPr>
+          <a:xfrm>
+            <a:off x="-768257" y="4889255"/>
+            <a:ext cx="744607" cy="230832"/>
+          </a:xfrm>
+          <a:prstGeom prst="rect">
+            <a:avLst/>
+          </a:prstGeom>
+        </p:spPr>
+        <p:txBody>
+          <a:bodyPr vert="horz" wrap="none" lIns="0" tIns="0" rIns="0" bIns="0" rtlCol="0" anchor="ctr">
+            <a:noAutofit/>
+          </a:bodyPr>
+          <a:lstStyle>
+            <a:lvl1pPr algn="r">
+              <a:defRPr sz="1000">
+                <a:solidFill>
+                  <a:schemeClr val="tx1"/>
+                </a:solidFill>
+              </a:defRPr>
+            </a:lvl1pPr>
+          </a:lstStyle>
+          <a:p>
+            <a:r>
+              <a:rPr lang="nb-NO"/>
+              <a:t>Rullende tekst settes inn via "Sett inn -&gt; Topptekst og bunntekst"</a:t>
+            </a:r>
+            <a:endParaRPr lang="nb-NO" dirty="0"/>
+          </a:p>
+        </p:txBody>
+      </p:sp>
+    </p:spTree>
+    <p:extLst>
+      <p:ext uri="{BB962C8B-B14F-4D97-AF65-F5344CB8AC3E}">
+        <p14:creationId xmlns:p14="http://schemas.microsoft.com/office/powerpoint/2010/main" val="2153331955"/>
+      </p:ext>
+    </p:extLst>
+  </p:cSld>
+  <p:clrMapOvr>
+    <a:masterClrMapping/>
+  </p:clrMapOvr>
+  <p:transition spd="slow" advClick="0" advTm="10000">
+    <p:fade/>
+  </p:transition>
+  <p:timing>
+    <p:tnLst>
+      <p:par>
+        <p:cTn id="1" dur="indefinite" restart="never" nodeType="tmRoot">
+          <p:childTnLst>
+            <p:seq concurrent="1" nextAc="seek">
+              <p:cTn id="2" dur="indefinite" nodeType="mainSeq">
+                <p:childTnLst>
+                  <p:par>
+                    <p:cTn id="3" fill="hold">
+                      <p:stCondLst>
+                        <p:cond delay="indefinite"/>
+                        <p:cond evt="onBegin" delay="0">
+                          <p:tn val="2"/>
+                        </p:cond>
+                      </p:stCondLst>
+                      <p:childTnLst>
+                        <p:par>
+                          <p:cTn id="4" fill="hold">
+                            <p:stCondLst>
+                              <p:cond delay="0"/>
+                            </p:stCondLst>
+                            <p:childTnLst>
+                              <p:par>
+                                <p:cTn id="5" presetID="2" presetClass="entr" presetSubtype="2" repeatCount="indefinite" fill="hold" grpId="0" nodeType="afterEffect" nodePh="1">
+                                  <p:stCondLst>
+                                    <p:cond delay="0"/>
+                                  </p:stCondLst>
+                                  <p:endCondLst>
+                                    <p:cond evt="begin" delay="0">
+                                      <p:tn val="5"/>
+                                    </p:cond>
+                                  </p:endCondLst>
+                                  <p:childTnLst>
+                                    <p:set>
+                                      <p:cBhvr>
+                                        <p:cTn id="6" dur="1" fill="hold">
+                                          <p:stCondLst>
+                                            <p:cond delay="0"/>
+                                          </p:stCondLst>
+                                        </p:cTn>
+                                        <p:tgtEl>
+                                          <p:spTgt spid="8"/>
+                                        </p:tgtEl>
+                                        <p:attrNameLst>
+                                          <p:attrName>style.visibility</p:attrName>
+                                        </p:attrNameLst>
+                                      </p:cBhvr>
+                                      <p:to>
+                                        <p:strVal val="visible"/>
+                                      </p:to>
+                                    </p:set>
+                                    <p:anim calcmode="lin" valueType="num">
+                                      <p:cBhvr additive="base">
+                                        <p:cTn id="7" dur="10000" fill="hold"/>
+                                        <p:tgtEl>
+                                          <p:spTgt spid="8"/>
+                                        </p:tgtEl>
+                                        <p:attrNameLst>
+                                          <p:attrName>ppt_x</p:attrName>
+                                        </p:attrNameLst>
+                                      </p:cBhvr>
+                                      <p:tavLst>
+                                        <p:tav tm="0">
+                                          <p:val>
+                                            <p:strVal val="1+#ppt_w/2"/>
+                                          </p:val>
+                                        </p:tav>
+                                        <p:tav tm="100000">
+                                          <p:val>
+                                            <p:strVal val="#ppt_x"/>
+                                          </p:val>
+                                        </p:tav>
+                                      </p:tavLst>
+                                    </p:anim>
+                                    <p:anim calcmode="lin" valueType="num">
+                                      <p:cBhvr additive="base">
+                                        <p:cTn id="8" dur="10000" fill="hold"/>
+                                        <p:tgtEl>
+                                          <p:spTgt spid="8"/>
+                                        </p:tgtEl>
+                                        <p:attrNameLst>
+                                          <p:attrName>ppt_y</p:attrName>
+                                        </p:attrNameLst>
+                                      </p:cBhvr>
+                                      <p:tavLst>
+                                        <p:tav tm="0">
+                                          <p:val>
+                                            <p:strVal val="#ppt_y"/>
+                                          </p:val>
+                                        </p:tav>
+                                        <p:tav tm="100000">
+                                          <p:val>
+                                            <p:strVal val="#ppt_y"/>
+                                          </p:val>
+                                        </p:tav>
+                                      </p:tavLst>
+                                    </p:anim>
+                                  </p:childTnLst>
+                                </p:cTn>
+                              </p:par>
+                            </p:childTnLst>
+                          </p:cTn>
+                        </p:par>
+                      </p:childTnLst>
+                    </p:cTn>
+                  </p:par>
+                </p:childTnLst>
+              </p:cTn>
+              <p:prevCondLst>
+                <p:cond evt="onPrev" delay="0">
+                  <p:tgtEl>
+                    <p:sldTgt/>
+                  </p:tgtEl>
+                </p:cond>
+              </p:prevCondLst>
+              <p:nextCondLst>
+                <p:cond evt="onNext" delay="0">
+                  <p:tgtEl>
+                    <p:sldTgt/>
+                  </p:tgtEl>
+                </p:cond>
+              </p:nextCondLst>
+            </p:seq>
+          </p:childTnLst>
+        </p:cTn>
+      </p:par>
+    </p:tnLst>
+    <p:bldLst>
+      <p:bldP spid="8" grpId="0"/>
+    </p:bldLst>
+  </p:timing>
+</p:sldLayout>
+</file>
+
+<file path=ppt/slideLayouts/slideLayout23.xml><?xml version="1.0" encoding="utf-8"?>
+<p:sldLayout xmlns:a="http://schemas.openxmlformats.org/drawingml/2006/main" xmlns:r="http://schemas.openxmlformats.org/officeDocument/2006/relationships" xmlns:p="http://schemas.openxmlformats.org/presentationml/2006/main" type="blank" preserve="1">
+  <p:cSld name="Tomt">
+    <p:bg>
+      <p:bgPr>
+        <a:solidFill>
+          <a:srgbClr val="164B81"/>
+        </a:solidFill>
+        <a:effectLst/>
+      </p:bgPr>
+    </p:bg>
+    <p:spTree>
+      <p:nvGrpSpPr>
+        <p:cNvPr id="1" name=""/>
+        <p:cNvGrpSpPr/>
+        <p:nvPr/>
+      </p:nvGrpSpPr>
+      <p:grpSpPr>
+        <a:xfrm>
+          <a:off x="0" y="0"/>
+          <a:ext cx="0" cy="0"/>
+          <a:chOff x="0" y="0"/>
+          <a:chExt cx="0" cy="0"/>
+        </a:xfrm>
+      </p:grpSpPr>
+      <p:sp>
+        <p:nvSpPr>
+          <p:cNvPr id="7" name="Plassholder for bunntekst 3"/>
+          <p:cNvSpPr>
+            <a:spLocks noGrp="1"/>
+          </p:cNvSpPr>
+          <p:nvPr>
+            <p:ph type="ftr" sz="quarter" idx="3"/>
+          </p:nvPr>
+        </p:nvSpPr>
+        <p:spPr>
+          <a:xfrm>
+            <a:off x="-768257" y="4889255"/>
+            <a:ext cx="744607" cy="230832"/>
+          </a:xfrm>
+          <a:prstGeom prst="rect">
+            <a:avLst/>
+          </a:prstGeom>
+        </p:spPr>
+        <p:txBody>
+          <a:bodyPr vert="horz" wrap="none" lIns="0" tIns="0" rIns="0" bIns="0" rtlCol="0" anchor="ctr">
+            <a:noAutofit/>
+          </a:bodyPr>
+          <a:lstStyle>
+            <a:lvl1pPr algn="r">
+              <a:defRPr sz="1000">
+                <a:solidFill>
+                  <a:schemeClr val="tx1"/>
+                </a:solidFill>
+              </a:defRPr>
+            </a:lvl1pPr>
+          </a:lstStyle>
+          <a:p>
+            <a:r>
+              <a:rPr lang="nb-NO"/>
+              <a:t>Rullende tekst settes inn via "Sett inn -&gt; Topptekst og bunntekst"</a:t>
+            </a:r>
+            <a:endParaRPr lang="nb-NO" dirty="0"/>
+          </a:p>
+        </p:txBody>
+      </p:sp>
+    </p:spTree>
+    <p:extLst>
+      <p:ext uri="{BB962C8B-B14F-4D97-AF65-F5344CB8AC3E}">
+        <p14:creationId xmlns:p14="http://schemas.microsoft.com/office/powerpoint/2010/main" val="2749028748"/>
+      </p:ext>
+    </p:extLst>
+  </p:cSld>
+  <p:clrMapOvr>
+    <a:masterClrMapping/>
+  </p:clrMapOvr>
+  <p:transition spd="slow" advClick="0" advTm="10000">
+    <p:fade/>
+  </p:transition>
+  <p:timing>
+    <p:tnLst>
+      <p:par>
+        <p:cTn id="1" dur="indefinite" restart="never" nodeType="tmRoot">
+          <p:childTnLst>
+            <p:seq concurrent="1" nextAc="seek">
+              <p:cTn id="2" dur="indefinite" nodeType="mainSeq">
+                <p:childTnLst>
+                  <p:par>
+                    <p:cTn id="3" fill="hold">
+                      <p:stCondLst>
+                        <p:cond delay="indefinite"/>
+                        <p:cond evt="onBegin" delay="0">
+                          <p:tn val="2"/>
+                        </p:cond>
+                      </p:stCondLst>
+                      <p:childTnLst>
+                        <p:par>
+                          <p:cTn id="4" fill="hold">
+                            <p:stCondLst>
+                              <p:cond delay="0"/>
+                            </p:stCondLst>
+                            <p:childTnLst>
+                              <p:par>
+                                <p:cTn id="5" presetID="2" presetClass="entr" presetSubtype="2" repeatCount="indefinite" fill="hold" grpId="0" nodeType="afterEffect" nodePh="1">
+                                  <p:stCondLst>
+                                    <p:cond delay="0"/>
+                                  </p:stCondLst>
+                                  <p:endCondLst>
+                                    <p:cond evt="begin" delay="0">
+                                      <p:tn val="5"/>
+                                    </p:cond>
+                                  </p:endCondLst>
+                                  <p:childTnLst>
+                                    <p:set>
+                                      <p:cBhvr>
+                                        <p:cTn id="6" dur="1" fill="hold">
+                                          <p:stCondLst>
+                                            <p:cond delay="0"/>
+                                          </p:stCondLst>
+                                        </p:cTn>
+                                        <p:tgtEl>
+                                          <p:spTgt spid="7"/>
+                                        </p:tgtEl>
+                                        <p:attrNameLst>
+                                          <p:attrName>style.visibility</p:attrName>
+                                        </p:attrNameLst>
+                                      </p:cBhvr>
+                                      <p:to>
+                                        <p:strVal val="visible"/>
+                                      </p:to>
+                                    </p:set>
+                                    <p:anim calcmode="lin" valueType="num">
+                                      <p:cBhvr additive="base">
+                                        <p:cTn id="7" dur="10000" fill="hold"/>
+                                        <p:tgtEl>
+                                          <p:spTgt spid="7"/>
+                                        </p:tgtEl>
+                                        <p:attrNameLst>
+                                          <p:attrName>ppt_x</p:attrName>
+                                        </p:attrNameLst>
+                                      </p:cBhvr>
+                                      <p:tavLst>
+                                        <p:tav tm="0">
+                                          <p:val>
+                                            <p:strVal val="1+#ppt_w/2"/>
+                                          </p:val>
+                                        </p:tav>
+                                        <p:tav tm="100000">
+                                          <p:val>
+                                            <p:strVal val="#ppt_x"/>
+                                          </p:val>
+                                        </p:tav>
+                                      </p:tavLst>
+                                    </p:anim>
+                                    <p:anim calcmode="lin" valueType="num">
+                                      <p:cBhvr additive="base">
+                                        <p:cTn id="8" dur="10000" fill="hold"/>
+                                        <p:tgtEl>
+                                          <p:spTgt spid="7"/>
+                                        </p:tgtEl>
+                                        <p:attrNameLst>
+                                          <p:attrName>ppt_y</p:attrName>
+                                        </p:attrNameLst>
+                                      </p:cBhvr>
+                                      <p:tavLst>
+                                        <p:tav tm="0">
+                                          <p:val>
+                                            <p:strVal val="#ppt_y"/>
+                                          </p:val>
+                                        </p:tav>
+                                        <p:tav tm="100000">
+                                          <p:val>
+                                            <p:strVal val="#ppt_y"/>
+                                          </p:val>
+                                        </p:tav>
+                                      </p:tavLst>
+                                    </p:anim>
+                                  </p:childTnLst>
+                                </p:cTn>
+                              </p:par>
+                            </p:childTnLst>
+                          </p:cTn>
+                        </p:par>
+                      </p:childTnLst>
+                    </p:cTn>
+                  </p:par>
+                </p:childTnLst>
+              </p:cTn>
+              <p:prevCondLst>
+                <p:cond evt="onPrev" delay="0">
+                  <p:tgtEl>
+                    <p:sldTgt/>
+                  </p:tgtEl>
+                </p:cond>
+              </p:prevCondLst>
+              <p:nextCondLst>
+                <p:cond evt="onNext" delay="0">
+                  <p:tgtEl>
+                    <p:sldTgt/>
+                  </p:tgtEl>
+                </p:cond>
+              </p:nextCondLst>
+            </p:seq>
+          </p:childTnLst>
+        </p:cTn>
+      </p:par>
+    </p:tnLst>
+    <p:bldLst>
+      <p:bldP spid="7" grpId="0"/>
+    </p:bldLst>
+  </p:timing>
+</p:sldLayout>
+</file>
+
+<file path=ppt/slideLayouts/slideLayout24.xml><?xml version="1.0" encoding="utf-8"?>
+<p:sldLayout xmlns:a="http://schemas.openxmlformats.org/drawingml/2006/main" xmlns:r="http://schemas.openxmlformats.org/officeDocument/2006/relationships" xmlns:p="http://schemas.openxmlformats.org/presentationml/2006/main" preserve="1" userDrawn="1">
+  <p:cSld name="Tittellysbilde">
+    <p:bg>
+      <p:bgPr>
+        <a:solidFill>
+          <a:srgbClr val="117845"/>
+        </a:solidFill>
+        <a:effectLst/>
+      </p:bgPr>
+    </p:bg>
+    <p:spTree>
+      <p:nvGrpSpPr>
+        <p:cNvPr id="1" name=""/>
+        <p:cNvGrpSpPr/>
+        <p:nvPr/>
+      </p:nvGrpSpPr>
+      <p:grpSpPr>
+        <a:xfrm>
+          <a:off x="0" y="0"/>
+          <a:ext cx="0" cy="0"/>
+          <a:chOff x="0" y="0"/>
+          <a:chExt cx="0" cy="0"/>
+        </a:xfrm>
+      </p:grpSpPr>
+      <p:sp>
+        <p:nvSpPr>
+          <p:cNvPr id="2" name="Tittel 1"/>
+          <p:cNvSpPr>
+            <a:spLocks noGrp="1"/>
+          </p:cNvSpPr>
+          <p:nvPr>
+            <p:ph type="ctrTitle"/>
+          </p:nvPr>
+        </p:nvSpPr>
+        <p:spPr>
+          <a:xfrm>
+            <a:off x="998928" y="1503493"/>
+            <a:ext cx="4861733" cy="828104"/>
+          </a:xfrm>
+        </p:spPr>
+        <p:txBody>
+          <a:bodyPr anchor="ctr"/>
+          <a:lstStyle>
+            <a:lvl1pPr algn="ctr">
+              <a:defRPr sz="2600"/>
+            </a:lvl1pPr>
+          </a:lstStyle>
+          <a:p>
+            <a:r>
+              <a:rPr lang="nb-NO"/>
+              <a:t>Klikk for å redigere tittelstil</a:t>
+            </a:r>
+            <a:endParaRPr lang="nb-NO" dirty="0"/>
+          </a:p>
+        </p:txBody>
+      </p:sp>
+      <p:sp>
+        <p:nvSpPr>
+          <p:cNvPr id="3" name="Undertittel 2"/>
+          <p:cNvSpPr>
+            <a:spLocks noGrp="1"/>
+          </p:cNvSpPr>
+          <p:nvPr>
+            <p:ph type="subTitle" idx="1"/>
+          </p:nvPr>
+        </p:nvSpPr>
+        <p:spPr>
+          <a:xfrm>
+            <a:off x="998928" y="2513299"/>
+            <a:ext cx="4861733" cy="828104"/>
+          </a:xfrm>
+        </p:spPr>
+        <p:txBody>
+          <a:bodyPr anchor="ctr">
+            <a:noAutofit/>
+          </a:bodyPr>
+          <a:lstStyle>
+            <a:lvl1pPr marL="0" indent="0" algn="ctr">
+              <a:buNone/>
+              <a:defRPr sz="1700"/>
+            </a:lvl1pPr>
+            <a:lvl2pPr marL="342900" indent="0" algn="ctr">
+              <a:buNone/>
+              <a:defRPr sz="1500"/>
+            </a:lvl2pPr>
+            <a:lvl3pPr marL="685800" indent="0" algn="ctr">
+              <a:buNone/>
+              <a:defRPr sz="1350"/>
+            </a:lvl3pPr>
+            <a:lvl4pPr marL="1028700" indent="0" algn="ctr">
+              <a:buNone/>
+              <a:defRPr sz="1200"/>
+            </a:lvl4pPr>
+            <a:lvl5pPr marL="1371600" indent="0" algn="ctr">
+              <a:buNone/>
+              <a:defRPr sz="1200"/>
+            </a:lvl5pPr>
+            <a:lvl6pPr marL="1714500" indent="0" algn="ctr">
+              <a:buNone/>
+              <a:defRPr sz="1200"/>
+            </a:lvl6pPr>
+            <a:lvl7pPr marL="2057400" indent="0" algn="ctr">
+              <a:buNone/>
+              <a:defRPr sz="1200"/>
+            </a:lvl7pPr>
+            <a:lvl8pPr marL="2400300" indent="0" algn="ctr">
+              <a:buNone/>
+              <a:defRPr sz="1200"/>
+            </a:lvl8pPr>
+            <a:lvl9pPr marL="2743200" indent="0" algn="ctr">
+              <a:buNone/>
+              <a:defRPr sz="1200"/>
+            </a:lvl9pPr>
+          </a:lstStyle>
+          <a:p>
+            <a:r>
+              <a:rPr lang="nb-NO"/>
+              <a:t>Klikk for å redigere undertittelstil i malen</a:t>
+            </a:r>
+          </a:p>
+        </p:txBody>
+      </p:sp>
+      <p:sp>
+        <p:nvSpPr>
+          <p:cNvPr id="7" name="Plassholder for bunntekst 3"/>
+          <p:cNvSpPr>
+            <a:spLocks noGrp="1"/>
+          </p:cNvSpPr>
+          <p:nvPr>
+            <p:ph type="ftr" sz="quarter" idx="3"/>
+          </p:nvPr>
+        </p:nvSpPr>
+        <p:spPr>
+          <a:xfrm>
+            <a:off x="-768257" y="4889255"/>
+            <a:ext cx="744607" cy="230832"/>
+          </a:xfrm>
+          <a:prstGeom prst="rect">
+            <a:avLst/>
+          </a:prstGeom>
+        </p:spPr>
+        <p:txBody>
+          <a:bodyPr vert="horz" wrap="none" lIns="0" tIns="0" rIns="0" bIns="0" rtlCol="0" anchor="ctr">
+            <a:noAutofit/>
+          </a:bodyPr>
+          <a:lstStyle>
+            <a:lvl1pPr algn="r">
+              <a:defRPr sz="1000">
+                <a:solidFill>
+                  <a:schemeClr val="tx1"/>
+                </a:solidFill>
+              </a:defRPr>
+            </a:lvl1pPr>
+          </a:lstStyle>
+          <a:p>
+            <a:r>
+              <a:rPr lang="nb-NO"/>
+              <a:t>Rullende tekst settes inn via "Sett inn -&gt; Topptekst og bunntekst"</a:t>
+            </a:r>
+            <a:endParaRPr lang="nb-NO" dirty="0"/>
+          </a:p>
+        </p:txBody>
+      </p:sp>
+    </p:spTree>
+    <p:extLst>
+      <p:ext uri="{BB962C8B-B14F-4D97-AF65-F5344CB8AC3E}">
+        <p14:creationId xmlns:p14="http://schemas.microsoft.com/office/powerpoint/2010/main" val="2071513461"/>
+      </p:ext>
+    </p:extLst>
+  </p:cSld>
+  <p:clrMapOvr>
+    <a:masterClrMapping/>
+  </p:clrMapOvr>
+  <p:transition spd="slow" advClick="0" advTm="10000">
+    <p:fade/>
+  </p:transition>
+  <p:timing>
+    <p:tnLst>
+      <p:par>
+        <p:cTn id="1" dur="indefinite" restart="never" nodeType="tmRoot">
+          <p:childTnLst>
+            <p:seq concurrent="1" nextAc="seek">
+              <p:cTn id="2" dur="indefinite" nodeType="mainSeq">
+                <p:childTnLst>
+                  <p:par>
+                    <p:cTn id="3" fill="hold">
+                      <p:stCondLst>
+                        <p:cond delay="indefinite"/>
+                        <p:cond evt="onBegin" delay="0">
+                          <p:tn val="2"/>
+                        </p:cond>
+                      </p:stCondLst>
+                      <p:childTnLst>
+                        <p:par>
+                          <p:cTn id="4" fill="hold">
+                            <p:stCondLst>
+                              <p:cond delay="0"/>
+                            </p:stCondLst>
+                            <p:childTnLst>
+                              <p:par>
+                                <p:cTn id="5" presetID="2" presetClass="entr" presetSubtype="2" repeatCount="indefinite" fill="hold" grpId="0" nodeType="afterEffect" nodePh="1">
+                                  <p:stCondLst>
+                                    <p:cond delay="0"/>
+                                  </p:stCondLst>
+                                  <p:endCondLst>
+                                    <p:cond evt="begin" delay="0">
+                                      <p:tn val="5"/>
+                                    </p:cond>
+                                  </p:endCondLst>
+                                  <p:childTnLst>
+                                    <p:set>
+                                      <p:cBhvr>
+                                        <p:cTn id="6" dur="1" fill="hold">
+                                          <p:stCondLst>
+                                            <p:cond delay="0"/>
+                                          </p:stCondLst>
+                                        </p:cTn>
+                                        <p:tgtEl>
+                                          <p:spTgt spid="7"/>
+                                        </p:tgtEl>
+                                        <p:attrNameLst>
+                                          <p:attrName>style.visibility</p:attrName>
+                                        </p:attrNameLst>
+                                      </p:cBhvr>
+                                      <p:to>
+                                        <p:strVal val="visible"/>
+                                      </p:to>
+                                    </p:set>
+                                    <p:anim calcmode="lin" valueType="num">
+                                      <p:cBhvr additive="base">
+                                        <p:cTn id="7" dur="10000" fill="hold"/>
+                                        <p:tgtEl>
+                                          <p:spTgt spid="7"/>
+                                        </p:tgtEl>
+                                        <p:attrNameLst>
+                                          <p:attrName>ppt_x</p:attrName>
+                                        </p:attrNameLst>
+                                      </p:cBhvr>
+                                      <p:tavLst>
+                                        <p:tav tm="0">
+                                          <p:val>
+                                            <p:strVal val="1+#ppt_w/2"/>
+                                          </p:val>
+                                        </p:tav>
+                                        <p:tav tm="100000">
+                                          <p:val>
+                                            <p:strVal val="#ppt_x"/>
+                                          </p:val>
+                                        </p:tav>
+                                      </p:tavLst>
+                                    </p:anim>
+                                    <p:anim calcmode="lin" valueType="num">
+                                      <p:cBhvr additive="base">
+                                        <p:cTn id="8" dur="10000" fill="hold"/>
+                                        <p:tgtEl>
+                                          <p:spTgt spid="7"/>
+                                        </p:tgtEl>
+                                        <p:attrNameLst>
+                                          <p:attrName>ppt_y</p:attrName>
+                                        </p:attrNameLst>
+                                      </p:cBhvr>
+                                      <p:tavLst>
+                                        <p:tav tm="0">
+                                          <p:val>
+                                            <p:strVal val="#ppt_y"/>
+                                          </p:val>
+                                        </p:tav>
+                                        <p:tav tm="100000">
+                                          <p:val>
+                                            <p:strVal val="#ppt_y"/>
+                                          </p:val>
+                                        </p:tav>
+                                      </p:tavLst>
+                                    </p:anim>
+                                  </p:childTnLst>
+                                </p:cTn>
+                              </p:par>
+                            </p:childTnLst>
+                          </p:cTn>
+                        </p:par>
+                      </p:childTnLst>
+                    </p:cTn>
+                  </p:par>
+                </p:childTnLst>
+              </p:cTn>
+              <p:prevCondLst>
+                <p:cond evt="onPrev" delay="0">
+                  <p:tgtEl>
+                    <p:sldTgt/>
+                  </p:tgtEl>
+                </p:cond>
+              </p:prevCondLst>
+              <p:nextCondLst>
+                <p:cond evt="onNext" delay="0">
+                  <p:tgtEl>
+                    <p:sldTgt/>
+                  </p:tgtEl>
+                </p:cond>
+              </p:nextCondLst>
+            </p:seq>
+          </p:childTnLst>
+        </p:cTn>
+      </p:par>
+    </p:tnLst>
+    <p:bldLst>
+      <p:bldP spid="7" grpId="0"/>
+    </p:bldLst>
+  </p:timing>
+</p:sldLayout>
+</file>
+
+<file path=ppt/slideLayouts/slideLayout25.xml><?xml version="1.0" encoding="utf-8"?>
+<p:sldLayout xmlns:a="http://schemas.openxmlformats.org/drawingml/2006/main" xmlns:r="http://schemas.openxmlformats.org/officeDocument/2006/relationships" xmlns:p="http://schemas.openxmlformats.org/presentationml/2006/main" type="titleOnly" preserve="1">
+  <p:cSld name="Bare tittel">
+    <p:bg>
+      <p:bgPr>
+        <a:solidFill>
+          <a:srgbClr val="117845"/>
+        </a:solidFill>
+        <a:effectLst/>
+      </p:bgPr>
+    </p:bg>
+    <p:spTree>
+      <p:nvGrpSpPr>
+        <p:cNvPr id="1" name=""/>
+        <p:cNvGrpSpPr/>
+        <p:nvPr/>
+      </p:nvGrpSpPr>
+      <p:grpSpPr>
+        <a:xfrm>
+          <a:off x="0" y="0"/>
+          <a:ext cx="0" cy="0"/>
+          <a:chOff x="0" y="0"/>
+          <a:chExt cx="0" cy="0"/>
+        </a:xfrm>
+      </p:grpSpPr>
+      <p:sp>
+        <p:nvSpPr>
+          <p:cNvPr id="2" name="Tittel 1"/>
+          <p:cNvSpPr>
+            <a:spLocks noGrp="1"/>
+          </p:cNvSpPr>
+          <p:nvPr>
+            <p:ph type="title"/>
+          </p:nvPr>
+        </p:nvSpPr>
+        <p:spPr/>
+        <p:txBody>
+          <a:bodyPr/>
+          <a:lstStyle/>
+          <a:p>
+            <a:r>
+              <a:rPr lang="nb-NO"/>
+              <a:t>Klikk for å redigere tittelstil</a:t>
+            </a:r>
+          </a:p>
+        </p:txBody>
+      </p:sp>
+      <p:sp>
+        <p:nvSpPr>
+          <p:cNvPr id="8" name="Plassholder for bunntekst 3"/>
+          <p:cNvSpPr>
+            <a:spLocks noGrp="1"/>
+          </p:cNvSpPr>
+          <p:nvPr>
+            <p:ph type="ftr" sz="quarter" idx="3"/>
+          </p:nvPr>
+        </p:nvSpPr>
+        <p:spPr>
+          <a:xfrm>
+            <a:off x="-768257" y="4889255"/>
+            <a:ext cx="744607" cy="230832"/>
+          </a:xfrm>
+          <a:prstGeom prst="rect">
+            <a:avLst/>
+          </a:prstGeom>
+        </p:spPr>
+        <p:txBody>
+          <a:bodyPr vert="horz" wrap="none" lIns="0" tIns="0" rIns="0" bIns="0" rtlCol="0" anchor="ctr">
+            <a:noAutofit/>
+          </a:bodyPr>
+          <a:lstStyle>
+            <a:lvl1pPr algn="r">
+              <a:defRPr sz="1000">
+                <a:solidFill>
+                  <a:schemeClr val="tx1"/>
+                </a:solidFill>
+              </a:defRPr>
+            </a:lvl1pPr>
+          </a:lstStyle>
+          <a:p>
+            <a:r>
+              <a:rPr lang="nb-NO"/>
+              <a:t>Rullende tekst settes inn via "Sett inn -&gt; Topptekst og bunntekst"</a:t>
+            </a:r>
+            <a:endParaRPr lang="nb-NO" dirty="0"/>
+          </a:p>
+        </p:txBody>
+      </p:sp>
+    </p:spTree>
+    <p:extLst>
+      <p:ext uri="{BB962C8B-B14F-4D97-AF65-F5344CB8AC3E}">
+        <p14:creationId xmlns:p14="http://schemas.microsoft.com/office/powerpoint/2010/main" val="1943814223"/>
+      </p:ext>
+    </p:extLst>
+  </p:cSld>
+  <p:clrMapOvr>
+    <a:masterClrMapping/>
+  </p:clrMapOvr>
+  <p:transition spd="slow" advClick="0" advTm="10000">
+    <p:fade/>
+  </p:transition>
+  <p:timing>
+    <p:tnLst>
+      <p:par>
+        <p:cTn id="1" dur="indefinite" restart="never" nodeType="tmRoot">
+          <p:childTnLst>
+            <p:seq concurrent="1" nextAc="seek">
+              <p:cTn id="2" dur="indefinite" nodeType="mainSeq">
+                <p:childTnLst>
+                  <p:par>
+                    <p:cTn id="3" fill="hold">
+                      <p:stCondLst>
+                        <p:cond delay="indefinite"/>
+                        <p:cond evt="onBegin" delay="0">
+                          <p:tn val="2"/>
+                        </p:cond>
+                      </p:stCondLst>
+                      <p:childTnLst>
+                        <p:par>
+                          <p:cTn id="4" fill="hold">
+                            <p:stCondLst>
+                              <p:cond delay="0"/>
+                            </p:stCondLst>
+                            <p:childTnLst>
+                              <p:par>
+                                <p:cTn id="5" presetID="2" presetClass="entr" presetSubtype="2" repeatCount="indefinite" fill="hold" grpId="0" nodeType="afterEffect" nodePh="1">
+                                  <p:stCondLst>
+                                    <p:cond delay="0"/>
+                                  </p:stCondLst>
+                                  <p:endCondLst>
+                                    <p:cond evt="begin" delay="0">
+                                      <p:tn val="5"/>
+                                    </p:cond>
+                                  </p:endCondLst>
+                                  <p:childTnLst>
+                                    <p:set>
+                                      <p:cBhvr>
+                                        <p:cTn id="6" dur="1" fill="hold">
+                                          <p:stCondLst>
+                                            <p:cond delay="0"/>
+                                          </p:stCondLst>
+                                        </p:cTn>
+                                        <p:tgtEl>
+                                          <p:spTgt spid="8"/>
+                                        </p:tgtEl>
+                                        <p:attrNameLst>
+                                          <p:attrName>style.visibility</p:attrName>
+                                        </p:attrNameLst>
+                                      </p:cBhvr>
+                                      <p:to>
+                                        <p:strVal val="visible"/>
+                                      </p:to>
+                                    </p:set>
+                                    <p:anim calcmode="lin" valueType="num">
+                                      <p:cBhvr additive="base">
+                                        <p:cTn id="7" dur="10000" fill="hold"/>
+                                        <p:tgtEl>
+                                          <p:spTgt spid="8"/>
+                                        </p:tgtEl>
+                                        <p:attrNameLst>
+                                          <p:attrName>ppt_x</p:attrName>
+                                        </p:attrNameLst>
+                                      </p:cBhvr>
+                                      <p:tavLst>
+                                        <p:tav tm="0">
+                                          <p:val>
+                                            <p:strVal val="1+#ppt_w/2"/>
+                                          </p:val>
+                                        </p:tav>
+                                        <p:tav tm="100000">
+                                          <p:val>
+                                            <p:strVal val="#ppt_x"/>
+                                          </p:val>
+                                        </p:tav>
+                                      </p:tavLst>
+                                    </p:anim>
+                                    <p:anim calcmode="lin" valueType="num">
+                                      <p:cBhvr additive="base">
+                                        <p:cTn id="8" dur="10000" fill="hold"/>
+                                        <p:tgtEl>
+                                          <p:spTgt spid="8"/>
+                                        </p:tgtEl>
+                                        <p:attrNameLst>
+                                          <p:attrName>ppt_y</p:attrName>
+                                        </p:attrNameLst>
+                                      </p:cBhvr>
+                                      <p:tavLst>
+                                        <p:tav tm="0">
+                                          <p:val>
+                                            <p:strVal val="#ppt_y"/>
+                                          </p:val>
+                                        </p:tav>
+                                        <p:tav tm="100000">
+                                          <p:val>
+                                            <p:strVal val="#ppt_y"/>
+                                          </p:val>
+                                        </p:tav>
+                                      </p:tavLst>
+                                    </p:anim>
+                                  </p:childTnLst>
+                                </p:cTn>
+                              </p:par>
+                            </p:childTnLst>
+                          </p:cTn>
+                        </p:par>
+                      </p:childTnLst>
+                    </p:cTn>
+                  </p:par>
+                </p:childTnLst>
+              </p:cTn>
+              <p:prevCondLst>
+                <p:cond evt="onPrev" delay="0">
+                  <p:tgtEl>
+                    <p:sldTgt/>
+                  </p:tgtEl>
+                </p:cond>
+              </p:prevCondLst>
+              <p:nextCondLst>
+                <p:cond evt="onNext" delay="0">
+                  <p:tgtEl>
+                    <p:sldTgt/>
+                  </p:tgtEl>
+                </p:cond>
+              </p:nextCondLst>
+            </p:seq>
+          </p:childTnLst>
+        </p:cTn>
+      </p:par>
+    </p:tnLst>
+    <p:bldLst>
+      <p:bldP spid="8" grpId="0"/>
+    </p:bldLst>
+  </p:timing>
+</p:sldLayout>
+</file>
+
+<file path=ppt/slideLayouts/slideLayout26.xml><?xml version="1.0" encoding="utf-8"?>
+<p:sldLayout xmlns:a="http://schemas.openxmlformats.org/drawingml/2006/main" xmlns:r="http://schemas.openxmlformats.org/officeDocument/2006/relationships" xmlns:p="http://schemas.openxmlformats.org/presentationml/2006/main" type="blank" preserve="1">
+  <p:cSld name="Tomt">
+    <p:bg>
+      <p:bgPr>
+        <a:solidFill>
+          <a:srgbClr val="117845"/>
+        </a:solidFill>
+        <a:effectLst/>
+      </p:bgPr>
+    </p:bg>
+    <p:spTree>
+      <p:nvGrpSpPr>
+        <p:cNvPr id="1" name=""/>
+        <p:cNvGrpSpPr/>
+        <p:nvPr/>
+      </p:nvGrpSpPr>
+      <p:grpSpPr>
+        <a:xfrm>
+          <a:off x="0" y="0"/>
+          <a:ext cx="0" cy="0"/>
+          <a:chOff x="0" y="0"/>
+          <a:chExt cx="0" cy="0"/>
+        </a:xfrm>
+      </p:grpSpPr>
+      <p:sp>
+        <p:nvSpPr>
+          <p:cNvPr id="7" name="Plassholder for bunntekst 3"/>
+          <p:cNvSpPr>
+            <a:spLocks noGrp="1"/>
+          </p:cNvSpPr>
+          <p:nvPr>
+            <p:ph type="ftr" sz="quarter" idx="3"/>
+          </p:nvPr>
+        </p:nvSpPr>
+        <p:spPr>
+          <a:xfrm>
+            <a:off x="-768257" y="4889255"/>
+            <a:ext cx="744607" cy="230832"/>
+          </a:xfrm>
+          <a:prstGeom prst="rect">
+            <a:avLst/>
+          </a:prstGeom>
+        </p:spPr>
+        <p:txBody>
+          <a:bodyPr vert="horz" wrap="none" lIns="0" tIns="0" rIns="0" bIns="0" rtlCol="0" anchor="ctr">
+            <a:noAutofit/>
+          </a:bodyPr>
+          <a:lstStyle>
+            <a:lvl1pPr algn="r">
+              <a:defRPr sz="1000">
+                <a:solidFill>
+                  <a:schemeClr val="tx1"/>
+                </a:solidFill>
+              </a:defRPr>
+            </a:lvl1pPr>
+          </a:lstStyle>
+          <a:p>
+            <a:r>
+              <a:rPr lang="nb-NO"/>
+              <a:t>Rullende tekst settes inn via "Sett inn -&gt; Topptekst og bunntekst"</a:t>
+            </a:r>
+            <a:endParaRPr lang="nb-NO" dirty="0"/>
+          </a:p>
+        </p:txBody>
+      </p:sp>
+    </p:spTree>
+    <p:extLst>
+      <p:ext uri="{BB962C8B-B14F-4D97-AF65-F5344CB8AC3E}">
         <p14:creationId xmlns:p14="http://schemas.microsoft.com/office/powerpoint/2010/main" val="3222727514"/>
+      </p:ext>
+    </p:extLst>
+  </p:cSld>
+  <p:clrMapOvr>
+    <a:masterClrMapping/>
+  </p:clrMapOvr>
+  <p:transition spd="slow" advClick="0" advTm="10000">
+    <p:fade/>
+  </p:transition>
+  <p:timing>
+    <p:tnLst>
+      <p:par>
+        <p:cTn id="1" dur="indefinite" restart="never" nodeType="tmRoot">
+          <p:childTnLst>
+            <p:seq concurrent="1" nextAc="seek">
+              <p:cTn id="2" dur="indefinite" nodeType="mainSeq">
+                <p:childTnLst>
+                  <p:par>
+                    <p:cTn id="3" fill="hold">
+                      <p:stCondLst>
+                        <p:cond delay="indefinite"/>
+                        <p:cond evt="onBegin" delay="0">
+                          <p:tn val="2"/>
+                        </p:cond>
+                      </p:stCondLst>
+                      <p:childTnLst>
+                        <p:par>
+                          <p:cTn id="4" fill="hold">
+                            <p:stCondLst>
+                              <p:cond delay="0"/>
+                            </p:stCondLst>
+                            <p:childTnLst>
+                              <p:par>
+                                <p:cTn id="5" presetID="2" presetClass="entr" presetSubtype="2" repeatCount="indefinite" fill="hold" grpId="0" nodeType="afterEffect" nodePh="1">
+                                  <p:stCondLst>
+                                    <p:cond delay="0"/>
+                                  </p:stCondLst>
+                                  <p:endCondLst>
+                                    <p:cond evt="begin" delay="0">
+                                      <p:tn val="5"/>
+                                    </p:cond>
+                                  </p:endCondLst>
+                                  <p:childTnLst>
+                                    <p:set>
+                                      <p:cBhvr>
+                                        <p:cTn id="6" dur="1" fill="hold">
+                                          <p:stCondLst>
+                                            <p:cond delay="0"/>
+                                          </p:stCondLst>
+                                        </p:cTn>
+                                        <p:tgtEl>
+                                          <p:spTgt spid="7"/>
+                                        </p:tgtEl>
+                                        <p:attrNameLst>
+                                          <p:attrName>style.visibility</p:attrName>
+                                        </p:attrNameLst>
+                                      </p:cBhvr>
+                                      <p:to>
+                                        <p:strVal val="visible"/>
+                                      </p:to>
+                                    </p:set>
+                                    <p:anim calcmode="lin" valueType="num">
+                                      <p:cBhvr additive="base">
+                                        <p:cTn id="7" dur="10000" fill="hold"/>
+                                        <p:tgtEl>
+                                          <p:spTgt spid="7"/>
+                                        </p:tgtEl>
+                                        <p:attrNameLst>
+                                          <p:attrName>ppt_x</p:attrName>
+                                        </p:attrNameLst>
+                                      </p:cBhvr>
+                                      <p:tavLst>
+                                        <p:tav tm="0">
+                                          <p:val>
+                                            <p:strVal val="1+#ppt_w/2"/>
+                                          </p:val>
+                                        </p:tav>
+                                        <p:tav tm="100000">
+                                          <p:val>
+                                            <p:strVal val="#ppt_x"/>
+                                          </p:val>
+                                        </p:tav>
+                                      </p:tavLst>
+                                    </p:anim>
+                                    <p:anim calcmode="lin" valueType="num">
+                                      <p:cBhvr additive="base">
+                                        <p:cTn id="8" dur="10000" fill="hold"/>
+                                        <p:tgtEl>
+                                          <p:spTgt spid="7"/>
+                                        </p:tgtEl>
+                                        <p:attrNameLst>
+                                          <p:attrName>ppt_y</p:attrName>
+                                        </p:attrNameLst>
+                                      </p:cBhvr>
+                                      <p:tavLst>
+                                        <p:tav tm="0">
+                                          <p:val>
+                                            <p:strVal val="#ppt_y"/>
+                                          </p:val>
+                                        </p:tav>
+                                        <p:tav tm="100000">
+                                          <p:val>
+                                            <p:strVal val="#ppt_y"/>
+                                          </p:val>
+                                        </p:tav>
+                                      </p:tavLst>
+                                    </p:anim>
+                                  </p:childTnLst>
+                                </p:cTn>
+                              </p:par>
+                            </p:childTnLst>
+                          </p:cTn>
+                        </p:par>
+                      </p:childTnLst>
+                    </p:cTn>
+                  </p:par>
+                </p:childTnLst>
+              </p:cTn>
+              <p:prevCondLst>
+                <p:cond evt="onPrev" delay="0">
+                  <p:tgtEl>
+                    <p:sldTgt/>
+                  </p:tgtEl>
+                </p:cond>
+              </p:prevCondLst>
+              <p:nextCondLst>
+                <p:cond evt="onNext" delay="0">
+                  <p:tgtEl>
+                    <p:sldTgt/>
+                  </p:tgtEl>
+                </p:cond>
+              </p:nextCondLst>
+            </p:seq>
+          </p:childTnLst>
+        </p:cTn>
+      </p:par>
+    </p:tnLst>
+    <p:bldLst>
+      <p:bldP spid="7" grpId="0"/>
+    </p:bldLst>
+  </p:timing>
+</p:sldLayout>
+</file>
+
+<file path=ppt/slideLayouts/slideLayout27.xml><?xml version="1.0" encoding="utf-8"?>
+<p:sldLayout xmlns:a="http://schemas.openxmlformats.org/drawingml/2006/main" xmlns:r="http://schemas.openxmlformats.org/officeDocument/2006/relationships" xmlns:p="http://schemas.openxmlformats.org/presentationml/2006/main" preserve="1" userDrawn="1">
+  <p:cSld name="Tittellysbilde">
+    <p:spTree>
+      <p:nvGrpSpPr>
+        <p:cNvPr id="1" name=""/>
+        <p:cNvGrpSpPr/>
+        <p:nvPr/>
+      </p:nvGrpSpPr>
+      <p:grpSpPr>
+        <a:xfrm>
+          <a:off x="0" y="0"/>
+          <a:ext cx="0" cy="0"/>
+          <a:chOff x="0" y="0"/>
+          <a:chExt cx="0" cy="0"/>
+        </a:xfrm>
+      </p:grpSpPr>
+      <p:sp>
+        <p:nvSpPr>
+          <p:cNvPr id="2" name="Tittel 1"/>
+          <p:cNvSpPr>
+            <a:spLocks noGrp="1"/>
+          </p:cNvSpPr>
+          <p:nvPr>
+            <p:ph type="ctrTitle"/>
+          </p:nvPr>
+        </p:nvSpPr>
+        <p:spPr>
+          <a:xfrm>
+            <a:off x="998928" y="1503493"/>
+            <a:ext cx="4861733" cy="828104"/>
+          </a:xfrm>
+        </p:spPr>
+        <p:txBody>
+          <a:bodyPr anchor="ctr"/>
+          <a:lstStyle>
+            <a:lvl1pPr algn="ctr">
+              <a:defRPr sz="2600"/>
+            </a:lvl1pPr>
+          </a:lstStyle>
+          <a:p>
+            <a:r>
+              <a:rPr lang="nb-NO"/>
+              <a:t>Klikk for å redigere tittelstil</a:t>
+            </a:r>
+            <a:endParaRPr lang="nb-NO" dirty="0"/>
+          </a:p>
+        </p:txBody>
+      </p:sp>
+      <p:sp>
+        <p:nvSpPr>
+          <p:cNvPr id="3" name="Undertittel 2"/>
+          <p:cNvSpPr>
+            <a:spLocks noGrp="1"/>
+          </p:cNvSpPr>
+          <p:nvPr>
+            <p:ph type="subTitle" idx="1"/>
+          </p:nvPr>
+        </p:nvSpPr>
+        <p:spPr>
+          <a:xfrm>
+            <a:off x="998928" y="2513299"/>
+            <a:ext cx="4861733" cy="828104"/>
+          </a:xfrm>
+        </p:spPr>
+        <p:txBody>
+          <a:bodyPr anchor="ctr">
+            <a:noAutofit/>
+          </a:bodyPr>
+          <a:lstStyle>
+            <a:lvl1pPr marL="0" indent="0" algn="ctr">
+              <a:buNone/>
+              <a:defRPr sz="1700"/>
+            </a:lvl1pPr>
+            <a:lvl2pPr marL="342900" indent="0" algn="ctr">
+              <a:buNone/>
+              <a:defRPr sz="1500"/>
+            </a:lvl2pPr>
+            <a:lvl3pPr marL="685800" indent="0" algn="ctr">
+              <a:buNone/>
+              <a:defRPr sz="1350"/>
+            </a:lvl3pPr>
+            <a:lvl4pPr marL="1028700" indent="0" algn="ctr">
+              <a:buNone/>
+              <a:defRPr sz="1200"/>
+            </a:lvl4pPr>
+            <a:lvl5pPr marL="1371600" indent="0" algn="ctr">
+              <a:buNone/>
+              <a:defRPr sz="1200"/>
+            </a:lvl5pPr>
+            <a:lvl6pPr marL="1714500" indent="0" algn="ctr">
+              <a:buNone/>
+              <a:defRPr sz="1200"/>
+            </a:lvl6pPr>
+            <a:lvl7pPr marL="2057400" indent="0" algn="ctr">
+              <a:buNone/>
+              <a:defRPr sz="1200"/>
+            </a:lvl7pPr>
+            <a:lvl8pPr marL="2400300" indent="0" algn="ctr">
+              <a:buNone/>
+              <a:defRPr sz="1200"/>
+            </a:lvl8pPr>
+            <a:lvl9pPr marL="2743200" indent="0" algn="ctr">
+              <a:buNone/>
+              <a:defRPr sz="1200"/>
+            </a:lvl9pPr>
+          </a:lstStyle>
+          <a:p>
+            <a:r>
+              <a:rPr lang="nb-NO"/>
+              <a:t>Klikk for å redigere undertittelstil i malen</a:t>
+            </a:r>
+          </a:p>
+        </p:txBody>
+      </p:sp>
+      <p:sp>
+        <p:nvSpPr>
+          <p:cNvPr id="7" name="Plassholder for bunntekst 3"/>
+          <p:cNvSpPr>
+            <a:spLocks noGrp="1"/>
+          </p:cNvSpPr>
+          <p:nvPr>
+            <p:ph type="ftr" sz="quarter" idx="3"/>
+          </p:nvPr>
+        </p:nvSpPr>
+        <p:spPr>
+          <a:xfrm>
+            <a:off x="-768257" y="4889255"/>
+            <a:ext cx="744607" cy="230832"/>
+          </a:xfrm>
+          <a:prstGeom prst="rect">
+            <a:avLst/>
+          </a:prstGeom>
+        </p:spPr>
+        <p:txBody>
+          <a:bodyPr vert="horz" wrap="none" lIns="0" tIns="0" rIns="0" bIns="0" rtlCol="0" anchor="ctr">
+            <a:noAutofit/>
+          </a:bodyPr>
+          <a:lstStyle>
+            <a:lvl1pPr algn="r">
+              <a:defRPr sz="1000">
+                <a:solidFill>
+                  <a:schemeClr val="tx1"/>
+                </a:solidFill>
+              </a:defRPr>
+            </a:lvl1pPr>
+          </a:lstStyle>
+          <a:p>
+            <a:r>
+              <a:rPr lang="nb-NO"/>
+              <a:t>Rullende tekst settes inn via "Sett inn -&gt; Topptekst og bunntekst"</a:t>
+            </a:r>
+            <a:endParaRPr lang="nb-NO" dirty="0"/>
+          </a:p>
+        </p:txBody>
+      </p:sp>
+    </p:spTree>
+    <p:extLst>
+      <p:ext uri="{BB962C8B-B14F-4D97-AF65-F5344CB8AC3E}">
+        <p14:creationId xmlns:p14="http://schemas.microsoft.com/office/powerpoint/2010/main" val="3721000100"/>
+      </p:ext>
+    </p:extLst>
+  </p:cSld>
+  <p:clrMapOvr>
+    <a:masterClrMapping/>
+  </p:clrMapOvr>
+  <p:transition spd="slow" advClick="0" advTm="10000">
+    <p:fade/>
+  </p:transition>
+  <p:timing>
+    <p:tnLst>
+      <p:par>
+        <p:cTn id="1" dur="indefinite" restart="never" nodeType="tmRoot">
+          <p:childTnLst>
+            <p:seq concurrent="1" nextAc="seek">
+              <p:cTn id="2" dur="indefinite" nodeType="mainSeq">
+                <p:childTnLst>
+                  <p:par>
+                    <p:cTn id="3" fill="hold">
+                      <p:stCondLst>
+                        <p:cond delay="indefinite"/>
+                        <p:cond evt="onBegin" delay="0">
+                          <p:tn val="2"/>
+                        </p:cond>
+                      </p:stCondLst>
+                      <p:childTnLst>
+                        <p:par>
+                          <p:cTn id="4" fill="hold">
+                            <p:stCondLst>
+                              <p:cond delay="0"/>
+                            </p:stCondLst>
+                            <p:childTnLst>
+                              <p:par>
+                                <p:cTn id="5" presetID="2" presetClass="entr" presetSubtype="2" repeatCount="indefinite" fill="hold" grpId="0" nodeType="afterEffect" nodePh="1">
+                                  <p:stCondLst>
+                                    <p:cond delay="0"/>
+                                  </p:stCondLst>
+                                  <p:endCondLst>
+                                    <p:cond evt="begin" delay="0">
+                                      <p:tn val="5"/>
+                                    </p:cond>
+                                  </p:endCondLst>
+                                  <p:childTnLst>
+                                    <p:set>
+                                      <p:cBhvr>
+                                        <p:cTn id="6" dur="1" fill="hold">
+                                          <p:stCondLst>
+                                            <p:cond delay="0"/>
+                                          </p:stCondLst>
+                                        </p:cTn>
+                                        <p:tgtEl>
+                                          <p:spTgt spid="7"/>
+                                        </p:tgtEl>
+                                        <p:attrNameLst>
+                                          <p:attrName>style.visibility</p:attrName>
+                                        </p:attrNameLst>
+                                      </p:cBhvr>
+                                      <p:to>
+                                        <p:strVal val="visible"/>
+                                      </p:to>
+                                    </p:set>
+                                    <p:anim calcmode="lin" valueType="num">
+                                      <p:cBhvr additive="base">
+                                        <p:cTn id="7" dur="10000" fill="hold"/>
+                                        <p:tgtEl>
+                                          <p:spTgt spid="7"/>
+                                        </p:tgtEl>
+                                        <p:attrNameLst>
+                                          <p:attrName>ppt_x</p:attrName>
+                                        </p:attrNameLst>
+                                      </p:cBhvr>
+                                      <p:tavLst>
+                                        <p:tav tm="0">
+                                          <p:val>
+                                            <p:strVal val="1+#ppt_w/2"/>
+                                          </p:val>
+                                        </p:tav>
+                                        <p:tav tm="100000">
+                                          <p:val>
+                                            <p:strVal val="#ppt_x"/>
+                                          </p:val>
+                                        </p:tav>
+                                      </p:tavLst>
+                                    </p:anim>
+                                    <p:anim calcmode="lin" valueType="num">
+                                      <p:cBhvr additive="base">
+                                        <p:cTn id="8" dur="10000" fill="hold"/>
+                                        <p:tgtEl>
+                                          <p:spTgt spid="7"/>
+                                        </p:tgtEl>
+                                        <p:attrNameLst>
+                                          <p:attrName>ppt_y</p:attrName>
+                                        </p:attrNameLst>
+                                      </p:cBhvr>
+                                      <p:tavLst>
+                                        <p:tav tm="0">
+                                          <p:val>
+                                            <p:strVal val="#ppt_y"/>
+                                          </p:val>
+                                        </p:tav>
+                                        <p:tav tm="100000">
+                                          <p:val>
+                                            <p:strVal val="#ppt_y"/>
+                                          </p:val>
+                                        </p:tav>
+                                      </p:tavLst>
+                                    </p:anim>
+                                  </p:childTnLst>
+                                </p:cTn>
+                              </p:par>
+                            </p:childTnLst>
+                          </p:cTn>
+                        </p:par>
+                      </p:childTnLst>
+                    </p:cTn>
+                  </p:par>
+                </p:childTnLst>
+              </p:cTn>
+              <p:prevCondLst>
+                <p:cond evt="onPrev" delay="0">
+                  <p:tgtEl>
+                    <p:sldTgt/>
+                  </p:tgtEl>
+                </p:cond>
+              </p:prevCondLst>
+              <p:nextCondLst>
+                <p:cond evt="onNext" delay="0">
+                  <p:tgtEl>
+                    <p:sldTgt/>
+                  </p:tgtEl>
+                </p:cond>
+              </p:nextCondLst>
+            </p:seq>
+          </p:childTnLst>
+        </p:cTn>
+      </p:par>
+    </p:tnLst>
+    <p:bldLst>
+      <p:bldP spid="7" grpId="0"/>
+    </p:bldLst>
+  </p:timing>
+</p:sldLayout>
+</file>
+
+<file path=ppt/slideLayouts/slideLayout28.xml><?xml version="1.0" encoding="utf-8"?>
+<p:sldLayout xmlns:a="http://schemas.openxmlformats.org/drawingml/2006/main" xmlns:r="http://schemas.openxmlformats.org/officeDocument/2006/relationships" xmlns:p="http://schemas.openxmlformats.org/presentationml/2006/main" type="titleOnly" preserve="1">
+  <p:cSld name="Bare tittel">
+    <p:spTree>
+      <p:nvGrpSpPr>
+        <p:cNvPr id="1" name=""/>
+        <p:cNvGrpSpPr/>
+        <p:nvPr/>
+      </p:nvGrpSpPr>
+      <p:grpSpPr>
+        <a:xfrm>
+          <a:off x="0" y="0"/>
+          <a:ext cx="0" cy="0"/>
+          <a:chOff x="0" y="0"/>
+          <a:chExt cx="0" cy="0"/>
+        </a:xfrm>
+      </p:grpSpPr>
+      <p:sp>
+        <p:nvSpPr>
+          <p:cNvPr id="2" name="Tittel 1"/>
+          <p:cNvSpPr>
+            <a:spLocks noGrp="1"/>
+          </p:cNvSpPr>
+          <p:nvPr>
+            <p:ph type="title"/>
+          </p:nvPr>
+        </p:nvSpPr>
+        <p:spPr/>
+        <p:txBody>
+          <a:bodyPr/>
+          <a:lstStyle/>
+          <a:p>
+            <a:r>
+              <a:rPr lang="nb-NO"/>
+              <a:t>Klikk for å redigere tittelstil</a:t>
+            </a:r>
+          </a:p>
+        </p:txBody>
+      </p:sp>
+      <p:sp>
+        <p:nvSpPr>
+          <p:cNvPr id="8" name="Plassholder for bunntekst 3"/>
+          <p:cNvSpPr>
+            <a:spLocks noGrp="1"/>
+          </p:cNvSpPr>
+          <p:nvPr>
+            <p:ph type="ftr" sz="quarter" idx="3"/>
+          </p:nvPr>
+        </p:nvSpPr>
+        <p:spPr>
+          <a:xfrm>
+            <a:off x="-768257" y="4889255"/>
+            <a:ext cx="744607" cy="230832"/>
+          </a:xfrm>
+          <a:prstGeom prst="rect">
+            <a:avLst/>
+          </a:prstGeom>
+        </p:spPr>
+        <p:txBody>
+          <a:bodyPr vert="horz" wrap="none" lIns="0" tIns="0" rIns="0" bIns="0" rtlCol="0" anchor="ctr">
+            <a:noAutofit/>
+          </a:bodyPr>
+          <a:lstStyle>
+            <a:lvl1pPr algn="r">
+              <a:defRPr sz="1000">
+                <a:solidFill>
+                  <a:schemeClr val="tx1"/>
+                </a:solidFill>
+              </a:defRPr>
+            </a:lvl1pPr>
+          </a:lstStyle>
+          <a:p>
+            <a:r>
+              <a:rPr lang="nb-NO"/>
+              <a:t>Rullende tekst settes inn via "Sett inn -&gt; Topptekst og bunntekst"</a:t>
+            </a:r>
+            <a:endParaRPr lang="nb-NO" dirty="0"/>
+          </a:p>
+        </p:txBody>
+      </p:sp>
+    </p:spTree>
+    <p:extLst>
+      <p:ext uri="{BB962C8B-B14F-4D97-AF65-F5344CB8AC3E}">
+        <p14:creationId xmlns:p14="http://schemas.microsoft.com/office/powerpoint/2010/main" val="3271449504"/>
+      </p:ext>
+    </p:extLst>
+  </p:cSld>
+  <p:clrMapOvr>
+    <a:masterClrMapping/>
+  </p:clrMapOvr>
+  <p:transition spd="slow" advClick="0" advTm="10000">
+    <p:fade/>
+  </p:transition>
+  <p:timing>
+    <p:tnLst>
+      <p:par>
+        <p:cTn id="1" dur="indefinite" restart="never" nodeType="tmRoot">
+          <p:childTnLst>
+            <p:seq concurrent="1" nextAc="seek">
+              <p:cTn id="2" dur="indefinite" nodeType="mainSeq">
+                <p:childTnLst>
+                  <p:par>
+                    <p:cTn id="3" fill="hold">
+                      <p:stCondLst>
+                        <p:cond delay="indefinite"/>
+                        <p:cond evt="onBegin" delay="0">
+                          <p:tn val="2"/>
+                        </p:cond>
+                      </p:stCondLst>
+                      <p:childTnLst>
+                        <p:par>
+                          <p:cTn id="4" fill="hold">
+                            <p:stCondLst>
+                              <p:cond delay="0"/>
+                            </p:stCondLst>
+                            <p:childTnLst>
+                              <p:par>
+                                <p:cTn id="5" presetID="2" presetClass="entr" presetSubtype="2" repeatCount="indefinite" fill="hold" grpId="0" nodeType="afterEffect" nodePh="1">
+                                  <p:stCondLst>
+                                    <p:cond delay="0"/>
+                                  </p:stCondLst>
+                                  <p:endCondLst>
+                                    <p:cond evt="begin" delay="0">
+                                      <p:tn val="5"/>
+                                    </p:cond>
+                                  </p:endCondLst>
+                                  <p:childTnLst>
+                                    <p:set>
+                                      <p:cBhvr>
+                                        <p:cTn id="6" dur="1" fill="hold">
+                                          <p:stCondLst>
+                                            <p:cond delay="0"/>
+                                          </p:stCondLst>
+                                        </p:cTn>
+                                        <p:tgtEl>
+                                          <p:spTgt spid="8"/>
+                                        </p:tgtEl>
+                                        <p:attrNameLst>
+                                          <p:attrName>style.visibility</p:attrName>
+                                        </p:attrNameLst>
+                                      </p:cBhvr>
+                                      <p:to>
+                                        <p:strVal val="visible"/>
+                                      </p:to>
+                                    </p:set>
+                                    <p:anim calcmode="lin" valueType="num">
+                                      <p:cBhvr additive="base">
+                                        <p:cTn id="7" dur="10000" fill="hold"/>
+                                        <p:tgtEl>
+                                          <p:spTgt spid="8"/>
+                                        </p:tgtEl>
+                                        <p:attrNameLst>
+                                          <p:attrName>ppt_x</p:attrName>
+                                        </p:attrNameLst>
+                                      </p:cBhvr>
+                                      <p:tavLst>
+                                        <p:tav tm="0">
+                                          <p:val>
+                                            <p:strVal val="1+#ppt_w/2"/>
+                                          </p:val>
+                                        </p:tav>
+                                        <p:tav tm="100000">
+                                          <p:val>
+                                            <p:strVal val="#ppt_x"/>
+                                          </p:val>
+                                        </p:tav>
+                                      </p:tavLst>
+                                    </p:anim>
+                                    <p:anim calcmode="lin" valueType="num">
+                                      <p:cBhvr additive="base">
+                                        <p:cTn id="8" dur="10000" fill="hold"/>
+                                        <p:tgtEl>
+                                          <p:spTgt spid="8"/>
+                                        </p:tgtEl>
+                                        <p:attrNameLst>
+                                          <p:attrName>ppt_y</p:attrName>
+                                        </p:attrNameLst>
+                                      </p:cBhvr>
+                                      <p:tavLst>
+                                        <p:tav tm="0">
+                                          <p:val>
+                                            <p:strVal val="#ppt_y"/>
+                                          </p:val>
+                                        </p:tav>
+                                        <p:tav tm="100000">
+                                          <p:val>
+                                            <p:strVal val="#ppt_y"/>
+                                          </p:val>
+                                        </p:tav>
+                                      </p:tavLst>
+                                    </p:anim>
+                                  </p:childTnLst>
+                                </p:cTn>
+                              </p:par>
+                            </p:childTnLst>
+                          </p:cTn>
+                        </p:par>
+                      </p:childTnLst>
+                    </p:cTn>
+                  </p:par>
+                </p:childTnLst>
+              </p:cTn>
+              <p:prevCondLst>
+                <p:cond evt="onPrev" delay="0">
+                  <p:tgtEl>
+                    <p:sldTgt/>
+                  </p:tgtEl>
+                </p:cond>
+              </p:prevCondLst>
+              <p:nextCondLst>
+                <p:cond evt="onNext" delay="0">
+                  <p:tgtEl>
+                    <p:sldTgt/>
+                  </p:tgtEl>
+                </p:cond>
+              </p:nextCondLst>
+            </p:seq>
+          </p:childTnLst>
+        </p:cTn>
+      </p:par>
+    </p:tnLst>
+    <p:bldLst>
+      <p:bldP spid="8" grpId="0"/>
+    </p:bldLst>
+  </p:timing>
+</p:sldLayout>
+</file>
+
+<file path=ppt/slideLayouts/slideLayout29.xml><?xml version="1.0" encoding="utf-8"?>
+<p:sldLayout xmlns:a="http://schemas.openxmlformats.org/drawingml/2006/main" xmlns:r="http://schemas.openxmlformats.org/officeDocument/2006/relationships" xmlns:p="http://schemas.openxmlformats.org/presentationml/2006/main" type="blank" preserve="1">
+  <p:cSld name="Tomt">
+    <p:spTree>
+      <p:nvGrpSpPr>
+        <p:cNvPr id="1" name=""/>
+        <p:cNvGrpSpPr/>
+        <p:nvPr/>
+      </p:nvGrpSpPr>
+      <p:grpSpPr>
+        <a:xfrm>
+          <a:off x="0" y="0"/>
+          <a:ext cx="0" cy="0"/>
+          <a:chOff x="0" y="0"/>
+          <a:chExt cx="0" cy="0"/>
+        </a:xfrm>
+      </p:grpSpPr>
+      <p:sp>
+        <p:nvSpPr>
+          <p:cNvPr id="7" name="Plassholder for bunntekst 3"/>
+          <p:cNvSpPr>
+            <a:spLocks noGrp="1"/>
+          </p:cNvSpPr>
+          <p:nvPr>
+            <p:ph type="ftr" sz="quarter" idx="3"/>
+          </p:nvPr>
+        </p:nvSpPr>
+        <p:spPr>
+          <a:xfrm>
+            <a:off x="-768257" y="4889255"/>
+            <a:ext cx="744607" cy="230832"/>
+          </a:xfrm>
+          <a:prstGeom prst="rect">
+            <a:avLst/>
+          </a:prstGeom>
+        </p:spPr>
+        <p:txBody>
+          <a:bodyPr vert="horz" wrap="none" lIns="0" tIns="0" rIns="0" bIns="0" rtlCol="0" anchor="ctr">
+            <a:noAutofit/>
+          </a:bodyPr>
+          <a:lstStyle>
+            <a:lvl1pPr algn="r">
+              <a:defRPr sz="1000">
+                <a:solidFill>
+                  <a:schemeClr val="tx1"/>
+                </a:solidFill>
+              </a:defRPr>
+            </a:lvl1pPr>
+          </a:lstStyle>
+          <a:p>
+            <a:r>
+              <a:rPr lang="nb-NO"/>
+              <a:t>Rullende tekst settes inn via "Sett inn -&gt; Topptekst og bunntekst"</a:t>
+            </a:r>
+            <a:endParaRPr lang="nb-NO" dirty="0"/>
+          </a:p>
+        </p:txBody>
+      </p:sp>
+    </p:spTree>
+    <p:extLst>
+      <p:ext uri="{BB962C8B-B14F-4D97-AF65-F5344CB8AC3E}">
+        <p14:creationId xmlns:p14="http://schemas.microsoft.com/office/powerpoint/2010/main" val="2025722554"/>
       </p:ext>
     </p:extLst>
   </p:cSld>
@@ -3555,7 +5618,7 @@
         <p:spPr>
           <a:xfrm>
             <a:off x="1086608" y="0"/>
-            <a:ext cx="2395068" cy="5145088"/>
+            <a:ext cx="2249567" cy="5145088"/>
           </a:xfrm>
           <a:blipFill>
             <a:blip r:embed="rId3">
@@ -3582,7 +5645,10 @@
           </a:lstStyle>
           <a:p>
             <a:pPr lvl="0"/>
-            <a:endParaRPr lang="nb-NO" noProof="0" dirty="0"/>
+            <a:r>
+              <a:rPr lang="nb-NO" noProof="0"/>
+              <a:t>Klikk for å redigere tekststiler i malen</a:t>
+            </a:r>
           </a:p>
         </p:txBody>
       </p:sp>
@@ -3596,6 +5662,1482 @@
   <p:clrMapOvr>
     <a:masterClrMapping/>
   </p:clrMapOvr>
+</p:sldLayout>
+</file>
+
+<file path=ppt/slideLayouts/slideLayout30.xml><?xml version="1.0" encoding="utf-8"?>
+<p:sldLayout xmlns:a="http://schemas.openxmlformats.org/drawingml/2006/main" xmlns:r="http://schemas.openxmlformats.org/officeDocument/2006/relationships" xmlns:p="http://schemas.openxmlformats.org/presentationml/2006/main" preserve="1" userDrawn="1">
+  <p:cSld name="Tittellysbilde">
+    <p:spTree>
+      <p:nvGrpSpPr>
+        <p:cNvPr id="1" name=""/>
+        <p:cNvGrpSpPr/>
+        <p:nvPr/>
+      </p:nvGrpSpPr>
+      <p:grpSpPr>
+        <a:xfrm>
+          <a:off x="0" y="0"/>
+          <a:ext cx="0" cy="0"/>
+          <a:chOff x="0" y="0"/>
+          <a:chExt cx="0" cy="0"/>
+        </a:xfrm>
+      </p:grpSpPr>
+      <p:sp>
+        <p:nvSpPr>
+          <p:cNvPr id="2" name="Tittel 1"/>
+          <p:cNvSpPr>
+            <a:spLocks noGrp="1"/>
+          </p:cNvSpPr>
+          <p:nvPr>
+            <p:ph type="ctrTitle"/>
+          </p:nvPr>
+        </p:nvSpPr>
+        <p:spPr>
+          <a:xfrm>
+            <a:off x="998928" y="1503493"/>
+            <a:ext cx="4861733" cy="828104"/>
+          </a:xfrm>
+        </p:spPr>
+        <p:txBody>
+          <a:bodyPr anchor="ctr"/>
+          <a:lstStyle>
+            <a:lvl1pPr algn="ctr">
+              <a:defRPr sz="2600"/>
+            </a:lvl1pPr>
+          </a:lstStyle>
+          <a:p>
+            <a:r>
+              <a:rPr lang="nb-NO"/>
+              <a:t>Klikk for å redigere tittelstil</a:t>
+            </a:r>
+            <a:endParaRPr lang="nb-NO" dirty="0"/>
+          </a:p>
+        </p:txBody>
+      </p:sp>
+      <p:sp>
+        <p:nvSpPr>
+          <p:cNvPr id="3" name="Undertittel 2"/>
+          <p:cNvSpPr>
+            <a:spLocks noGrp="1"/>
+          </p:cNvSpPr>
+          <p:nvPr>
+            <p:ph type="subTitle" idx="1"/>
+          </p:nvPr>
+        </p:nvSpPr>
+        <p:spPr>
+          <a:xfrm>
+            <a:off x="998928" y="2513299"/>
+            <a:ext cx="4861733" cy="828104"/>
+          </a:xfrm>
+        </p:spPr>
+        <p:txBody>
+          <a:bodyPr anchor="ctr">
+            <a:noAutofit/>
+          </a:bodyPr>
+          <a:lstStyle>
+            <a:lvl1pPr marL="0" indent="0" algn="ctr">
+              <a:buNone/>
+              <a:defRPr sz="1700"/>
+            </a:lvl1pPr>
+            <a:lvl2pPr marL="342900" indent="0" algn="ctr">
+              <a:buNone/>
+              <a:defRPr sz="1500"/>
+            </a:lvl2pPr>
+            <a:lvl3pPr marL="685800" indent="0" algn="ctr">
+              <a:buNone/>
+              <a:defRPr sz="1350"/>
+            </a:lvl3pPr>
+            <a:lvl4pPr marL="1028700" indent="0" algn="ctr">
+              <a:buNone/>
+              <a:defRPr sz="1200"/>
+            </a:lvl4pPr>
+            <a:lvl5pPr marL="1371600" indent="0" algn="ctr">
+              <a:buNone/>
+              <a:defRPr sz="1200"/>
+            </a:lvl5pPr>
+            <a:lvl6pPr marL="1714500" indent="0" algn="ctr">
+              <a:buNone/>
+              <a:defRPr sz="1200"/>
+            </a:lvl6pPr>
+            <a:lvl7pPr marL="2057400" indent="0" algn="ctr">
+              <a:buNone/>
+              <a:defRPr sz="1200"/>
+            </a:lvl7pPr>
+            <a:lvl8pPr marL="2400300" indent="0" algn="ctr">
+              <a:buNone/>
+              <a:defRPr sz="1200"/>
+            </a:lvl8pPr>
+            <a:lvl9pPr marL="2743200" indent="0" algn="ctr">
+              <a:buNone/>
+              <a:defRPr sz="1200"/>
+            </a:lvl9pPr>
+          </a:lstStyle>
+          <a:p>
+            <a:r>
+              <a:rPr lang="nb-NO"/>
+              <a:t>Klikk for å redigere undertittelstil i malen</a:t>
+            </a:r>
+          </a:p>
+        </p:txBody>
+      </p:sp>
+      <p:sp>
+        <p:nvSpPr>
+          <p:cNvPr id="7" name="Plassholder for bunntekst 3"/>
+          <p:cNvSpPr>
+            <a:spLocks noGrp="1"/>
+          </p:cNvSpPr>
+          <p:nvPr>
+            <p:ph type="ftr" sz="quarter" idx="3"/>
+          </p:nvPr>
+        </p:nvSpPr>
+        <p:spPr>
+          <a:xfrm>
+            <a:off x="-768257" y="4889255"/>
+            <a:ext cx="744607" cy="230832"/>
+          </a:xfrm>
+          <a:prstGeom prst="rect">
+            <a:avLst/>
+          </a:prstGeom>
+        </p:spPr>
+        <p:txBody>
+          <a:bodyPr vert="horz" wrap="none" lIns="0" tIns="0" rIns="0" bIns="0" rtlCol="0" anchor="ctr">
+            <a:noAutofit/>
+          </a:bodyPr>
+          <a:lstStyle>
+            <a:lvl1pPr algn="r">
+              <a:defRPr sz="1000">
+                <a:solidFill>
+                  <a:schemeClr val="tx1"/>
+                </a:solidFill>
+              </a:defRPr>
+            </a:lvl1pPr>
+          </a:lstStyle>
+          <a:p>
+            <a:r>
+              <a:rPr lang="nb-NO"/>
+              <a:t>Rullende tekst settes inn via "Sett inn -&gt; Topptekst og bunntekst"</a:t>
+            </a:r>
+            <a:endParaRPr lang="nb-NO" dirty="0"/>
+          </a:p>
+        </p:txBody>
+      </p:sp>
+    </p:spTree>
+    <p:extLst>
+      <p:ext uri="{BB962C8B-B14F-4D97-AF65-F5344CB8AC3E}">
+        <p14:creationId xmlns:p14="http://schemas.microsoft.com/office/powerpoint/2010/main" val="2594992683"/>
+      </p:ext>
+    </p:extLst>
+  </p:cSld>
+  <p:clrMapOvr>
+    <a:masterClrMapping/>
+  </p:clrMapOvr>
+  <p:transition spd="slow" advClick="0" advTm="10000">
+    <p:fade/>
+  </p:transition>
+  <p:timing>
+    <p:tnLst>
+      <p:par>
+        <p:cTn id="1" dur="indefinite" restart="never" nodeType="tmRoot">
+          <p:childTnLst>
+            <p:seq concurrent="1" nextAc="seek">
+              <p:cTn id="2" dur="indefinite" nodeType="mainSeq">
+                <p:childTnLst>
+                  <p:par>
+                    <p:cTn id="3" fill="hold">
+                      <p:stCondLst>
+                        <p:cond delay="indefinite"/>
+                        <p:cond evt="onBegin" delay="0">
+                          <p:tn val="2"/>
+                        </p:cond>
+                      </p:stCondLst>
+                      <p:childTnLst>
+                        <p:par>
+                          <p:cTn id="4" fill="hold">
+                            <p:stCondLst>
+                              <p:cond delay="0"/>
+                            </p:stCondLst>
+                            <p:childTnLst>
+                              <p:par>
+                                <p:cTn id="5" presetID="2" presetClass="entr" presetSubtype="2" repeatCount="indefinite" fill="hold" grpId="0" nodeType="afterEffect" nodePh="1">
+                                  <p:stCondLst>
+                                    <p:cond delay="0"/>
+                                  </p:stCondLst>
+                                  <p:endCondLst>
+                                    <p:cond evt="begin" delay="0">
+                                      <p:tn val="5"/>
+                                    </p:cond>
+                                  </p:endCondLst>
+                                  <p:childTnLst>
+                                    <p:set>
+                                      <p:cBhvr>
+                                        <p:cTn id="6" dur="1" fill="hold">
+                                          <p:stCondLst>
+                                            <p:cond delay="0"/>
+                                          </p:stCondLst>
+                                        </p:cTn>
+                                        <p:tgtEl>
+                                          <p:spTgt spid="7"/>
+                                        </p:tgtEl>
+                                        <p:attrNameLst>
+                                          <p:attrName>style.visibility</p:attrName>
+                                        </p:attrNameLst>
+                                      </p:cBhvr>
+                                      <p:to>
+                                        <p:strVal val="visible"/>
+                                      </p:to>
+                                    </p:set>
+                                    <p:anim calcmode="lin" valueType="num">
+                                      <p:cBhvr additive="base">
+                                        <p:cTn id="7" dur="10000" fill="hold"/>
+                                        <p:tgtEl>
+                                          <p:spTgt spid="7"/>
+                                        </p:tgtEl>
+                                        <p:attrNameLst>
+                                          <p:attrName>ppt_x</p:attrName>
+                                        </p:attrNameLst>
+                                      </p:cBhvr>
+                                      <p:tavLst>
+                                        <p:tav tm="0">
+                                          <p:val>
+                                            <p:strVal val="1+#ppt_w/2"/>
+                                          </p:val>
+                                        </p:tav>
+                                        <p:tav tm="100000">
+                                          <p:val>
+                                            <p:strVal val="#ppt_x"/>
+                                          </p:val>
+                                        </p:tav>
+                                      </p:tavLst>
+                                    </p:anim>
+                                    <p:anim calcmode="lin" valueType="num">
+                                      <p:cBhvr additive="base">
+                                        <p:cTn id="8" dur="10000" fill="hold"/>
+                                        <p:tgtEl>
+                                          <p:spTgt spid="7"/>
+                                        </p:tgtEl>
+                                        <p:attrNameLst>
+                                          <p:attrName>ppt_y</p:attrName>
+                                        </p:attrNameLst>
+                                      </p:cBhvr>
+                                      <p:tavLst>
+                                        <p:tav tm="0">
+                                          <p:val>
+                                            <p:strVal val="#ppt_y"/>
+                                          </p:val>
+                                        </p:tav>
+                                        <p:tav tm="100000">
+                                          <p:val>
+                                            <p:strVal val="#ppt_y"/>
+                                          </p:val>
+                                        </p:tav>
+                                      </p:tavLst>
+                                    </p:anim>
+                                  </p:childTnLst>
+                                </p:cTn>
+                              </p:par>
+                            </p:childTnLst>
+                          </p:cTn>
+                        </p:par>
+                      </p:childTnLst>
+                    </p:cTn>
+                  </p:par>
+                </p:childTnLst>
+              </p:cTn>
+              <p:prevCondLst>
+                <p:cond evt="onPrev" delay="0">
+                  <p:tgtEl>
+                    <p:sldTgt/>
+                  </p:tgtEl>
+                </p:cond>
+              </p:prevCondLst>
+              <p:nextCondLst>
+                <p:cond evt="onNext" delay="0">
+                  <p:tgtEl>
+                    <p:sldTgt/>
+                  </p:tgtEl>
+                </p:cond>
+              </p:nextCondLst>
+            </p:seq>
+          </p:childTnLst>
+        </p:cTn>
+      </p:par>
+    </p:tnLst>
+    <p:bldLst>
+      <p:bldP spid="7" grpId="0"/>
+    </p:bldLst>
+  </p:timing>
+</p:sldLayout>
+</file>
+
+<file path=ppt/slideLayouts/slideLayout31.xml><?xml version="1.0" encoding="utf-8"?>
+<p:sldLayout xmlns:a="http://schemas.openxmlformats.org/drawingml/2006/main" xmlns:r="http://schemas.openxmlformats.org/officeDocument/2006/relationships" xmlns:p="http://schemas.openxmlformats.org/presentationml/2006/main" type="titleOnly" preserve="1">
+  <p:cSld name="Bare tittel">
+    <p:spTree>
+      <p:nvGrpSpPr>
+        <p:cNvPr id="1" name=""/>
+        <p:cNvGrpSpPr/>
+        <p:nvPr/>
+      </p:nvGrpSpPr>
+      <p:grpSpPr>
+        <a:xfrm>
+          <a:off x="0" y="0"/>
+          <a:ext cx="0" cy="0"/>
+          <a:chOff x="0" y="0"/>
+          <a:chExt cx="0" cy="0"/>
+        </a:xfrm>
+      </p:grpSpPr>
+      <p:sp>
+        <p:nvSpPr>
+          <p:cNvPr id="2" name="Tittel 1"/>
+          <p:cNvSpPr>
+            <a:spLocks noGrp="1"/>
+          </p:cNvSpPr>
+          <p:nvPr>
+            <p:ph type="title"/>
+          </p:nvPr>
+        </p:nvSpPr>
+        <p:spPr/>
+        <p:txBody>
+          <a:bodyPr/>
+          <a:lstStyle/>
+          <a:p>
+            <a:r>
+              <a:rPr lang="nb-NO"/>
+              <a:t>Klikk for å redigere tittelstil</a:t>
+            </a:r>
+          </a:p>
+        </p:txBody>
+      </p:sp>
+      <p:sp>
+        <p:nvSpPr>
+          <p:cNvPr id="8" name="Plassholder for bunntekst 3"/>
+          <p:cNvSpPr>
+            <a:spLocks noGrp="1"/>
+          </p:cNvSpPr>
+          <p:nvPr>
+            <p:ph type="ftr" sz="quarter" idx="3"/>
+          </p:nvPr>
+        </p:nvSpPr>
+        <p:spPr>
+          <a:xfrm>
+            <a:off x="-768257" y="4889255"/>
+            <a:ext cx="744607" cy="230832"/>
+          </a:xfrm>
+          <a:prstGeom prst="rect">
+            <a:avLst/>
+          </a:prstGeom>
+        </p:spPr>
+        <p:txBody>
+          <a:bodyPr vert="horz" wrap="none" lIns="0" tIns="0" rIns="0" bIns="0" rtlCol="0" anchor="ctr">
+            <a:noAutofit/>
+          </a:bodyPr>
+          <a:lstStyle>
+            <a:lvl1pPr algn="r">
+              <a:defRPr sz="1000">
+                <a:solidFill>
+                  <a:schemeClr val="tx1"/>
+                </a:solidFill>
+              </a:defRPr>
+            </a:lvl1pPr>
+          </a:lstStyle>
+          <a:p>
+            <a:r>
+              <a:rPr lang="nb-NO"/>
+              <a:t>Rullende tekst settes inn via "Sett inn -&gt; Topptekst og bunntekst"</a:t>
+            </a:r>
+            <a:endParaRPr lang="nb-NO" dirty="0"/>
+          </a:p>
+        </p:txBody>
+      </p:sp>
+    </p:spTree>
+    <p:extLst>
+      <p:ext uri="{BB962C8B-B14F-4D97-AF65-F5344CB8AC3E}">
+        <p14:creationId xmlns:p14="http://schemas.microsoft.com/office/powerpoint/2010/main" val="2193145854"/>
+      </p:ext>
+    </p:extLst>
+  </p:cSld>
+  <p:clrMapOvr>
+    <a:masterClrMapping/>
+  </p:clrMapOvr>
+  <p:transition spd="slow" advClick="0" advTm="10000">
+    <p:fade/>
+  </p:transition>
+  <p:timing>
+    <p:tnLst>
+      <p:par>
+        <p:cTn id="1" dur="indefinite" restart="never" nodeType="tmRoot">
+          <p:childTnLst>
+            <p:seq concurrent="1" nextAc="seek">
+              <p:cTn id="2" dur="indefinite" nodeType="mainSeq">
+                <p:childTnLst>
+                  <p:par>
+                    <p:cTn id="3" fill="hold">
+                      <p:stCondLst>
+                        <p:cond delay="indefinite"/>
+                        <p:cond evt="onBegin" delay="0">
+                          <p:tn val="2"/>
+                        </p:cond>
+                      </p:stCondLst>
+                      <p:childTnLst>
+                        <p:par>
+                          <p:cTn id="4" fill="hold">
+                            <p:stCondLst>
+                              <p:cond delay="0"/>
+                            </p:stCondLst>
+                            <p:childTnLst>
+                              <p:par>
+                                <p:cTn id="5" presetID="2" presetClass="entr" presetSubtype="2" repeatCount="indefinite" fill="hold" grpId="0" nodeType="afterEffect" nodePh="1">
+                                  <p:stCondLst>
+                                    <p:cond delay="0"/>
+                                  </p:stCondLst>
+                                  <p:endCondLst>
+                                    <p:cond evt="begin" delay="0">
+                                      <p:tn val="5"/>
+                                    </p:cond>
+                                  </p:endCondLst>
+                                  <p:childTnLst>
+                                    <p:set>
+                                      <p:cBhvr>
+                                        <p:cTn id="6" dur="1" fill="hold">
+                                          <p:stCondLst>
+                                            <p:cond delay="0"/>
+                                          </p:stCondLst>
+                                        </p:cTn>
+                                        <p:tgtEl>
+                                          <p:spTgt spid="8"/>
+                                        </p:tgtEl>
+                                        <p:attrNameLst>
+                                          <p:attrName>style.visibility</p:attrName>
+                                        </p:attrNameLst>
+                                      </p:cBhvr>
+                                      <p:to>
+                                        <p:strVal val="visible"/>
+                                      </p:to>
+                                    </p:set>
+                                    <p:anim calcmode="lin" valueType="num">
+                                      <p:cBhvr additive="base">
+                                        <p:cTn id="7" dur="10000" fill="hold"/>
+                                        <p:tgtEl>
+                                          <p:spTgt spid="8"/>
+                                        </p:tgtEl>
+                                        <p:attrNameLst>
+                                          <p:attrName>ppt_x</p:attrName>
+                                        </p:attrNameLst>
+                                      </p:cBhvr>
+                                      <p:tavLst>
+                                        <p:tav tm="0">
+                                          <p:val>
+                                            <p:strVal val="1+#ppt_w/2"/>
+                                          </p:val>
+                                        </p:tav>
+                                        <p:tav tm="100000">
+                                          <p:val>
+                                            <p:strVal val="#ppt_x"/>
+                                          </p:val>
+                                        </p:tav>
+                                      </p:tavLst>
+                                    </p:anim>
+                                    <p:anim calcmode="lin" valueType="num">
+                                      <p:cBhvr additive="base">
+                                        <p:cTn id="8" dur="10000" fill="hold"/>
+                                        <p:tgtEl>
+                                          <p:spTgt spid="8"/>
+                                        </p:tgtEl>
+                                        <p:attrNameLst>
+                                          <p:attrName>ppt_y</p:attrName>
+                                        </p:attrNameLst>
+                                      </p:cBhvr>
+                                      <p:tavLst>
+                                        <p:tav tm="0">
+                                          <p:val>
+                                            <p:strVal val="#ppt_y"/>
+                                          </p:val>
+                                        </p:tav>
+                                        <p:tav tm="100000">
+                                          <p:val>
+                                            <p:strVal val="#ppt_y"/>
+                                          </p:val>
+                                        </p:tav>
+                                      </p:tavLst>
+                                    </p:anim>
+                                  </p:childTnLst>
+                                </p:cTn>
+                              </p:par>
+                            </p:childTnLst>
+                          </p:cTn>
+                        </p:par>
+                      </p:childTnLst>
+                    </p:cTn>
+                  </p:par>
+                </p:childTnLst>
+              </p:cTn>
+              <p:prevCondLst>
+                <p:cond evt="onPrev" delay="0">
+                  <p:tgtEl>
+                    <p:sldTgt/>
+                  </p:tgtEl>
+                </p:cond>
+              </p:prevCondLst>
+              <p:nextCondLst>
+                <p:cond evt="onNext" delay="0">
+                  <p:tgtEl>
+                    <p:sldTgt/>
+                  </p:tgtEl>
+                </p:cond>
+              </p:nextCondLst>
+            </p:seq>
+          </p:childTnLst>
+        </p:cTn>
+      </p:par>
+    </p:tnLst>
+    <p:bldLst>
+      <p:bldP spid="8" grpId="0"/>
+    </p:bldLst>
+  </p:timing>
+</p:sldLayout>
+</file>
+
+<file path=ppt/slideLayouts/slideLayout32.xml><?xml version="1.0" encoding="utf-8"?>
+<p:sldLayout xmlns:a="http://schemas.openxmlformats.org/drawingml/2006/main" xmlns:r="http://schemas.openxmlformats.org/officeDocument/2006/relationships" xmlns:p="http://schemas.openxmlformats.org/presentationml/2006/main" type="blank" preserve="1">
+  <p:cSld name="Tomt">
+    <p:spTree>
+      <p:nvGrpSpPr>
+        <p:cNvPr id="1" name=""/>
+        <p:cNvGrpSpPr/>
+        <p:nvPr/>
+      </p:nvGrpSpPr>
+      <p:grpSpPr>
+        <a:xfrm>
+          <a:off x="0" y="0"/>
+          <a:ext cx="0" cy="0"/>
+          <a:chOff x="0" y="0"/>
+          <a:chExt cx="0" cy="0"/>
+        </a:xfrm>
+      </p:grpSpPr>
+      <p:sp>
+        <p:nvSpPr>
+          <p:cNvPr id="7" name="Plassholder for bunntekst 3"/>
+          <p:cNvSpPr>
+            <a:spLocks noGrp="1"/>
+          </p:cNvSpPr>
+          <p:nvPr>
+            <p:ph type="ftr" sz="quarter" idx="3"/>
+          </p:nvPr>
+        </p:nvSpPr>
+        <p:spPr>
+          <a:xfrm>
+            <a:off x="-768257" y="4889255"/>
+            <a:ext cx="744607" cy="230832"/>
+          </a:xfrm>
+          <a:prstGeom prst="rect">
+            <a:avLst/>
+          </a:prstGeom>
+        </p:spPr>
+        <p:txBody>
+          <a:bodyPr vert="horz" wrap="none" lIns="0" tIns="0" rIns="0" bIns="0" rtlCol="0" anchor="ctr">
+            <a:noAutofit/>
+          </a:bodyPr>
+          <a:lstStyle>
+            <a:lvl1pPr algn="r">
+              <a:defRPr sz="1000">
+                <a:solidFill>
+                  <a:schemeClr val="tx1"/>
+                </a:solidFill>
+              </a:defRPr>
+            </a:lvl1pPr>
+          </a:lstStyle>
+          <a:p>
+            <a:r>
+              <a:rPr lang="nb-NO"/>
+              <a:t>Rullende tekst settes inn via "Sett inn -&gt; Topptekst og bunntekst"</a:t>
+            </a:r>
+            <a:endParaRPr lang="nb-NO" dirty="0"/>
+          </a:p>
+        </p:txBody>
+      </p:sp>
+    </p:spTree>
+    <p:extLst>
+      <p:ext uri="{BB962C8B-B14F-4D97-AF65-F5344CB8AC3E}">
+        <p14:creationId xmlns:p14="http://schemas.microsoft.com/office/powerpoint/2010/main" val="1343306891"/>
+      </p:ext>
+    </p:extLst>
+  </p:cSld>
+  <p:clrMapOvr>
+    <a:masterClrMapping/>
+  </p:clrMapOvr>
+  <p:transition spd="slow" advClick="0" advTm="10000">
+    <p:fade/>
+  </p:transition>
+  <p:timing>
+    <p:tnLst>
+      <p:par>
+        <p:cTn id="1" dur="indefinite" restart="never" nodeType="tmRoot">
+          <p:childTnLst>
+            <p:seq concurrent="1" nextAc="seek">
+              <p:cTn id="2" dur="indefinite" nodeType="mainSeq">
+                <p:childTnLst>
+                  <p:par>
+                    <p:cTn id="3" fill="hold">
+                      <p:stCondLst>
+                        <p:cond delay="indefinite"/>
+                        <p:cond evt="onBegin" delay="0">
+                          <p:tn val="2"/>
+                        </p:cond>
+                      </p:stCondLst>
+                      <p:childTnLst>
+                        <p:par>
+                          <p:cTn id="4" fill="hold">
+                            <p:stCondLst>
+                              <p:cond delay="0"/>
+                            </p:stCondLst>
+                            <p:childTnLst>
+                              <p:par>
+                                <p:cTn id="5" presetID="2" presetClass="entr" presetSubtype="2" repeatCount="indefinite" fill="hold" grpId="0" nodeType="afterEffect" nodePh="1">
+                                  <p:stCondLst>
+                                    <p:cond delay="0"/>
+                                  </p:stCondLst>
+                                  <p:endCondLst>
+                                    <p:cond evt="begin" delay="0">
+                                      <p:tn val="5"/>
+                                    </p:cond>
+                                  </p:endCondLst>
+                                  <p:childTnLst>
+                                    <p:set>
+                                      <p:cBhvr>
+                                        <p:cTn id="6" dur="1" fill="hold">
+                                          <p:stCondLst>
+                                            <p:cond delay="0"/>
+                                          </p:stCondLst>
+                                        </p:cTn>
+                                        <p:tgtEl>
+                                          <p:spTgt spid="7"/>
+                                        </p:tgtEl>
+                                        <p:attrNameLst>
+                                          <p:attrName>style.visibility</p:attrName>
+                                        </p:attrNameLst>
+                                      </p:cBhvr>
+                                      <p:to>
+                                        <p:strVal val="visible"/>
+                                      </p:to>
+                                    </p:set>
+                                    <p:anim calcmode="lin" valueType="num">
+                                      <p:cBhvr additive="base">
+                                        <p:cTn id="7" dur="10000" fill="hold"/>
+                                        <p:tgtEl>
+                                          <p:spTgt spid="7"/>
+                                        </p:tgtEl>
+                                        <p:attrNameLst>
+                                          <p:attrName>ppt_x</p:attrName>
+                                        </p:attrNameLst>
+                                      </p:cBhvr>
+                                      <p:tavLst>
+                                        <p:tav tm="0">
+                                          <p:val>
+                                            <p:strVal val="1+#ppt_w/2"/>
+                                          </p:val>
+                                        </p:tav>
+                                        <p:tav tm="100000">
+                                          <p:val>
+                                            <p:strVal val="#ppt_x"/>
+                                          </p:val>
+                                        </p:tav>
+                                      </p:tavLst>
+                                    </p:anim>
+                                    <p:anim calcmode="lin" valueType="num">
+                                      <p:cBhvr additive="base">
+                                        <p:cTn id="8" dur="10000" fill="hold"/>
+                                        <p:tgtEl>
+                                          <p:spTgt spid="7"/>
+                                        </p:tgtEl>
+                                        <p:attrNameLst>
+                                          <p:attrName>ppt_y</p:attrName>
+                                        </p:attrNameLst>
+                                      </p:cBhvr>
+                                      <p:tavLst>
+                                        <p:tav tm="0">
+                                          <p:val>
+                                            <p:strVal val="#ppt_y"/>
+                                          </p:val>
+                                        </p:tav>
+                                        <p:tav tm="100000">
+                                          <p:val>
+                                            <p:strVal val="#ppt_y"/>
+                                          </p:val>
+                                        </p:tav>
+                                      </p:tavLst>
+                                    </p:anim>
+                                  </p:childTnLst>
+                                </p:cTn>
+                              </p:par>
+                            </p:childTnLst>
+                          </p:cTn>
+                        </p:par>
+                      </p:childTnLst>
+                    </p:cTn>
+                  </p:par>
+                </p:childTnLst>
+              </p:cTn>
+              <p:prevCondLst>
+                <p:cond evt="onPrev" delay="0">
+                  <p:tgtEl>
+                    <p:sldTgt/>
+                  </p:tgtEl>
+                </p:cond>
+              </p:prevCondLst>
+              <p:nextCondLst>
+                <p:cond evt="onNext" delay="0">
+                  <p:tgtEl>
+                    <p:sldTgt/>
+                  </p:tgtEl>
+                </p:cond>
+              </p:nextCondLst>
+            </p:seq>
+          </p:childTnLst>
+        </p:cTn>
+      </p:par>
+    </p:tnLst>
+    <p:bldLst>
+      <p:bldP spid="7" grpId="0"/>
+    </p:bldLst>
+  </p:timing>
+</p:sldLayout>
+</file>
+
+<file path=ppt/slideLayouts/slideLayout33.xml><?xml version="1.0" encoding="utf-8"?>
+<p:sldLayout xmlns:a="http://schemas.openxmlformats.org/drawingml/2006/main" xmlns:r="http://schemas.openxmlformats.org/officeDocument/2006/relationships" xmlns:p="http://schemas.openxmlformats.org/presentationml/2006/main" preserve="1" userDrawn="1">
+  <p:cSld name="Tittellysbilde">
+    <p:spTree>
+      <p:nvGrpSpPr>
+        <p:cNvPr id="1" name=""/>
+        <p:cNvGrpSpPr/>
+        <p:nvPr/>
+      </p:nvGrpSpPr>
+      <p:grpSpPr>
+        <a:xfrm>
+          <a:off x="0" y="0"/>
+          <a:ext cx="0" cy="0"/>
+          <a:chOff x="0" y="0"/>
+          <a:chExt cx="0" cy="0"/>
+        </a:xfrm>
+      </p:grpSpPr>
+      <p:sp>
+        <p:nvSpPr>
+          <p:cNvPr id="2" name="Tittel 1"/>
+          <p:cNvSpPr>
+            <a:spLocks noGrp="1"/>
+          </p:cNvSpPr>
+          <p:nvPr>
+            <p:ph type="ctrTitle"/>
+          </p:nvPr>
+        </p:nvSpPr>
+        <p:spPr>
+          <a:xfrm>
+            <a:off x="998928" y="1503493"/>
+            <a:ext cx="4861733" cy="828104"/>
+          </a:xfrm>
+        </p:spPr>
+        <p:txBody>
+          <a:bodyPr anchor="ctr"/>
+          <a:lstStyle>
+            <a:lvl1pPr algn="ctr">
+              <a:defRPr sz="2600"/>
+            </a:lvl1pPr>
+          </a:lstStyle>
+          <a:p>
+            <a:r>
+              <a:rPr lang="nb-NO"/>
+              <a:t>Klikk for å redigere tittelstil</a:t>
+            </a:r>
+            <a:endParaRPr lang="nb-NO" dirty="0"/>
+          </a:p>
+        </p:txBody>
+      </p:sp>
+      <p:sp>
+        <p:nvSpPr>
+          <p:cNvPr id="3" name="Undertittel 2"/>
+          <p:cNvSpPr>
+            <a:spLocks noGrp="1"/>
+          </p:cNvSpPr>
+          <p:nvPr>
+            <p:ph type="subTitle" idx="1"/>
+          </p:nvPr>
+        </p:nvSpPr>
+        <p:spPr>
+          <a:xfrm>
+            <a:off x="998928" y="2513299"/>
+            <a:ext cx="4861733" cy="828104"/>
+          </a:xfrm>
+        </p:spPr>
+        <p:txBody>
+          <a:bodyPr anchor="ctr">
+            <a:noAutofit/>
+          </a:bodyPr>
+          <a:lstStyle>
+            <a:lvl1pPr marL="0" indent="0" algn="ctr">
+              <a:buNone/>
+              <a:defRPr sz="1700"/>
+            </a:lvl1pPr>
+            <a:lvl2pPr marL="342900" indent="0" algn="ctr">
+              <a:buNone/>
+              <a:defRPr sz="1500"/>
+            </a:lvl2pPr>
+            <a:lvl3pPr marL="685800" indent="0" algn="ctr">
+              <a:buNone/>
+              <a:defRPr sz="1350"/>
+            </a:lvl3pPr>
+            <a:lvl4pPr marL="1028700" indent="0" algn="ctr">
+              <a:buNone/>
+              <a:defRPr sz="1200"/>
+            </a:lvl4pPr>
+            <a:lvl5pPr marL="1371600" indent="0" algn="ctr">
+              <a:buNone/>
+              <a:defRPr sz="1200"/>
+            </a:lvl5pPr>
+            <a:lvl6pPr marL="1714500" indent="0" algn="ctr">
+              <a:buNone/>
+              <a:defRPr sz="1200"/>
+            </a:lvl6pPr>
+            <a:lvl7pPr marL="2057400" indent="0" algn="ctr">
+              <a:buNone/>
+              <a:defRPr sz="1200"/>
+            </a:lvl7pPr>
+            <a:lvl8pPr marL="2400300" indent="0" algn="ctr">
+              <a:buNone/>
+              <a:defRPr sz="1200"/>
+            </a:lvl8pPr>
+            <a:lvl9pPr marL="2743200" indent="0" algn="ctr">
+              <a:buNone/>
+              <a:defRPr sz="1200"/>
+            </a:lvl9pPr>
+          </a:lstStyle>
+          <a:p>
+            <a:r>
+              <a:rPr lang="nb-NO"/>
+              <a:t>Klikk for å redigere undertittelstil i malen</a:t>
+            </a:r>
+          </a:p>
+        </p:txBody>
+      </p:sp>
+      <p:sp>
+        <p:nvSpPr>
+          <p:cNvPr id="7" name="Plassholder for bunntekst 3"/>
+          <p:cNvSpPr>
+            <a:spLocks noGrp="1"/>
+          </p:cNvSpPr>
+          <p:nvPr>
+            <p:ph type="ftr" sz="quarter" idx="3"/>
+          </p:nvPr>
+        </p:nvSpPr>
+        <p:spPr>
+          <a:xfrm>
+            <a:off x="-768257" y="4889255"/>
+            <a:ext cx="744607" cy="230832"/>
+          </a:xfrm>
+          <a:prstGeom prst="rect">
+            <a:avLst/>
+          </a:prstGeom>
+        </p:spPr>
+        <p:txBody>
+          <a:bodyPr vert="horz" wrap="none" lIns="0" tIns="0" rIns="0" bIns="0" rtlCol="0" anchor="ctr">
+            <a:noAutofit/>
+          </a:bodyPr>
+          <a:lstStyle>
+            <a:lvl1pPr algn="r">
+              <a:defRPr sz="1000">
+                <a:solidFill>
+                  <a:schemeClr val="tx1"/>
+                </a:solidFill>
+              </a:defRPr>
+            </a:lvl1pPr>
+          </a:lstStyle>
+          <a:p>
+            <a:r>
+              <a:rPr lang="nb-NO"/>
+              <a:t>Rullende tekst settes inn via "Sett inn -&gt; Topptekst og bunntekst"</a:t>
+            </a:r>
+            <a:endParaRPr lang="nb-NO" dirty="0"/>
+          </a:p>
+        </p:txBody>
+      </p:sp>
+    </p:spTree>
+    <p:extLst>
+      <p:ext uri="{BB962C8B-B14F-4D97-AF65-F5344CB8AC3E}">
+        <p14:creationId xmlns:p14="http://schemas.microsoft.com/office/powerpoint/2010/main" val="230926961"/>
+      </p:ext>
+    </p:extLst>
+  </p:cSld>
+  <p:clrMapOvr>
+    <a:masterClrMapping/>
+  </p:clrMapOvr>
+  <p:transition spd="slow" advClick="0" advTm="10000">
+    <p:fade/>
+  </p:transition>
+  <p:timing>
+    <p:tnLst>
+      <p:par>
+        <p:cTn id="1" dur="indefinite" restart="never" nodeType="tmRoot">
+          <p:childTnLst>
+            <p:seq concurrent="1" nextAc="seek">
+              <p:cTn id="2" dur="indefinite" nodeType="mainSeq">
+                <p:childTnLst>
+                  <p:par>
+                    <p:cTn id="3" fill="hold">
+                      <p:stCondLst>
+                        <p:cond delay="indefinite"/>
+                        <p:cond evt="onBegin" delay="0">
+                          <p:tn val="2"/>
+                        </p:cond>
+                      </p:stCondLst>
+                      <p:childTnLst>
+                        <p:par>
+                          <p:cTn id="4" fill="hold">
+                            <p:stCondLst>
+                              <p:cond delay="0"/>
+                            </p:stCondLst>
+                            <p:childTnLst>
+                              <p:par>
+                                <p:cTn id="5" presetID="2" presetClass="entr" presetSubtype="2" repeatCount="indefinite" fill="hold" grpId="0" nodeType="afterEffect" nodePh="1">
+                                  <p:stCondLst>
+                                    <p:cond delay="0"/>
+                                  </p:stCondLst>
+                                  <p:endCondLst>
+                                    <p:cond evt="begin" delay="0">
+                                      <p:tn val="5"/>
+                                    </p:cond>
+                                  </p:endCondLst>
+                                  <p:childTnLst>
+                                    <p:set>
+                                      <p:cBhvr>
+                                        <p:cTn id="6" dur="1" fill="hold">
+                                          <p:stCondLst>
+                                            <p:cond delay="0"/>
+                                          </p:stCondLst>
+                                        </p:cTn>
+                                        <p:tgtEl>
+                                          <p:spTgt spid="7"/>
+                                        </p:tgtEl>
+                                        <p:attrNameLst>
+                                          <p:attrName>style.visibility</p:attrName>
+                                        </p:attrNameLst>
+                                      </p:cBhvr>
+                                      <p:to>
+                                        <p:strVal val="visible"/>
+                                      </p:to>
+                                    </p:set>
+                                    <p:anim calcmode="lin" valueType="num">
+                                      <p:cBhvr additive="base">
+                                        <p:cTn id="7" dur="10000" fill="hold"/>
+                                        <p:tgtEl>
+                                          <p:spTgt spid="7"/>
+                                        </p:tgtEl>
+                                        <p:attrNameLst>
+                                          <p:attrName>ppt_x</p:attrName>
+                                        </p:attrNameLst>
+                                      </p:cBhvr>
+                                      <p:tavLst>
+                                        <p:tav tm="0">
+                                          <p:val>
+                                            <p:strVal val="1+#ppt_w/2"/>
+                                          </p:val>
+                                        </p:tav>
+                                        <p:tav tm="100000">
+                                          <p:val>
+                                            <p:strVal val="#ppt_x"/>
+                                          </p:val>
+                                        </p:tav>
+                                      </p:tavLst>
+                                    </p:anim>
+                                    <p:anim calcmode="lin" valueType="num">
+                                      <p:cBhvr additive="base">
+                                        <p:cTn id="8" dur="10000" fill="hold"/>
+                                        <p:tgtEl>
+                                          <p:spTgt spid="7"/>
+                                        </p:tgtEl>
+                                        <p:attrNameLst>
+                                          <p:attrName>ppt_y</p:attrName>
+                                        </p:attrNameLst>
+                                      </p:cBhvr>
+                                      <p:tavLst>
+                                        <p:tav tm="0">
+                                          <p:val>
+                                            <p:strVal val="#ppt_y"/>
+                                          </p:val>
+                                        </p:tav>
+                                        <p:tav tm="100000">
+                                          <p:val>
+                                            <p:strVal val="#ppt_y"/>
+                                          </p:val>
+                                        </p:tav>
+                                      </p:tavLst>
+                                    </p:anim>
+                                  </p:childTnLst>
+                                </p:cTn>
+                              </p:par>
+                            </p:childTnLst>
+                          </p:cTn>
+                        </p:par>
+                      </p:childTnLst>
+                    </p:cTn>
+                  </p:par>
+                </p:childTnLst>
+              </p:cTn>
+              <p:prevCondLst>
+                <p:cond evt="onPrev" delay="0">
+                  <p:tgtEl>
+                    <p:sldTgt/>
+                  </p:tgtEl>
+                </p:cond>
+              </p:prevCondLst>
+              <p:nextCondLst>
+                <p:cond evt="onNext" delay="0">
+                  <p:tgtEl>
+                    <p:sldTgt/>
+                  </p:tgtEl>
+                </p:cond>
+              </p:nextCondLst>
+            </p:seq>
+          </p:childTnLst>
+        </p:cTn>
+      </p:par>
+    </p:tnLst>
+    <p:bldLst>
+      <p:bldP spid="7" grpId="0"/>
+    </p:bldLst>
+  </p:timing>
+</p:sldLayout>
+</file>
+
+<file path=ppt/slideLayouts/slideLayout34.xml><?xml version="1.0" encoding="utf-8"?>
+<p:sldLayout xmlns:a="http://schemas.openxmlformats.org/drawingml/2006/main" xmlns:r="http://schemas.openxmlformats.org/officeDocument/2006/relationships" xmlns:p="http://schemas.openxmlformats.org/presentationml/2006/main" type="titleOnly" preserve="1">
+  <p:cSld name="Bare tittel">
+    <p:spTree>
+      <p:nvGrpSpPr>
+        <p:cNvPr id="1" name=""/>
+        <p:cNvGrpSpPr/>
+        <p:nvPr/>
+      </p:nvGrpSpPr>
+      <p:grpSpPr>
+        <a:xfrm>
+          <a:off x="0" y="0"/>
+          <a:ext cx="0" cy="0"/>
+          <a:chOff x="0" y="0"/>
+          <a:chExt cx="0" cy="0"/>
+        </a:xfrm>
+      </p:grpSpPr>
+      <p:sp>
+        <p:nvSpPr>
+          <p:cNvPr id="2" name="Tittel 1"/>
+          <p:cNvSpPr>
+            <a:spLocks noGrp="1"/>
+          </p:cNvSpPr>
+          <p:nvPr>
+            <p:ph type="title"/>
+          </p:nvPr>
+        </p:nvSpPr>
+        <p:spPr/>
+        <p:txBody>
+          <a:bodyPr/>
+          <a:lstStyle/>
+          <a:p>
+            <a:r>
+              <a:rPr lang="nb-NO"/>
+              <a:t>Klikk for å redigere tittelstil</a:t>
+            </a:r>
+          </a:p>
+        </p:txBody>
+      </p:sp>
+      <p:sp>
+        <p:nvSpPr>
+          <p:cNvPr id="8" name="Plassholder for bunntekst 3"/>
+          <p:cNvSpPr>
+            <a:spLocks noGrp="1"/>
+          </p:cNvSpPr>
+          <p:nvPr>
+            <p:ph type="ftr" sz="quarter" idx="3"/>
+          </p:nvPr>
+        </p:nvSpPr>
+        <p:spPr>
+          <a:xfrm>
+            <a:off x="-768257" y="4889255"/>
+            <a:ext cx="744607" cy="230832"/>
+          </a:xfrm>
+          <a:prstGeom prst="rect">
+            <a:avLst/>
+          </a:prstGeom>
+        </p:spPr>
+        <p:txBody>
+          <a:bodyPr vert="horz" wrap="none" lIns="0" tIns="0" rIns="0" bIns="0" rtlCol="0" anchor="ctr">
+            <a:noAutofit/>
+          </a:bodyPr>
+          <a:lstStyle>
+            <a:lvl1pPr algn="r">
+              <a:defRPr sz="1000">
+                <a:solidFill>
+                  <a:schemeClr val="tx1"/>
+                </a:solidFill>
+              </a:defRPr>
+            </a:lvl1pPr>
+          </a:lstStyle>
+          <a:p>
+            <a:r>
+              <a:rPr lang="nb-NO"/>
+              <a:t>Rullende tekst settes inn via "Sett inn -&gt; Topptekst og bunntekst"</a:t>
+            </a:r>
+            <a:endParaRPr lang="nb-NO" dirty="0"/>
+          </a:p>
+        </p:txBody>
+      </p:sp>
+    </p:spTree>
+    <p:extLst>
+      <p:ext uri="{BB962C8B-B14F-4D97-AF65-F5344CB8AC3E}">
+        <p14:creationId xmlns:p14="http://schemas.microsoft.com/office/powerpoint/2010/main" val="4211984063"/>
+      </p:ext>
+    </p:extLst>
+  </p:cSld>
+  <p:clrMapOvr>
+    <a:masterClrMapping/>
+  </p:clrMapOvr>
+  <p:transition spd="slow" advClick="0" advTm="10000">
+    <p:fade/>
+  </p:transition>
+  <p:timing>
+    <p:tnLst>
+      <p:par>
+        <p:cTn id="1" dur="indefinite" restart="never" nodeType="tmRoot">
+          <p:childTnLst>
+            <p:seq concurrent="1" nextAc="seek">
+              <p:cTn id="2" dur="indefinite" nodeType="mainSeq">
+                <p:childTnLst>
+                  <p:par>
+                    <p:cTn id="3" fill="hold">
+                      <p:stCondLst>
+                        <p:cond delay="indefinite"/>
+                        <p:cond evt="onBegin" delay="0">
+                          <p:tn val="2"/>
+                        </p:cond>
+                      </p:stCondLst>
+                      <p:childTnLst>
+                        <p:par>
+                          <p:cTn id="4" fill="hold">
+                            <p:stCondLst>
+                              <p:cond delay="0"/>
+                            </p:stCondLst>
+                            <p:childTnLst>
+                              <p:par>
+                                <p:cTn id="5" presetID="2" presetClass="entr" presetSubtype="2" repeatCount="indefinite" fill="hold" grpId="0" nodeType="afterEffect" nodePh="1">
+                                  <p:stCondLst>
+                                    <p:cond delay="0"/>
+                                  </p:stCondLst>
+                                  <p:endCondLst>
+                                    <p:cond evt="begin" delay="0">
+                                      <p:tn val="5"/>
+                                    </p:cond>
+                                  </p:endCondLst>
+                                  <p:childTnLst>
+                                    <p:set>
+                                      <p:cBhvr>
+                                        <p:cTn id="6" dur="1" fill="hold">
+                                          <p:stCondLst>
+                                            <p:cond delay="0"/>
+                                          </p:stCondLst>
+                                        </p:cTn>
+                                        <p:tgtEl>
+                                          <p:spTgt spid="8"/>
+                                        </p:tgtEl>
+                                        <p:attrNameLst>
+                                          <p:attrName>style.visibility</p:attrName>
+                                        </p:attrNameLst>
+                                      </p:cBhvr>
+                                      <p:to>
+                                        <p:strVal val="visible"/>
+                                      </p:to>
+                                    </p:set>
+                                    <p:anim calcmode="lin" valueType="num">
+                                      <p:cBhvr additive="base">
+                                        <p:cTn id="7" dur="10000" fill="hold"/>
+                                        <p:tgtEl>
+                                          <p:spTgt spid="8"/>
+                                        </p:tgtEl>
+                                        <p:attrNameLst>
+                                          <p:attrName>ppt_x</p:attrName>
+                                        </p:attrNameLst>
+                                      </p:cBhvr>
+                                      <p:tavLst>
+                                        <p:tav tm="0">
+                                          <p:val>
+                                            <p:strVal val="1+#ppt_w/2"/>
+                                          </p:val>
+                                        </p:tav>
+                                        <p:tav tm="100000">
+                                          <p:val>
+                                            <p:strVal val="#ppt_x"/>
+                                          </p:val>
+                                        </p:tav>
+                                      </p:tavLst>
+                                    </p:anim>
+                                    <p:anim calcmode="lin" valueType="num">
+                                      <p:cBhvr additive="base">
+                                        <p:cTn id="8" dur="10000" fill="hold"/>
+                                        <p:tgtEl>
+                                          <p:spTgt spid="8"/>
+                                        </p:tgtEl>
+                                        <p:attrNameLst>
+                                          <p:attrName>ppt_y</p:attrName>
+                                        </p:attrNameLst>
+                                      </p:cBhvr>
+                                      <p:tavLst>
+                                        <p:tav tm="0">
+                                          <p:val>
+                                            <p:strVal val="#ppt_y"/>
+                                          </p:val>
+                                        </p:tav>
+                                        <p:tav tm="100000">
+                                          <p:val>
+                                            <p:strVal val="#ppt_y"/>
+                                          </p:val>
+                                        </p:tav>
+                                      </p:tavLst>
+                                    </p:anim>
+                                  </p:childTnLst>
+                                </p:cTn>
+                              </p:par>
+                            </p:childTnLst>
+                          </p:cTn>
+                        </p:par>
+                      </p:childTnLst>
+                    </p:cTn>
+                  </p:par>
+                </p:childTnLst>
+              </p:cTn>
+              <p:prevCondLst>
+                <p:cond evt="onPrev" delay="0">
+                  <p:tgtEl>
+                    <p:sldTgt/>
+                  </p:tgtEl>
+                </p:cond>
+              </p:prevCondLst>
+              <p:nextCondLst>
+                <p:cond evt="onNext" delay="0">
+                  <p:tgtEl>
+                    <p:sldTgt/>
+                  </p:tgtEl>
+                </p:cond>
+              </p:nextCondLst>
+            </p:seq>
+          </p:childTnLst>
+        </p:cTn>
+      </p:par>
+    </p:tnLst>
+    <p:bldLst>
+      <p:bldP spid="8" grpId="0"/>
+    </p:bldLst>
+  </p:timing>
+</p:sldLayout>
+</file>
+
+<file path=ppt/slideLayouts/slideLayout35.xml><?xml version="1.0" encoding="utf-8"?>
+<p:sldLayout xmlns:a="http://schemas.openxmlformats.org/drawingml/2006/main" xmlns:r="http://schemas.openxmlformats.org/officeDocument/2006/relationships" xmlns:p="http://schemas.openxmlformats.org/presentationml/2006/main" type="blank" preserve="1">
+  <p:cSld name="Tomt">
+    <p:spTree>
+      <p:nvGrpSpPr>
+        <p:cNvPr id="1" name=""/>
+        <p:cNvGrpSpPr/>
+        <p:nvPr/>
+      </p:nvGrpSpPr>
+      <p:grpSpPr>
+        <a:xfrm>
+          <a:off x="0" y="0"/>
+          <a:ext cx="0" cy="0"/>
+          <a:chOff x="0" y="0"/>
+          <a:chExt cx="0" cy="0"/>
+        </a:xfrm>
+      </p:grpSpPr>
+      <p:sp>
+        <p:nvSpPr>
+          <p:cNvPr id="7" name="Plassholder for bunntekst 3"/>
+          <p:cNvSpPr>
+            <a:spLocks noGrp="1"/>
+          </p:cNvSpPr>
+          <p:nvPr>
+            <p:ph type="ftr" sz="quarter" idx="3"/>
+          </p:nvPr>
+        </p:nvSpPr>
+        <p:spPr>
+          <a:xfrm>
+            <a:off x="-768257" y="4889255"/>
+            <a:ext cx="744607" cy="230832"/>
+          </a:xfrm>
+          <a:prstGeom prst="rect">
+            <a:avLst/>
+          </a:prstGeom>
+        </p:spPr>
+        <p:txBody>
+          <a:bodyPr vert="horz" wrap="none" lIns="0" tIns="0" rIns="0" bIns="0" rtlCol="0" anchor="ctr">
+            <a:noAutofit/>
+          </a:bodyPr>
+          <a:lstStyle>
+            <a:lvl1pPr algn="r">
+              <a:defRPr sz="1000">
+                <a:solidFill>
+                  <a:schemeClr val="tx1"/>
+                </a:solidFill>
+              </a:defRPr>
+            </a:lvl1pPr>
+          </a:lstStyle>
+          <a:p>
+            <a:r>
+              <a:rPr lang="nb-NO"/>
+              <a:t>Rullende tekst settes inn via "Sett inn -&gt; Topptekst og bunntekst"</a:t>
+            </a:r>
+            <a:endParaRPr lang="nb-NO" dirty="0"/>
+          </a:p>
+        </p:txBody>
+      </p:sp>
+    </p:spTree>
+    <p:extLst>
+      <p:ext uri="{BB962C8B-B14F-4D97-AF65-F5344CB8AC3E}">
+        <p14:creationId xmlns:p14="http://schemas.microsoft.com/office/powerpoint/2010/main" val="346886745"/>
+      </p:ext>
+    </p:extLst>
+  </p:cSld>
+  <p:clrMapOvr>
+    <a:masterClrMapping/>
+  </p:clrMapOvr>
+  <p:transition spd="slow" advClick="0" advTm="10000">
+    <p:fade/>
+  </p:transition>
+  <p:timing>
+    <p:tnLst>
+      <p:par>
+        <p:cTn id="1" dur="indefinite" restart="never" nodeType="tmRoot">
+          <p:childTnLst>
+            <p:seq concurrent="1" nextAc="seek">
+              <p:cTn id="2" dur="indefinite" nodeType="mainSeq">
+                <p:childTnLst>
+                  <p:par>
+                    <p:cTn id="3" fill="hold">
+                      <p:stCondLst>
+                        <p:cond delay="indefinite"/>
+                        <p:cond evt="onBegin" delay="0">
+                          <p:tn val="2"/>
+                        </p:cond>
+                      </p:stCondLst>
+                      <p:childTnLst>
+                        <p:par>
+                          <p:cTn id="4" fill="hold">
+                            <p:stCondLst>
+                              <p:cond delay="0"/>
+                            </p:stCondLst>
+                            <p:childTnLst>
+                              <p:par>
+                                <p:cTn id="5" presetID="2" presetClass="entr" presetSubtype="2" repeatCount="indefinite" fill="hold" grpId="0" nodeType="afterEffect" nodePh="1">
+                                  <p:stCondLst>
+                                    <p:cond delay="0"/>
+                                  </p:stCondLst>
+                                  <p:endCondLst>
+                                    <p:cond evt="begin" delay="0">
+                                      <p:tn val="5"/>
+                                    </p:cond>
+                                  </p:endCondLst>
+                                  <p:childTnLst>
+                                    <p:set>
+                                      <p:cBhvr>
+                                        <p:cTn id="6" dur="1" fill="hold">
+                                          <p:stCondLst>
+                                            <p:cond delay="0"/>
+                                          </p:stCondLst>
+                                        </p:cTn>
+                                        <p:tgtEl>
+                                          <p:spTgt spid="7"/>
+                                        </p:tgtEl>
+                                        <p:attrNameLst>
+                                          <p:attrName>style.visibility</p:attrName>
+                                        </p:attrNameLst>
+                                      </p:cBhvr>
+                                      <p:to>
+                                        <p:strVal val="visible"/>
+                                      </p:to>
+                                    </p:set>
+                                    <p:anim calcmode="lin" valueType="num">
+                                      <p:cBhvr additive="base">
+                                        <p:cTn id="7" dur="10000" fill="hold"/>
+                                        <p:tgtEl>
+                                          <p:spTgt spid="7"/>
+                                        </p:tgtEl>
+                                        <p:attrNameLst>
+                                          <p:attrName>ppt_x</p:attrName>
+                                        </p:attrNameLst>
+                                      </p:cBhvr>
+                                      <p:tavLst>
+                                        <p:tav tm="0">
+                                          <p:val>
+                                            <p:strVal val="1+#ppt_w/2"/>
+                                          </p:val>
+                                        </p:tav>
+                                        <p:tav tm="100000">
+                                          <p:val>
+                                            <p:strVal val="#ppt_x"/>
+                                          </p:val>
+                                        </p:tav>
+                                      </p:tavLst>
+                                    </p:anim>
+                                    <p:anim calcmode="lin" valueType="num">
+                                      <p:cBhvr additive="base">
+                                        <p:cTn id="8" dur="10000" fill="hold"/>
+                                        <p:tgtEl>
+                                          <p:spTgt spid="7"/>
+                                        </p:tgtEl>
+                                        <p:attrNameLst>
+                                          <p:attrName>ppt_y</p:attrName>
+                                        </p:attrNameLst>
+                                      </p:cBhvr>
+                                      <p:tavLst>
+                                        <p:tav tm="0">
+                                          <p:val>
+                                            <p:strVal val="#ppt_y"/>
+                                          </p:val>
+                                        </p:tav>
+                                        <p:tav tm="100000">
+                                          <p:val>
+                                            <p:strVal val="#ppt_y"/>
+                                          </p:val>
+                                        </p:tav>
+                                      </p:tavLst>
+                                    </p:anim>
+                                  </p:childTnLst>
+                                </p:cTn>
+                              </p:par>
+                            </p:childTnLst>
+                          </p:cTn>
+                        </p:par>
+                      </p:childTnLst>
+                    </p:cTn>
+                  </p:par>
+                </p:childTnLst>
+              </p:cTn>
+              <p:prevCondLst>
+                <p:cond evt="onPrev" delay="0">
+                  <p:tgtEl>
+                    <p:sldTgt/>
+                  </p:tgtEl>
+                </p:cond>
+              </p:prevCondLst>
+              <p:nextCondLst>
+                <p:cond evt="onNext" delay="0">
+                  <p:tgtEl>
+                    <p:sldTgt/>
+                  </p:tgtEl>
+                </p:cond>
+              </p:nextCondLst>
+            </p:seq>
+          </p:childTnLst>
+        </p:cTn>
+      </p:par>
+    </p:tnLst>
+    <p:bldLst>
+      <p:bldP spid="7" grpId="0"/>
+    </p:bldLst>
+  </p:timing>
 </p:sldLayout>
 </file>
 
@@ -4526,6 +8068,452 @@
 </file>
 
 <file path=ppt/slideLayouts/slideLayout7.xml><?xml version="1.0" encoding="utf-8"?>
+<p:sldLayout xmlns:a="http://schemas.openxmlformats.org/drawingml/2006/main" xmlns:r="http://schemas.openxmlformats.org/officeDocument/2006/relationships" xmlns:p="http://schemas.openxmlformats.org/presentationml/2006/main" preserve="1" userDrawn="1">
+  <p:cSld name="1_To innholdsdeler">
+    <p:spTree>
+      <p:nvGrpSpPr>
+        <p:cNvPr id="1" name=""/>
+        <p:cNvGrpSpPr/>
+        <p:nvPr/>
+      </p:nvGrpSpPr>
+      <p:grpSpPr>
+        <a:xfrm>
+          <a:off x="0" y="0"/>
+          <a:ext cx="0" cy="0"/>
+          <a:chOff x="0" y="0"/>
+          <a:chExt cx="0" cy="0"/>
+        </a:xfrm>
+      </p:grpSpPr>
+      <p:sp>
+        <p:nvSpPr>
+          <p:cNvPr id="6" name="Rectangle 5">
+            <a:extLst>
+              <a:ext uri="{FF2B5EF4-FFF2-40B4-BE49-F238E27FC236}">
+                <a16:creationId xmlns:a16="http://schemas.microsoft.com/office/drawing/2014/main" id="{3AF2FC6D-C76B-4375-9D7C-7564B88C6F0A}"/>
+              </a:ext>
+            </a:extLst>
+          </p:cNvPr>
+          <p:cNvSpPr/>
+          <p:nvPr userDrawn="1"/>
+        </p:nvSpPr>
+        <p:spPr>
+          <a:xfrm>
+            <a:off x="3429793" y="1"/>
+            <a:ext cx="3429794" cy="5145088"/>
+          </a:xfrm>
+          <a:prstGeom prst="rect">
+            <a:avLst/>
+          </a:prstGeom>
+          <a:solidFill>
+            <a:schemeClr val="bg1">
+              <a:lumMod val="95000"/>
+            </a:schemeClr>
+          </a:solidFill>
+          <a:ln>
+            <a:noFill/>
+          </a:ln>
+        </p:spPr>
+        <p:style>
+          <a:lnRef idx="2">
+            <a:schemeClr val="accent1">
+              <a:shade val="50000"/>
+            </a:schemeClr>
+          </a:lnRef>
+          <a:fillRef idx="1">
+            <a:schemeClr val="accent1"/>
+          </a:fillRef>
+          <a:effectRef idx="0">
+            <a:schemeClr val="accent1"/>
+          </a:effectRef>
+          <a:fontRef idx="minor">
+            <a:schemeClr val="lt1"/>
+          </a:fontRef>
+        </p:style>
+        <p:txBody>
+          <a:bodyPr rtlCol="0" anchor="ctr"/>
+          <a:lstStyle/>
+          <a:p>
+            <a:pPr algn="ctr"/>
+            <a:endParaRPr lang="nb-NO" dirty="0"/>
+          </a:p>
+        </p:txBody>
+      </p:sp>
+      <p:sp>
+        <p:nvSpPr>
+          <p:cNvPr id="7" name="Picture Placeholder 6">
+            <a:extLst>
+              <a:ext uri="{FF2B5EF4-FFF2-40B4-BE49-F238E27FC236}">
+                <a16:creationId xmlns:a16="http://schemas.microsoft.com/office/drawing/2014/main" id="{B77A18D2-C8C4-4339-BC03-6B20BFD14437}"/>
+              </a:ext>
+            </a:extLst>
+          </p:cNvPr>
+          <p:cNvSpPr>
+            <a:spLocks noGrp="1"/>
+          </p:cNvSpPr>
+          <p:nvPr>
+            <p:ph type="pic" sz="quarter" idx="15"/>
+          </p:nvPr>
+        </p:nvSpPr>
+        <p:spPr>
+          <a:xfrm>
+            <a:off x="3429794" y="1"/>
+            <a:ext cx="3429794" cy="5145087"/>
+          </a:xfrm>
+          <a:prstGeom prst="rect">
+            <a:avLst/>
+          </a:prstGeom>
+        </p:spPr>
+        <p:txBody>
+          <a:bodyPr lIns="0" tIns="0" rIns="0" bIns="0"/>
+          <a:lstStyle/>
+          <a:p>
+            <a:r>
+              <a:rPr lang="nb-NO"/>
+              <a:t>Klikk på ikonet for å legge til et bilde</a:t>
+            </a:r>
+            <a:endParaRPr lang="en-GB"/>
+          </a:p>
+        </p:txBody>
+      </p:sp>
+      <p:sp>
+        <p:nvSpPr>
+          <p:cNvPr id="8" name="Tittel 1">
+            <a:extLst>
+              <a:ext uri="{FF2B5EF4-FFF2-40B4-BE49-F238E27FC236}">
+                <a16:creationId xmlns:a16="http://schemas.microsoft.com/office/drawing/2014/main" id="{E93D8765-64FC-4682-B6FC-E7DBEC395CE8}"/>
+              </a:ext>
+            </a:extLst>
+          </p:cNvPr>
+          <p:cNvSpPr>
+            <a:spLocks noGrp="1"/>
+          </p:cNvSpPr>
+          <p:nvPr>
+            <p:ph type="title" hasCustomPrompt="1"/>
+          </p:nvPr>
+        </p:nvSpPr>
+        <p:spPr>
+          <a:xfrm>
+            <a:off x="884238" y="351955"/>
+            <a:ext cx="2316161" cy="828104"/>
+          </a:xfrm>
+        </p:spPr>
+        <p:txBody>
+          <a:bodyPr/>
+          <a:lstStyle>
+            <a:lvl1pPr>
+              <a:defRPr/>
+            </a:lvl1pPr>
+          </a:lstStyle>
+          <a:p>
+            <a:r>
+              <a:rPr lang="nb-NO" dirty="0"/>
+              <a:t>Tittel</a:t>
+            </a:r>
+          </a:p>
+        </p:txBody>
+      </p:sp>
+      <p:sp>
+        <p:nvSpPr>
+          <p:cNvPr id="11" name="Plassholder for innhold 2">
+            <a:extLst>
+              <a:ext uri="{FF2B5EF4-FFF2-40B4-BE49-F238E27FC236}">
+                <a16:creationId xmlns:a16="http://schemas.microsoft.com/office/drawing/2014/main" id="{E78A829E-1512-4D2E-B8C1-9BDF5BA08B4F}"/>
+              </a:ext>
+            </a:extLst>
+          </p:cNvPr>
+          <p:cNvSpPr>
+            <a:spLocks noGrp="1"/>
+          </p:cNvSpPr>
+          <p:nvPr>
+            <p:ph idx="1" hasCustomPrompt="1"/>
+          </p:nvPr>
+        </p:nvSpPr>
+        <p:spPr>
+          <a:xfrm>
+            <a:off x="884238" y="1369644"/>
+            <a:ext cx="2316162" cy="3042700"/>
+          </a:xfrm>
+        </p:spPr>
+        <p:txBody>
+          <a:bodyPr/>
+          <a:lstStyle/>
+          <a:p>
+            <a:pPr lvl="0"/>
+            <a:r>
+              <a:rPr lang="nb-NO" dirty="0"/>
+              <a:t>Klikk for å legge til tekst</a:t>
+            </a:r>
+          </a:p>
+          <a:p>
+            <a:pPr lvl="1"/>
+            <a:r>
+              <a:rPr lang="nb-NO" dirty="0"/>
+              <a:t>Andre nivå</a:t>
+            </a:r>
+          </a:p>
+          <a:p>
+            <a:pPr lvl="2"/>
+            <a:r>
+              <a:rPr lang="nb-NO" dirty="0"/>
+              <a:t>Tredje nivå</a:t>
+            </a:r>
+          </a:p>
+          <a:p>
+            <a:pPr lvl="3"/>
+            <a:r>
+              <a:rPr lang="nb-NO" dirty="0"/>
+              <a:t>Fjerde nivå</a:t>
+            </a:r>
+          </a:p>
+          <a:p>
+            <a:pPr lvl="4"/>
+            <a:r>
+              <a:rPr lang="nb-NO" dirty="0"/>
+              <a:t>Femte nivå</a:t>
+            </a:r>
+          </a:p>
+        </p:txBody>
+      </p:sp>
+    </p:spTree>
+    <p:extLst>
+      <p:ext uri="{BB962C8B-B14F-4D97-AF65-F5344CB8AC3E}">
+        <p14:creationId xmlns:p14="http://schemas.microsoft.com/office/powerpoint/2010/main" val="2181924156"/>
+      </p:ext>
+    </p:extLst>
+  </p:cSld>
+  <p:clrMapOvr>
+    <a:masterClrMapping/>
+  </p:clrMapOvr>
+  <p:transition spd="slow" advClick="0" advTm="10000">
+    <p:fade/>
+  </p:transition>
+</p:sldLayout>
+</file>
+
+<file path=ppt/slideLayouts/slideLayout8.xml><?xml version="1.0" encoding="utf-8"?>
+<p:sldLayout xmlns:a="http://schemas.openxmlformats.org/drawingml/2006/main" xmlns:r="http://schemas.openxmlformats.org/officeDocument/2006/relationships" xmlns:p="http://schemas.openxmlformats.org/presentationml/2006/main" preserve="1" userDrawn="1">
+  <p:cSld name="2_To innholdsdeler">
+    <p:spTree>
+      <p:nvGrpSpPr>
+        <p:cNvPr id="1" name=""/>
+        <p:cNvGrpSpPr/>
+        <p:nvPr/>
+      </p:nvGrpSpPr>
+      <p:grpSpPr>
+        <a:xfrm>
+          <a:off x="0" y="0"/>
+          <a:ext cx="0" cy="0"/>
+          <a:chOff x="0" y="0"/>
+          <a:chExt cx="0" cy="0"/>
+        </a:xfrm>
+      </p:grpSpPr>
+      <p:sp>
+        <p:nvSpPr>
+          <p:cNvPr id="6" name="Rectangle 5">
+            <a:extLst>
+              <a:ext uri="{FF2B5EF4-FFF2-40B4-BE49-F238E27FC236}">
+                <a16:creationId xmlns:a16="http://schemas.microsoft.com/office/drawing/2014/main" id="{3AF2FC6D-C76B-4375-9D7C-7564B88C6F0A}"/>
+              </a:ext>
+            </a:extLst>
+          </p:cNvPr>
+          <p:cNvSpPr/>
+          <p:nvPr userDrawn="1"/>
+        </p:nvSpPr>
+        <p:spPr>
+          <a:xfrm>
+            <a:off x="0" y="6526"/>
+            <a:ext cx="3429794" cy="5145088"/>
+          </a:xfrm>
+          <a:prstGeom prst="rect">
+            <a:avLst/>
+          </a:prstGeom>
+          <a:solidFill>
+            <a:schemeClr val="bg1">
+              <a:lumMod val="95000"/>
+            </a:schemeClr>
+          </a:solidFill>
+          <a:ln>
+            <a:noFill/>
+          </a:ln>
+        </p:spPr>
+        <p:style>
+          <a:lnRef idx="2">
+            <a:schemeClr val="accent1">
+              <a:shade val="50000"/>
+            </a:schemeClr>
+          </a:lnRef>
+          <a:fillRef idx="1">
+            <a:schemeClr val="accent1"/>
+          </a:fillRef>
+          <a:effectRef idx="0">
+            <a:schemeClr val="accent1"/>
+          </a:effectRef>
+          <a:fontRef idx="minor">
+            <a:schemeClr val="lt1"/>
+          </a:fontRef>
+        </p:style>
+        <p:txBody>
+          <a:bodyPr rtlCol="0" anchor="ctr"/>
+          <a:lstStyle/>
+          <a:p>
+            <a:pPr algn="ctr"/>
+            <a:endParaRPr lang="nb-NO" dirty="0"/>
+          </a:p>
+        </p:txBody>
+      </p:sp>
+      <p:sp>
+        <p:nvSpPr>
+          <p:cNvPr id="7" name="Picture Placeholder 6">
+            <a:extLst>
+              <a:ext uri="{FF2B5EF4-FFF2-40B4-BE49-F238E27FC236}">
+                <a16:creationId xmlns:a16="http://schemas.microsoft.com/office/drawing/2014/main" id="{B77A18D2-C8C4-4339-BC03-6B20BFD14437}"/>
+              </a:ext>
+            </a:extLst>
+          </p:cNvPr>
+          <p:cNvSpPr>
+            <a:spLocks noGrp="1"/>
+          </p:cNvSpPr>
+          <p:nvPr>
+            <p:ph type="pic" sz="quarter" idx="15"/>
+          </p:nvPr>
+        </p:nvSpPr>
+        <p:spPr>
+          <a:xfrm>
+            <a:off x="1" y="6526"/>
+            <a:ext cx="3429794" cy="5145087"/>
+          </a:xfrm>
+          <a:prstGeom prst="rect">
+            <a:avLst/>
+          </a:prstGeom>
+        </p:spPr>
+        <p:txBody>
+          <a:bodyPr lIns="0" tIns="0" rIns="0" bIns="0"/>
+          <a:lstStyle/>
+          <a:p>
+            <a:r>
+              <a:rPr lang="nb-NO"/>
+              <a:t>Klikk på ikonet for å legge til et bilde</a:t>
+            </a:r>
+            <a:endParaRPr lang="en-GB"/>
+          </a:p>
+        </p:txBody>
+      </p:sp>
+      <p:sp>
+        <p:nvSpPr>
+          <p:cNvPr id="8" name="Tittel 1">
+            <a:extLst>
+              <a:ext uri="{FF2B5EF4-FFF2-40B4-BE49-F238E27FC236}">
+                <a16:creationId xmlns:a16="http://schemas.microsoft.com/office/drawing/2014/main" id="{E93D8765-64FC-4682-B6FC-E7DBEC395CE8}"/>
+              </a:ext>
+            </a:extLst>
+          </p:cNvPr>
+          <p:cNvSpPr>
+            <a:spLocks noGrp="1"/>
+          </p:cNvSpPr>
+          <p:nvPr>
+            <p:ph type="title" hasCustomPrompt="1"/>
+          </p:nvPr>
+        </p:nvSpPr>
+        <p:spPr>
+          <a:xfrm>
+            <a:off x="3652838" y="351955"/>
+            <a:ext cx="2316161" cy="828104"/>
+          </a:xfrm>
+        </p:spPr>
+        <p:txBody>
+          <a:bodyPr/>
+          <a:lstStyle>
+            <a:lvl1pPr>
+              <a:defRPr/>
+            </a:lvl1pPr>
+          </a:lstStyle>
+          <a:p>
+            <a:r>
+              <a:rPr lang="nb-NO" dirty="0"/>
+              <a:t>Tittel</a:t>
+            </a:r>
+          </a:p>
+        </p:txBody>
+      </p:sp>
+      <p:sp>
+        <p:nvSpPr>
+          <p:cNvPr id="11" name="Plassholder for innhold 2">
+            <a:extLst>
+              <a:ext uri="{FF2B5EF4-FFF2-40B4-BE49-F238E27FC236}">
+                <a16:creationId xmlns:a16="http://schemas.microsoft.com/office/drawing/2014/main" id="{E78A829E-1512-4D2E-B8C1-9BDF5BA08B4F}"/>
+              </a:ext>
+            </a:extLst>
+          </p:cNvPr>
+          <p:cNvSpPr>
+            <a:spLocks noGrp="1"/>
+          </p:cNvSpPr>
+          <p:nvPr>
+            <p:ph idx="1" hasCustomPrompt="1"/>
+          </p:nvPr>
+        </p:nvSpPr>
+        <p:spPr>
+          <a:xfrm>
+            <a:off x="3652838" y="1369644"/>
+            <a:ext cx="2316162" cy="3042700"/>
+          </a:xfrm>
+        </p:spPr>
+        <p:txBody>
+          <a:bodyPr/>
+          <a:lstStyle/>
+          <a:p>
+            <a:pPr lvl="0"/>
+            <a:r>
+              <a:rPr lang="nb-NO" dirty="0"/>
+              <a:t>Klikk for å legge til tekst</a:t>
+            </a:r>
+          </a:p>
+          <a:p>
+            <a:pPr lvl="1"/>
+            <a:r>
+              <a:rPr lang="nb-NO" dirty="0"/>
+              <a:t>Andre nivå</a:t>
+            </a:r>
+          </a:p>
+          <a:p>
+            <a:pPr lvl="2"/>
+            <a:r>
+              <a:rPr lang="nb-NO" dirty="0"/>
+              <a:t>Tredje nivå</a:t>
+            </a:r>
+          </a:p>
+          <a:p>
+            <a:pPr lvl="3"/>
+            <a:r>
+              <a:rPr lang="nb-NO" dirty="0"/>
+              <a:t>Fjerde nivå</a:t>
+            </a:r>
+          </a:p>
+          <a:p>
+            <a:pPr lvl="4"/>
+            <a:r>
+              <a:rPr lang="nb-NO" dirty="0"/>
+              <a:t>Femte nivå</a:t>
+            </a:r>
+          </a:p>
+        </p:txBody>
+      </p:sp>
+    </p:spTree>
+    <p:extLst>
+      <p:ext uri="{BB962C8B-B14F-4D97-AF65-F5344CB8AC3E}">
+        <p14:creationId xmlns:p14="http://schemas.microsoft.com/office/powerpoint/2010/main" val="4213923460"/>
+      </p:ext>
+    </p:extLst>
+  </p:cSld>
+  <p:clrMapOvr>
+    <a:masterClrMapping/>
+  </p:clrMapOvr>
+  <p:transition spd="slow" advClick="0" advTm="10000">
+    <p:fade/>
+  </p:transition>
+</p:sldLayout>
+</file>
+
+<file path=ppt/slideLayouts/slideLayout9.xml><?xml version="1.0" encoding="utf-8"?>
 <p:sldLayout xmlns:a="http://schemas.openxmlformats.org/drawingml/2006/main" xmlns:r="http://schemas.openxmlformats.org/officeDocument/2006/relationships" xmlns:p="http://schemas.openxmlformats.org/presentationml/2006/main" type="titleOnly" preserve="1">
   <p:cSld name="Bare tittel">
     <p:spTree>
@@ -4753,516 +8741,6 @@
 </p:sldLayout>
 </file>
 
-<file path=ppt/slideLayouts/slideLayout8.xml><?xml version="1.0" encoding="utf-8"?>
-<p:sldLayout xmlns:a="http://schemas.openxmlformats.org/drawingml/2006/main" xmlns:r="http://schemas.openxmlformats.org/officeDocument/2006/relationships" xmlns:p="http://schemas.openxmlformats.org/presentationml/2006/main" type="blank" preserve="1">
-  <p:cSld name="Tomt">
-    <p:spTree>
-      <p:nvGrpSpPr>
-        <p:cNvPr id="1" name=""/>
-        <p:cNvGrpSpPr/>
-        <p:nvPr/>
-      </p:nvGrpSpPr>
-      <p:grpSpPr>
-        <a:xfrm>
-          <a:off x="0" y="0"/>
-          <a:ext cx="0" cy="0"/>
-          <a:chOff x="0" y="0"/>
-          <a:chExt cx="0" cy="0"/>
-        </a:xfrm>
-      </p:grpSpPr>
-      <p:sp>
-        <p:nvSpPr>
-          <p:cNvPr id="7" name="Plassholder for bunntekst 3"/>
-          <p:cNvSpPr>
-            <a:spLocks noGrp="1"/>
-          </p:cNvSpPr>
-          <p:nvPr>
-            <p:ph type="ftr" sz="quarter" idx="3"/>
-          </p:nvPr>
-        </p:nvSpPr>
-        <p:spPr>
-          <a:xfrm>
-            <a:off x="-768257" y="4889255"/>
-            <a:ext cx="744607" cy="230832"/>
-          </a:xfrm>
-          <a:prstGeom prst="rect">
-            <a:avLst/>
-          </a:prstGeom>
-        </p:spPr>
-        <p:txBody>
-          <a:bodyPr vert="horz" wrap="none" lIns="0" tIns="0" rIns="0" bIns="0" rtlCol="0" anchor="ctr">
-            <a:noAutofit/>
-          </a:bodyPr>
-          <a:lstStyle>
-            <a:lvl1pPr algn="r">
-              <a:defRPr sz="1000">
-                <a:solidFill>
-                  <a:schemeClr val="tx1"/>
-                </a:solidFill>
-              </a:defRPr>
-            </a:lvl1pPr>
-          </a:lstStyle>
-          <a:p>
-            <a:r>
-              <a:rPr lang="nb-NO"/>
-              <a:t>Rullende tekst settes inn via "Sett inn -&gt; Topptekst og bunntekst"</a:t>
-            </a:r>
-            <a:endParaRPr lang="nb-NO" dirty="0"/>
-          </a:p>
-        </p:txBody>
-      </p:sp>
-    </p:spTree>
-    <p:extLst>
-      <p:ext uri="{BB962C8B-B14F-4D97-AF65-F5344CB8AC3E}">
-        <p14:creationId xmlns:p14="http://schemas.microsoft.com/office/powerpoint/2010/main" val="6859923"/>
-      </p:ext>
-    </p:extLst>
-  </p:cSld>
-  <p:clrMapOvr>
-    <a:masterClrMapping/>
-  </p:clrMapOvr>
-  <p:transition spd="slow" advClick="0" advTm="10000">
-    <p:fade/>
-  </p:transition>
-  <p:timing>
-    <p:tnLst>
-      <p:par>
-        <p:cTn id="1" dur="indefinite" restart="never" nodeType="tmRoot">
-          <p:childTnLst>
-            <p:seq concurrent="1" nextAc="seek">
-              <p:cTn id="2" dur="indefinite" nodeType="mainSeq">
-                <p:childTnLst>
-                  <p:par>
-                    <p:cTn id="3" fill="hold">
-                      <p:stCondLst>
-                        <p:cond delay="indefinite"/>
-                        <p:cond evt="onBegin" delay="0">
-                          <p:tn val="2"/>
-                        </p:cond>
-                      </p:stCondLst>
-                      <p:childTnLst>
-                        <p:par>
-                          <p:cTn id="4" fill="hold">
-                            <p:stCondLst>
-                              <p:cond delay="0"/>
-                            </p:stCondLst>
-                            <p:childTnLst>
-                              <p:par>
-                                <p:cTn id="5" presetID="2" presetClass="entr" presetSubtype="2" repeatCount="indefinite" fill="hold" grpId="0" nodeType="afterEffect" nodePh="1">
-                                  <p:stCondLst>
-                                    <p:cond delay="0"/>
-                                  </p:stCondLst>
-                                  <p:endCondLst>
-                                    <p:cond evt="begin" delay="0">
-                                      <p:tn val="5"/>
-                                    </p:cond>
-                                  </p:endCondLst>
-                                  <p:childTnLst>
-                                    <p:set>
-                                      <p:cBhvr>
-                                        <p:cTn id="6" dur="1" fill="hold">
-                                          <p:stCondLst>
-                                            <p:cond delay="0"/>
-                                          </p:stCondLst>
-                                        </p:cTn>
-                                        <p:tgtEl>
-                                          <p:spTgt spid="7"/>
-                                        </p:tgtEl>
-                                        <p:attrNameLst>
-                                          <p:attrName>style.visibility</p:attrName>
-                                        </p:attrNameLst>
-                                      </p:cBhvr>
-                                      <p:to>
-                                        <p:strVal val="visible"/>
-                                      </p:to>
-                                    </p:set>
-                                    <p:anim calcmode="lin" valueType="num">
-                                      <p:cBhvr additive="base">
-                                        <p:cTn id="7" dur="10000" fill="hold"/>
-                                        <p:tgtEl>
-                                          <p:spTgt spid="7"/>
-                                        </p:tgtEl>
-                                        <p:attrNameLst>
-                                          <p:attrName>ppt_x</p:attrName>
-                                        </p:attrNameLst>
-                                      </p:cBhvr>
-                                      <p:tavLst>
-                                        <p:tav tm="0">
-                                          <p:val>
-                                            <p:strVal val="1+#ppt_w/2"/>
-                                          </p:val>
-                                        </p:tav>
-                                        <p:tav tm="100000">
-                                          <p:val>
-                                            <p:strVal val="#ppt_x"/>
-                                          </p:val>
-                                        </p:tav>
-                                      </p:tavLst>
-                                    </p:anim>
-                                    <p:anim calcmode="lin" valueType="num">
-                                      <p:cBhvr additive="base">
-                                        <p:cTn id="8" dur="10000" fill="hold"/>
-                                        <p:tgtEl>
-                                          <p:spTgt spid="7"/>
-                                        </p:tgtEl>
-                                        <p:attrNameLst>
-                                          <p:attrName>ppt_y</p:attrName>
-                                        </p:attrNameLst>
-                                      </p:cBhvr>
-                                      <p:tavLst>
-                                        <p:tav tm="0">
-                                          <p:val>
-                                            <p:strVal val="#ppt_y"/>
-                                          </p:val>
-                                        </p:tav>
-                                        <p:tav tm="100000">
-                                          <p:val>
-                                            <p:strVal val="#ppt_y"/>
-                                          </p:val>
-                                        </p:tav>
-                                      </p:tavLst>
-                                    </p:anim>
-                                  </p:childTnLst>
-                                </p:cTn>
-                              </p:par>
-                            </p:childTnLst>
-                          </p:cTn>
-                        </p:par>
-                      </p:childTnLst>
-                    </p:cTn>
-                  </p:par>
-                </p:childTnLst>
-              </p:cTn>
-              <p:prevCondLst>
-                <p:cond evt="onPrev" delay="0">
-                  <p:tgtEl>
-                    <p:sldTgt/>
-                  </p:tgtEl>
-                </p:cond>
-              </p:prevCondLst>
-              <p:nextCondLst>
-                <p:cond evt="onNext" delay="0">
-                  <p:tgtEl>
-                    <p:sldTgt/>
-                  </p:tgtEl>
-                </p:cond>
-              </p:nextCondLst>
-            </p:seq>
-          </p:childTnLst>
-        </p:cTn>
-      </p:par>
-    </p:tnLst>
-    <p:bldLst>
-      <p:bldP spid="7" grpId="0"/>
-    </p:bldLst>
-  </p:timing>
-</p:sldLayout>
-</file>
-
-<file path=ppt/slideLayouts/slideLayout9.xml><?xml version="1.0" encoding="utf-8"?>
-<p:sldLayout xmlns:a="http://schemas.openxmlformats.org/drawingml/2006/main" xmlns:r="http://schemas.openxmlformats.org/officeDocument/2006/relationships" xmlns:p="http://schemas.openxmlformats.org/presentationml/2006/main" preserve="1" userDrawn="1">
-  <p:cSld name="Tittellysbilde">
-    <p:spTree>
-      <p:nvGrpSpPr>
-        <p:cNvPr id="1" name=""/>
-        <p:cNvGrpSpPr/>
-        <p:nvPr/>
-      </p:nvGrpSpPr>
-      <p:grpSpPr>
-        <a:xfrm>
-          <a:off x="0" y="0"/>
-          <a:ext cx="0" cy="0"/>
-          <a:chOff x="0" y="0"/>
-          <a:chExt cx="0" cy="0"/>
-        </a:xfrm>
-      </p:grpSpPr>
-      <p:sp>
-        <p:nvSpPr>
-          <p:cNvPr id="2" name="Tittel 1"/>
-          <p:cNvSpPr>
-            <a:spLocks noGrp="1"/>
-          </p:cNvSpPr>
-          <p:nvPr>
-            <p:ph type="ctrTitle"/>
-          </p:nvPr>
-        </p:nvSpPr>
-        <p:spPr>
-          <a:xfrm>
-            <a:off x="998928" y="1503493"/>
-            <a:ext cx="4861733" cy="828104"/>
-          </a:xfrm>
-        </p:spPr>
-        <p:txBody>
-          <a:bodyPr anchor="ctr"/>
-          <a:lstStyle>
-            <a:lvl1pPr algn="ctr">
-              <a:defRPr sz="2600"/>
-            </a:lvl1pPr>
-          </a:lstStyle>
-          <a:p>
-            <a:r>
-              <a:rPr lang="nb-NO"/>
-              <a:t>Klikk for å redigere tittelstil</a:t>
-            </a:r>
-            <a:endParaRPr lang="nb-NO" dirty="0"/>
-          </a:p>
-        </p:txBody>
-      </p:sp>
-      <p:sp>
-        <p:nvSpPr>
-          <p:cNvPr id="3" name="Undertittel 2"/>
-          <p:cNvSpPr>
-            <a:spLocks noGrp="1"/>
-          </p:cNvSpPr>
-          <p:nvPr>
-            <p:ph type="subTitle" idx="1"/>
-          </p:nvPr>
-        </p:nvSpPr>
-        <p:spPr>
-          <a:xfrm>
-            <a:off x="998928" y="2513299"/>
-            <a:ext cx="4861733" cy="828104"/>
-          </a:xfrm>
-        </p:spPr>
-        <p:txBody>
-          <a:bodyPr anchor="ctr">
-            <a:noAutofit/>
-          </a:bodyPr>
-          <a:lstStyle>
-            <a:lvl1pPr marL="0" indent="0" algn="ctr">
-              <a:buNone/>
-              <a:defRPr sz="1700"/>
-            </a:lvl1pPr>
-            <a:lvl2pPr marL="342900" indent="0" algn="ctr">
-              <a:buNone/>
-              <a:defRPr sz="1500"/>
-            </a:lvl2pPr>
-            <a:lvl3pPr marL="685800" indent="0" algn="ctr">
-              <a:buNone/>
-              <a:defRPr sz="1350"/>
-            </a:lvl3pPr>
-            <a:lvl4pPr marL="1028700" indent="0" algn="ctr">
-              <a:buNone/>
-              <a:defRPr sz="1200"/>
-            </a:lvl4pPr>
-            <a:lvl5pPr marL="1371600" indent="0" algn="ctr">
-              <a:buNone/>
-              <a:defRPr sz="1200"/>
-            </a:lvl5pPr>
-            <a:lvl6pPr marL="1714500" indent="0" algn="ctr">
-              <a:buNone/>
-              <a:defRPr sz="1200"/>
-            </a:lvl6pPr>
-            <a:lvl7pPr marL="2057400" indent="0" algn="ctr">
-              <a:buNone/>
-              <a:defRPr sz="1200"/>
-            </a:lvl7pPr>
-            <a:lvl8pPr marL="2400300" indent="0" algn="ctr">
-              <a:buNone/>
-              <a:defRPr sz="1200"/>
-            </a:lvl8pPr>
-            <a:lvl9pPr marL="2743200" indent="0" algn="ctr">
-              <a:buNone/>
-              <a:defRPr sz="1200"/>
-            </a:lvl9pPr>
-          </a:lstStyle>
-          <a:p>
-            <a:r>
-              <a:rPr lang="nb-NO"/>
-              <a:t>Klikk for å redigere undertittelstil i malen</a:t>
-            </a:r>
-          </a:p>
-        </p:txBody>
-      </p:sp>
-      <p:sp>
-        <p:nvSpPr>
-          <p:cNvPr id="7" name="Plassholder for bunntekst 3"/>
-          <p:cNvSpPr>
-            <a:spLocks noGrp="1"/>
-          </p:cNvSpPr>
-          <p:nvPr>
-            <p:ph type="ftr" sz="quarter" idx="3"/>
-          </p:nvPr>
-        </p:nvSpPr>
-        <p:spPr>
-          <a:xfrm>
-            <a:off x="-768257" y="4889255"/>
-            <a:ext cx="744607" cy="230832"/>
-          </a:xfrm>
-          <a:prstGeom prst="rect">
-            <a:avLst/>
-          </a:prstGeom>
-        </p:spPr>
-        <p:txBody>
-          <a:bodyPr vert="horz" wrap="none" lIns="0" tIns="0" rIns="0" bIns="0" rtlCol="0" anchor="ctr">
-            <a:noAutofit/>
-          </a:bodyPr>
-          <a:lstStyle>
-            <a:lvl1pPr algn="r">
-              <a:defRPr sz="1000">
-                <a:solidFill>
-                  <a:schemeClr val="tx1"/>
-                </a:solidFill>
-              </a:defRPr>
-            </a:lvl1pPr>
-          </a:lstStyle>
-          <a:p>
-            <a:r>
-              <a:rPr lang="nb-NO"/>
-              <a:t>Rullende tekst settes inn via "Sett inn -&gt; Topptekst og bunntekst"</a:t>
-            </a:r>
-            <a:endParaRPr lang="nb-NO" dirty="0"/>
-          </a:p>
-        </p:txBody>
-      </p:sp>
-    </p:spTree>
-    <p:extLst>
-      <p:ext uri="{BB962C8B-B14F-4D97-AF65-F5344CB8AC3E}">
-        <p14:creationId xmlns:p14="http://schemas.microsoft.com/office/powerpoint/2010/main" val="2550092002"/>
-      </p:ext>
-    </p:extLst>
-  </p:cSld>
-  <p:clrMapOvr>
-    <a:masterClrMapping/>
-  </p:clrMapOvr>
-  <p:transition spd="slow" advClick="0" advTm="10000">
-    <p:fade/>
-  </p:transition>
-  <p:timing>
-    <p:tnLst>
-      <p:par>
-        <p:cTn id="1" dur="indefinite" restart="never" nodeType="tmRoot">
-          <p:childTnLst>
-            <p:seq concurrent="1" nextAc="seek">
-              <p:cTn id="2" dur="indefinite" nodeType="mainSeq">
-                <p:childTnLst>
-                  <p:par>
-                    <p:cTn id="3" fill="hold">
-                      <p:stCondLst>
-                        <p:cond delay="indefinite"/>
-                        <p:cond evt="onBegin" delay="0">
-                          <p:tn val="2"/>
-                        </p:cond>
-                      </p:stCondLst>
-                      <p:childTnLst>
-                        <p:par>
-                          <p:cTn id="4" fill="hold">
-                            <p:stCondLst>
-                              <p:cond delay="0"/>
-                            </p:stCondLst>
-                            <p:childTnLst>
-                              <p:par>
-                                <p:cTn id="5" presetID="2" presetClass="entr" presetSubtype="2" repeatCount="indefinite" fill="hold" grpId="0" nodeType="afterEffect" nodePh="1">
-                                  <p:stCondLst>
-                                    <p:cond delay="0"/>
-                                  </p:stCondLst>
-                                  <p:endCondLst>
-                                    <p:cond evt="begin" delay="0">
-                                      <p:tn val="5"/>
-                                    </p:cond>
-                                  </p:endCondLst>
-                                  <p:childTnLst>
-                                    <p:set>
-                                      <p:cBhvr>
-                                        <p:cTn id="6" dur="1" fill="hold">
-                                          <p:stCondLst>
-                                            <p:cond delay="0"/>
-                                          </p:stCondLst>
-                                        </p:cTn>
-                                        <p:tgtEl>
-                                          <p:spTgt spid="7"/>
-                                        </p:tgtEl>
-                                        <p:attrNameLst>
-                                          <p:attrName>style.visibility</p:attrName>
-                                        </p:attrNameLst>
-                                      </p:cBhvr>
-                                      <p:to>
-                                        <p:strVal val="visible"/>
-                                      </p:to>
-                                    </p:set>
-                                    <p:anim calcmode="lin" valueType="num">
-                                      <p:cBhvr additive="base">
-                                        <p:cTn id="7" dur="10000" fill="hold"/>
-                                        <p:tgtEl>
-                                          <p:spTgt spid="7"/>
-                                        </p:tgtEl>
-                                        <p:attrNameLst>
-                                          <p:attrName>ppt_x</p:attrName>
-                                        </p:attrNameLst>
-                                      </p:cBhvr>
-                                      <p:tavLst>
-                                        <p:tav tm="0">
-                                          <p:val>
-                                            <p:strVal val="1+#ppt_w/2"/>
-                                          </p:val>
-                                        </p:tav>
-                                        <p:tav tm="100000">
-                                          <p:val>
-                                            <p:strVal val="#ppt_x"/>
-                                          </p:val>
-                                        </p:tav>
-                                      </p:tavLst>
-                                    </p:anim>
-                                    <p:anim calcmode="lin" valueType="num">
-                                      <p:cBhvr additive="base">
-                                        <p:cTn id="8" dur="10000" fill="hold"/>
-                                        <p:tgtEl>
-                                          <p:spTgt spid="7"/>
-                                        </p:tgtEl>
-                                        <p:attrNameLst>
-                                          <p:attrName>ppt_y</p:attrName>
-                                        </p:attrNameLst>
-                                      </p:cBhvr>
-                                      <p:tavLst>
-                                        <p:tav tm="0">
-                                          <p:val>
-                                            <p:strVal val="#ppt_y"/>
-                                          </p:val>
-                                        </p:tav>
-                                        <p:tav tm="100000">
-                                          <p:val>
-                                            <p:strVal val="#ppt_y"/>
-                                          </p:val>
-                                        </p:tav>
-                                      </p:tavLst>
-                                    </p:anim>
-                                  </p:childTnLst>
-                                </p:cTn>
-                              </p:par>
-                            </p:childTnLst>
-                          </p:cTn>
-                        </p:par>
-                      </p:childTnLst>
-                    </p:cTn>
-                  </p:par>
-                </p:childTnLst>
-              </p:cTn>
-              <p:prevCondLst>
-                <p:cond evt="onPrev" delay="0">
-                  <p:tgtEl>
-                    <p:sldTgt/>
-                  </p:tgtEl>
-                </p:cond>
-              </p:prevCondLst>
-              <p:nextCondLst>
-                <p:cond evt="onNext" delay="0">
-                  <p:tgtEl>
-                    <p:sldTgt/>
-                  </p:tgtEl>
-                </p:cond>
-              </p:nextCondLst>
-            </p:seq>
-          </p:childTnLst>
-        </p:cTn>
-      </p:par>
-    </p:tnLst>
-    <p:bldLst>
-      <p:bldP spid="7" grpId="0"/>
-    </p:bldLst>
-  </p:timing>
-</p:sldLayout>
-</file>
-
 <file path=ppt/slideMasters/slideMaster1.xml><?xml version="1.0" encoding="utf-8"?>
 <p:sldMaster xmlns:a="http://schemas.openxmlformats.org/drawingml/2006/main" xmlns:r="http://schemas.openxmlformats.org/officeDocument/2006/relationships" xmlns:p="http://schemas.openxmlformats.org/presentationml/2006/main">
   <p:cSld>
@@ -5443,7 +8921,7 @@
           <p:nvPr userDrawn="1"/>
         </p:nvPicPr>
         <p:blipFill>
-          <a:blip r:embed="rId10" cstate="print">
+          <a:blip r:embed="rId16" cstate="print">
             <a:extLst>
               <a:ext uri="{28A0092B-C50C-407E-A947-70E740481C1C}">
                 <a14:useLocalDpi xmlns:a14="http://schemas.microsoft.com/office/drawing/2010/main" val="0"/>
@@ -5479,8 +8957,14 @@
     <p:sldLayoutId id="2147483649" r:id="rId4"/>
     <p:sldLayoutId id="2147483650" r:id="rId5"/>
     <p:sldLayoutId id="2147483652" r:id="rId6"/>
-    <p:sldLayoutId id="2147483654" r:id="rId7"/>
-    <p:sldLayoutId id="2147483655" r:id="rId8"/>
+    <p:sldLayoutId id="2147483682" r:id="rId7"/>
+    <p:sldLayoutId id="2147483683" r:id="rId8"/>
+    <p:sldLayoutId id="2147483654" r:id="rId9"/>
+    <p:sldLayoutId id="2147483655" r:id="rId10"/>
+    <p:sldLayoutId id="2147483688" r:id="rId11"/>
+    <p:sldLayoutId id="2147483689" r:id="rId12"/>
+    <p:sldLayoutId id="2147483690" r:id="rId13"/>
+    <p:sldLayoutId id="2147483691" r:id="rId14"/>
   </p:sldLayoutIdLst>
   <p:hf sldNum="0" hdr="0" dt="0"/>
   <p:txStyles>
@@ -7017,7 +10501,7 @@
     <p:bg>
       <p:bgPr>
         <a:solidFill>
-          <a:schemeClr val="accent5"/>
+          <a:srgbClr val="117845"/>
         </a:solidFill>
         <a:effectLst/>
       </p:bgPr>
@@ -7141,6 +10625,1248 @@
     <p:sldLayoutId id="2147483677" r:id="rId1"/>
     <p:sldLayoutId id="2147483678" r:id="rId2"/>
     <p:sldLayoutId id="2147483679" r:id="rId3"/>
+  </p:sldLayoutIdLst>
+  <p:hf sldNum="0" hdr="0" dt="0"/>
+  <p:txStyles>
+    <p:titleStyle>
+      <a:lvl1pPr algn="l" defTabSz="685800" rtl="0" eaLnBrk="1" latinLnBrk="0" hangingPunct="1">
+        <a:lnSpc>
+          <a:spcPct val="90000"/>
+        </a:lnSpc>
+        <a:spcBef>
+          <a:spcPct val="0"/>
+        </a:spcBef>
+        <a:buNone/>
+        <a:defRPr sz="2600" kern="1200" baseline="0">
+          <a:solidFill>
+            <a:schemeClr val="bg1"/>
+          </a:solidFill>
+          <a:latin typeface="+mj-lt"/>
+          <a:ea typeface="+mj-ea"/>
+          <a:cs typeface="+mj-cs"/>
+        </a:defRPr>
+      </a:lvl1pPr>
+    </p:titleStyle>
+    <p:bodyStyle>
+      <a:lvl1pPr marL="171450" indent="-171450" algn="l" defTabSz="685800" rtl="0" eaLnBrk="1" latinLnBrk="0" hangingPunct="1">
+        <a:lnSpc>
+          <a:spcPct val="90000"/>
+        </a:lnSpc>
+        <a:spcBef>
+          <a:spcPts val="750"/>
+        </a:spcBef>
+        <a:buFont typeface="Arial" panose="020B0604020202020204" pitchFamily="34" charset="0"/>
+        <a:buChar char="•"/>
+        <a:defRPr sz="1800" kern="1200" baseline="0">
+          <a:solidFill>
+            <a:schemeClr val="bg1"/>
+          </a:solidFill>
+          <a:latin typeface="+mn-lt"/>
+          <a:ea typeface="+mn-ea"/>
+          <a:cs typeface="+mn-cs"/>
+        </a:defRPr>
+      </a:lvl1pPr>
+      <a:lvl2pPr marL="514350" indent="-171450" algn="l" defTabSz="685800" rtl="0" eaLnBrk="1" latinLnBrk="0" hangingPunct="1">
+        <a:lnSpc>
+          <a:spcPct val="90000"/>
+        </a:lnSpc>
+        <a:spcBef>
+          <a:spcPts val="375"/>
+        </a:spcBef>
+        <a:buFont typeface="Arial" panose="020B0604020202020204" pitchFamily="34" charset="0"/>
+        <a:buChar char="•"/>
+        <a:defRPr sz="1400" kern="1200" baseline="0">
+          <a:solidFill>
+            <a:schemeClr val="bg1"/>
+          </a:solidFill>
+          <a:latin typeface="+mn-lt"/>
+          <a:ea typeface="+mn-ea"/>
+          <a:cs typeface="+mn-cs"/>
+        </a:defRPr>
+      </a:lvl2pPr>
+      <a:lvl3pPr marL="857250" indent="-171450" algn="l" defTabSz="685800" rtl="0" eaLnBrk="1" latinLnBrk="0" hangingPunct="1">
+        <a:lnSpc>
+          <a:spcPct val="90000"/>
+        </a:lnSpc>
+        <a:spcBef>
+          <a:spcPts val="375"/>
+        </a:spcBef>
+        <a:buFont typeface="Arial" panose="020B0604020202020204" pitchFamily="34" charset="0"/>
+        <a:buChar char="•"/>
+        <a:defRPr sz="1200" kern="1200" baseline="0">
+          <a:solidFill>
+            <a:schemeClr val="bg1"/>
+          </a:solidFill>
+          <a:latin typeface="+mn-lt"/>
+          <a:ea typeface="+mn-ea"/>
+          <a:cs typeface="+mn-cs"/>
+        </a:defRPr>
+      </a:lvl3pPr>
+      <a:lvl4pPr marL="1200150" indent="-171450" algn="l" defTabSz="685800" rtl="0" eaLnBrk="1" latinLnBrk="0" hangingPunct="1">
+        <a:lnSpc>
+          <a:spcPct val="90000"/>
+        </a:lnSpc>
+        <a:spcBef>
+          <a:spcPts val="375"/>
+        </a:spcBef>
+        <a:buFont typeface="Arial" panose="020B0604020202020204" pitchFamily="34" charset="0"/>
+        <a:buChar char="•"/>
+        <a:defRPr sz="1100" kern="1200" baseline="0">
+          <a:solidFill>
+            <a:schemeClr val="bg1"/>
+          </a:solidFill>
+          <a:latin typeface="+mn-lt"/>
+          <a:ea typeface="+mn-ea"/>
+          <a:cs typeface="+mn-cs"/>
+        </a:defRPr>
+      </a:lvl4pPr>
+      <a:lvl5pPr marL="1543050" indent="-171450" algn="l" defTabSz="685800" rtl="0" eaLnBrk="1" latinLnBrk="0" hangingPunct="1">
+        <a:lnSpc>
+          <a:spcPct val="90000"/>
+        </a:lnSpc>
+        <a:spcBef>
+          <a:spcPts val="375"/>
+        </a:spcBef>
+        <a:buFont typeface="Arial" panose="020B0604020202020204" pitchFamily="34" charset="0"/>
+        <a:buChar char="•"/>
+        <a:defRPr sz="1100" kern="1200" baseline="0">
+          <a:solidFill>
+            <a:schemeClr val="bg1"/>
+          </a:solidFill>
+          <a:latin typeface="+mn-lt"/>
+          <a:ea typeface="+mn-ea"/>
+          <a:cs typeface="+mn-cs"/>
+        </a:defRPr>
+      </a:lvl5pPr>
+      <a:lvl6pPr marL="1885950" indent="-171450" algn="l" defTabSz="685800" rtl="0" eaLnBrk="1" latinLnBrk="0" hangingPunct="1">
+        <a:lnSpc>
+          <a:spcPct val="90000"/>
+        </a:lnSpc>
+        <a:spcBef>
+          <a:spcPts val="375"/>
+        </a:spcBef>
+        <a:buFont typeface="Arial" panose="020B0604020202020204" pitchFamily="34" charset="0"/>
+        <a:buChar char="•"/>
+        <a:defRPr sz="1350" kern="1200">
+          <a:solidFill>
+            <a:schemeClr val="tx1"/>
+          </a:solidFill>
+          <a:latin typeface="+mn-lt"/>
+          <a:ea typeface="+mn-ea"/>
+          <a:cs typeface="+mn-cs"/>
+        </a:defRPr>
+      </a:lvl6pPr>
+      <a:lvl7pPr marL="2228850" indent="-171450" algn="l" defTabSz="685800" rtl="0" eaLnBrk="1" latinLnBrk="0" hangingPunct="1">
+        <a:lnSpc>
+          <a:spcPct val="90000"/>
+        </a:lnSpc>
+        <a:spcBef>
+          <a:spcPts val="375"/>
+        </a:spcBef>
+        <a:buFont typeface="Arial" panose="020B0604020202020204" pitchFamily="34" charset="0"/>
+        <a:buChar char="•"/>
+        <a:defRPr sz="1350" kern="1200">
+          <a:solidFill>
+            <a:schemeClr val="tx1"/>
+          </a:solidFill>
+          <a:latin typeface="+mn-lt"/>
+          <a:ea typeface="+mn-ea"/>
+          <a:cs typeface="+mn-cs"/>
+        </a:defRPr>
+      </a:lvl7pPr>
+      <a:lvl8pPr marL="2571750" indent="-171450" algn="l" defTabSz="685800" rtl="0" eaLnBrk="1" latinLnBrk="0" hangingPunct="1">
+        <a:lnSpc>
+          <a:spcPct val="90000"/>
+        </a:lnSpc>
+        <a:spcBef>
+          <a:spcPts val="375"/>
+        </a:spcBef>
+        <a:buFont typeface="Arial" panose="020B0604020202020204" pitchFamily="34" charset="0"/>
+        <a:buChar char="•"/>
+        <a:defRPr sz="1350" kern="1200">
+          <a:solidFill>
+            <a:schemeClr val="tx1"/>
+          </a:solidFill>
+          <a:latin typeface="+mn-lt"/>
+          <a:ea typeface="+mn-ea"/>
+          <a:cs typeface="+mn-cs"/>
+        </a:defRPr>
+      </a:lvl8pPr>
+      <a:lvl9pPr marL="2914650" indent="-171450" algn="l" defTabSz="685800" rtl="0" eaLnBrk="1" latinLnBrk="0" hangingPunct="1">
+        <a:lnSpc>
+          <a:spcPct val="90000"/>
+        </a:lnSpc>
+        <a:spcBef>
+          <a:spcPts val="375"/>
+        </a:spcBef>
+        <a:buFont typeface="Arial" panose="020B0604020202020204" pitchFamily="34" charset="0"/>
+        <a:buChar char="•"/>
+        <a:defRPr sz="1350" kern="1200">
+          <a:solidFill>
+            <a:schemeClr val="tx1"/>
+          </a:solidFill>
+          <a:latin typeface="+mn-lt"/>
+          <a:ea typeface="+mn-ea"/>
+          <a:cs typeface="+mn-cs"/>
+        </a:defRPr>
+      </a:lvl9pPr>
+    </p:bodyStyle>
+    <p:otherStyle>
+      <a:defPPr>
+        <a:defRPr lang="en-US"/>
+      </a:defPPr>
+      <a:lvl1pPr marL="0" algn="l" defTabSz="685800" rtl="0" eaLnBrk="1" latinLnBrk="0" hangingPunct="1">
+        <a:defRPr sz="1350" kern="1200">
+          <a:solidFill>
+            <a:schemeClr val="tx1"/>
+          </a:solidFill>
+          <a:latin typeface="+mn-lt"/>
+          <a:ea typeface="+mn-ea"/>
+          <a:cs typeface="+mn-cs"/>
+        </a:defRPr>
+      </a:lvl1pPr>
+      <a:lvl2pPr marL="342900" algn="l" defTabSz="685800" rtl="0" eaLnBrk="1" latinLnBrk="0" hangingPunct="1">
+        <a:defRPr sz="1350" kern="1200">
+          <a:solidFill>
+            <a:schemeClr val="tx1"/>
+          </a:solidFill>
+          <a:latin typeface="+mn-lt"/>
+          <a:ea typeface="+mn-ea"/>
+          <a:cs typeface="+mn-cs"/>
+        </a:defRPr>
+      </a:lvl2pPr>
+      <a:lvl3pPr marL="685800" algn="l" defTabSz="685800" rtl="0" eaLnBrk="1" latinLnBrk="0" hangingPunct="1">
+        <a:defRPr sz="1350" kern="1200">
+          <a:solidFill>
+            <a:schemeClr val="tx1"/>
+          </a:solidFill>
+          <a:latin typeface="+mn-lt"/>
+          <a:ea typeface="+mn-ea"/>
+          <a:cs typeface="+mn-cs"/>
+        </a:defRPr>
+      </a:lvl3pPr>
+      <a:lvl4pPr marL="1028700" algn="l" defTabSz="685800" rtl="0" eaLnBrk="1" latinLnBrk="0" hangingPunct="1">
+        <a:defRPr sz="1350" kern="1200">
+          <a:solidFill>
+            <a:schemeClr val="tx1"/>
+          </a:solidFill>
+          <a:latin typeface="+mn-lt"/>
+          <a:ea typeface="+mn-ea"/>
+          <a:cs typeface="+mn-cs"/>
+        </a:defRPr>
+      </a:lvl4pPr>
+      <a:lvl5pPr marL="1371600" algn="l" defTabSz="685800" rtl="0" eaLnBrk="1" latinLnBrk="0" hangingPunct="1">
+        <a:defRPr sz="1350" kern="1200">
+          <a:solidFill>
+            <a:schemeClr val="tx1"/>
+          </a:solidFill>
+          <a:latin typeface="+mn-lt"/>
+          <a:ea typeface="+mn-ea"/>
+          <a:cs typeface="+mn-cs"/>
+        </a:defRPr>
+      </a:lvl5pPr>
+      <a:lvl6pPr marL="1714500" algn="l" defTabSz="685800" rtl="0" eaLnBrk="1" latinLnBrk="0" hangingPunct="1">
+        <a:defRPr sz="1350" kern="1200">
+          <a:solidFill>
+            <a:schemeClr val="tx1"/>
+          </a:solidFill>
+          <a:latin typeface="+mn-lt"/>
+          <a:ea typeface="+mn-ea"/>
+          <a:cs typeface="+mn-cs"/>
+        </a:defRPr>
+      </a:lvl6pPr>
+      <a:lvl7pPr marL="2057400" algn="l" defTabSz="685800" rtl="0" eaLnBrk="1" latinLnBrk="0" hangingPunct="1">
+        <a:defRPr sz="1350" kern="1200">
+          <a:solidFill>
+            <a:schemeClr val="tx1"/>
+          </a:solidFill>
+          <a:latin typeface="+mn-lt"/>
+          <a:ea typeface="+mn-ea"/>
+          <a:cs typeface="+mn-cs"/>
+        </a:defRPr>
+      </a:lvl7pPr>
+      <a:lvl8pPr marL="2400300" algn="l" defTabSz="685800" rtl="0" eaLnBrk="1" latinLnBrk="0" hangingPunct="1">
+        <a:defRPr sz="1350" kern="1200">
+          <a:solidFill>
+            <a:schemeClr val="tx1"/>
+          </a:solidFill>
+          <a:latin typeface="+mn-lt"/>
+          <a:ea typeface="+mn-ea"/>
+          <a:cs typeface="+mn-cs"/>
+        </a:defRPr>
+      </a:lvl8pPr>
+      <a:lvl9pPr marL="2743200" algn="l" defTabSz="685800" rtl="0" eaLnBrk="1" latinLnBrk="0" hangingPunct="1">
+        <a:defRPr sz="1350" kern="1200">
+          <a:solidFill>
+            <a:schemeClr val="tx1"/>
+          </a:solidFill>
+          <a:latin typeface="+mn-lt"/>
+          <a:ea typeface="+mn-ea"/>
+          <a:cs typeface="+mn-cs"/>
+        </a:defRPr>
+      </a:lvl9pPr>
+    </p:otherStyle>
+  </p:txStyles>
+</p:sldMaster>
+</file>
+
+<file path=ppt/slideMasters/slideMaster6.xml><?xml version="1.0" encoding="utf-8"?>
+<p:sldMaster xmlns:a="http://schemas.openxmlformats.org/drawingml/2006/main" xmlns:r="http://schemas.openxmlformats.org/officeDocument/2006/relationships" xmlns:p="http://schemas.openxmlformats.org/presentationml/2006/main" preserve="1">
+  <p:cSld>
+    <p:bg>
+      <p:bgRef idx="1001">
+        <a:schemeClr val="bg1"/>
+      </p:bgRef>
+    </p:bg>
+    <p:spTree>
+      <p:nvGrpSpPr>
+        <p:cNvPr id="1" name=""/>
+        <p:cNvGrpSpPr/>
+        <p:nvPr/>
+      </p:nvGrpSpPr>
+      <p:grpSpPr>
+        <a:xfrm>
+          <a:off x="0" y="0"/>
+          <a:ext cx="0" cy="0"/>
+          <a:chOff x="0" y="0"/>
+          <a:chExt cx="0" cy="0"/>
+        </a:xfrm>
+      </p:grpSpPr>
+      <p:sp>
+        <p:nvSpPr>
+          <p:cNvPr id="2" name="Plassholder for tittel 1"/>
+          <p:cNvSpPr>
+            <a:spLocks noGrp="1"/>
+          </p:cNvSpPr>
+          <p:nvPr>
+            <p:ph type="title"/>
+          </p:nvPr>
+        </p:nvSpPr>
+        <p:spPr>
+          <a:xfrm>
+            <a:off x="1080052" y="1504988"/>
+            <a:ext cx="4699484" cy="828104"/>
+          </a:xfrm>
+          <a:prstGeom prst="rect">
+            <a:avLst/>
+          </a:prstGeom>
+        </p:spPr>
+        <p:txBody>
+          <a:bodyPr vert="horz" lIns="0" tIns="0" rIns="0" bIns="0" rtlCol="0" anchor="ctr">
+            <a:noAutofit/>
+          </a:bodyPr>
+          <a:lstStyle/>
+          <a:p>
+            <a:r>
+              <a:rPr lang="nb-NO" dirty="0"/>
+              <a:t>Klikk for å redigere tittelstil</a:t>
+            </a:r>
+          </a:p>
+        </p:txBody>
+      </p:sp>
+      <p:sp>
+        <p:nvSpPr>
+          <p:cNvPr id="3" name="Plassholder for tekst 2"/>
+          <p:cNvSpPr>
+            <a:spLocks noGrp="1"/>
+          </p:cNvSpPr>
+          <p:nvPr>
+            <p:ph type="body" idx="1"/>
+          </p:nvPr>
+        </p:nvSpPr>
+        <p:spPr>
+          <a:xfrm>
+            <a:off x="1080052" y="2445027"/>
+            <a:ext cx="4699484" cy="1967316"/>
+          </a:xfrm>
+          <a:prstGeom prst="rect">
+            <a:avLst/>
+          </a:prstGeom>
+        </p:spPr>
+        <p:txBody>
+          <a:bodyPr vert="horz" lIns="0" tIns="0" rIns="0" bIns="0" rtlCol="0">
+            <a:normAutofit/>
+          </a:bodyPr>
+          <a:lstStyle/>
+          <a:p>
+            <a:pPr lvl="0"/>
+            <a:r>
+              <a:rPr lang="nb-NO" dirty="0"/>
+              <a:t>Klikk for å redigere tekststiler i malen</a:t>
+            </a:r>
+          </a:p>
+          <a:p>
+            <a:pPr lvl="1"/>
+            <a:r>
+              <a:rPr lang="nb-NO" dirty="0"/>
+              <a:t>Andre nivå</a:t>
+            </a:r>
+          </a:p>
+          <a:p>
+            <a:pPr lvl="2"/>
+            <a:r>
+              <a:rPr lang="nb-NO" dirty="0"/>
+              <a:t>Tredje nivå</a:t>
+            </a:r>
+          </a:p>
+          <a:p>
+            <a:pPr lvl="3"/>
+            <a:r>
+              <a:rPr lang="nb-NO" dirty="0"/>
+              <a:t>Fjerde nivå</a:t>
+            </a:r>
+          </a:p>
+          <a:p>
+            <a:pPr lvl="4"/>
+            <a:r>
+              <a:rPr lang="nb-NO" dirty="0"/>
+              <a:t>Femte nivå</a:t>
+            </a:r>
+          </a:p>
+        </p:txBody>
+      </p:sp>
+    </p:spTree>
+    <p:extLst>
+      <p:ext uri="{BB962C8B-B14F-4D97-AF65-F5344CB8AC3E}">
+        <p14:creationId xmlns:p14="http://schemas.microsoft.com/office/powerpoint/2010/main" val="1296391294"/>
+      </p:ext>
+    </p:extLst>
+  </p:cSld>
+  <p:clrMap bg1="dk1" tx1="lt1" bg2="dk2" tx2="lt2" accent1="accent1" accent2="accent2" accent3="accent3" accent4="accent4" accent5="accent5" accent6="accent6" hlink="hlink" folHlink="folHlink"/>
+  <p:sldLayoutIdLst>
+    <p:sldLayoutId id="2147483685" r:id="rId1"/>
+    <p:sldLayoutId id="2147483686" r:id="rId2"/>
+    <p:sldLayoutId id="2147483687" r:id="rId3"/>
+  </p:sldLayoutIdLst>
+  <p:hf sldNum="0" hdr="0" dt="0"/>
+  <p:txStyles>
+    <p:titleStyle>
+      <a:lvl1pPr algn="l" defTabSz="685800" rtl="0" eaLnBrk="1" latinLnBrk="0" hangingPunct="1">
+        <a:lnSpc>
+          <a:spcPct val="90000"/>
+        </a:lnSpc>
+        <a:spcBef>
+          <a:spcPct val="0"/>
+        </a:spcBef>
+        <a:buNone/>
+        <a:defRPr sz="2600" kern="1200" baseline="0">
+          <a:solidFill>
+            <a:schemeClr val="tx1"/>
+          </a:solidFill>
+          <a:latin typeface="+mj-lt"/>
+          <a:ea typeface="+mj-ea"/>
+          <a:cs typeface="+mj-cs"/>
+        </a:defRPr>
+      </a:lvl1pPr>
+    </p:titleStyle>
+    <p:bodyStyle>
+      <a:lvl1pPr marL="171450" indent="-171450" algn="l" defTabSz="685800" rtl="0" eaLnBrk="1" latinLnBrk="0" hangingPunct="1">
+        <a:lnSpc>
+          <a:spcPct val="90000"/>
+        </a:lnSpc>
+        <a:spcBef>
+          <a:spcPts val="750"/>
+        </a:spcBef>
+        <a:buFont typeface="Arial" panose="020B0604020202020204" pitchFamily="34" charset="0"/>
+        <a:buChar char="•"/>
+        <a:defRPr sz="1800" kern="1200" baseline="0">
+          <a:solidFill>
+            <a:schemeClr val="tx1"/>
+          </a:solidFill>
+          <a:latin typeface="+mn-lt"/>
+          <a:ea typeface="+mn-ea"/>
+          <a:cs typeface="+mn-cs"/>
+        </a:defRPr>
+      </a:lvl1pPr>
+      <a:lvl2pPr marL="514350" indent="-171450" algn="l" defTabSz="685800" rtl="0" eaLnBrk="1" latinLnBrk="0" hangingPunct="1">
+        <a:lnSpc>
+          <a:spcPct val="90000"/>
+        </a:lnSpc>
+        <a:spcBef>
+          <a:spcPts val="375"/>
+        </a:spcBef>
+        <a:buFont typeface="Arial" panose="020B0604020202020204" pitchFamily="34" charset="0"/>
+        <a:buChar char="•"/>
+        <a:defRPr sz="1400" kern="1200" baseline="0">
+          <a:solidFill>
+            <a:schemeClr val="tx1"/>
+          </a:solidFill>
+          <a:latin typeface="+mn-lt"/>
+          <a:ea typeface="+mn-ea"/>
+          <a:cs typeface="+mn-cs"/>
+        </a:defRPr>
+      </a:lvl2pPr>
+      <a:lvl3pPr marL="857250" indent="-171450" algn="l" defTabSz="685800" rtl="0" eaLnBrk="1" latinLnBrk="0" hangingPunct="1">
+        <a:lnSpc>
+          <a:spcPct val="90000"/>
+        </a:lnSpc>
+        <a:spcBef>
+          <a:spcPts val="375"/>
+        </a:spcBef>
+        <a:buFont typeface="Arial" panose="020B0604020202020204" pitchFamily="34" charset="0"/>
+        <a:buChar char="•"/>
+        <a:defRPr sz="1200" kern="1200" baseline="0">
+          <a:solidFill>
+            <a:schemeClr val="tx1"/>
+          </a:solidFill>
+          <a:latin typeface="+mn-lt"/>
+          <a:ea typeface="+mn-ea"/>
+          <a:cs typeface="+mn-cs"/>
+        </a:defRPr>
+      </a:lvl3pPr>
+      <a:lvl4pPr marL="1200150" indent="-171450" algn="l" defTabSz="685800" rtl="0" eaLnBrk="1" latinLnBrk="0" hangingPunct="1">
+        <a:lnSpc>
+          <a:spcPct val="90000"/>
+        </a:lnSpc>
+        <a:spcBef>
+          <a:spcPts val="375"/>
+        </a:spcBef>
+        <a:buFont typeface="Arial" panose="020B0604020202020204" pitchFamily="34" charset="0"/>
+        <a:buChar char="•"/>
+        <a:defRPr sz="1100" kern="1200" baseline="0">
+          <a:solidFill>
+            <a:schemeClr val="tx1"/>
+          </a:solidFill>
+          <a:latin typeface="+mn-lt"/>
+          <a:ea typeface="+mn-ea"/>
+          <a:cs typeface="+mn-cs"/>
+        </a:defRPr>
+      </a:lvl4pPr>
+      <a:lvl5pPr marL="1543050" indent="-171450" algn="l" defTabSz="685800" rtl="0" eaLnBrk="1" latinLnBrk="0" hangingPunct="1">
+        <a:lnSpc>
+          <a:spcPct val="90000"/>
+        </a:lnSpc>
+        <a:spcBef>
+          <a:spcPts val="375"/>
+        </a:spcBef>
+        <a:buFont typeface="Arial" panose="020B0604020202020204" pitchFamily="34" charset="0"/>
+        <a:buChar char="•"/>
+        <a:defRPr sz="1100" kern="1200" baseline="0">
+          <a:solidFill>
+            <a:schemeClr val="tx1"/>
+          </a:solidFill>
+          <a:latin typeface="+mn-lt"/>
+          <a:ea typeface="+mn-ea"/>
+          <a:cs typeface="+mn-cs"/>
+        </a:defRPr>
+      </a:lvl5pPr>
+      <a:lvl6pPr marL="1885950" indent="-171450" algn="l" defTabSz="685800" rtl="0" eaLnBrk="1" latinLnBrk="0" hangingPunct="1">
+        <a:lnSpc>
+          <a:spcPct val="90000"/>
+        </a:lnSpc>
+        <a:spcBef>
+          <a:spcPts val="375"/>
+        </a:spcBef>
+        <a:buFont typeface="Arial" panose="020B0604020202020204" pitchFamily="34" charset="0"/>
+        <a:buChar char="•"/>
+        <a:defRPr sz="1350" kern="1200">
+          <a:solidFill>
+            <a:schemeClr val="tx1"/>
+          </a:solidFill>
+          <a:latin typeface="+mn-lt"/>
+          <a:ea typeface="+mn-ea"/>
+          <a:cs typeface="+mn-cs"/>
+        </a:defRPr>
+      </a:lvl6pPr>
+      <a:lvl7pPr marL="2228850" indent="-171450" algn="l" defTabSz="685800" rtl="0" eaLnBrk="1" latinLnBrk="0" hangingPunct="1">
+        <a:lnSpc>
+          <a:spcPct val="90000"/>
+        </a:lnSpc>
+        <a:spcBef>
+          <a:spcPts val="375"/>
+        </a:spcBef>
+        <a:buFont typeface="Arial" panose="020B0604020202020204" pitchFamily="34" charset="0"/>
+        <a:buChar char="•"/>
+        <a:defRPr sz="1350" kern="1200">
+          <a:solidFill>
+            <a:schemeClr val="tx1"/>
+          </a:solidFill>
+          <a:latin typeface="+mn-lt"/>
+          <a:ea typeface="+mn-ea"/>
+          <a:cs typeface="+mn-cs"/>
+        </a:defRPr>
+      </a:lvl7pPr>
+      <a:lvl8pPr marL="2571750" indent="-171450" algn="l" defTabSz="685800" rtl="0" eaLnBrk="1" latinLnBrk="0" hangingPunct="1">
+        <a:lnSpc>
+          <a:spcPct val="90000"/>
+        </a:lnSpc>
+        <a:spcBef>
+          <a:spcPts val="375"/>
+        </a:spcBef>
+        <a:buFont typeface="Arial" panose="020B0604020202020204" pitchFamily="34" charset="0"/>
+        <a:buChar char="•"/>
+        <a:defRPr sz="1350" kern="1200">
+          <a:solidFill>
+            <a:schemeClr val="tx1"/>
+          </a:solidFill>
+          <a:latin typeface="+mn-lt"/>
+          <a:ea typeface="+mn-ea"/>
+          <a:cs typeface="+mn-cs"/>
+        </a:defRPr>
+      </a:lvl8pPr>
+      <a:lvl9pPr marL="2914650" indent="-171450" algn="l" defTabSz="685800" rtl="0" eaLnBrk="1" latinLnBrk="0" hangingPunct="1">
+        <a:lnSpc>
+          <a:spcPct val="90000"/>
+        </a:lnSpc>
+        <a:spcBef>
+          <a:spcPts val="375"/>
+        </a:spcBef>
+        <a:buFont typeface="Arial" panose="020B0604020202020204" pitchFamily="34" charset="0"/>
+        <a:buChar char="•"/>
+        <a:defRPr sz="1350" kern="1200">
+          <a:solidFill>
+            <a:schemeClr val="tx1"/>
+          </a:solidFill>
+          <a:latin typeface="+mn-lt"/>
+          <a:ea typeface="+mn-ea"/>
+          <a:cs typeface="+mn-cs"/>
+        </a:defRPr>
+      </a:lvl9pPr>
+    </p:bodyStyle>
+    <p:otherStyle>
+      <a:defPPr>
+        <a:defRPr lang="en-US"/>
+      </a:defPPr>
+      <a:lvl1pPr marL="0" algn="l" defTabSz="685800" rtl="0" eaLnBrk="1" latinLnBrk="0" hangingPunct="1">
+        <a:defRPr sz="1350" kern="1200">
+          <a:solidFill>
+            <a:schemeClr val="tx1"/>
+          </a:solidFill>
+          <a:latin typeface="+mn-lt"/>
+          <a:ea typeface="+mn-ea"/>
+          <a:cs typeface="+mn-cs"/>
+        </a:defRPr>
+      </a:lvl1pPr>
+      <a:lvl2pPr marL="342900" algn="l" defTabSz="685800" rtl="0" eaLnBrk="1" latinLnBrk="0" hangingPunct="1">
+        <a:defRPr sz="1350" kern="1200">
+          <a:solidFill>
+            <a:schemeClr val="tx1"/>
+          </a:solidFill>
+          <a:latin typeface="+mn-lt"/>
+          <a:ea typeface="+mn-ea"/>
+          <a:cs typeface="+mn-cs"/>
+        </a:defRPr>
+      </a:lvl2pPr>
+      <a:lvl3pPr marL="685800" algn="l" defTabSz="685800" rtl="0" eaLnBrk="1" latinLnBrk="0" hangingPunct="1">
+        <a:defRPr sz="1350" kern="1200">
+          <a:solidFill>
+            <a:schemeClr val="tx1"/>
+          </a:solidFill>
+          <a:latin typeface="+mn-lt"/>
+          <a:ea typeface="+mn-ea"/>
+          <a:cs typeface="+mn-cs"/>
+        </a:defRPr>
+      </a:lvl3pPr>
+      <a:lvl4pPr marL="1028700" algn="l" defTabSz="685800" rtl="0" eaLnBrk="1" latinLnBrk="0" hangingPunct="1">
+        <a:defRPr sz="1350" kern="1200">
+          <a:solidFill>
+            <a:schemeClr val="tx1"/>
+          </a:solidFill>
+          <a:latin typeface="+mn-lt"/>
+          <a:ea typeface="+mn-ea"/>
+          <a:cs typeface="+mn-cs"/>
+        </a:defRPr>
+      </a:lvl4pPr>
+      <a:lvl5pPr marL="1371600" algn="l" defTabSz="685800" rtl="0" eaLnBrk="1" latinLnBrk="0" hangingPunct="1">
+        <a:defRPr sz="1350" kern="1200">
+          <a:solidFill>
+            <a:schemeClr val="tx1"/>
+          </a:solidFill>
+          <a:latin typeface="+mn-lt"/>
+          <a:ea typeface="+mn-ea"/>
+          <a:cs typeface="+mn-cs"/>
+        </a:defRPr>
+      </a:lvl5pPr>
+      <a:lvl6pPr marL="1714500" algn="l" defTabSz="685800" rtl="0" eaLnBrk="1" latinLnBrk="0" hangingPunct="1">
+        <a:defRPr sz="1350" kern="1200">
+          <a:solidFill>
+            <a:schemeClr val="tx1"/>
+          </a:solidFill>
+          <a:latin typeface="+mn-lt"/>
+          <a:ea typeface="+mn-ea"/>
+          <a:cs typeface="+mn-cs"/>
+        </a:defRPr>
+      </a:lvl6pPr>
+      <a:lvl7pPr marL="2057400" algn="l" defTabSz="685800" rtl="0" eaLnBrk="1" latinLnBrk="0" hangingPunct="1">
+        <a:defRPr sz="1350" kern="1200">
+          <a:solidFill>
+            <a:schemeClr val="tx1"/>
+          </a:solidFill>
+          <a:latin typeface="+mn-lt"/>
+          <a:ea typeface="+mn-ea"/>
+          <a:cs typeface="+mn-cs"/>
+        </a:defRPr>
+      </a:lvl7pPr>
+      <a:lvl8pPr marL="2400300" algn="l" defTabSz="685800" rtl="0" eaLnBrk="1" latinLnBrk="0" hangingPunct="1">
+        <a:defRPr sz="1350" kern="1200">
+          <a:solidFill>
+            <a:schemeClr val="tx1"/>
+          </a:solidFill>
+          <a:latin typeface="+mn-lt"/>
+          <a:ea typeface="+mn-ea"/>
+          <a:cs typeface="+mn-cs"/>
+        </a:defRPr>
+      </a:lvl8pPr>
+      <a:lvl9pPr marL="2743200" algn="l" defTabSz="685800" rtl="0" eaLnBrk="1" latinLnBrk="0" hangingPunct="1">
+        <a:defRPr sz="1350" kern="1200">
+          <a:solidFill>
+            <a:schemeClr val="tx1"/>
+          </a:solidFill>
+          <a:latin typeface="+mn-lt"/>
+          <a:ea typeface="+mn-ea"/>
+          <a:cs typeface="+mn-cs"/>
+        </a:defRPr>
+      </a:lvl9pPr>
+    </p:otherStyle>
+  </p:txStyles>
+</p:sldMaster>
+</file>
+
+<file path=ppt/slideMasters/slideMaster7.xml><?xml version="1.0" encoding="utf-8"?>
+<p:sldMaster xmlns:a="http://schemas.openxmlformats.org/drawingml/2006/main" xmlns:r="http://schemas.openxmlformats.org/officeDocument/2006/relationships" xmlns:p="http://schemas.openxmlformats.org/presentationml/2006/main" preserve="1">
+  <p:cSld>
+    <p:bg>
+      <p:bgPr>
+        <a:solidFill>
+          <a:srgbClr val="F2F2F2"/>
+        </a:solidFill>
+        <a:effectLst/>
+      </p:bgPr>
+    </p:bg>
+    <p:spTree>
+      <p:nvGrpSpPr>
+        <p:cNvPr id="1" name=""/>
+        <p:cNvGrpSpPr/>
+        <p:nvPr/>
+      </p:nvGrpSpPr>
+      <p:grpSpPr>
+        <a:xfrm>
+          <a:off x="0" y="0"/>
+          <a:ext cx="0" cy="0"/>
+          <a:chOff x="0" y="0"/>
+          <a:chExt cx="0" cy="0"/>
+        </a:xfrm>
+      </p:grpSpPr>
+      <p:sp>
+        <p:nvSpPr>
+          <p:cNvPr id="2" name="Plassholder for tittel 1"/>
+          <p:cNvSpPr>
+            <a:spLocks noGrp="1"/>
+          </p:cNvSpPr>
+          <p:nvPr>
+            <p:ph type="title"/>
+          </p:nvPr>
+        </p:nvSpPr>
+        <p:spPr>
+          <a:xfrm>
+            <a:off x="1080052" y="1504988"/>
+            <a:ext cx="4699484" cy="828104"/>
+          </a:xfrm>
+          <a:prstGeom prst="rect">
+            <a:avLst/>
+          </a:prstGeom>
+        </p:spPr>
+        <p:txBody>
+          <a:bodyPr vert="horz" lIns="0" tIns="0" rIns="0" bIns="0" rtlCol="0" anchor="ctr">
+            <a:noAutofit/>
+          </a:bodyPr>
+          <a:lstStyle/>
+          <a:p>
+            <a:r>
+              <a:rPr lang="nb-NO" dirty="0"/>
+              <a:t>Klikk for å redigere tittelstil</a:t>
+            </a:r>
+          </a:p>
+        </p:txBody>
+      </p:sp>
+      <p:sp>
+        <p:nvSpPr>
+          <p:cNvPr id="3" name="Plassholder for tekst 2"/>
+          <p:cNvSpPr>
+            <a:spLocks noGrp="1"/>
+          </p:cNvSpPr>
+          <p:nvPr>
+            <p:ph type="body" idx="1"/>
+          </p:nvPr>
+        </p:nvSpPr>
+        <p:spPr>
+          <a:xfrm>
+            <a:off x="1080052" y="2445027"/>
+            <a:ext cx="4699484" cy="1967316"/>
+          </a:xfrm>
+          <a:prstGeom prst="rect">
+            <a:avLst/>
+          </a:prstGeom>
+        </p:spPr>
+        <p:txBody>
+          <a:bodyPr vert="horz" lIns="0" tIns="0" rIns="0" bIns="0" rtlCol="0">
+            <a:normAutofit/>
+          </a:bodyPr>
+          <a:lstStyle/>
+          <a:p>
+            <a:pPr lvl="0"/>
+            <a:r>
+              <a:rPr lang="nb-NO" dirty="0"/>
+              <a:t>Klikk for å redigere tekststiler i malen</a:t>
+            </a:r>
+          </a:p>
+          <a:p>
+            <a:pPr lvl="1"/>
+            <a:r>
+              <a:rPr lang="nb-NO" dirty="0"/>
+              <a:t>Andre nivå</a:t>
+            </a:r>
+          </a:p>
+          <a:p>
+            <a:pPr lvl="2"/>
+            <a:r>
+              <a:rPr lang="nb-NO" dirty="0"/>
+              <a:t>Tredje nivå</a:t>
+            </a:r>
+          </a:p>
+          <a:p>
+            <a:pPr lvl="3"/>
+            <a:r>
+              <a:rPr lang="nb-NO" dirty="0"/>
+              <a:t>Fjerde nivå</a:t>
+            </a:r>
+          </a:p>
+          <a:p>
+            <a:pPr lvl="4"/>
+            <a:r>
+              <a:rPr lang="nb-NO" dirty="0"/>
+              <a:t>Femte nivå</a:t>
+            </a:r>
+          </a:p>
+        </p:txBody>
+      </p:sp>
+    </p:spTree>
+    <p:extLst>
+      <p:ext uri="{BB962C8B-B14F-4D97-AF65-F5344CB8AC3E}">
+        <p14:creationId xmlns:p14="http://schemas.microsoft.com/office/powerpoint/2010/main" val="4174702970"/>
+      </p:ext>
+    </p:extLst>
+  </p:cSld>
+  <p:clrMap bg1="dk1" tx1="lt1" bg2="dk2" tx2="lt2" accent1="accent1" accent2="accent2" accent3="accent3" accent4="accent4" accent5="accent5" accent6="accent6" hlink="hlink" folHlink="folHlink"/>
+  <p:sldLayoutIdLst>
+    <p:sldLayoutId id="2147483693" r:id="rId1"/>
+    <p:sldLayoutId id="2147483694" r:id="rId2"/>
+    <p:sldLayoutId id="2147483695" r:id="rId3"/>
+  </p:sldLayoutIdLst>
+  <p:hf sldNum="0" hdr="0" dt="0"/>
+  <p:txStyles>
+    <p:titleStyle>
+      <a:lvl1pPr algn="l" defTabSz="685800" rtl="0" eaLnBrk="1" latinLnBrk="0" hangingPunct="1">
+        <a:lnSpc>
+          <a:spcPct val="90000"/>
+        </a:lnSpc>
+        <a:spcBef>
+          <a:spcPct val="0"/>
+        </a:spcBef>
+        <a:buNone/>
+        <a:defRPr sz="2600" kern="1200" baseline="0">
+          <a:solidFill>
+            <a:schemeClr val="bg1"/>
+          </a:solidFill>
+          <a:latin typeface="+mj-lt"/>
+          <a:ea typeface="+mj-ea"/>
+          <a:cs typeface="+mj-cs"/>
+        </a:defRPr>
+      </a:lvl1pPr>
+    </p:titleStyle>
+    <p:bodyStyle>
+      <a:lvl1pPr marL="171450" indent="-171450" algn="l" defTabSz="685800" rtl="0" eaLnBrk="1" latinLnBrk="0" hangingPunct="1">
+        <a:lnSpc>
+          <a:spcPct val="90000"/>
+        </a:lnSpc>
+        <a:spcBef>
+          <a:spcPts val="750"/>
+        </a:spcBef>
+        <a:buFont typeface="Arial" panose="020B0604020202020204" pitchFamily="34" charset="0"/>
+        <a:buChar char="•"/>
+        <a:defRPr sz="1800" kern="1200" baseline="0">
+          <a:solidFill>
+            <a:schemeClr val="bg1"/>
+          </a:solidFill>
+          <a:latin typeface="+mn-lt"/>
+          <a:ea typeface="+mn-ea"/>
+          <a:cs typeface="+mn-cs"/>
+        </a:defRPr>
+      </a:lvl1pPr>
+      <a:lvl2pPr marL="514350" indent="-171450" algn="l" defTabSz="685800" rtl="0" eaLnBrk="1" latinLnBrk="0" hangingPunct="1">
+        <a:lnSpc>
+          <a:spcPct val="90000"/>
+        </a:lnSpc>
+        <a:spcBef>
+          <a:spcPts val="375"/>
+        </a:spcBef>
+        <a:buFont typeface="Arial" panose="020B0604020202020204" pitchFamily="34" charset="0"/>
+        <a:buChar char="•"/>
+        <a:defRPr sz="1400" kern="1200" baseline="0">
+          <a:solidFill>
+            <a:schemeClr val="bg1"/>
+          </a:solidFill>
+          <a:latin typeface="+mn-lt"/>
+          <a:ea typeface="+mn-ea"/>
+          <a:cs typeface="+mn-cs"/>
+        </a:defRPr>
+      </a:lvl2pPr>
+      <a:lvl3pPr marL="857250" indent="-171450" algn="l" defTabSz="685800" rtl="0" eaLnBrk="1" latinLnBrk="0" hangingPunct="1">
+        <a:lnSpc>
+          <a:spcPct val="90000"/>
+        </a:lnSpc>
+        <a:spcBef>
+          <a:spcPts val="375"/>
+        </a:spcBef>
+        <a:buFont typeface="Arial" panose="020B0604020202020204" pitchFamily="34" charset="0"/>
+        <a:buChar char="•"/>
+        <a:defRPr sz="1200" kern="1200" baseline="0">
+          <a:solidFill>
+            <a:schemeClr val="bg1"/>
+          </a:solidFill>
+          <a:latin typeface="+mn-lt"/>
+          <a:ea typeface="+mn-ea"/>
+          <a:cs typeface="+mn-cs"/>
+        </a:defRPr>
+      </a:lvl3pPr>
+      <a:lvl4pPr marL="1200150" indent="-171450" algn="l" defTabSz="685800" rtl="0" eaLnBrk="1" latinLnBrk="0" hangingPunct="1">
+        <a:lnSpc>
+          <a:spcPct val="90000"/>
+        </a:lnSpc>
+        <a:spcBef>
+          <a:spcPts val="375"/>
+        </a:spcBef>
+        <a:buFont typeface="Arial" panose="020B0604020202020204" pitchFamily="34" charset="0"/>
+        <a:buChar char="•"/>
+        <a:defRPr sz="1100" kern="1200" baseline="0">
+          <a:solidFill>
+            <a:schemeClr val="bg1"/>
+          </a:solidFill>
+          <a:latin typeface="+mn-lt"/>
+          <a:ea typeface="+mn-ea"/>
+          <a:cs typeface="+mn-cs"/>
+        </a:defRPr>
+      </a:lvl4pPr>
+      <a:lvl5pPr marL="1543050" indent="-171450" algn="l" defTabSz="685800" rtl="0" eaLnBrk="1" latinLnBrk="0" hangingPunct="1">
+        <a:lnSpc>
+          <a:spcPct val="90000"/>
+        </a:lnSpc>
+        <a:spcBef>
+          <a:spcPts val="375"/>
+        </a:spcBef>
+        <a:buFont typeface="Arial" panose="020B0604020202020204" pitchFamily="34" charset="0"/>
+        <a:buChar char="•"/>
+        <a:defRPr sz="1100" kern="1200" baseline="0">
+          <a:solidFill>
+            <a:schemeClr val="bg1"/>
+          </a:solidFill>
+          <a:latin typeface="+mn-lt"/>
+          <a:ea typeface="+mn-ea"/>
+          <a:cs typeface="+mn-cs"/>
+        </a:defRPr>
+      </a:lvl5pPr>
+      <a:lvl6pPr marL="1885950" indent="-171450" algn="l" defTabSz="685800" rtl="0" eaLnBrk="1" latinLnBrk="0" hangingPunct="1">
+        <a:lnSpc>
+          <a:spcPct val="90000"/>
+        </a:lnSpc>
+        <a:spcBef>
+          <a:spcPts val="375"/>
+        </a:spcBef>
+        <a:buFont typeface="Arial" panose="020B0604020202020204" pitchFamily="34" charset="0"/>
+        <a:buChar char="•"/>
+        <a:defRPr sz="1350" kern="1200">
+          <a:solidFill>
+            <a:schemeClr val="tx1"/>
+          </a:solidFill>
+          <a:latin typeface="+mn-lt"/>
+          <a:ea typeface="+mn-ea"/>
+          <a:cs typeface="+mn-cs"/>
+        </a:defRPr>
+      </a:lvl6pPr>
+      <a:lvl7pPr marL="2228850" indent="-171450" algn="l" defTabSz="685800" rtl="0" eaLnBrk="1" latinLnBrk="0" hangingPunct="1">
+        <a:lnSpc>
+          <a:spcPct val="90000"/>
+        </a:lnSpc>
+        <a:spcBef>
+          <a:spcPts val="375"/>
+        </a:spcBef>
+        <a:buFont typeface="Arial" panose="020B0604020202020204" pitchFamily="34" charset="0"/>
+        <a:buChar char="•"/>
+        <a:defRPr sz="1350" kern="1200">
+          <a:solidFill>
+            <a:schemeClr val="tx1"/>
+          </a:solidFill>
+          <a:latin typeface="+mn-lt"/>
+          <a:ea typeface="+mn-ea"/>
+          <a:cs typeface="+mn-cs"/>
+        </a:defRPr>
+      </a:lvl7pPr>
+      <a:lvl8pPr marL="2571750" indent="-171450" algn="l" defTabSz="685800" rtl="0" eaLnBrk="1" latinLnBrk="0" hangingPunct="1">
+        <a:lnSpc>
+          <a:spcPct val="90000"/>
+        </a:lnSpc>
+        <a:spcBef>
+          <a:spcPts val="375"/>
+        </a:spcBef>
+        <a:buFont typeface="Arial" panose="020B0604020202020204" pitchFamily="34" charset="0"/>
+        <a:buChar char="•"/>
+        <a:defRPr sz="1350" kern="1200">
+          <a:solidFill>
+            <a:schemeClr val="tx1"/>
+          </a:solidFill>
+          <a:latin typeface="+mn-lt"/>
+          <a:ea typeface="+mn-ea"/>
+          <a:cs typeface="+mn-cs"/>
+        </a:defRPr>
+      </a:lvl8pPr>
+      <a:lvl9pPr marL="2914650" indent="-171450" algn="l" defTabSz="685800" rtl="0" eaLnBrk="1" latinLnBrk="0" hangingPunct="1">
+        <a:lnSpc>
+          <a:spcPct val="90000"/>
+        </a:lnSpc>
+        <a:spcBef>
+          <a:spcPts val="375"/>
+        </a:spcBef>
+        <a:buFont typeface="Arial" panose="020B0604020202020204" pitchFamily="34" charset="0"/>
+        <a:buChar char="•"/>
+        <a:defRPr sz="1350" kern="1200">
+          <a:solidFill>
+            <a:schemeClr val="tx1"/>
+          </a:solidFill>
+          <a:latin typeface="+mn-lt"/>
+          <a:ea typeface="+mn-ea"/>
+          <a:cs typeface="+mn-cs"/>
+        </a:defRPr>
+      </a:lvl9pPr>
+    </p:bodyStyle>
+    <p:otherStyle>
+      <a:defPPr>
+        <a:defRPr lang="en-US"/>
+      </a:defPPr>
+      <a:lvl1pPr marL="0" algn="l" defTabSz="685800" rtl="0" eaLnBrk="1" latinLnBrk="0" hangingPunct="1">
+        <a:defRPr sz="1350" kern="1200">
+          <a:solidFill>
+            <a:schemeClr val="tx1"/>
+          </a:solidFill>
+          <a:latin typeface="+mn-lt"/>
+          <a:ea typeface="+mn-ea"/>
+          <a:cs typeface="+mn-cs"/>
+        </a:defRPr>
+      </a:lvl1pPr>
+      <a:lvl2pPr marL="342900" algn="l" defTabSz="685800" rtl="0" eaLnBrk="1" latinLnBrk="0" hangingPunct="1">
+        <a:defRPr sz="1350" kern="1200">
+          <a:solidFill>
+            <a:schemeClr val="tx1"/>
+          </a:solidFill>
+          <a:latin typeface="+mn-lt"/>
+          <a:ea typeface="+mn-ea"/>
+          <a:cs typeface="+mn-cs"/>
+        </a:defRPr>
+      </a:lvl2pPr>
+      <a:lvl3pPr marL="685800" algn="l" defTabSz="685800" rtl="0" eaLnBrk="1" latinLnBrk="0" hangingPunct="1">
+        <a:defRPr sz="1350" kern="1200">
+          <a:solidFill>
+            <a:schemeClr val="tx1"/>
+          </a:solidFill>
+          <a:latin typeface="+mn-lt"/>
+          <a:ea typeface="+mn-ea"/>
+          <a:cs typeface="+mn-cs"/>
+        </a:defRPr>
+      </a:lvl3pPr>
+      <a:lvl4pPr marL="1028700" algn="l" defTabSz="685800" rtl="0" eaLnBrk="1" latinLnBrk="0" hangingPunct="1">
+        <a:defRPr sz="1350" kern="1200">
+          <a:solidFill>
+            <a:schemeClr val="tx1"/>
+          </a:solidFill>
+          <a:latin typeface="+mn-lt"/>
+          <a:ea typeface="+mn-ea"/>
+          <a:cs typeface="+mn-cs"/>
+        </a:defRPr>
+      </a:lvl4pPr>
+      <a:lvl5pPr marL="1371600" algn="l" defTabSz="685800" rtl="0" eaLnBrk="1" latinLnBrk="0" hangingPunct="1">
+        <a:defRPr sz="1350" kern="1200">
+          <a:solidFill>
+            <a:schemeClr val="tx1"/>
+          </a:solidFill>
+          <a:latin typeface="+mn-lt"/>
+          <a:ea typeface="+mn-ea"/>
+          <a:cs typeface="+mn-cs"/>
+        </a:defRPr>
+      </a:lvl5pPr>
+      <a:lvl6pPr marL="1714500" algn="l" defTabSz="685800" rtl="0" eaLnBrk="1" latinLnBrk="0" hangingPunct="1">
+        <a:defRPr sz="1350" kern="1200">
+          <a:solidFill>
+            <a:schemeClr val="tx1"/>
+          </a:solidFill>
+          <a:latin typeface="+mn-lt"/>
+          <a:ea typeface="+mn-ea"/>
+          <a:cs typeface="+mn-cs"/>
+        </a:defRPr>
+      </a:lvl6pPr>
+      <a:lvl7pPr marL="2057400" algn="l" defTabSz="685800" rtl="0" eaLnBrk="1" latinLnBrk="0" hangingPunct="1">
+        <a:defRPr sz="1350" kern="1200">
+          <a:solidFill>
+            <a:schemeClr val="tx1"/>
+          </a:solidFill>
+          <a:latin typeface="+mn-lt"/>
+          <a:ea typeface="+mn-ea"/>
+          <a:cs typeface="+mn-cs"/>
+        </a:defRPr>
+      </a:lvl7pPr>
+      <a:lvl8pPr marL="2400300" algn="l" defTabSz="685800" rtl="0" eaLnBrk="1" latinLnBrk="0" hangingPunct="1">
+        <a:defRPr sz="1350" kern="1200">
+          <a:solidFill>
+            <a:schemeClr val="tx1"/>
+          </a:solidFill>
+          <a:latin typeface="+mn-lt"/>
+          <a:ea typeface="+mn-ea"/>
+          <a:cs typeface="+mn-cs"/>
+        </a:defRPr>
+      </a:lvl8pPr>
+      <a:lvl9pPr marL="2743200" algn="l" defTabSz="685800" rtl="0" eaLnBrk="1" latinLnBrk="0" hangingPunct="1">
+        <a:defRPr sz="1350" kern="1200">
+          <a:solidFill>
+            <a:schemeClr val="tx1"/>
+          </a:solidFill>
+          <a:latin typeface="+mn-lt"/>
+          <a:ea typeface="+mn-ea"/>
+          <a:cs typeface="+mn-cs"/>
+        </a:defRPr>
+      </a:lvl9pPr>
+    </p:otherStyle>
+  </p:txStyles>
+</p:sldMaster>
+</file>
+
+<file path=ppt/slideMasters/slideMaster8.xml><?xml version="1.0" encoding="utf-8"?>
+<p:sldMaster xmlns:a="http://schemas.openxmlformats.org/drawingml/2006/main" xmlns:r="http://schemas.openxmlformats.org/officeDocument/2006/relationships" xmlns:p="http://schemas.openxmlformats.org/presentationml/2006/main" preserve="1">
+  <p:cSld>
+    <p:bg>
+      <p:bgPr>
+        <a:solidFill>
+          <a:schemeClr val="tx1"/>
+        </a:solidFill>
+        <a:effectLst/>
+      </p:bgPr>
+    </p:bg>
+    <p:spTree>
+      <p:nvGrpSpPr>
+        <p:cNvPr id="1" name=""/>
+        <p:cNvGrpSpPr/>
+        <p:nvPr/>
+      </p:nvGrpSpPr>
+      <p:grpSpPr>
+        <a:xfrm>
+          <a:off x="0" y="0"/>
+          <a:ext cx="0" cy="0"/>
+          <a:chOff x="0" y="0"/>
+          <a:chExt cx="0" cy="0"/>
+        </a:xfrm>
+      </p:grpSpPr>
+      <p:sp>
+        <p:nvSpPr>
+          <p:cNvPr id="2" name="Plassholder for tittel 1"/>
+          <p:cNvSpPr>
+            <a:spLocks noGrp="1"/>
+          </p:cNvSpPr>
+          <p:nvPr>
+            <p:ph type="title"/>
+          </p:nvPr>
+        </p:nvSpPr>
+        <p:spPr>
+          <a:xfrm>
+            <a:off x="1080052" y="1504988"/>
+            <a:ext cx="4699484" cy="828104"/>
+          </a:xfrm>
+          <a:prstGeom prst="rect">
+            <a:avLst/>
+          </a:prstGeom>
+        </p:spPr>
+        <p:txBody>
+          <a:bodyPr vert="horz" lIns="0" tIns="0" rIns="0" bIns="0" rtlCol="0" anchor="ctr">
+            <a:noAutofit/>
+          </a:bodyPr>
+          <a:lstStyle/>
+          <a:p>
+            <a:r>
+              <a:rPr lang="nb-NO" dirty="0"/>
+              <a:t>Klikk for å redigere tittelstil</a:t>
+            </a:r>
+          </a:p>
+        </p:txBody>
+      </p:sp>
+      <p:sp>
+        <p:nvSpPr>
+          <p:cNvPr id="3" name="Plassholder for tekst 2"/>
+          <p:cNvSpPr>
+            <a:spLocks noGrp="1"/>
+          </p:cNvSpPr>
+          <p:nvPr>
+            <p:ph type="body" idx="1"/>
+          </p:nvPr>
+        </p:nvSpPr>
+        <p:spPr>
+          <a:xfrm>
+            <a:off x="1080052" y="2445027"/>
+            <a:ext cx="4699484" cy="1967316"/>
+          </a:xfrm>
+          <a:prstGeom prst="rect">
+            <a:avLst/>
+          </a:prstGeom>
+        </p:spPr>
+        <p:txBody>
+          <a:bodyPr vert="horz" lIns="0" tIns="0" rIns="0" bIns="0" rtlCol="0">
+            <a:normAutofit/>
+          </a:bodyPr>
+          <a:lstStyle/>
+          <a:p>
+            <a:pPr lvl="0"/>
+            <a:r>
+              <a:rPr lang="nb-NO" dirty="0"/>
+              <a:t>Klikk for å redigere tekststiler i malen</a:t>
+            </a:r>
+          </a:p>
+          <a:p>
+            <a:pPr lvl="1"/>
+            <a:r>
+              <a:rPr lang="nb-NO" dirty="0"/>
+              <a:t>Andre nivå</a:t>
+            </a:r>
+          </a:p>
+          <a:p>
+            <a:pPr lvl="2"/>
+            <a:r>
+              <a:rPr lang="nb-NO" dirty="0"/>
+              <a:t>Tredje nivå</a:t>
+            </a:r>
+          </a:p>
+          <a:p>
+            <a:pPr lvl="3"/>
+            <a:r>
+              <a:rPr lang="nb-NO" dirty="0"/>
+              <a:t>Fjerde nivå</a:t>
+            </a:r>
+          </a:p>
+          <a:p>
+            <a:pPr lvl="4"/>
+            <a:r>
+              <a:rPr lang="nb-NO" dirty="0"/>
+              <a:t>Femte nivå</a:t>
+            </a:r>
+          </a:p>
+        </p:txBody>
+      </p:sp>
+    </p:spTree>
+    <p:extLst>
+      <p:ext uri="{BB962C8B-B14F-4D97-AF65-F5344CB8AC3E}">
+        <p14:creationId xmlns:p14="http://schemas.microsoft.com/office/powerpoint/2010/main" val="2661346870"/>
+      </p:ext>
+    </p:extLst>
+  </p:cSld>
+  <p:clrMap bg1="dk1" tx1="lt1" bg2="dk2" tx2="lt2" accent1="accent1" accent2="accent2" accent3="accent3" accent4="accent4" accent5="accent5" accent6="accent6" hlink="hlink" folHlink="folHlink"/>
+  <p:sldLayoutIdLst>
+    <p:sldLayoutId id="2147483697" r:id="rId1"/>
+    <p:sldLayoutId id="2147483698" r:id="rId2"/>
+    <p:sldLayoutId id="2147483699" r:id="rId3"/>
   </p:sldLayoutIdLst>
   <p:hf sldNum="0" hdr="0" dt="0"/>
   <p:txStyles>
@@ -7515,7 +12241,7 @@
           <a:bodyPr/>
           <a:lstStyle/>
           <a:p>
-            <a:endParaRPr lang="en-US"/>
+            <a:endParaRPr lang="nb-NO"/>
           </a:p>
         </p:txBody>
       </p:sp>
@@ -7970,7 +12696,7 @@
           <p:cNvPr id="2" name="Tittel 1">
             <a:extLst>
               <a:ext uri="{FF2B5EF4-FFF2-40B4-BE49-F238E27FC236}">
-                <a16:creationId xmlns:a16="http://schemas.microsoft.com/office/drawing/2014/main" id="{AF3EAD8A-12D7-4605-9454-3AEC76780489}"/>
+                <a16:creationId xmlns:a16="http://schemas.microsoft.com/office/drawing/2014/main" id="{D71A902F-384C-4D0D-9D3A-62FAF55ED87E}"/>
               </a:ext>
             </a:extLst>
           </p:cNvPr>
@@ -7995,7 +12721,7 @@
           <p:cNvPr id="3" name="Undertittel 2">
             <a:extLst>
               <a:ext uri="{FF2B5EF4-FFF2-40B4-BE49-F238E27FC236}">
-                <a16:creationId xmlns:a16="http://schemas.microsoft.com/office/drawing/2014/main" id="{372DFEF7-E17F-4740-8847-73BF1FFD5D31}"/>
+                <a16:creationId xmlns:a16="http://schemas.microsoft.com/office/drawing/2014/main" id="{EA4895B2-ECDF-4378-A795-9048A6008889}"/>
               </a:ext>
             </a:extLst>
           </p:cNvPr>
@@ -8020,7 +12746,7 @@
           <p:cNvPr id="4" name="Plassholder for bunntekst 3">
             <a:extLst>
               <a:ext uri="{FF2B5EF4-FFF2-40B4-BE49-F238E27FC236}">
-                <a16:creationId xmlns:a16="http://schemas.microsoft.com/office/drawing/2014/main" id="{8655E819-67FA-495C-BD44-C8DF73D18094}"/>
+                <a16:creationId xmlns:a16="http://schemas.microsoft.com/office/drawing/2014/main" id="{0E49A577-D0F0-4B86-8C9B-21FE75B31BD8}"/>
               </a:ext>
             </a:extLst>
           </p:cNvPr>
@@ -8047,119 +12773,7 @@
     </p:spTree>
     <p:extLst>
       <p:ext uri="{BB962C8B-B14F-4D97-AF65-F5344CB8AC3E}">
-        <p14:creationId xmlns:p14="http://schemas.microsoft.com/office/powerpoint/2010/main" val="3003994674"/>
-      </p:ext>
-    </p:extLst>
-  </p:cSld>
-  <p:clrMapOvr>
-    <a:masterClrMapping/>
-  </p:clrMapOvr>
-  <p:transition spd="slow" advClick="0" advTm="10000">
-    <p:fade/>
-  </p:transition>
-</p:sld>
-</file>
-
-<file path=ppt/slides/slide8.xml><?xml version="1.0" encoding="utf-8"?>
-<p:sld xmlns:a="http://schemas.openxmlformats.org/drawingml/2006/main" xmlns:r="http://schemas.openxmlformats.org/officeDocument/2006/relationships" xmlns:p="http://schemas.openxmlformats.org/presentationml/2006/main">
-  <p:cSld>
-    <p:spTree>
-      <p:nvGrpSpPr>
-        <p:cNvPr id="1" name=""/>
-        <p:cNvGrpSpPr/>
-        <p:nvPr/>
-      </p:nvGrpSpPr>
-      <p:grpSpPr>
-        <a:xfrm>
-          <a:off x="0" y="0"/>
-          <a:ext cx="0" cy="0"/>
-          <a:chOff x="0" y="0"/>
-          <a:chExt cx="0" cy="0"/>
-        </a:xfrm>
-      </p:grpSpPr>
-      <p:sp>
-        <p:nvSpPr>
-          <p:cNvPr id="2" name="Tittel 1">
-            <a:extLst>
-              <a:ext uri="{FF2B5EF4-FFF2-40B4-BE49-F238E27FC236}">
-                <a16:creationId xmlns:a16="http://schemas.microsoft.com/office/drawing/2014/main" id="{415DCC79-9E18-4444-BF45-4F66EEBF5973}"/>
-              </a:ext>
-            </a:extLst>
-          </p:cNvPr>
-          <p:cNvSpPr>
-            <a:spLocks noGrp="1"/>
-          </p:cNvSpPr>
-          <p:nvPr>
-            <p:ph type="ctrTitle"/>
-          </p:nvPr>
-        </p:nvSpPr>
-        <p:spPr/>
-        <p:txBody>
-          <a:bodyPr/>
-          <a:lstStyle/>
-          <a:p>
-            <a:endParaRPr lang="nb-NO"/>
-          </a:p>
-        </p:txBody>
-      </p:sp>
-      <p:sp>
-        <p:nvSpPr>
-          <p:cNvPr id="3" name="Undertittel 2">
-            <a:extLst>
-              <a:ext uri="{FF2B5EF4-FFF2-40B4-BE49-F238E27FC236}">
-                <a16:creationId xmlns:a16="http://schemas.microsoft.com/office/drawing/2014/main" id="{C05CD8F8-E7AC-4559-ABC9-6E10B0D2535D}"/>
-              </a:ext>
-            </a:extLst>
-          </p:cNvPr>
-          <p:cNvSpPr>
-            <a:spLocks noGrp="1"/>
-          </p:cNvSpPr>
-          <p:nvPr>
-            <p:ph type="subTitle" idx="1"/>
-          </p:nvPr>
-        </p:nvSpPr>
-        <p:spPr/>
-        <p:txBody>
-          <a:bodyPr/>
-          <a:lstStyle/>
-          <a:p>
-            <a:endParaRPr lang="nb-NO"/>
-          </a:p>
-        </p:txBody>
-      </p:sp>
-      <p:sp>
-        <p:nvSpPr>
-          <p:cNvPr id="4" name="Plassholder for bunntekst 3">
-            <a:extLst>
-              <a:ext uri="{FF2B5EF4-FFF2-40B4-BE49-F238E27FC236}">
-                <a16:creationId xmlns:a16="http://schemas.microsoft.com/office/drawing/2014/main" id="{C1379580-5D0C-4177-9000-F7F97A595659}"/>
-              </a:ext>
-            </a:extLst>
-          </p:cNvPr>
-          <p:cNvSpPr>
-            <a:spLocks noGrp="1"/>
-          </p:cNvSpPr>
-          <p:nvPr>
-            <p:ph type="ftr" sz="quarter" idx="3"/>
-          </p:nvPr>
-        </p:nvSpPr>
-        <p:spPr/>
-        <p:txBody>
-          <a:bodyPr/>
-          <a:lstStyle/>
-          <a:p>
-            <a:r>
-              <a:rPr lang="nb-NO"/>
-              <a:t>Rullende tekst settes inn via "Sett inn -&gt; Topptekst og bunntekst"</a:t>
-            </a:r>
-            <a:endParaRPr lang="nb-NO" dirty="0"/>
-          </a:p>
-        </p:txBody>
-      </p:sp>
-    </p:spTree>
-    <p:extLst>
-      <p:ext uri="{BB962C8B-B14F-4D97-AF65-F5344CB8AC3E}">
-        <p14:creationId xmlns:p14="http://schemas.microsoft.com/office/powerpoint/2010/main" val="4099216677"/>
+        <p14:creationId xmlns:p14="http://schemas.microsoft.com/office/powerpoint/2010/main" val="1993108472"/>
       </p:ext>
     </p:extLst>
   </p:cSld>
@@ -8175,7 +12789,7 @@
 <file path=ppt/theme/theme1.xml><?xml version="1.0" encoding="utf-8"?>
 <a:theme xmlns:a="http://schemas.openxmlformats.org/drawingml/2006/main" name="Office-tema">
   <a:themeElements>
-    <a:clrScheme name="Bergen kommune">
+    <a:clrScheme name="Egendefinert 2">
       <a:dk1>
         <a:sysClr val="windowText" lastClr="000000"/>
       </a:dk1>
@@ -8367,7 +12981,7 @@
   <a:extraClrSchemeLst/>
   <a:extLst>
     <a:ext uri="{05A4C25C-085E-4340-85A3-A5531E510DB2}">
-      <thm15:themeFamily xmlns:thm15="http://schemas.microsoft.com/office/thememl/2012/main" name="PP_INFOSKJERM_43_LYS.potx" id="{388E24BA-306F-4423-B939-7FD844A4430F}" vid="{579AFFFD-CA7B-4E46-8901-B86D4F107EA9}"/>
+      <thm15:themeFamily xmlns:thm15="http://schemas.microsoft.com/office/thememl/2012/main" name="PP_INFOSKJERM_43_LYS" id="{6C697581-F9F1-4417-BDB3-3CD14676EB57}" vid="{1B37AC66-5AAF-47FF-AF91-5F846F1E8F25}"/>
     </a:ext>
   </a:extLst>
 </a:theme>
@@ -8376,7 +12990,7 @@
 <file path=ppt/theme/theme2.xml><?xml version="1.0" encoding="utf-8"?>
 <a:theme xmlns:a="http://schemas.openxmlformats.org/drawingml/2006/main" name="1_Office-tema">
   <a:themeElements>
-    <a:clrScheme name="Custom 5">
+    <a:clrScheme name="Egendefinert 3">
       <a:dk1>
         <a:sysClr val="windowText" lastClr="000000"/>
       </a:dk1>
@@ -8568,7 +13182,7 @@
   <a:extraClrSchemeLst/>
   <a:extLst>
     <a:ext uri="{05A4C25C-085E-4340-85A3-A5531E510DB2}">
-      <thm15:themeFamily xmlns:thm15="http://schemas.microsoft.com/office/thememl/2012/main" name="PP_INFOSKJERM_43_LYS.potx" id="{388E24BA-306F-4423-B939-7FD844A4430F}" vid="{BFCBC23E-1390-4A0F-9020-B9409B8BAC1A}"/>
+      <thm15:themeFamily xmlns:thm15="http://schemas.microsoft.com/office/thememl/2012/main" name="PP_INFOSKJERM_43_LYS" id="{6C697581-F9F1-4417-BDB3-3CD14676EB57}" vid="{2FC5E415-5981-4A12-A271-55E7FDE5B54D}"/>
     </a:ext>
   </a:extLst>
 </a:theme>
@@ -8577,7 +13191,7 @@
 <file path=ppt/theme/theme3.xml><?xml version="1.0" encoding="utf-8"?>
 <a:theme xmlns:a="http://schemas.openxmlformats.org/drawingml/2006/main" name="2_Office-tema">
   <a:themeElements>
-    <a:clrScheme name="Custom 6">
+    <a:clrScheme name="Egendefinert 4">
       <a:dk1>
         <a:sysClr val="windowText" lastClr="000000"/>
       </a:dk1>
@@ -8769,7 +13383,7 @@
   <a:extraClrSchemeLst/>
   <a:extLst>
     <a:ext uri="{05A4C25C-085E-4340-85A3-A5531E510DB2}">
-      <thm15:themeFamily xmlns:thm15="http://schemas.microsoft.com/office/thememl/2012/main" name="PP_INFOSKJERM_43_LYS.potx" id="{388E24BA-306F-4423-B939-7FD844A4430F}" vid="{1D6C87CE-90B0-4810-8D37-392A5E3238D1}"/>
+      <thm15:themeFamily xmlns:thm15="http://schemas.microsoft.com/office/thememl/2012/main" name="PP_INFOSKJERM_43_LYS" id="{6C697581-F9F1-4417-BDB3-3CD14676EB57}" vid="{E3AC006E-B131-416C-97C7-C6FB6A66BDCD}"/>
     </a:ext>
   </a:extLst>
 </a:theme>
@@ -8778,7 +13392,7 @@
 <file path=ppt/theme/theme4.xml><?xml version="1.0" encoding="utf-8"?>
 <a:theme xmlns:a="http://schemas.openxmlformats.org/drawingml/2006/main" name="3_Office-tema">
   <a:themeElements>
-    <a:clrScheme name="Custom 7">
+    <a:clrScheme name="Egendefinert 5">
       <a:dk1>
         <a:sysClr val="windowText" lastClr="000000"/>
       </a:dk1>
@@ -8970,7 +13584,7 @@
   <a:extraClrSchemeLst/>
   <a:extLst>
     <a:ext uri="{05A4C25C-085E-4340-85A3-A5531E510DB2}">
-      <thm15:themeFamily xmlns:thm15="http://schemas.microsoft.com/office/thememl/2012/main" name="PP_INFOSKJERM_43_LYS.potx" id="{388E24BA-306F-4423-B939-7FD844A4430F}" vid="{8E77B241-D374-4A1A-87EE-2ED33DF8926C}"/>
+      <thm15:themeFamily xmlns:thm15="http://schemas.microsoft.com/office/thememl/2012/main" name="PP_INFOSKJERM_43_LYS" id="{6C697581-F9F1-4417-BDB3-3CD14676EB57}" vid="{78B82FC4-542C-4858-8085-9A92C8F76D9B}"/>
     </a:ext>
   </a:extLst>
 </a:theme>
@@ -8979,7 +13593,7 @@
 <file path=ppt/theme/theme5.xml><?xml version="1.0" encoding="utf-8"?>
 <a:theme xmlns:a="http://schemas.openxmlformats.org/drawingml/2006/main" name="4_Office-tema">
   <a:themeElements>
-    <a:clrScheme name="Custom 8">
+    <a:clrScheme name="Egendefinert 6">
       <a:dk1>
         <a:sysClr val="windowText" lastClr="000000"/>
       </a:dk1>
@@ -9171,13 +13785,616 @@
   <a:extraClrSchemeLst/>
   <a:extLst>
     <a:ext uri="{05A4C25C-085E-4340-85A3-A5531E510DB2}">
-      <thm15:themeFamily xmlns:thm15="http://schemas.microsoft.com/office/thememl/2012/main" name="PP_INFOSKJERM_43_LYS.potx" id="{388E24BA-306F-4423-B939-7FD844A4430F}" vid="{21286B33-B286-4219-8FD0-DF598CBEBC6F}"/>
+      <thm15:themeFamily xmlns:thm15="http://schemas.microsoft.com/office/thememl/2012/main" name="PP_INFOSKJERM_43_LYS" id="{6C697581-F9F1-4417-BDB3-3CD14676EB57}" vid="{7B680D44-D5BC-4B9C-B38F-FFBC75CBBBA8}"/>
     </a:ext>
   </a:extLst>
 </a:theme>
 </file>
 
 <file path=ppt/theme/theme6.xml><?xml version="1.0" encoding="utf-8"?>
+<a:theme xmlns:a="http://schemas.openxmlformats.org/drawingml/2006/main" name="5_Office-tema">
+  <a:themeElements>
+    <a:clrScheme name="Egendefinert 7">
+      <a:dk1>
+        <a:sysClr val="windowText" lastClr="000000"/>
+      </a:dk1>
+      <a:lt1>
+        <a:sysClr val="window" lastClr="FFFFFF"/>
+      </a:lt1>
+      <a:dk2>
+        <a:srgbClr val="DC1E23"/>
+      </a:dk2>
+      <a:lt2>
+        <a:srgbClr val="BF9D23"/>
+      </a:lt2>
+      <a:accent1>
+        <a:srgbClr val="DC1E23"/>
+      </a:accent1>
+      <a:accent2>
+        <a:srgbClr val="BF9D23"/>
+      </a:accent2>
+      <a:accent3>
+        <a:srgbClr val="702C80"/>
+      </a:accent3>
+      <a:accent4>
+        <a:srgbClr val="164B81"/>
+      </a:accent4>
+      <a:accent5>
+        <a:srgbClr val="117845"/>
+      </a:accent5>
+      <a:accent6>
+        <a:srgbClr val="EDDC9E"/>
+      </a:accent6>
+      <a:hlink>
+        <a:srgbClr val="0563C1"/>
+      </a:hlink>
+      <a:folHlink>
+        <a:srgbClr val="954F72"/>
+      </a:folHlink>
+    </a:clrScheme>
+    <a:fontScheme name="Custom 2">
+      <a:majorFont>
+        <a:latin typeface="Arial"/>
+        <a:ea typeface=""/>
+        <a:cs typeface=""/>
+      </a:majorFont>
+      <a:minorFont>
+        <a:latin typeface="Arial"/>
+        <a:ea typeface=""/>
+        <a:cs typeface=""/>
+      </a:minorFont>
+    </a:fontScheme>
+    <a:fmtScheme name="Office">
+      <a:fillStyleLst>
+        <a:solidFill>
+          <a:schemeClr val="phClr"/>
+        </a:solidFill>
+        <a:gradFill rotWithShape="1">
+          <a:gsLst>
+            <a:gs pos="0">
+              <a:schemeClr val="phClr">
+                <a:lumMod val="110000"/>
+                <a:satMod val="105000"/>
+                <a:tint val="67000"/>
+              </a:schemeClr>
+            </a:gs>
+            <a:gs pos="50000">
+              <a:schemeClr val="phClr">
+                <a:lumMod val="105000"/>
+                <a:satMod val="103000"/>
+                <a:tint val="73000"/>
+              </a:schemeClr>
+            </a:gs>
+            <a:gs pos="100000">
+              <a:schemeClr val="phClr">
+                <a:lumMod val="105000"/>
+                <a:satMod val="109000"/>
+                <a:tint val="81000"/>
+              </a:schemeClr>
+            </a:gs>
+          </a:gsLst>
+          <a:lin ang="5400000" scaled="0"/>
+        </a:gradFill>
+        <a:gradFill rotWithShape="1">
+          <a:gsLst>
+            <a:gs pos="0">
+              <a:schemeClr val="phClr">
+                <a:satMod val="103000"/>
+                <a:lumMod val="102000"/>
+                <a:tint val="94000"/>
+              </a:schemeClr>
+            </a:gs>
+            <a:gs pos="50000">
+              <a:schemeClr val="phClr">
+                <a:satMod val="110000"/>
+                <a:lumMod val="100000"/>
+                <a:shade val="100000"/>
+              </a:schemeClr>
+            </a:gs>
+            <a:gs pos="100000">
+              <a:schemeClr val="phClr">
+                <a:lumMod val="99000"/>
+                <a:satMod val="120000"/>
+                <a:shade val="78000"/>
+              </a:schemeClr>
+            </a:gs>
+          </a:gsLst>
+          <a:lin ang="5400000" scaled="0"/>
+        </a:gradFill>
+      </a:fillStyleLst>
+      <a:lnStyleLst>
+        <a:ln w="6350" cap="flat" cmpd="sng" algn="ctr">
+          <a:solidFill>
+            <a:schemeClr val="phClr"/>
+          </a:solidFill>
+          <a:prstDash val="solid"/>
+          <a:miter lim="800000"/>
+        </a:ln>
+        <a:ln w="12700" cap="flat" cmpd="sng" algn="ctr">
+          <a:solidFill>
+            <a:schemeClr val="phClr"/>
+          </a:solidFill>
+          <a:prstDash val="solid"/>
+          <a:miter lim="800000"/>
+        </a:ln>
+        <a:ln w="19050" cap="flat" cmpd="sng" algn="ctr">
+          <a:solidFill>
+            <a:schemeClr val="phClr"/>
+          </a:solidFill>
+          <a:prstDash val="solid"/>
+          <a:miter lim="800000"/>
+        </a:ln>
+      </a:lnStyleLst>
+      <a:effectStyleLst>
+        <a:effectStyle>
+          <a:effectLst/>
+        </a:effectStyle>
+        <a:effectStyle>
+          <a:effectLst/>
+        </a:effectStyle>
+        <a:effectStyle>
+          <a:effectLst>
+            <a:outerShdw blurRad="57150" dist="19050" dir="5400000" algn="ctr" rotWithShape="0">
+              <a:srgbClr val="000000">
+                <a:alpha val="63000"/>
+              </a:srgbClr>
+            </a:outerShdw>
+          </a:effectLst>
+        </a:effectStyle>
+      </a:effectStyleLst>
+      <a:bgFillStyleLst>
+        <a:solidFill>
+          <a:schemeClr val="phClr"/>
+        </a:solidFill>
+        <a:solidFill>
+          <a:schemeClr val="phClr">
+            <a:tint val="95000"/>
+            <a:satMod val="170000"/>
+          </a:schemeClr>
+        </a:solidFill>
+        <a:gradFill rotWithShape="1">
+          <a:gsLst>
+            <a:gs pos="0">
+              <a:schemeClr val="phClr">
+                <a:tint val="93000"/>
+                <a:satMod val="150000"/>
+                <a:shade val="98000"/>
+                <a:lumMod val="102000"/>
+              </a:schemeClr>
+            </a:gs>
+            <a:gs pos="50000">
+              <a:schemeClr val="phClr">
+                <a:tint val="98000"/>
+                <a:satMod val="130000"/>
+                <a:shade val="90000"/>
+                <a:lumMod val="103000"/>
+              </a:schemeClr>
+            </a:gs>
+            <a:gs pos="100000">
+              <a:schemeClr val="phClr">
+                <a:shade val="63000"/>
+                <a:satMod val="120000"/>
+              </a:schemeClr>
+            </a:gs>
+          </a:gsLst>
+          <a:lin ang="5400000" scaled="0"/>
+        </a:gradFill>
+      </a:bgFillStyleLst>
+    </a:fmtScheme>
+  </a:themeElements>
+  <a:objectDefaults/>
+  <a:extraClrSchemeLst/>
+  <a:extLst>
+    <a:ext uri="{05A4C25C-085E-4340-85A3-A5531E510DB2}">
+      <thm15:themeFamily xmlns:thm15="http://schemas.microsoft.com/office/thememl/2012/main" name="PP_INFOSKJERM_43_LYS" id="{6C697581-F9F1-4417-BDB3-3CD14676EB57}" vid="{D5EFAB26-AB9F-49AB-A182-0EBA9D094118}"/>
+    </a:ext>
+  </a:extLst>
+</a:theme>
+</file>
+
+<file path=ppt/theme/theme7.xml><?xml version="1.0" encoding="utf-8"?>
+<a:theme xmlns:a="http://schemas.openxmlformats.org/drawingml/2006/main" name="6_Office-tema">
+  <a:themeElements>
+    <a:clrScheme name="Egendefinert 8">
+      <a:dk1>
+        <a:sysClr val="windowText" lastClr="000000"/>
+      </a:dk1>
+      <a:lt1>
+        <a:sysClr val="window" lastClr="FFFFFF"/>
+      </a:lt1>
+      <a:dk2>
+        <a:srgbClr val="DC1E23"/>
+      </a:dk2>
+      <a:lt2>
+        <a:srgbClr val="BF9D23"/>
+      </a:lt2>
+      <a:accent1>
+        <a:srgbClr val="DC1E23"/>
+      </a:accent1>
+      <a:accent2>
+        <a:srgbClr val="BF9D23"/>
+      </a:accent2>
+      <a:accent3>
+        <a:srgbClr val="702C80"/>
+      </a:accent3>
+      <a:accent4>
+        <a:srgbClr val="164B81"/>
+      </a:accent4>
+      <a:accent5>
+        <a:srgbClr val="117845"/>
+      </a:accent5>
+      <a:accent6>
+        <a:srgbClr val="EDDC9E"/>
+      </a:accent6>
+      <a:hlink>
+        <a:srgbClr val="0563C1"/>
+      </a:hlink>
+      <a:folHlink>
+        <a:srgbClr val="954F72"/>
+      </a:folHlink>
+    </a:clrScheme>
+    <a:fontScheme name="Custom 2">
+      <a:majorFont>
+        <a:latin typeface="Arial"/>
+        <a:ea typeface=""/>
+        <a:cs typeface=""/>
+      </a:majorFont>
+      <a:minorFont>
+        <a:latin typeface="Arial"/>
+        <a:ea typeface=""/>
+        <a:cs typeface=""/>
+      </a:minorFont>
+    </a:fontScheme>
+    <a:fmtScheme name="Office">
+      <a:fillStyleLst>
+        <a:solidFill>
+          <a:schemeClr val="phClr"/>
+        </a:solidFill>
+        <a:gradFill rotWithShape="1">
+          <a:gsLst>
+            <a:gs pos="0">
+              <a:schemeClr val="phClr">
+                <a:lumMod val="110000"/>
+                <a:satMod val="105000"/>
+                <a:tint val="67000"/>
+              </a:schemeClr>
+            </a:gs>
+            <a:gs pos="50000">
+              <a:schemeClr val="phClr">
+                <a:lumMod val="105000"/>
+                <a:satMod val="103000"/>
+                <a:tint val="73000"/>
+              </a:schemeClr>
+            </a:gs>
+            <a:gs pos="100000">
+              <a:schemeClr val="phClr">
+                <a:lumMod val="105000"/>
+                <a:satMod val="109000"/>
+                <a:tint val="81000"/>
+              </a:schemeClr>
+            </a:gs>
+          </a:gsLst>
+          <a:lin ang="5400000" scaled="0"/>
+        </a:gradFill>
+        <a:gradFill rotWithShape="1">
+          <a:gsLst>
+            <a:gs pos="0">
+              <a:schemeClr val="phClr">
+                <a:satMod val="103000"/>
+                <a:lumMod val="102000"/>
+                <a:tint val="94000"/>
+              </a:schemeClr>
+            </a:gs>
+            <a:gs pos="50000">
+              <a:schemeClr val="phClr">
+                <a:satMod val="110000"/>
+                <a:lumMod val="100000"/>
+                <a:shade val="100000"/>
+              </a:schemeClr>
+            </a:gs>
+            <a:gs pos="100000">
+              <a:schemeClr val="phClr">
+                <a:lumMod val="99000"/>
+                <a:satMod val="120000"/>
+                <a:shade val="78000"/>
+              </a:schemeClr>
+            </a:gs>
+          </a:gsLst>
+          <a:lin ang="5400000" scaled="0"/>
+        </a:gradFill>
+      </a:fillStyleLst>
+      <a:lnStyleLst>
+        <a:ln w="6350" cap="flat" cmpd="sng" algn="ctr">
+          <a:solidFill>
+            <a:schemeClr val="phClr"/>
+          </a:solidFill>
+          <a:prstDash val="solid"/>
+          <a:miter lim="800000"/>
+        </a:ln>
+        <a:ln w="12700" cap="flat" cmpd="sng" algn="ctr">
+          <a:solidFill>
+            <a:schemeClr val="phClr"/>
+          </a:solidFill>
+          <a:prstDash val="solid"/>
+          <a:miter lim="800000"/>
+        </a:ln>
+        <a:ln w="19050" cap="flat" cmpd="sng" algn="ctr">
+          <a:solidFill>
+            <a:schemeClr val="phClr"/>
+          </a:solidFill>
+          <a:prstDash val="solid"/>
+          <a:miter lim="800000"/>
+        </a:ln>
+      </a:lnStyleLst>
+      <a:effectStyleLst>
+        <a:effectStyle>
+          <a:effectLst/>
+        </a:effectStyle>
+        <a:effectStyle>
+          <a:effectLst/>
+        </a:effectStyle>
+        <a:effectStyle>
+          <a:effectLst>
+            <a:outerShdw blurRad="57150" dist="19050" dir="5400000" algn="ctr" rotWithShape="0">
+              <a:srgbClr val="000000">
+                <a:alpha val="63000"/>
+              </a:srgbClr>
+            </a:outerShdw>
+          </a:effectLst>
+        </a:effectStyle>
+      </a:effectStyleLst>
+      <a:bgFillStyleLst>
+        <a:solidFill>
+          <a:schemeClr val="phClr"/>
+        </a:solidFill>
+        <a:solidFill>
+          <a:schemeClr val="phClr">
+            <a:tint val="95000"/>
+            <a:satMod val="170000"/>
+          </a:schemeClr>
+        </a:solidFill>
+        <a:gradFill rotWithShape="1">
+          <a:gsLst>
+            <a:gs pos="0">
+              <a:schemeClr val="phClr">
+                <a:tint val="93000"/>
+                <a:satMod val="150000"/>
+                <a:shade val="98000"/>
+                <a:lumMod val="102000"/>
+              </a:schemeClr>
+            </a:gs>
+            <a:gs pos="50000">
+              <a:schemeClr val="phClr">
+                <a:tint val="98000"/>
+                <a:satMod val="130000"/>
+                <a:shade val="90000"/>
+                <a:lumMod val="103000"/>
+              </a:schemeClr>
+            </a:gs>
+            <a:gs pos="100000">
+              <a:schemeClr val="phClr">
+                <a:shade val="63000"/>
+                <a:satMod val="120000"/>
+              </a:schemeClr>
+            </a:gs>
+          </a:gsLst>
+          <a:lin ang="5400000" scaled="0"/>
+        </a:gradFill>
+      </a:bgFillStyleLst>
+    </a:fmtScheme>
+  </a:themeElements>
+  <a:objectDefaults/>
+  <a:extraClrSchemeLst/>
+  <a:extLst>
+    <a:ext uri="{05A4C25C-085E-4340-85A3-A5531E510DB2}">
+      <thm15:themeFamily xmlns:thm15="http://schemas.microsoft.com/office/thememl/2012/main" name="PP_INFOSKJERM_43_LYS" id="{6C697581-F9F1-4417-BDB3-3CD14676EB57}" vid="{A5281A10-5B86-4B0A-8A85-A3EA7AAB0AA7}"/>
+    </a:ext>
+  </a:extLst>
+</a:theme>
+</file>
+
+<file path=ppt/theme/theme8.xml><?xml version="1.0" encoding="utf-8"?>
+<a:theme xmlns:a="http://schemas.openxmlformats.org/drawingml/2006/main" name="7_Office-tema">
+  <a:themeElements>
+    <a:clrScheme name="Egendefinert 9">
+      <a:dk1>
+        <a:sysClr val="windowText" lastClr="000000"/>
+      </a:dk1>
+      <a:lt1>
+        <a:sysClr val="window" lastClr="FFFFFF"/>
+      </a:lt1>
+      <a:dk2>
+        <a:srgbClr val="DC1E23"/>
+      </a:dk2>
+      <a:lt2>
+        <a:srgbClr val="BF9D23"/>
+      </a:lt2>
+      <a:accent1>
+        <a:srgbClr val="DC1E23"/>
+      </a:accent1>
+      <a:accent2>
+        <a:srgbClr val="BF9D23"/>
+      </a:accent2>
+      <a:accent3>
+        <a:srgbClr val="702C80"/>
+      </a:accent3>
+      <a:accent4>
+        <a:srgbClr val="164B81"/>
+      </a:accent4>
+      <a:accent5>
+        <a:srgbClr val="117845"/>
+      </a:accent5>
+      <a:accent6>
+        <a:srgbClr val="EDDC9E"/>
+      </a:accent6>
+      <a:hlink>
+        <a:srgbClr val="0563C1"/>
+      </a:hlink>
+      <a:folHlink>
+        <a:srgbClr val="954F72"/>
+      </a:folHlink>
+    </a:clrScheme>
+    <a:fontScheme name="Custom 2">
+      <a:majorFont>
+        <a:latin typeface="Arial"/>
+        <a:ea typeface=""/>
+        <a:cs typeface=""/>
+      </a:majorFont>
+      <a:minorFont>
+        <a:latin typeface="Arial"/>
+        <a:ea typeface=""/>
+        <a:cs typeface=""/>
+      </a:minorFont>
+    </a:fontScheme>
+    <a:fmtScheme name="Office">
+      <a:fillStyleLst>
+        <a:solidFill>
+          <a:schemeClr val="phClr"/>
+        </a:solidFill>
+        <a:gradFill rotWithShape="1">
+          <a:gsLst>
+            <a:gs pos="0">
+              <a:schemeClr val="phClr">
+                <a:lumMod val="110000"/>
+                <a:satMod val="105000"/>
+                <a:tint val="67000"/>
+              </a:schemeClr>
+            </a:gs>
+            <a:gs pos="50000">
+              <a:schemeClr val="phClr">
+                <a:lumMod val="105000"/>
+                <a:satMod val="103000"/>
+                <a:tint val="73000"/>
+              </a:schemeClr>
+            </a:gs>
+            <a:gs pos="100000">
+              <a:schemeClr val="phClr">
+                <a:lumMod val="105000"/>
+                <a:satMod val="109000"/>
+                <a:tint val="81000"/>
+              </a:schemeClr>
+            </a:gs>
+          </a:gsLst>
+          <a:lin ang="5400000" scaled="0"/>
+        </a:gradFill>
+        <a:gradFill rotWithShape="1">
+          <a:gsLst>
+            <a:gs pos="0">
+              <a:schemeClr val="phClr">
+                <a:satMod val="103000"/>
+                <a:lumMod val="102000"/>
+                <a:tint val="94000"/>
+              </a:schemeClr>
+            </a:gs>
+            <a:gs pos="50000">
+              <a:schemeClr val="phClr">
+                <a:satMod val="110000"/>
+                <a:lumMod val="100000"/>
+                <a:shade val="100000"/>
+              </a:schemeClr>
+            </a:gs>
+            <a:gs pos="100000">
+              <a:schemeClr val="phClr">
+                <a:lumMod val="99000"/>
+                <a:satMod val="120000"/>
+                <a:shade val="78000"/>
+              </a:schemeClr>
+            </a:gs>
+          </a:gsLst>
+          <a:lin ang="5400000" scaled="0"/>
+        </a:gradFill>
+      </a:fillStyleLst>
+      <a:lnStyleLst>
+        <a:ln w="6350" cap="flat" cmpd="sng" algn="ctr">
+          <a:solidFill>
+            <a:schemeClr val="phClr"/>
+          </a:solidFill>
+          <a:prstDash val="solid"/>
+          <a:miter lim="800000"/>
+        </a:ln>
+        <a:ln w="12700" cap="flat" cmpd="sng" algn="ctr">
+          <a:solidFill>
+            <a:schemeClr val="phClr"/>
+          </a:solidFill>
+          <a:prstDash val="solid"/>
+          <a:miter lim="800000"/>
+        </a:ln>
+        <a:ln w="19050" cap="flat" cmpd="sng" algn="ctr">
+          <a:solidFill>
+            <a:schemeClr val="phClr"/>
+          </a:solidFill>
+          <a:prstDash val="solid"/>
+          <a:miter lim="800000"/>
+        </a:ln>
+      </a:lnStyleLst>
+      <a:effectStyleLst>
+        <a:effectStyle>
+          <a:effectLst/>
+        </a:effectStyle>
+        <a:effectStyle>
+          <a:effectLst/>
+        </a:effectStyle>
+        <a:effectStyle>
+          <a:effectLst>
+            <a:outerShdw blurRad="57150" dist="19050" dir="5400000" algn="ctr" rotWithShape="0">
+              <a:srgbClr val="000000">
+                <a:alpha val="63000"/>
+              </a:srgbClr>
+            </a:outerShdw>
+          </a:effectLst>
+        </a:effectStyle>
+      </a:effectStyleLst>
+      <a:bgFillStyleLst>
+        <a:solidFill>
+          <a:schemeClr val="phClr"/>
+        </a:solidFill>
+        <a:solidFill>
+          <a:schemeClr val="phClr">
+            <a:tint val="95000"/>
+            <a:satMod val="170000"/>
+          </a:schemeClr>
+        </a:solidFill>
+        <a:gradFill rotWithShape="1">
+          <a:gsLst>
+            <a:gs pos="0">
+              <a:schemeClr val="phClr">
+                <a:tint val="93000"/>
+                <a:satMod val="150000"/>
+                <a:shade val="98000"/>
+                <a:lumMod val="102000"/>
+              </a:schemeClr>
+            </a:gs>
+            <a:gs pos="50000">
+              <a:schemeClr val="phClr">
+                <a:tint val="98000"/>
+                <a:satMod val="130000"/>
+                <a:shade val="90000"/>
+                <a:lumMod val="103000"/>
+              </a:schemeClr>
+            </a:gs>
+            <a:gs pos="100000">
+              <a:schemeClr val="phClr">
+                <a:shade val="63000"/>
+                <a:satMod val="120000"/>
+              </a:schemeClr>
+            </a:gs>
+          </a:gsLst>
+          <a:lin ang="5400000" scaled="0"/>
+        </a:gradFill>
+      </a:bgFillStyleLst>
+    </a:fmtScheme>
+  </a:themeElements>
+  <a:objectDefaults/>
+  <a:extraClrSchemeLst/>
+  <a:extLst>
+    <a:ext uri="{05A4C25C-085E-4340-85A3-A5531E510DB2}">
+      <thm15:themeFamily xmlns:thm15="http://schemas.microsoft.com/office/thememl/2012/main" name="PP_INFOSKJERM_43_LYS" id="{6C697581-F9F1-4417-BDB3-3CD14676EB57}" vid="{BDFCE9D2-9F72-45AE-9491-EA7047EAB3AB}"/>
+    </a:ext>
+  </a:extLst>
+</a:theme>
+</file>
+
+<file path=ppt/theme/theme9.xml><?xml version="1.0" encoding="utf-8"?>
 <a:theme xmlns:a="http://schemas.openxmlformats.org/drawingml/2006/main" name="Office-tema">
   <a:themeElements>
     <a:clrScheme name="Office">
@@ -9439,9 +14656,21 @@
 </file>
 
 <file path=customXml/item1.xml><?xml version="1.0" encoding="utf-8"?>
-<ct:contentTypeSchema xmlns:ct="http://schemas.microsoft.com/office/2006/metadata/contentType" xmlns:ma="http://schemas.microsoft.com/office/2006/metadata/properties/metaAttributes" ct:_="" ma:_="" ma:contentTypeName="Dokument" ma:contentTypeID="0x010100D982FC97A4EB864EBF6B6ADD443A67CC" ma:contentTypeVersion="11" ma:contentTypeDescription="Opprett et nytt dokument." ma:contentTypeScope="" ma:versionID="1243dad0bdc800c2168160044757ccfa">
-  <xsd:schema xmlns:xsd="http://www.w3.org/2001/XMLSchema" xmlns:xs="http://www.w3.org/2001/XMLSchema" xmlns:p="http://schemas.microsoft.com/office/2006/metadata/properties" xmlns:ns2="3b00a67f-9791-437e-b702-303a706ea042" targetNamespace="http://schemas.microsoft.com/office/2006/metadata/properties" ma:root="true" ma:fieldsID="9f2b7ce840c78a2065a44a5a957cc1d0" ns2:_="">
+<p:properties xmlns:p="http://schemas.microsoft.com/office/2006/metadata/properties" xmlns:xsi="http://www.w3.org/2001/XMLSchema-instance" xmlns:pc="http://schemas.microsoft.com/office/infopath/2007/PartnerControls">
+  <documentManagement>
+    <lcf76f155ced4ddcb4097134ff3c332f xmlns="3b00a67f-9791-437e-b702-303a706ea042">
+      <Terms xmlns="http://schemas.microsoft.com/office/infopath/2007/PartnerControls"/>
+    </lcf76f155ced4ddcb4097134ff3c332f>
+    <TaxCatchAll xmlns="7dc3d6ed-56f1-49b6-b310-0ff680cfe62a" xsi:nil="true"/>
+  </documentManagement>
+</p:properties>
+</file>
+
+<file path=customXml/item2.xml><?xml version="1.0" encoding="utf-8"?>
+<ct:contentTypeSchema xmlns:ct="http://schemas.microsoft.com/office/2006/metadata/contentType" xmlns:ma="http://schemas.microsoft.com/office/2006/metadata/properties/metaAttributes" ct:_="" ma:_="" ma:contentTypeName="Dokument" ma:contentTypeID="0x010100D982FC97A4EB864EBF6B6ADD443A67CC" ma:contentTypeVersion="14" ma:contentTypeDescription="Opprett et nytt dokument." ma:contentTypeScope="" ma:versionID="a59811bd92298090e6a76c55d4651efa">
+  <xsd:schema xmlns:xsd="http://www.w3.org/2001/XMLSchema" xmlns:xs="http://www.w3.org/2001/XMLSchema" xmlns:p="http://schemas.microsoft.com/office/2006/metadata/properties" xmlns:ns2="3b00a67f-9791-437e-b702-303a706ea042" xmlns:ns3="7dc3d6ed-56f1-49b6-b310-0ff680cfe62a" targetNamespace="http://schemas.microsoft.com/office/2006/metadata/properties" ma:root="true" ma:fieldsID="4c3e1f195df9422cebd772257e8ef87d" ns2:_="" ns3:_="">
     <xsd:import namespace="3b00a67f-9791-437e-b702-303a706ea042"/>
+    <xsd:import namespace="7dc3d6ed-56f1-49b6-b310-0ff680cfe62a"/>
     <xsd:element name="properties">
       <xsd:complexType>
         <xsd:sequence>
@@ -9459,6 +14688,8 @@
                 <xsd:element ref="ns2:MediaServiceKeyPoints" minOccurs="0"/>
                 <xsd:element ref="ns2:MediaServiceLocation" minOccurs="0"/>
                 <xsd:element ref="ns2:MediaLengthInSeconds" minOccurs="0"/>
+                <xsd:element ref="ns2:lcf76f155ced4ddcb4097134ff3c332f" minOccurs="0"/>
+                <xsd:element ref="ns3:TaxCatchAll" minOccurs="0"/>
               </xsd:all>
             </xsd:complexType>
           </xsd:element>
@@ -9527,6 +14758,28 @@
       <xsd:simpleType>
         <xsd:restriction base="dms:Unknown"/>
       </xsd:simpleType>
+    </xsd:element>
+    <xsd:element name="lcf76f155ced4ddcb4097134ff3c332f" ma:index="20" nillable="true" ma:taxonomy="true" ma:internalName="lcf76f155ced4ddcb4097134ff3c332f" ma:taxonomyFieldName="MediaServiceImageTags" ma:displayName="Bildemerkelapper" ma:readOnly="false" ma:fieldId="{5cf76f15-5ced-4ddc-b409-7134ff3c332f}" ma:taxonomyMulti="true" ma:sspId="378a55df-a9cd-4882-8adc-9ae50d80558a" ma:termSetId="09814cd3-568e-fe90-9814-8d621ff8fb84" ma:anchorId="fba54fb3-c3e1-fe81-a776-ca4b69148c4d" ma:open="true" ma:isKeyword="false">
+      <xsd:complexType>
+        <xsd:sequence>
+          <xsd:element ref="pc:Terms" minOccurs="0" maxOccurs="1"/>
+        </xsd:sequence>
+      </xsd:complexType>
+    </xsd:element>
+  </xsd:schema>
+  <xsd:schema xmlns:xsd="http://www.w3.org/2001/XMLSchema" xmlns:xs="http://www.w3.org/2001/XMLSchema" xmlns:dms="http://schemas.microsoft.com/office/2006/documentManagement/types" xmlns:pc="http://schemas.microsoft.com/office/infopath/2007/PartnerControls" targetNamespace="7dc3d6ed-56f1-49b6-b310-0ff680cfe62a" elementFormDefault="qualified">
+    <xsd:import namespace="http://schemas.microsoft.com/office/2006/documentManagement/types"/>
+    <xsd:import namespace="http://schemas.microsoft.com/office/infopath/2007/PartnerControls"/>
+    <xsd:element name="TaxCatchAll" ma:index="21" nillable="true" ma:displayName="Taxonomy Catch All Column" ma:hidden="true" ma:list="{a9d73458-8fb0-4777-9551-357d96ad6676}" ma:internalName="TaxCatchAll" ma:showField="CatchAllData" ma:web="7dc3d6ed-56f1-49b6-b310-0ff680cfe62a">
+      <xsd:complexType>
+        <xsd:complexContent>
+          <xsd:extension base="dms:MultiChoiceLookup">
+            <xsd:sequence>
+              <xsd:element name="Value" type="dms:Lookup" maxOccurs="unbounded" minOccurs="0" nillable="true"/>
+            </xsd:sequence>
+          </xsd:extension>
+        </xsd:complexContent>
+      </xsd:complexType>
     </xsd:element>
   </xsd:schema>
   <xsd:schema xmlns="http://schemas.openxmlformats.org/package/2006/metadata/core-properties" xmlns:xsd="http://www.w3.org/2001/XMLSchema" xmlns:xsi="http://www.w3.org/2001/XMLSchema-instance" xmlns:dc="http://purl.org/dc/elements/1.1/" xmlns:dcterms="http://purl.org/dc/terms/" xmlns:odoc="http://schemas.microsoft.com/internal/obd" targetNamespace="http://schemas.openxmlformats.org/package/2006/metadata/core-properties" elementFormDefault="qualified" attributeFormDefault="unqualified" blockDefault="#all">
@@ -9628,7 +14881,7 @@
 </ct:contentTypeSchema>
 </file>
 
-<file path=customXml/item2.xml><?xml version="1.0" encoding="utf-8"?>
+<file path=customXml/item3.xml><?xml version="1.0" encoding="utf-8"?>
 <?mso-contentType ?>
 <FormTemplates xmlns="http://schemas.microsoft.com/sharepoint/v3/contenttype/forms">
   <Display>DocumentLibraryForm</Display>
@@ -9637,20 +14890,26 @@
 </FormTemplates>
 </file>
 
-<file path=customXml/item3.xml><?xml version="1.0" encoding="utf-8"?>
-<p:properties xmlns:p="http://schemas.microsoft.com/office/2006/metadata/properties" xmlns:xsi="http://www.w3.org/2001/XMLSchema-instance" xmlns:pc="http://schemas.microsoft.com/office/infopath/2007/PartnerControls">
-  <documentManagement/>
-</p:properties>
+<file path=customXml/itemProps1.xml><?xml version="1.0" encoding="utf-8"?>
+<ds:datastoreItem xmlns:ds="http://schemas.openxmlformats.org/officeDocument/2006/customXml" ds:itemID="{D9DB3519-7B74-42B9-AFAF-E1B5A2C23163}">
+  <ds:schemaRefs>
+    <ds:schemaRef ds:uri="http://schemas.microsoft.com/office/2006/metadata/properties"/>
+    <ds:schemaRef ds:uri="http://schemas.microsoft.com/office/infopath/2007/PartnerControls"/>
+    <ds:schemaRef ds:uri="3b00a67f-9791-437e-b702-303a706ea042"/>
+    <ds:schemaRef ds:uri="7dc3d6ed-56f1-49b6-b310-0ff680cfe62a"/>
+  </ds:schemaRefs>
+</ds:datastoreItem>
 </file>
 
-<file path=customXml/itemProps1.xml><?xml version="1.0" encoding="utf-8"?>
-<ds:datastoreItem xmlns:ds="http://schemas.openxmlformats.org/officeDocument/2006/customXml" ds:itemID="{E0F03A38-3823-4992-8579-9FD4AB0CEEC1}">
+<file path=customXml/itemProps2.xml><?xml version="1.0" encoding="utf-8"?>
+<ds:datastoreItem xmlns:ds="http://schemas.openxmlformats.org/officeDocument/2006/customXml" ds:itemID="{603D35C8-A652-4898-BD95-B10545182D6C}">
   <ds:schemaRefs>
     <ds:schemaRef ds:uri="http://schemas.microsoft.com/office/2006/metadata/contentType"/>
     <ds:schemaRef ds:uri="http://schemas.microsoft.com/office/2006/metadata/properties/metaAttributes"/>
     <ds:schemaRef ds:uri="http://www.w3.org/2001/XMLSchema"/>
     <ds:schemaRef ds:uri="http://schemas.microsoft.com/office/2006/metadata/properties"/>
     <ds:schemaRef ds:uri="3b00a67f-9791-437e-b702-303a706ea042"/>
+    <ds:schemaRef ds:uri="7dc3d6ed-56f1-49b6-b310-0ff680cfe62a"/>
     <ds:schemaRef ds:uri="http://schemas.microsoft.com/office/2006/documentManagement/types"/>
     <ds:schemaRef ds:uri="http://schemas.microsoft.com/office/infopath/2007/PartnerControls"/>
     <ds:schemaRef ds:uri="http://schemas.openxmlformats.org/package/2006/metadata/core-properties"/>
@@ -9661,19 +14920,10 @@
 </ds:datastoreItem>
 </file>
 
-<file path=customXml/itemProps2.xml><?xml version="1.0" encoding="utf-8"?>
+<file path=customXml/itemProps3.xml><?xml version="1.0" encoding="utf-8"?>
 <ds:datastoreItem xmlns:ds="http://schemas.openxmlformats.org/officeDocument/2006/customXml" ds:itemID="{A4DDC473-5CE2-4084-829A-8BB3644474E6}">
   <ds:schemaRefs>
     <ds:schemaRef ds:uri="http://schemas.microsoft.com/sharepoint/v3/contenttype/forms"/>
   </ds:schemaRefs>
 </ds:datastoreItem>
-</file>
-
-<file path=customXml/itemProps3.xml><?xml version="1.0" encoding="utf-8"?>
-<ds:datastoreItem xmlns:ds="http://schemas.openxmlformats.org/officeDocument/2006/customXml" ds:itemID="{D9DB3519-7B74-42B9-AFAF-E1B5A2C23163}">
-  <ds:schemaRefs>
-    <ds:schemaRef ds:uri="http://schemas.microsoft.com/office/2006/metadata/properties"/>
-    <ds:schemaRef ds:uri="http://schemas.microsoft.com/office/infopath/2007/PartnerControls"/>
-  </ds:schemaRefs>
-</ds:datastoreItem>
 </file>